--- a/Presentation.pptx
+++ b/Presentation.pptx
@@ -7,10 +7,20 @@
   <p:sldIdLst>
     <p:sldId id="256" r:id="rId2"/>
     <p:sldId id="261" r:id="rId3"/>
-    <p:sldId id="262" r:id="rId4"/>
-    <p:sldId id="263" r:id="rId5"/>
-    <p:sldId id="265" r:id="rId6"/>
-    <p:sldId id="267" r:id="rId7"/>
+    <p:sldId id="273" r:id="rId4"/>
+    <p:sldId id="274" r:id="rId5"/>
+    <p:sldId id="275" r:id="rId6"/>
+    <p:sldId id="276" r:id="rId7"/>
+    <p:sldId id="277" r:id="rId8"/>
+    <p:sldId id="278" r:id="rId9"/>
+    <p:sldId id="272" r:id="rId10"/>
+    <p:sldId id="262" r:id="rId11"/>
+    <p:sldId id="263" r:id="rId12"/>
+    <p:sldId id="265" r:id="rId13"/>
+    <p:sldId id="267" r:id="rId14"/>
+    <p:sldId id="268" r:id="rId15"/>
+    <p:sldId id="269" r:id="rId16"/>
+    <p:sldId id="270" r:id="rId17"/>
   </p:sldIdLst>
   <p:sldSz cx="12192000" cy="6858000"/>
   <p:notesSz cx="6858000" cy="9144000"/>
@@ -120,7 +130,7 @@
 <file path=ppt/revisionInfo.xml><?xml version="1.0" encoding="utf-8"?>
 <p1510:revInfo xmlns:a="http://schemas.openxmlformats.org/drawingml/2006/main" xmlns:r="http://schemas.openxmlformats.org/officeDocument/2006/relationships" xmlns:p1510="http://schemas.microsoft.com/office/powerpoint/2015/10/main">
   <p1510:revLst>
-    <p1510:client id="{61169EC1-6E97-4775-8896-1E204A4BA217}" v="2" dt="2020-04-27T11:41:30.425"/>
+    <p1510:client id="{61169EC1-6E97-4775-8896-1E204A4BA217}" v="105" dt="2020-04-27T15:35:04.110"/>
     <p1510:client id="{C4EBCAC2-7303-4F34-A045-F63A38D29846}" v="55" dt="2020-04-27T10:12:37.367"/>
   </p1510:revLst>
 </p1510:revInfo>
@@ -390,11 +400,49 @@
   </pc:docChgLst>
   <pc:docChgLst>
     <pc:chgData name="Sujith" userId="59b95574-bd7a-487d-a4ce-375f9df81140" providerId="ADAL" clId="{61169EC1-6E97-4775-8896-1E204A4BA217}"/>
-    <pc:docChg chg="undo custSel delSld modSld">
-      <pc:chgData name="Sujith" userId="59b95574-bd7a-487d-a4ce-375f9df81140" providerId="ADAL" clId="{61169EC1-6E97-4775-8896-1E204A4BA217}" dt="2020-04-27T11:44:42.714" v="99" actId="47"/>
+    <pc:docChg chg="undo custSel addSld delSld modSld">
+      <pc:chgData name="Sujith" userId="59b95574-bd7a-487d-a4ce-375f9df81140" providerId="ADAL" clId="{61169EC1-6E97-4775-8896-1E204A4BA217}" dt="2020-04-27T15:44:55.245" v="1625" actId="47"/>
       <pc:docMkLst>
         <pc:docMk/>
       </pc:docMkLst>
+      <pc:sldChg chg="modSp mod">
+        <pc:chgData name="Sujith" userId="59b95574-bd7a-487d-a4ce-375f9df81140" providerId="ADAL" clId="{61169EC1-6E97-4775-8896-1E204A4BA217}" dt="2020-04-27T14:57:41.274" v="594" actId="20577"/>
+        <pc:sldMkLst>
+          <pc:docMk/>
+          <pc:sldMk cId="659774344" sldId="261"/>
+        </pc:sldMkLst>
+        <pc:spChg chg="mod">
+          <ac:chgData name="Sujith" userId="59b95574-bd7a-487d-a4ce-375f9df81140" providerId="ADAL" clId="{61169EC1-6E97-4775-8896-1E204A4BA217}" dt="2020-04-27T14:49:29.639" v="370" actId="20577"/>
+          <ac:spMkLst>
+            <pc:docMk/>
+            <pc:sldMk cId="659774344" sldId="261"/>
+            <ac:spMk id="2" creationId="{4065E643-644B-4264-9737-B9286B85B6F4}"/>
+          </ac:spMkLst>
+        </pc:spChg>
+        <pc:spChg chg="mod">
+          <ac:chgData name="Sujith" userId="59b95574-bd7a-487d-a4ce-375f9df81140" providerId="ADAL" clId="{61169EC1-6E97-4775-8896-1E204A4BA217}" dt="2020-04-27T14:57:41.274" v="594" actId="20577"/>
+          <ac:spMkLst>
+            <pc:docMk/>
+            <pc:sldMk cId="659774344" sldId="261"/>
+            <ac:spMk id="3" creationId="{BCB1466C-A01B-4335-B8D0-E83C6EDF00A3}"/>
+          </ac:spMkLst>
+        </pc:spChg>
+      </pc:sldChg>
+      <pc:sldChg chg="modSp mod">
+        <pc:chgData name="Sujith" userId="59b95574-bd7a-487d-a4ce-375f9df81140" providerId="ADAL" clId="{61169EC1-6E97-4775-8896-1E204A4BA217}" dt="2020-04-27T14:29:38.930" v="227" actId="20577"/>
+        <pc:sldMkLst>
+          <pc:docMk/>
+          <pc:sldMk cId="2737872920" sldId="263"/>
+        </pc:sldMkLst>
+        <pc:spChg chg="mod">
+          <ac:chgData name="Sujith" userId="59b95574-bd7a-487d-a4ce-375f9df81140" providerId="ADAL" clId="{61169EC1-6E97-4775-8896-1E204A4BA217}" dt="2020-04-27T14:29:38.930" v="227" actId="20577"/>
+          <ac:spMkLst>
+            <pc:docMk/>
+            <pc:sldMk cId="2737872920" sldId="263"/>
+            <ac:spMk id="3" creationId="{BCB1466C-A01B-4335-B8D0-E83C6EDF00A3}"/>
+          </ac:spMkLst>
+        </pc:spChg>
+      </pc:sldChg>
       <pc:sldChg chg="modSp mod">
         <pc:chgData name="Sujith" userId="59b95574-bd7a-487d-a4ce-375f9df81140" providerId="ADAL" clId="{61169EC1-6E97-4775-8896-1E204A4BA217}" dt="2020-04-27T11:44:17.621" v="93" actId="20577"/>
         <pc:sldMkLst>
@@ -434,13 +482,21 @@
         </pc:spChg>
       </pc:sldChg>
       <pc:sldChg chg="modSp mod">
-        <pc:chgData name="Sujith" userId="59b95574-bd7a-487d-a4ce-375f9df81140" providerId="ADAL" clId="{61169EC1-6E97-4775-8896-1E204A4BA217}" dt="2020-04-27T11:43:39.686" v="60" actId="20577"/>
+        <pc:chgData name="Sujith" userId="59b95574-bd7a-487d-a4ce-375f9df81140" providerId="ADAL" clId="{61169EC1-6E97-4775-8896-1E204A4BA217}" dt="2020-04-27T14:21:49.797" v="204" actId="14"/>
         <pc:sldMkLst>
           <pc:docMk/>
           <pc:sldMk cId="3251982746" sldId="267"/>
         </pc:sldMkLst>
         <pc:spChg chg="mod">
-          <ac:chgData name="Sujith" userId="59b95574-bd7a-487d-a4ce-375f9df81140" providerId="ADAL" clId="{61169EC1-6E97-4775-8896-1E204A4BA217}" dt="2020-04-27T11:43:39.686" v="60" actId="20577"/>
+          <ac:chgData name="Sujith" userId="59b95574-bd7a-487d-a4ce-375f9df81140" providerId="ADAL" clId="{61169EC1-6E97-4775-8896-1E204A4BA217}" dt="2020-04-27T12:23:35.714" v="114" actId="20577"/>
+          <ac:spMkLst>
+            <pc:docMk/>
+            <pc:sldMk cId="3251982746" sldId="267"/>
+            <ac:spMk id="2" creationId="{4065E643-644B-4264-9737-B9286B85B6F4}"/>
+          </ac:spMkLst>
+        </pc:spChg>
+        <pc:spChg chg="mod">
+          <ac:chgData name="Sujith" userId="59b95574-bd7a-487d-a4ce-375f9df81140" providerId="ADAL" clId="{61169EC1-6E97-4775-8896-1E204A4BA217}" dt="2020-04-27T14:21:49.797" v="204" actId="14"/>
           <ac:spMkLst>
             <pc:docMk/>
             <pc:sldMk cId="3251982746" sldId="267"/>
@@ -455,6 +511,21 @@
           <pc:sldMk cId="2349207538" sldId="268"/>
         </pc:sldMkLst>
       </pc:sldChg>
+      <pc:sldChg chg="modSp add mod">
+        <pc:chgData name="Sujith" userId="59b95574-bd7a-487d-a4ce-375f9df81140" providerId="ADAL" clId="{61169EC1-6E97-4775-8896-1E204A4BA217}" dt="2020-04-27T14:36:23.526" v="241" actId="14"/>
+        <pc:sldMkLst>
+          <pc:docMk/>
+          <pc:sldMk cId="3943015498" sldId="268"/>
+        </pc:sldMkLst>
+        <pc:spChg chg="mod">
+          <ac:chgData name="Sujith" userId="59b95574-bd7a-487d-a4ce-375f9df81140" providerId="ADAL" clId="{61169EC1-6E97-4775-8896-1E204A4BA217}" dt="2020-04-27T14:36:23.526" v="241" actId="14"/>
+          <ac:spMkLst>
+            <pc:docMk/>
+            <pc:sldMk cId="3943015498" sldId="268"/>
+            <ac:spMk id="3" creationId="{BCB1466C-A01B-4335-B8D0-E83C6EDF00A3}"/>
+          </ac:spMkLst>
+        </pc:spChg>
+      </pc:sldChg>
       <pc:sldChg chg="del">
         <pc:chgData name="Sujith" userId="59b95574-bd7a-487d-a4ce-375f9df81140" providerId="ADAL" clId="{61169EC1-6E97-4775-8896-1E204A4BA217}" dt="2020-04-27T11:44:41.967" v="98" actId="47"/>
         <pc:sldMkLst>
@@ -462,12 +533,65 @@
           <pc:sldMk cId="981113262" sldId="269"/>
         </pc:sldMkLst>
       </pc:sldChg>
+      <pc:sldChg chg="modSp add mod">
+        <pc:chgData name="Sujith" userId="59b95574-bd7a-487d-a4ce-375f9df81140" providerId="ADAL" clId="{61169EC1-6E97-4775-8896-1E204A4BA217}" dt="2020-04-27T14:38:59.799" v="273" actId="20577"/>
+        <pc:sldMkLst>
+          <pc:docMk/>
+          <pc:sldMk cId="2715075549" sldId="269"/>
+        </pc:sldMkLst>
+        <pc:spChg chg="mod">
+          <ac:chgData name="Sujith" userId="59b95574-bd7a-487d-a4ce-375f9df81140" providerId="ADAL" clId="{61169EC1-6E97-4775-8896-1E204A4BA217}" dt="2020-04-27T14:38:59.799" v="273" actId="20577"/>
+          <ac:spMkLst>
+            <pc:docMk/>
+            <pc:sldMk cId="2715075549" sldId="269"/>
+            <ac:spMk id="3" creationId="{BCB1466C-A01B-4335-B8D0-E83C6EDF00A3}"/>
+          </ac:spMkLst>
+        </pc:spChg>
+      </pc:sldChg>
       <pc:sldChg chg="del">
         <pc:chgData name="Sujith" userId="59b95574-bd7a-487d-a4ce-375f9df81140" providerId="ADAL" clId="{61169EC1-6E97-4775-8896-1E204A4BA217}" dt="2020-04-27T11:44:41.502" v="97" actId="47"/>
         <pc:sldMkLst>
           <pc:docMk/>
           <pc:sldMk cId="1201142730" sldId="270"/>
         </pc:sldMkLst>
+      </pc:sldChg>
+      <pc:sldChg chg="modSp add mod">
+        <pc:chgData name="Sujith" userId="59b95574-bd7a-487d-a4ce-375f9df81140" providerId="ADAL" clId="{61169EC1-6E97-4775-8896-1E204A4BA217}" dt="2020-04-27T14:43:34.440" v="351" actId="20577"/>
+        <pc:sldMkLst>
+          <pc:docMk/>
+          <pc:sldMk cId="2916577064" sldId="270"/>
+        </pc:sldMkLst>
+        <pc:spChg chg="mod">
+          <ac:chgData name="Sujith" userId="59b95574-bd7a-487d-a4ce-375f9df81140" providerId="ADAL" clId="{61169EC1-6E97-4775-8896-1E204A4BA217}" dt="2020-04-27T14:43:34.440" v="351" actId="20577"/>
+          <ac:spMkLst>
+            <pc:docMk/>
+            <pc:sldMk cId="2916577064" sldId="270"/>
+            <ac:spMk id="3" creationId="{BCB1466C-A01B-4335-B8D0-E83C6EDF00A3}"/>
+          </ac:spMkLst>
+        </pc:spChg>
+      </pc:sldChg>
+      <pc:sldChg chg="modSp add del mod">
+        <pc:chgData name="Sujith" userId="59b95574-bd7a-487d-a4ce-375f9df81140" providerId="ADAL" clId="{61169EC1-6E97-4775-8896-1E204A4BA217}" dt="2020-04-27T15:44:55.245" v="1625" actId="47"/>
+        <pc:sldMkLst>
+          <pc:docMk/>
+          <pc:sldMk cId="675348096" sldId="271"/>
+        </pc:sldMkLst>
+        <pc:spChg chg="mod">
+          <ac:chgData name="Sujith" userId="59b95574-bd7a-487d-a4ce-375f9df81140" providerId="ADAL" clId="{61169EC1-6E97-4775-8896-1E204A4BA217}" dt="2020-04-27T14:47:00.564" v="359" actId="20577"/>
+          <ac:spMkLst>
+            <pc:docMk/>
+            <pc:sldMk cId="675348096" sldId="271"/>
+            <ac:spMk id="2" creationId="{4065E643-644B-4264-9737-B9286B85B6F4}"/>
+          </ac:spMkLst>
+        </pc:spChg>
+        <pc:spChg chg="mod">
+          <ac:chgData name="Sujith" userId="59b95574-bd7a-487d-a4ce-375f9df81140" providerId="ADAL" clId="{61169EC1-6E97-4775-8896-1E204A4BA217}" dt="2020-04-27T14:47:05.147" v="360" actId="6549"/>
+          <ac:spMkLst>
+            <pc:docMk/>
+            <pc:sldMk cId="675348096" sldId="271"/>
+            <ac:spMk id="3" creationId="{BCB1466C-A01B-4335-B8D0-E83C6EDF00A3}"/>
+          </ac:spMkLst>
+        </pc:spChg>
       </pc:sldChg>
       <pc:sldChg chg="del">
         <pc:chgData name="Sujith" userId="59b95574-bd7a-487d-a4ce-375f9df81140" providerId="ADAL" clId="{61169EC1-6E97-4775-8896-1E204A4BA217}" dt="2020-04-27T11:44:40.911" v="96" actId="47"/>
@@ -483,12 +607,149 @@
           <pc:sldMk cId="1129301622" sldId="272"/>
         </pc:sldMkLst>
       </pc:sldChg>
+      <pc:sldChg chg="add">
+        <pc:chgData name="Sujith" userId="59b95574-bd7a-487d-a4ce-375f9df81140" providerId="ADAL" clId="{61169EC1-6E97-4775-8896-1E204A4BA217}" dt="2020-04-27T14:49:23.333" v="361"/>
+        <pc:sldMkLst>
+          <pc:docMk/>
+          <pc:sldMk cId="2814124719" sldId="272"/>
+        </pc:sldMkLst>
+      </pc:sldChg>
       <pc:sldChg chg="del">
         <pc:chgData name="Sujith" userId="59b95574-bd7a-487d-a4ce-375f9df81140" providerId="ADAL" clId="{61169EC1-6E97-4775-8896-1E204A4BA217}" dt="2020-04-27T11:44:39.854" v="95" actId="47"/>
         <pc:sldMkLst>
           <pc:docMk/>
           <pc:sldMk cId="2859691260" sldId="273"/>
         </pc:sldMkLst>
+      </pc:sldChg>
+      <pc:sldChg chg="modSp add mod">
+        <pc:chgData name="Sujith" userId="59b95574-bd7a-487d-a4ce-375f9df81140" providerId="ADAL" clId="{61169EC1-6E97-4775-8896-1E204A4BA217}" dt="2020-04-27T15:06:16.023" v="825" actId="20577"/>
+        <pc:sldMkLst>
+          <pc:docMk/>
+          <pc:sldMk cId="3821427801" sldId="273"/>
+        </pc:sldMkLst>
+        <pc:spChg chg="mod">
+          <ac:chgData name="Sujith" userId="59b95574-bd7a-487d-a4ce-375f9df81140" providerId="ADAL" clId="{61169EC1-6E97-4775-8896-1E204A4BA217}" dt="2020-04-27T14:58:15.824" v="609" actId="14100"/>
+          <ac:spMkLst>
+            <pc:docMk/>
+            <pc:sldMk cId="3821427801" sldId="273"/>
+            <ac:spMk id="2" creationId="{4065E643-644B-4264-9737-B9286B85B6F4}"/>
+          </ac:spMkLst>
+        </pc:spChg>
+        <pc:spChg chg="mod">
+          <ac:chgData name="Sujith" userId="59b95574-bd7a-487d-a4ce-375f9df81140" providerId="ADAL" clId="{61169EC1-6E97-4775-8896-1E204A4BA217}" dt="2020-04-27T15:06:16.023" v="825" actId="20577"/>
+          <ac:spMkLst>
+            <pc:docMk/>
+            <pc:sldMk cId="3821427801" sldId="273"/>
+            <ac:spMk id="3" creationId="{BCB1466C-A01B-4335-B8D0-E83C6EDF00A3}"/>
+          </ac:spMkLst>
+        </pc:spChg>
+      </pc:sldChg>
+      <pc:sldChg chg="modSp add mod">
+        <pc:chgData name="Sujith" userId="59b95574-bd7a-487d-a4ce-375f9df81140" providerId="ADAL" clId="{61169EC1-6E97-4775-8896-1E204A4BA217}" dt="2020-04-27T15:14:44.885" v="1034" actId="20577"/>
+        <pc:sldMkLst>
+          <pc:docMk/>
+          <pc:sldMk cId="996558123" sldId="274"/>
+        </pc:sldMkLst>
+        <pc:spChg chg="mod">
+          <ac:chgData name="Sujith" userId="59b95574-bd7a-487d-a4ce-375f9df81140" providerId="ADAL" clId="{61169EC1-6E97-4775-8896-1E204A4BA217}" dt="2020-04-27T15:08:22.890" v="843" actId="20577"/>
+          <ac:spMkLst>
+            <pc:docMk/>
+            <pc:sldMk cId="996558123" sldId="274"/>
+            <ac:spMk id="2" creationId="{4065E643-644B-4264-9737-B9286B85B6F4}"/>
+          </ac:spMkLst>
+        </pc:spChg>
+        <pc:spChg chg="mod">
+          <ac:chgData name="Sujith" userId="59b95574-bd7a-487d-a4ce-375f9df81140" providerId="ADAL" clId="{61169EC1-6E97-4775-8896-1E204A4BA217}" dt="2020-04-27T15:14:44.885" v="1034" actId="20577"/>
+          <ac:spMkLst>
+            <pc:docMk/>
+            <pc:sldMk cId="996558123" sldId="274"/>
+            <ac:spMk id="3" creationId="{BCB1466C-A01B-4335-B8D0-E83C6EDF00A3}"/>
+          </ac:spMkLst>
+        </pc:spChg>
+      </pc:sldChg>
+      <pc:sldChg chg="modSp add mod">
+        <pc:chgData name="Sujith" userId="59b95574-bd7a-487d-a4ce-375f9df81140" providerId="ADAL" clId="{61169EC1-6E97-4775-8896-1E204A4BA217}" dt="2020-04-27T15:17:14.448" v="1065"/>
+        <pc:sldMkLst>
+          <pc:docMk/>
+          <pc:sldMk cId="3482406116" sldId="275"/>
+        </pc:sldMkLst>
+        <pc:spChg chg="mod">
+          <ac:chgData name="Sujith" userId="59b95574-bd7a-487d-a4ce-375f9df81140" providerId="ADAL" clId="{61169EC1-6E97-4775-8896-1E204A4BA217}" dt="2020-04-27T15:16:03.169" v="1041" actId="20577"/>
+          <ac:spMkLst>
+            <pc:docMk/>
+            <pc:sldMk cId="3482406116" sldId="275"/>
+            <ac:spMk id="2" creationId="{4065E643-644B-4264-9737-B9286B85B6F4}"/>
+          </ac:spMkLst>
+        </pc:spChg>
+        <pc:spChg chg="mod">
+          <ac:chgData name="Sujith" userId="59b95574-bd7a-487d-a4ce-375f9df81140" providerId="ADAL" clId="{61169EC1-6E97-4775-8896-1E204A4BA217}" dt="2020-04-27T15:17:14.448" v="1065"/>
+          <ac:spMkLst>
+            <pc:docMk/>
+            <pc:sldMk cId="3482406116" sldId="275"/>
+            <ac:spMk id="3" creationId="{BCB1466C-A01B-4335-B8D0-E83C6EDF00A3}"/>
+          </ac:spMkLst>
+        </pc:spChg>
+      </pc:sldChg>
+      <pc:sldChg chg="modSp add mod">
+        <pc:chgData name="Sujith" userId="59b95574-bd7a-487d-a4ce-375f9df81140" providerId="ADAL" clId="{61169EC1-6E97-4775-8896-1E204A4BA217}" dt="2020-04-27T15:19:19.014" v="1131" actId="20577"/>
+        <pc:sldMkLst>
+          <pc:docMk/>
+          <pc:sldMk cId="323062447" sldId="276"/>
+        </pc:sldMkLst>
+        <pc:spChg chg="mod">
+          <ac:chgData name="Sujith" userId="59b95574-bd7a-487d-a4ce-375f9df81140" providerId="ADAL" clId="{61169EC1-6E97-4775-8896-1E204A4BA217}" dt="2020-04-27T15:18:13.576" v="1086" actId="20577"/>
+          <ac:spMkLst>
+            <pc:docMk/>
+            <pc:sldMk cId="323062447" sldId="276"/>
+            <ac:spMk id="2" creationId="{4065E643-644B-4264-9737-B9286B85B6F4}"/>
+          </ac:spMkLst>
+        </pc:spChg>
+        <pc:spChg chg="mod">
+          <ac:chgData name="Sujith" userId="59b95574-bd7a-487d-a4ce-375f9df81140" providerId="ADAL" clId="{61169EC1-6E97-4775-8896-1E204A4BA217}" dt="2020-04-27T15:19:19.014" v="1131" actId="20577"/>
+          <ac:spMkLst>
+            <pc:docMk/>
+            <pc:sldMk cId="323062447" sldId="276"/>
+            <ac:spMk id="3" creationId="{BCB1466C-A01B-4335-B8D0-E83C6EDF00A3}"/>
+          </ac:spMkLst>
+        </pc:spChg>
+      </pc:sldChg>
+      <pc:sldChg chg="modSp add mod">
+        <pc:chgData name="Sujith" userId="59b95574-bd7a-487d-a4ce-375f9df81140" providerId="ADAL" clId="{61169EC1-6E97-4775-8896-1E204A4BA217}" dt="2020-04-27T15:25:05.794" v="1460" actId="20577"/>
+        <pc:sldMkLst>
+          <pc:docMk/>
+          <pc:sldMk cId="1364744703" sldId="277"/>
+        </pc:sldMkLst>
+        <pc:spChg chg="mod">
+          <ac:chgData name="Sujith" userId="59b95574-bd7a-487d-a4ce-375f9df81140" providerId="ADAL" clId="{61169EC1-6E97-4775-8896-1E204A4BA217}" dt="2020-04-27T15:20:02.875" v="1139" actId="20577"/>
+          <ac:spMkLst>
+            <pc:docMk/>
+            <pc:sldMk cId="1364744703" sldId="277"/>
+            <ac:spMk id="2" creationId="{4065E643-644B-4264-9737-B9286B85B6F4}"/>
+          </ac:spMkLst>
+        </pc:spChg>
+        <pc:spChg chg="mod">
+          <ac:chgData name="Sujith" userId="59b95574-bd7a-487d-a4ce-375f9df81140" providerId="ADAL" clId="{61169EC1-6E97-4775-8896-1E204A4BA217}" dt="2020-04-27T15:25:05.794" v="1460" actId="20577"/>
+          <ac:spMkLst>
+            <pc:docMk/>
+            <pc:sldMk cId="1364744703" sldId="277"/>
+            <ac:spMk id="3" creationId="{BCB1466C-A01B-4335-B8D0-E83C6EDF00A3}"/>
+          </ac:spMkLst>
+        </pc:spChg>
+      </pc:sldChg>
+      <pc:sldChg chg="modSp add mod">
+        <pc:chgData name="Sujith" userId="59b95574-bd7a-487d-a4ce-375f9df81140" providerId="ADAL" clId="{61169EC1-6E97-4775-8896-1E204A4BA217}" dt="2020-04-27T15:35:44.546" v="1624" actId="20577"/>
+        <pc:sldMkLst>
+          <pc:docMk/>
+          <pc:sldMk cId="3619974597" sldId="278"/>
+        </pc:sldMkLst>
+        <pc:spChg chg="mod">
+          <ac:chgData name="Sujith" userId="59b95574-bd7a-487d-a4ce-375f9df81140" providerId="ADAL" clId="{61169EC1-6E97-4775-8896-1E204A4BA217}" dt="2020-04-27T15:35:44.546" v="1624" actId="20577"/>
+          <ac:spMkLst>
+            <pc:docMk/>
+            <pc:sldMk cId="3619974597" sldId="278"/>
+            <ac:spMk id="3" creationId="{BCB1466C-A01B-4335-B8D0-E83C6EDF00A3}"/>
+          </ac:spMkLst>
+        </pc:spChg>
       </pc:sldChg>
     </pc:docChg>
   </pc:docChgLst>
@@ -4025,7 +4286,7 @@
 </p:sld>
 </file>
 
-<file path=ppt/slides/slide2.xml><?xml version="1.0" encoding="utf-8"?>
+<file path=ppt/slides/slide10.xml><?xml version="1.0" encoding="utf-8"?>
 <p:sld xmlns:a="http://schemas.openxmlformats.org/drawingml/2006/main" xmlns:r="http://schemas.openxmlformats.org/officeDocument/2006/relationships" xmlns:p="http://schemas.openxmlformats.org/presentationml/2006/main">
   <p:cSld>
     <p:bg>
@@ -4052,7 +4313,7 @@
       </p:grpSpPr>
       <p:sp>
         <p:nvSpPr>
-          <p:cNvPr id="8" name="Rectangle 7">
+          <p:cNvPr id="5" name="Rectangle 7">
             <a:extLst>
               <a:ext uri="{FF2B5EF4-FFF2-40B4-BE49-F238E27FC236}">
                 <a16:creationId xmlns:a16="http://schemas.microsoft.com/office/drawing/2014/main" id="{02D886F1-CB4A-4FC1-AAA7-9402B0D0DDDD}"/>
@@ -4144,7 +4405,7 @@
       </p:sp>
       <p:sp>
         <p:nvSpPr>
-          <p:cNvPr id="10" name="Rectangle 9">
+          <p:cNvPr id="6" name="Rectangle 9">
             <a:extLst>
               <a:ext uri="{FF2B5EF4-FFF2-40B4-BE49-F238E27FC236}">
                 <a16:creationId xmlns:a16="http://schemas.microsoft.com/office/drawing/2014/main" id="{762B7B97-C3EE-4AEE-A61F-AFA873FE2FCA}"/>
@@ -4279,7 +4540,7 @@
             <a:pPr algn="ctr"/>
             <a:r>
               <a:rPr lang="en-US" sz="2600" dirty="0"/>
-              <a:t>Prerequisites</a:t>
+              <a:t>Terminal</a:t>
             </a:r>
             <a:endParaRPr lang="en-BE" sz="2600" dirty="0"/>
           </a:p>
@@ -4303,8 +4564,8 @@
         </p:nvSpPr>
         <p:spPr>
           <a:xfrm>
-            <a:off x="4256690" y="1088137"/>
-            <a:ext cx="6180082" cy="3801067"/>
+            <a:off x="3608173" y="1088137"/>
+            <a:ext cx="8064843" cy="4941960"/>
           </a:xfrm>
         </p:spPr>
         <p:txBody>
@@ -4314,31 +4575,637 @@
           <a:lstStyle/>
           <a:p>
             <a:r>
+              <a:rPr lang="en-US" sz="2000" dirty="0" err="1">
+                <a:solidFill>
+                  <a:schemeClr val="bg1"/>
+                </a:solidFill>
+              </a:rPr>
+              <a:t>az</a:t>
+            </a:r>
+            <a:r>
               <a:rPr lang="en-US" sz="2000" dirty="0">
                 <a:solidFill>
                   <a:schemeClr val="bg1"/>
                 </a:solidFill>
               </a:rPr>
-              <a:t>Azure Subscription</a:t>
-            </a:r>
-          </a:p>
-          <a:p>
+              <a:t> login</a:t>
+            </a:r>
+          </a:p>
+          <a:p>
+            <a:r>
+              <a:rPr lang="en-US" sz="2000" dirty="0" err="1">
+                <a:solidFill>
+                  <a:schemeClr val="bg1"/>
+                </a:solidFill>
+              </a:rPr>
+              <a:t>az</a:t>
+            </a:r>
             <a:r>
               <a:rPr lang="en-US" sz="2000" dirty="0">
                 <a:solidFill>
                   <a:schemeClr val="bg1"/>
                 </a:solidFill>
               </a:rPr>
-              <a:t>Use </a:t>
+              <a:t> account list --query "[].{</a:t>
+            </a:r>
+            <a:r>
+              <a:rPr lang="en-US" sz="2000" dirty="0" err="1">
+                <a:solidFill>
+                  <a:schemeClr val="bg1"/>
+                </a:solidFill>
+              </a:rPr>
+              <a:t>name:name</a:t>
             </a:r>
             <a:r>
               <a:rPr lang="en-US" sz="2000" dirty="0">
                 <a:solidFill>
                   <a:schemeClr val="bg1"/>
                 </a:solidFill>
-                <a:hlinkClick r:id="rId2"/>
-              </a:rPr>
-              <a:t>https://shell.azure.com</a:t>
+              </a:rPr>
+              <a:t>, </a:t>
+            </a:r>
+            <a:r>
+              <a:rPr lang="en-US" sz="2000" dirty="0" err="1">
+                <a:solidFill>
+                  <a:schemeClr val="bg1"/>
+                </a:solidFill>
+              </a:rPr>
+              <a:t>subscriptionId:id</a:t>
+            </a:r>
+            <a:r>
+              <a:rPr lang="en-US" sz="2000" dirty="0">
+                <a:solidFill>
+                  <a:schemeClr val="bg1"/>
+                </a:solidFill>
+              </a:rPr>
+              <a:t>, </a:t>
+            </a:r>
+            <a:r>
+              <a:rPr lang="en-US" sz="2000" dirty="0" err="1">
+                <a:solidFill>
+                  <a:schemeClr val="bg1"/>
+                </a:solidFill>
+              </a:rPr>
+              <a:t>tenantId:tenantId</a:t>
+            </a:r>
+            <a:r>
+              <a:rPr lang="en-US" sz="2000" dirty="0">
+                <a:solidFill>
+                  <a:schemeClr val="bg1"/>
+                </a:solidFill>
+              </a:rPr>
+              <a:t>}“</a:t>
+            </a:r>
+          </a:p>
+          <a:p>
+            <a:r>
+              <a:rPr lang="en-US" sz="2000" dirty="0" err="1">
+                <a:solidFill>
+                  <a:schemeClr val="bg1"/>
+                </a:solidFill>
+              </a:rPr>
+              <a:t>az</a:t>
+            </a:r>
+            <a:r>
+              <a:rPr lang="en-US" sz="2000" dirty="0">
+                <a:solidFill>
+                  <a:schemeClr val="bg1"/>
+                </a:solidFill>
+              </a:rPr>
+              <a:t> account set --subscription="${SUBSCRIPTION_ID}" </a:t>
+            </a:r>
+          </a:p>
+          <a:p>
+            <a:r>
+              <a:rPr lang="en-US" sz="2000" dirty="0" err="1">
+                <a:solidFill>
+                  <a:schemeClr val="bg1"/>
+                </a:solidFill>
+              </a:rPr>
+              <a:t>az</a:t>
+            </a:r>
+            <a:r>
+              <a:rPr lang="en-US" sz="2000" dirty="0">
+                <a:solidFill>
+                  <a:schemeClr val="bg1"/>
+                </a:solidFill>
+              </a:rPr>
+              <a:t> ad </a:t>
+            </a:r>
+            <a:r>
+              <a:rPr lang="en-US" sz="2000" dirty="0" err="1">
+                <a:solidFill>
+                  <a:schemeClr val="bg1"/>
+                </a:solidFill>
+              </a:rPr>
+              <a:t>sp</a:t>
+            </a:r>
+            <a:r>
+              <a:rPr lang="en-US" sz="2000" dirty="0">
+                <a:solidFill>
+                  <a:schemeClr val="bg1"/>
+                </a:solidFill>
+              </a:rPr>
+              <a:t> create-for-</a:t>
+            </a:r>
+            <a:r>
+              <a:rPr lang="en-US" sz="2000" dirty="0" err="1">
+                <a:solidFill>
+                  <a:schemeClr val="bg1"/>
+                </a:solidFill>
+              </a:rPr>
+              <a:t>rbac</a:t>
+            </a:r>
+            <a:r>
+              <a:rPr lang="en-US" sz="2000" dirty="0">
+                <a:solidFill>
+                  <a:schemeClr val="bg1"/>
+                </a:solidFill>
+              </a:rPr>
+              <a:t> --role="Contributor" --scopes="/subscriptions/${SUBSCRIPTION_ID}“</a:t>
+            </a:r>
+          </a:p>
+          <a:p>
+            <a:r>
+              <a:rPr lang="en-US" sz="2000" dirty="0">
+                <a:solidFill>
+                  <a:schemeClr val="bg1"/>
+                </a:solidFill>
+              </a:rPr>
+              <a:t>SET ARM_SUBSCRIPTION_ID="ARM_SUBSCRIPTION_ID"</a:t>
+            </a:r>
+          </a:p>
+          <a:p>
+            <a:r>
+              <a:rPr lang="en-US" sz="2000" dirty="0">
+                <a:solidFill>
+                  <a:schemeClr val="bg1"/>
+                </a:solidFill>
+              </a:rPr>
+              <a:t>SET ARM_CLIENT_ID="ARM_CLIENT_ID"</a:t>
+            </a:r>
+          </a:p>
+          <a:p>
+            <a:r>
+              <a:rPr lang="en-US" sz="2000" dirty="0">
+                <a:solidFill>
+                  <a:schemeClr val="bg1"/>
+                </a:solidFill>
+              </a:rPr>
+              <a:t>SET ARM_CLIENT_SECRET="ARM_CLIENT_SECRET"</a:t>
+            </a:r>
+          </a:p>
+          <a:p>
+            <a:r>
+              <a:rPr lang="en-US" sz="2000" dirty="0">
+                <a:solidFill>
+                  <a:schemeClr val="bg1"/>
+                </a:solidFill>
+              </a:rPr>
+              <a:t>SET ARM_TENANT_ID="ARM_TENANT_ID"</a:t>
+            </a:r>
+          </a:p>
+          <a:p>
+            <a:endParaRPr lang="en-BE" sz="2000" dirty="0">
+              <a:solidFill>
+                <a:schemeClr val="bg1"/>
+              </a:solidFill>
+            </a:endParaRPr>
+          </a:p>
+        </p:txBody>
+      </p:sp>
+    </p:spTree>
+    <p:extLst>
+      <p:ext uri="{BB962C8B-B14F-4D97-AF65-F5344CB8AC3E}">
+        <p14:creationId xmlns:p14="http://schemas.microsoft.com/office/powerpoint/2010/main" val="615864044"/>
+      </p:ext>
+    </p:extLst>
+  </p:cSld>
+  <p:clrMapOvr>
+    <a:masterClrMapping/>
+  </p:clrMapOvr>
+</p:sld>
+</file>
+
+<file path=ppt/slides/slide11.xml><?xml version="1.0" encoding="utf-8"?>
+<p:sld xmlns:a="http://schemas.openxmlformats.org/drawingml/2006/main" xmlns:r="http://schemas.openxmlformats.org/officeDocument/2006/relationships" xmlns:p="http://schemas.openxmlformats.org/presentationml/2006/main">
+  <p:cSld>
+    <p:bg>
+      <p:bgPr>
+        <a:solidFill>
+          <a:schemeClr val="bg1"/>
+        </a:solidFill>
+        <a:effectLst/>
+      </p:bgPr>
+    </p:bg>
+    <p:spTree>
+      <p:nvGrpSpPr>
+        <p:cNvPr id="1" name=""/>
+        <p:cNvGrpSpPr/>
+        <p:nvPr/>
+      </p:nvGrpSpPr>
+      <p:grpSpPr>
+        <a:xfrm>
+          <a:off x="0" y="0"/>
+          <a:ext cx="0" cy="0"/>
+          <a:chOff x="0" y="0"/>
+          <a:chExt cx="0" cy="0"/>
+        </a:xfrm>
+      </p:grpSpPr>
+      <p:sp>
+        <p:nvSpPr>
+          <p:cNvPr id="5" name="Rectangle 7">
+            <a:extLst>
+              <a:ext uri="{FF2B5EF4-FFF2-40B4-BE49-F238E27FC236}">
+                <a16:creationId xmlns:a16="http://schemas.microsoft.com/office/drawing/2014/main" id="{02D886F1-CB4A-4FC1-AAA7-9402B0D0DDDD}"/>
+              </a:ext>
+              <a:ext uri="{C183D7F6-B498-43B3-948B-1728B52AA6E4}">
+                <adec:decorative xmlns:adec="http://schemas.microsoft.com/office/drawing/2017/decorative" val="1"/>
+              </a:ext>
+            </a:extLst>
+          </p:cNvPr>
+          <p:cNvSpPr>
+            <a:spLocks noGrp="1" noRot="1" noChangeAspect="1" noMove="1" noResize="1" noEditPoints="1" noAdjustHandles="1" noChangeArrowheads="1" noChangeShapeType="1" noTextEdit="1"/>
+          </p:cNvSpPr>
+          <p:nvPr>
+            <p:extLst>
+              <p:ext uri="{386F3935-93C4-4BCD-93E2-E3B085C9AB24}">
+                <p16:designElem xmlns:p16="http://schemas.microsoft.com/office/powerpoint/2015/main" val="1"/>
+              </p:ext>
+            </p:extLst>
+          </p:nvPr>
+        </p:nvSpPr>
+        <p:spPr>
+          <a:xfrm>
+            <a:off x="0" y="0"/>
+            <a:ext cx="2013557" cy="6858000"/>
+          </a:xfrm>
+          <a:prstGeom prst="rect">
+            <a:avLst/>
+          </a:prstGeom>
+          <a:solidFill>
+            <a:srgbClr val="7F7F7F"/>
+          </a:solidFill>
+          <a:ln>
+            <a:noFill/>
+          </a:ln>
+        </p:spPr>
+        <p:style>
+          <a:lnRef idx="2">
+            <a:schemeClr val="accent1">
+              <a:shade val="50000"/>
+            </a:schemeClr>
+          </a:lnRef>
+          <a:fillRef idx="1">
+            <a:schemeClr val="accent1"/>
+          </a:fillRef>
+          <a:effectRef idx="0">
+            <a:schemeClr val="accent1"/>
+          </a:effectRef>
+          <a:fontRef idx="minor">
+            <a:schemeClr val="lt1"/>
+          </a:fontRef>
+        </p:style>
+        <p:txBody>
+          <a:bodyPr rtlCol="0" anchor="ctr"/>
+          <a:lstStyle/>
+          <a:p>
+            <a:pPr marL="0" marR="0" lvl="0" indent="0" algn="ctr" defTabSz="914400" rtl="0" eaLnBrk="1" fontAlgn="auto" latinLnBrk="0" hangingPunct="1">
+              <a:lnSpc>
+                <a:spcPct val="100000"/>
+              </a:lnSpc>
+              <a:spcBef>
+                <a:spcPts val="0"/>
+              </a:spcBef>
+              <a:spcAft>
+                <a:spcPts val="0"/>
+              </a:spcAft>
+              <a:buClrTx/>
+              <a:buSzTx/>
+              <a:buFontTx/>
+              <a:buNone/>
+              <a:tabLst/>
+              <a:defRPr/>
+            </a:pPr>
+            <a:endParaRPr kumimoji="0" lang="en-US" sz="1800" b="0" i="0" u="none" strike="noStrike" kern="1200" cap="none" spc="0" normalizeH="0" baseline="0" noProof="0">
+              <a:ln>
+                <a:noFill/>
+              </a:ln>
+              <a:solidFill>
+                <a:prstClr val="white"/>
+              </a:solidFill>
+              <a:effectLst/>
+              <a:uLnTx/>
+              <a:uFillTx/>
+              <a:latin typeface="Calibri" panose="020F0502020204030204"/>
+              <a:ea typeface="+mn-ea"/>
+              <a:cs typeface="+mn-cs"/>
+            </a:endParaRPr>
+          </a:p>
+        </p:txBody>
+      </p:sp>
+      <p:sp>
+        <p:nvSpPr>
+          <p:cNvPr id="6" name="Rectangle 9">
+            <a:extLst>
+              <a:ext uri="{FF2B5EF4-FFF2-40B4-BE49-F238E27FC236}">
+                <a16:creationId xmlns:a16="http://schemas.microsoft.com/office/drawing/2014/main" id="{762B7B97-C3EE-4AEE-A61F-AFA873FE2FCA}"/>
+              </a:ext>
+              <a:ext uri="{C183D7F6-B498-43B3-948B-1728B52AA6E4}">
+                <adec:decorative xmlns:adec="http://schemas.microsoft.com/office/drawing/2017/decorative" val="1"/>
+              </a:ext>
+            </a:extLst>
+          </p:cNvPr>
+          <p:cNvSpPr>
+            <a:spLocks noGrp="1" noRot="1" noChangeAspect="1" noMove="1" noResize="1" noEditPoints="1" noAdjustHandles="1" noChangeArrowheads="1" noChangeShapeType="1" noTextEdit="1"/>
+          </p:cNvSpPr>
+          <p:nvPr>
+            <p:extLst>
+              <p:ext uri="{386F3935-93C4-4BCD-93E2-E3B085C9AB24}">
+                <p16:designElem xmlns:p16="http://schemas.microsoft.com/office/powerpoint/2015/main" val="1"/>
+              </p:ext>
+            </p:extLst>
+          </p:nvPr>
+        </p:nvSpPr>
+        <p:spPr>
+          <a:xfrm flipH="1">
+            <a:off x="2013557" y="0"/>
+            <a:ext cx="10178443" cy="6858000"/>
+          </a:xfrm>
+          <a:prstGeom prst="rect">
+            <a:avLst/>
+          </a:prstGeom>
+          <a:solidFill>
+            <a:schemeClr val="tx1">
+              <a:lumMod val="75000"/>
+              <a:lumOff val="25000"/>
+            </a:schemeClr>
+          </a:solidFill>
+          <a:ln>
+            <a:noFill/>
+          </a:ln>
+        </p:spPr>
+        <p:style>
+          <a:lnRef idx="2">
+            <a:schemeClr val="accent1">
+              <a:shade val="50000"/>
+            </a:schemeClr>
+          </a:lnRef>
+          <a:fillRef idx="1">
+            <a:schemeClr val="accent1"/>
+          </a:fillRef>
+          <a:effectRef idx="0">
+            <a:schemeClr val="accent1"/>
+          </a:effectRef>
+          <a:fontRef idx="minor">
+            <a:schemeClr val="lt1"/>
+          </a:fontRef>
+        </p:style>
+        <p:txBody>
+          <a:bodyPr rtlCol="0" anchor="ctr"/>
+          <a:lstStyle/>
+          <a:p>
+            <a:pPr marL="0" marR="0" lvl="0" indent="0" algn="ctr" defTabSz="914400" rtl="0" eaLnBrk="1" fontAlgn="auto" latinLnBrk="0" hangingPunct="1">
+              <a:lnSpc>
+                <a:spcPct val="100000"/>
+              </a:lnSpc>
+              <a:spcBef>
+                <a:spcPts val="0"/>
+              </a:spcBef>
+              <a:spcAft>
+                <a:spcPts val="0"/>
+              </a:spcAft>
+              <a:buClrTx/>
+              <a:buSzTx/>
+              <a:buFontTx/>
+              <a:buNone/>
+              <a:tabLst/>
+              <a:defRPr/>
+            </a:pPr>
+            <a:endParaRPr kumimoji="0" lang="en-US" sz="1800" b="0" i="0" u="none" strike="noStrike" kern="1200" cap="none" spc="0" normalizeH="0" baseline="0" noProof="0">
+              <a:ln>
+                <a:noFill/>
+              </a:ln>
+              <a:solidFill>
+                <a:prstClr val="white"/>
+              </a:solidFill>
+              <a:effectLst/>
+              <a:uLnTx/>
+              <a:uFillTx/>
+              <a:latin typeface="Calibri" panose="020F0502020204030204"/>
+              <a:ea typeface="+mn-ea"/>
+              <a:cs typeface="+mn-cs"/>
+            </a:endParaRPr>
+          </a:p>
+        </p:txBody>
+      </p:sp>
+      <p:sp>
+        <p:nvSpPr>
+          <p:cNvPr id="2" name="Title 1">
+            <a:extLst>
+              <a:ext uri="{FF2B5EF4-FFF2-40B4-BE49-F238E27FC236}">
+                <a16:creationId xmlns:a16="http://schemas.microsoft.com/office/drawing/2014/main" id="{4065E643-644B-4264-9737-B9286B85B6F4}"/>
+              </a:ext>
+            </a:extLst>
+          </p:cNvPr>
+          <p:cNvSpPr>
+            <a:spLocks noGrp="1"/>
+          </p:cNvSpPr>
+          <p:nvPr>
+            <p:ph type="title"/>
+          </p:nvPr>
+        </p:nvSpPr>
+        <p:spPr>
+          <a:xfrm>
+            <a:off x="623787" y="1635358"/>
+            <a:ext cx="2752344" cy="2706624"/>
+          </a:xfrm>
+          <a:prstGeom prst="ellipse">
+            <a:avLst/>
+          </a:prstGeom>
+          <a:solidFill>
+            <a:schemeClr val="bg1"/>
+          </a:solidFill>
+          <a:ln w="174625" cmpd="thinThick">
+            <a:solidFill>
+              <a:schemeClr val="bg1"/>
+            </a:solidFill>
+          </a:ln>
+        </p:spPr>
+        <p:txBody>
+          <a:bodyPr>
+            <a:normAutofit/>
+          </a:bodyPr>
+          <a:lstStyle/>
+          <a:p>
+            <a:pPr algn="ctr"/>
+            <a:r>
+              <a:rPr lang="en-US" sz="2600" dirty="0"/>
+              <a:t>Shell</a:t>
+            </a:r>
+            <a:endParaRPr lang="en-BE" sz="2600" dirty="0"/>
+          </a:p>
+        </p:txBody>
+      </p:sp>
+      <p:sp>
+        <p:nvSpPr>
+          <p:cNvPr id="3" name="Content Placeholder 2">
+            <a:extLst>
+              <a:ext uri="{FF2B5EF4-FFF2-40B4-BE49-F238E27FC236}">
+                <a16:creationId xmlns:a16="http://schemas.microsoft.com/office/drawing/2014/main" id="{BCB1466C-A01B-4335-B8D0-E83C6EDF00A3}"/>
+              </a:ext>
+            </a:extLst>
+          </p:cNvPr>
+          <p:cNvSpPr>
+            <a:spLocks noGrp="1"/>
+          </p:cNvSpPr>
+          <p:nvPr>
+            <p:ph idx="1"/>
+          </p:nvPr>
+        </p:nvSpPr>
+        <p:spPr>
+          <a:xfrm>
+            <a:off x="3608173" y="1088137"/>
+            <a:ext cx="8064843" cy="4941960"/>
+          </a:xfrm>
+        </p:spPr>
+        <p:txBody>
+          <a:bodyPr anchor="ctr">
+            <a:normAutofit/>
+          </a:bodyPr>
+          <a:lstStyle/>
+          <a:p>
+            <a:r>
+              <a:rPr lang="en-US" sz="2000" dirty="0" err="1">
+                <a:solidFill>
+                  <a:schemeClr val="bg1"/>
+                </a:solidFill>
+              </a:rPr>
+              <a:t>az</a:t>
+            </a:r>
+            <a:r>
+              <a:rPr lang="en-US" sz="2000" dirty="0">
+                <a:solidFill>
+                  <a:schemeClr val="bg1"/>
+                </a:solidFill>
+              </a:rPr>
+              <a:t> account list --query "[].{</a:t>
+            </a:r>
+            <a:r>
+              <a:rPr lang="en-US" sz="2000" dirty="0" err="1">
+                <a:solidFill>
+                  <a:schemeClr val="bg1"/>
+                </a:solidFill>
+              </a:rPr>
+              <a:t>name:name</a:t>
+            </a:r>
+            <a:r>
+              <a:rPr lang="en-US" sz="2000" dirty="0">
+                <a:solidFill>
+                  <a:schemeClr val="bg1"/>
+                </a:solidFill>
+              </a:rPr>
+              <a:t>, </a:t>
+            </a:r>
+            <a:r>
+              <a:rPr lang="en-US" sz="2000" dirty="0" err="1">
+                <a:solidFill>
+                  <a:schemeClr val="bg1"/>
+                </a:solidFill>
+              </a:rPr>
+              <a:t>subscriptionId:id</a:t>
+            </a:r>
+            <a:r>
+              <a:rPr lang="en-US" sz="2000" dirty="0">
+                <a:solidFill>
+                  <a:schemeClr val="bg1"/>
+                </a:solidFill>
+              </a:rPr>
+              <a:t>, </a:t>
+            </a:r>
+            <a:r>
+              <a:rPr lang="en-US" sz="2000" dirty="0" err="1">
+                <a:solidFill>
+                  <a:schemeClr val="bg1"/>
+                </a:solidFill>
+              </a:rPr>
+              <a:t>tenantId:tenantId</a:t>
+            </a:r>
+            <a:r>
+              <a:rPr lang="en-US" sz="2000" dirty="0">
+                <a:solidFill>
+                  <a:schemeClr val="bg1"/>
+                </a:solidFill>
+              </a:rPr>
+              <a:t>}“</a:t>
+            </a:r>
+          </a:p>
+          <a:p>
+            <a:r>
+              <a:rPr lang="en-US" sz="2000" dirty="0" err="1">
+                <a:solidFill>
+                  <a:schemeClr val="bg1"/>
+                </a:solidFill>
+              </a:rPr>
+              <a:t>az</a:t>
+            </a:r>
+            <a:r>
+              <a:rPr lang="en-US" sz="2000" dirty="0">
+                <a:solidFill>
+                  <a:schemeClr val="bg1"/>
+                </a:solidFill>
+              </a:rPr>
+              <a:t> ad </a:t>
+            </a:r>
+            <a:r>
+              <a:rPr lang="en-US" sz="2000" dirty="0" err="1">
+                <a:solidFill>
+                  <a:schemeClr val="bg1"/>
+                </a:solidFill>
+              </a:rPr>
+              <a:t>sp</a:t>
+            </a:r>
+            <a:r>
+              <a:rPr lang="en-US" sz="2000" dirty="0">
+                <a:solidFill>
+                  <a:schemeClr val="bg1"/>
+                </a:solidFill>
+              </a:rPr>
+              <a:t> create-for-</a:t>
+            </a:r>
+            <a:r>
+              <a:rPr lang="en-US" sz="2000" dirty="0" err="1">
+                <a:solidFill>
+                  <a:schemeClr val="bg1"/>
+                </a:solidFill>
+              </a:rPr>
+              <a:t>rbac</a:t>
+            </a:r>
+            <a:r>
+              <a:rPr lang="en-US" sz="2000" dirty="0">
+                <a:solidFill>
+                  <a:schemeClr val="bg1"/>
+                </a:solidFill>
+              </a:rPr>
+              <a:t> --role="Contributor" --scopes="/subscriptions/${SUBSCRIPTION_ID} " </a:t>
+            </a:r>
+          </a:p>
+          <a:p>
+            <a:r>
+              <a:rPr lang="en-US" sz="2000" dirty="0">
+                <a:solidFill>
+                  <a:schemeClr val="bg1"/>
+                </a:solidFill>
+              </a:rPr>
+              <a:t>export ARM_SUBSCRIPTION_ID=</a:t>
+            </a:r>
+            <a:r>
+              <a:rPr lang="en-US" sz="2000" dirty="0" err="1">
+                <a:solidFill>
+                  <a:schemeClr val="bg1"/>
+                </a:solidFill>
+              </a:rPr>
+              <a:t>your_subscription_id</a:t>
             </a:r>
             <a:endParaRPr lang="en-US" sz="2000" dirty="0">
               <a:solidFill>
@@ -4347,6 +5214,867 @@
             </a:endParaRPr>
           </a:p>
           <a:p>
+            <a:r>
+              <a:rPr lang="en-US" sz="2000" dirty="0">
+                <a:solidFill>
+                  <a:schemeClr val="bg1"/>
+                </a:solidFill>
+              </a:rPr>
+              <a:t>export ARM_CLIENT_ID=</a:t>
+            </a:r>
+            <a:r>
+              <a:rPr lang="en-US" sz="2000" dirty="0" err="1">
+                <a:solidFill>
+                  <a:schemeClr val="bg1"/>
+                </a:solidFill>
+              </a:rPr>
+              <a:t>your_appId</a:t>
+            </a:r>
+            <a:endParaRPr lang="en-US" sz="2000" dirty="0">
+              <a:solidFill>
+                <a:schemeClr val="bg1"/>
+              </a:solidFill>
+            </a:endParaRPr>
+          </a:p>
+          <a:p>
+            <a:r>
+              <a:rPr lang="en-US" sz="2000" dirty="0">
+                <a:solidFill>
+                  <a:schemeClr val="bg1"/>
+                </a:solidFill>
+              </a:rPr>
+              <a:t>export ARM_CLIENT_SECRET=</a:t>
+            </a:r>
+            <a:r>
+              <a:rPr lang="en-US" sz="2000" dirty="0" err="1">
+                <a:solidFill>
+                  <a:schemeClr val="bg1"/>
+                </a:solidFill>
+              </a:rPr>
+              <a:t>your_password</a:t>
+            </a:r>
+            <a:endParaRPr lang="en-US" sz="2000" dirty="0">
+              <a:solidFill>
+                <a:schemeClr val="bg1"/>
+              </a:solidFill>
+            </a:endParaRPr>
+          </a:p>
+          <a:p>
+            <a:r>
+              <a:rPr lang="en-US" sz="2000" dirty="0">
+                <a:solidFill>
+                  <a:schemeClr val="bg1"/>
+                </a:solidFill>
+              </a:rPr>
+              <a:t>export ARM_TENANT_ID=</a:t>
+            </a:r>
+            <a:r>
+              <a:rPr lang="en-US" sz="2000" dirty="0" err="1">
+                <a:solidFill>
+                  <a:schemeClr val="bg1"/>
+                </a:solidFill>
+              </a:rPr>
+              <a:t>your_tenant_id</a:t>
+            </a:r>
+            <a:endParaRPr lang="en-US" sz="2000" dirty="0">
+              <a:solidFill>
+                <a:schemeClr val="bg1"/>
+              </a:solidFill>
+            </a:endParaRPr>
+          </a:p>
+          <a:p>
+            <a:r>
+              <a:rPr lang="en-US" sz="2000" dirty="0">
+                <a:solidFill>
+                  <a:schemeClr val="bg1"/>
+                </a:solidFill>
+              </a:rPr>
+              <a:t>export </a:t>
+            </a:r>
+            <a:r>
+              <a:rPr lang="en-US" sz="2000" dirty="0" err="1">
+                <a:solidFill>
+                  <a:schemeClr val="bg1"/>
+                </a:solidFill>
+              </a:rPr>
+              <a:t>TF_VAR_client_id</a:t>
+            </a:r>
+            <a:r>
+              <a:rPr lang="en-US" sz="2000" dirty="0">
+                <a:solidFill>
+                  <a:schemeClr val="bg1"/>
+                </a:solidFill>
+              </a:rPr>
+              <a:t>=</a:t>
+            </a:r>
+            <a:r>
+              <a:rPr lang="en-US" sz="2000" dirty="0" err="1">
+                <a:solidFill>
+                  <a:schemeClr val="bg1"/>
+                </a:solidFill>
+              </a:rPr>
+              <a:t>your_appId</a:t>
+            </a:r>
+            <a:endParaRPr lang="en-US" sz="2000" dirty="0">
+              <a:solidFill>
+                <a:schemeClr val="bg1"/>
+              </a:solidFill>
+            </a:endParaRPr>
+          </a:p>
+          <a:p>
+            <a:r>
+              <a:rPr lang="en-US" sz="2000" dirty="0">
+                <a:solidFill>
+                  <a:schemeClr val="bg1"/>
+                </a:solidFill>
+              </a:rPr>
+              <a:t>export </a:t>
+            </a:r>
+            <a:r>
+              <a:rPr lang="en-US" sz="2000" dirty="0" err="1">
+                <a:solidFill>
+                  <a:schemeClr val="bg1"/>
+                </a:solidFill>
+              </a:rPr>
+              <a:t>TF_VAR_client_secret</a:t>
+            </a:r>
+            <a:r>
+              <a:rPr lang="en-US" sz="2000" dirty="0">
+                <a:solidFill>
+                  <a:schemeClr val="bg1"/>
+                </a:solidFill>
+              </a:rPr>
+              <a:t>=</a:t>
+            </a:r>
+            <a:r>
+              <a:rPr lang="en-US" sz="2000" dirty="0" err="1">
+                <a:solidFill>
+                  <a:schemeClr val="bg1"/>
+                </a:solidFill>
+              </a:rPr>
+              <a:t>your_password</a:t>
+            </a:r>
+            <a:endParaRPr lang="en-BE" sz="2000" dirty="0">
+              <a:solidFill>
+                <a:schemeClr val="bg1"/>
+              </a:solidFill>
+            </a:endParaRPr>
+          </a:p>
+        </p:txBody>
+      </p:sp>
+    </p:spTree>
+    <p:extLst>
+      <p:ext uri="{BB962C8B-B14F-4D97-AF65-F5344CB8AC3E}">
+        <p14:creationId xmlns:p14="http://schemas.microsoft.com/office/powerpoint/2010/main" val="2737872920"/>
+      </p:ext>
+    </p:extLst>
+  </p:cSld>
+  <p:clrMapOvr>
+    <a:masterClrMapping/>
+  </p:clrMapOvr>
+</p:sld>
+</file>
+
+<file path=ppt/slides/slide12.xml><?xml version="1.0" encoding="utf-8"?>
+<p:sld xmlns:a="http://schemas.openxmlformats.org/drawingml/2006/main" xmlns:r="http://schemas.openxmlformats.org/officeDocument/2006/relationships" xmlns:p="http://schemas.openxmlformats.org/presentationml/2006/main">
+  <p:cSld>
+    <p:bg>
+      <p:bgPr>
+        <a:solidFill>
+          <a:schemeClr val="bg1"/>
+        </a:solidFill>
+        <a:effectLst/>
+      </p:bgPr>
+    </p:bg>
+    <p:spTree>
+      <p:nvGrpSpPr>
+        <p:cNvPr id="1" name=""/>
+        <p:cNvGrpSpPr/>
+        <p:nvPr/>
+      </p:nvGrpSpPr>
+      <p:grpSpPr>
+        <a:xfrm>
+          <a:off x="0" y="0"/>
+          <a:ext cx="0" cy="0"/>
+          <a:chOff x="0" y="0"/>
+          <a:chExt cx="0" cy="0"/>
+        </a:xfrm>
+      </p:grpSpPr>
+      <p:sp>
+        <p:nvSpPr>
+          <p:cNvPr id="5" name="Rectangle 7">
+            <a:extLst>
+              <a:ext uri="{FF2B5EF4-FFF2-40B4-BE49-F238E27FC236}">
+                <a16:creationId xmlns:a16="http://schemas.microsoft.com/office/drawing/2014/main" id="{02D886F1-CB4A-4FC1-AAA7-9402B0D0DDDD}"/>
+              </a:ext>
+              <a:ext uri="{C183D7F6-B498-43B3-948B-1728B52AA6E4}">
+                <adec:decorative xmlns:adec="http://schemas.microsoft.com/office/drawing/2017/decorative" val="1"/>
+              </a:ext>
+            </a:extLst>
+          </p:cNvPr>
+          <p:cNvSpPr>
+            <a:spLocks noGrp="1" noRot="1" noChangeAspect="1" noMove="1" noResize="1" noEditPoints="1" noAdjustHandles="1" noChangeArrowheads="1" noChangeShapeType="1" noTextEdit="1"/>
+          </p:cNvSpPr>
+          <p:nvPr>
+            <p:extLst>
+              <p:ext uri="{386F3935-93C4-4BCD-93E2-E3B085C9AB24}">
+                <p16:designElem xmlns:p16="http://schemas.microsoft.com/office/powerpoint/2015/main" val="1"/>
+              </p:ext>
+            </p:extLst>
+          </p:nvPr>
+        </p:nvSpPr>
+        <p:spPr>
+          <a:xfrm>
+            <a:off x="0" y="0"/>
+            <a:ext cx="2013557" cy="6858000"/>
+          </a:xfrm>
+          <a:prstGeom prst="rect">
+            <a:avLst/>
+          </a:prstGeom>
+          <a:solidFill>
+            <a:srgbClr val="7F7F7F"/>
+          </a:solidFill>
+          <a:ln>
+            <a:noFill/>
+          </a:ln>
+        </p:spPr>
+        <p:style>
+          <a:lnRef idx="2">
+            <a:schemeClr val="accent1">
+              <a:shade val="50000"/>
+            </a:schemeClr>
+          </a:lnRef>
+          <a:fillRef idx="1">
+            <a:schemeClr val="accent1"/>
+          </a:fillRef>
+          <a:effectRef idx="0">
+            <a:schemeClr val="accent1"/>
+          </a:effectRef>
+          <a:fontRef idx="minor">
+            <a:schemeClr val="lt1"/>
+          </a:fontRef>
+        </p:style>
+        <p:txBody>
+          <a:bodyPr rtlCol="0" anchor="ctr"/>
+          <a:lstStyle/>
+          <a:p>
+            <a:pPr marL="0" marR="0" lvl="0" indent="0" algn="ctr" defTabSz="914400" rtl="0" eaLnBrk="1" fontAlgn="auto" latinLnBrk="0" hangingPunct="1">
+              <a:lnSpc>
+                <a:spcPct val="100000"/>
+              </a:lnSpc>
+              <a:spcBef>
+                <a:spcPts val="0"/>
+              </a:spcBef>
+              <a:spcAft>
+                <a:spcPts val="0"/>
+              </a:spcAft>
+              <a:buClrTx/>
+              <a:buSzTx/>
+              <a:buFontTx/>
+              <a:buNone/>
+              <a:tabLst/>
+              <a:defRPr/>
+            </a:pPr>
+            <a:endParaRPr kumimoji="0" lang="en-US" sz="1800" b="0" i="0" u="none" strike="noStrike" kern="1200" cap="none" spc="0" normalizeH="0" baseline="0" noProof="0">
+              <a:ln>
+                <a:noFill/>
+              </a:ln>
+              <a:solidFill>
+                <a:prstClr val="white"/>
+              </a:solidFill>
+              <a:effectLst/>
+              <a:uLnTx/>
+              <a:uFillTx/>
+              <a:latin typeface="Calibri" panose="020F0502020204030204"/>
+              <a:ea typeface="+mn-ea"/>
+              <a:cs typeface="+mn-cs"/>
+            </a:endParaRPr>
+          </a:p>
+        </p:txBody>
+      </p:sp>
+      <p:sp>
+        <p:nvSpPr>
+          <p:cNvPr id="6" name="Rectangle 9">
+            <a:extLst>
+              <a:ext uri="{FF2B5EF4-FFF2-40B4-BE49-F238E27FC236}">
+                <a16:creationId xmlns:a16="http://schemas.microsoft.com/office/drawing/2014/main" id="{762B7B97-C3EE-4AEE-A61F-AFA873FE2FCA}"/>
+              </a:ext>
+              <a:ext uri="{C183D7F6-B498-43B3-948B-1728B52AA6E4}">
+                <adec:decorative xmlns:adec="http://schemas.microsoft.com/office/drawing/2017/decorative" val="1"/>
+              </a:ext>
+            </a:extLst>
+          </p:cNvPr>
+          <p:cNvSpPr>
+            <a:spLocks noGrp="1" noRot="1" noChangeAspect="1" noMove="1" noResize="1" noEditPoints="1" noAdjustHandles="1" noChangeArrowheads="1" noChangeShapeType="1" noTextEdit="1"/>
+          </p:cNvSpPr>
+          <p:nvPr>
+            <p:extLst>
+              <p:ext uri="{386F3935-93C4-4BCD-93E2-E3B085C9AB24}">
+                <p16:designElem xmlns:p16="http://schemas.microsoft.com/office/powerpoint/2015/main" val="1"/>
+              </p:ext>
+            </p:extLst>
+          </p:nvPr>
+        </p:nvSpPr>
+        <p:spPr>
+          <a:xfrm flipH="1">
+            <a:off x="2013557" y="0"/>
+            <a:ext cx="10178443" cy="6858000"/>
+          </a:xfrm>
+          <a:prstGeom prst="rect">
+            <a:avLst/>
+          </a:prstGeom>
+          <a:solidFill>
+            <a:schemeClr val="tx1">
+              <a:lumMod val="75000"/>
+              <a:lumOff val="25000"/>
+            </a:schemeClr>
+          </a:solidFill>
+          <a:ln>
+            <a:noFill/>
+          </a:ln>
+        </p:spPr>
+        <p:style>
+          <a:lnRef idx="2">
+            <a:schemeClr val="accent1">
+              <a:shade val="50000"/>
+            </a:schemeClr>
+          </a:lnRef>
+          <a:fillRef idx="1">
+            <a:schemeClr val="accent1"/>
+          </a:fillRef>
+          <a:effectRef idx="0">
+            <a:schemeClr val="accent1"/>
+          </a:effectRef>
+          <a:fontRef idx="minor">
+            <a:schemeClr val="lt1"/>
+          </a:fontRef>
+        </p:style>
+        <p:txBody>
+          <a:bodyPr rtlCol="0" anchor="ctr"/>
+          <a:lstStyle/>
+          <a:p>
+            <a:pPr marL="0" marR="0" lvl="0" indent="0" algn="ctr" defTabSz="914400" rtl="0" eaLnBrk="1" fontAlgn="auto" latinLnBrk="0" hangingPunct="1">
+              <a:lnSpc>
+                <a:spcPct val="100000"/>
+              </a:lnSpc>
+              <a:spcBef>
+                <a:spcPts val="0"/>
+              </a:spcBef>
+              <a:spcAft>
+                <a:spcPts val="0"/>
+              </a:spcAft>
+              <a:buClrTx/>
+              <a:buSzTx/>
+              <a:buFontTx/>
+              <a:buNone/>
+              <a:tabLst/>
+              <a:defRPr/>
+            </a:pPr>
+            <a:endParaRPr kumimoji="0" lang="en-US" sz="1800" b="0" i="0" u="none" strike="noStrike" kern="1200" cap="none" spc="0" normalizeH="0" baseline="0" noProof="0">
+              <a:ln>
+                <a:noFill/>
+              </a:ln>
+              <a:solidFill>
+                <a:prstClr val="white"/>
+              </a:solidFill>
+              <a:effectLst/>
+              <a:uLnTx/>
+              <a:uFillTx/>
+              <a:latin typeface="Calibri" panose="020F0502020204030204"/>
+              <a:ea typeface="+mn-ea"/>
+              <a:cs typeface="+mn-cs"/>
+            </a:endParaRPr>
+          </a:p>
+        </p:txBody>
+      </p:sp>
+      <p:sp>
+        <p:nvSpPr>
+          <p:cNvPr id="2" name="Title 1">
+            <a:extLst>
+              <a:ext uri="{FF2B5EF4-FFF2-40B4-BE49-F238E27FC236}">
+                <a16:creationId xmlns:a16="http://schemas.microsoft.com/office/drawing/2014/main" id="{4065E643-644B-4264-9737-B9286B85B6F4}"/>
+              </a:ext>
+            </a:extLst>
+          </p:cNvPr>
+          <p:cNvSpPr>
+            <a:spLocks noGrp="1"/>
+          </p:cNvSpPr>
+          <p:nvPr>
+            <p:ph type="title"/>
+          </p:nvPr>
+        </p:nvSpPr>
+        <p:spPr>
+          <a:xfrm>
+            <a:off x="623787" y="1635358"/>
+            <a:ext cx="2752344" cy="2706624"/>
+          </a:xfrm>
+          <a:prstGeom prst="ellipse">
+            <a:avLst/>
+          </a:prstGeom>
+          <a:solidFill>
+            <a:schemeClr val="bg1"/>
+          </a:solidFill>
+          <a:ln w="174625" cmpd="thinThick">
+            <a:solidFill>
+              <a:schemeClr val="bg1"/>
+            </a:solidFill>
+          </a:ln>
+        </p:spPr>
+        <p:txBody>
+          <a:bodyPr>
+            <a:normAutofit/>
+          </a:bodyPr>
+          <a:lstStyle/>
+          <a:p>
+            <a:pPr algn="ctr"/>
+            <a:r>
+              <a:rPr lang="en-US" sz="2600" dirty="0"/>
+              <a:t>Test</a:t>
+            </a:r>
+            <a:endParaRPr lang="en-BE" sz="2600" dirty="0"/>
+          </a:p>
+        </p:txBody>
+      </p:sp>
+      <p:sp>
+        <p:nvSpPr>
+          <p:cNvPr id="3" name="Content Placeholder 2">
+            <a:extLst>
+              <a:ext uri="{FF2B5EF4-FFF2-40B4-BE49-F238E27FC236}">
+                <a16:creationId xmlns:a16="http://schemas.microsoft.com/office/drawing/2014/main" id="{BCB1466C-A01B-4335-B8D0-E83C6EDF00A3}"/>
+              </a:ext>
+            </a:extLst>
+          </p:cNvPr>
+          <p:cNvSpPr>
+            <a:spLocks noGrp="1"/>
+          </p:cNvSpPr>
+          <p:nvPr>
+            <p:ph idx="1"/>
+          </p:nvPr>
+        </p:nvSpPr>
+        <p:spPr>
+          <a:xfrm>
+            <a:off x="3608173" y="1088137"/>
+            <a:ext cx="8064843" cy="4941960"/>
+          </a:xfrm>
+        </p:spPr>
+        <p:txBody>
+          <a:bodyPr anchor="ctr">
+            <a:normAutofit/>
+          </a:bodyPr>
+          <a:lstStyle/>
+          <a:p>
+            <a:r>
+              <a:rPr lang="en-US" sz="2000" dirty="0">
+                <a:solidFill>
+                  <a:schemeClr val="bg1"/>
+                </a:solidFill>
+              </a:rPr>
+              <a:t>See </a:t>
+            </a:r>
+            <a:r>
+              <a:rPr lang="en-US" sz="1600" dirty="0">
+                <a:hlinkClick r:id="rId2"/>
+              </a:rPr>
+              <a:t>https://github.com/sujithq/mini-workshop-tf</a:t>
+            </a:r>
+            <a:endParaRPr lang="en-US" sz="1600" dirty="0"/>
+          </a:p>
+          <a:p>
+            <a:r>
+              <a:rPr lang="en-US" sz="2000" dirty="0">
+                <a:solidFill>
+                  <a:schemeClr val="bg1"/>
+                </a:solidFill>
+              </a:rPr>
+              <a:t>Copy test directory</a:t>
+            </a:r>
+          </a:p>
+          <a:p>
+            <a:r>
+              <a:rPr lang="en-US" sz="2000" dirty="0">
+                <a:solidFill>
+                  <a:schemeClr val="bg1"/>
+                </a:solidFill>
+              </a:rPr>
+              <a:t>Cd test</a:t>
+            </a:r>
+          </a:p>
+          <a:p>
+            <a:r>
+              <a:rPr lang="en-US" sz="2000" dirty="0">
+                <a:solidFill>
+                  <a:schemeClr val="bg1"/>
+                </a:solidFill>
+              </a:rPr>
+              <a:t>Terraform </a:t>
+            </a:r>
+            <a:r>
+              <a:rPr lang="en-US" sz="2000" dirty="0" err="1">
+                <a:solidFill>
+                  <a:schemeClr val="bg1"/>
+                </a:solidFill>
+              </a:rPr>
+              <a:t>init</a:t>
+            </a:r>
+            <a:endParaRPr lang="en-US" sz="2000" dirty="0"/>
+          </a:p>
+          <a:p>
+            <a:endParaRPr lang="en-US" sz="1600" dirty="0">
+              <a:solidFill>
+                <a:schemeClr val="bg1"/>
+              </a:solidFill>
+            </a:endParaRPr>
+          </a:p>
+        </p:txBody>
+      </p:sp>
+    </p:spTree>
+    <p:extLst>
+      <p:ext uri="{BB962C8B-B14F-4D97-AF65-F5344CB8AC3E}">
+        <p14:creationId xmlns:p14="http://schemas.microsoft.com/office/powerpoint/2010/main" val="315382402"/>
+      </p:ext>
+    </p:extLst>
+  </p:cSld>
+  <p:clrMapOvr>
+    <a:masterClrMapping/>
+  </p:clrMapOvr>
+</p:sld>
+</file>
+
+<file path=ppt/slides/slide13.xml><?xml version="1.0" encoding="utf-8"?>
+<p:sld xmlns:a="http://schemas.openxmlformats.org/drawingml/2006/main" xmlns:r="http://schemas.openxmlformats.org/officeDocument/2006/relationships" xmlns:p="http://schemas.openxmlformats.org/presentationml/2006/main">
+  <p:cSld>
+    <p:bg>
+      <p:bgPr>
+        <a:solidFill>
+          <a:schemeClr val="bg1"/>
+        </a:solidFill>
+        <a:effectLst/>
+      </p:bgPr>
+    </p:bg>
+    <p:spTree>
+      <p:nvGrpSpPr>
+        <p:cNvPr id="1" name=""/>
+        <p:cNvGrpSpPr/>
+        <p:nvPr/>
+      </p:nvGrpSpPr>
+      <p:grpSpPr>
+        <a:xfrm>
+          <a:off x="0" y="0"/>
+          <a:ext cx="0" cy="0"/>
+          <a:chOff x="0" y="0"/>
+          <a:chExt cx="0" cy="0"/>
+        </a:xfrm>
+      </p:grpSpPr>
+      <p:sp>
+        <p:nvSpPr>
+          <p:cNvPr id="5" name="Rectangle 7">
+            <a:extLst>
+              <a:ext uri="{FF2B5EF4-FFF2-40B4-BE49-F238E27FC236}">
+                <a16:creationId xmlns:a16="http://schemas.microsoft.com/office/drawing/2014/main" id="{02D886F1-CB4A-4FC1-AAA7-9402B0D0DDDD}"/>
+              </a:ext>
+              <a:ext uri="{C183D7F6-B498-43B3-948B-1728B52AA6E4}">
+                <adec:decorative xmlns:adec="http://schemas.microsoft.com/office/drawing/2017/decorative" val="1"/>
+              </a:ext>
+            </a:extLst>
+          </p:cNvPr>
+          <p:cNvSpPr>
+            <a:spLocks noGrp="1" noRot="1" noChangeAspect="1" noMove="1" noResize="1" noEditPoints="1" noAdjustHandles="1" noChangeArrowheads="1" noChangeShapeType="1" noTextEdit="1"/>
+          </p:cNvSpPr>
+          <p:nvPr>
+            <p:extLst>
+              <p:ext uri="{386F3935-93C4-4BCD-93E2-E3B085C9AB24}">
+                <p16:designElem xmlns:p16="http://schemas.microsoft.com/office/powerpoint/2015/main" val="1"/>
+              </p:ext>
+            </p:extLst>
+          </p:nvPr>
+        </p:nvSpPr>
+        <p:spPr>
+          <a:xfrm>
+            <a:off x="0" y="0"/>
+            <a:ext cx="2013557" cy="6858000"/>
+          </a:xfrm>
+          <a:prstGeom prst="rect">
+            <a:avLst/>
+          </a:prstGeom>
+          <a:solidFill>
+            <a:srgbClr val="7F7F7F"/>
+          </a:solidFill>
+          <a:ln>
+            <a:noFill/>
+          </a:ln>
+        </p:spPr>
+        <p:style>
+          <a:lnRef idx="2">
+            <a:schemeClr val="accent1">
+              <a:shade val="50000"/>
+            </a:schemeClr>
+          </a:lnRef>
+          <a:fillRef idx="1">
+            <a:schemeClr val="accent1"/>
+          </a:fillRef>
+          <a:effectRef idx="0">
+            <a:schemeClr val="accent1"/>
+          </a:effectRef>
+          <a:fontRef idx="minor">
+            <a:schemeClr val="lt1"/>
+          </a:fontRef>
+        </p:style>
+        <p:txBody>
+          <a:bodyPr rtlCol="0" anchor="ctr"/>
+          <a:lstStyle/>
+          <a:p>
+            <a:pPr marL="0" marR="0" lvl="0" indent="0" algn="ctr" defTabSz="914400" rtl="0" eaLnBrk="1" fontAlgn="auto" latinLnBrk="0" hangingPunct="1">
+              <a:lnSpc>
+                <a:spcPct val="100000"/>
+              </a:lnSpc>
+              <a:spcBef>
+                <a:spcPts val="0"/>
+              </a:spcBef>
+              <a:spcAft>
+                <a:spcPts val="0"/>
+              </a:spcAft>
+              <a:buClrTx/>
+              <a:buSzTx/>
+              <a:buFontTx/>
+              <a:buNone/>
+              <a:tabLst/>
+              <a:defRPr/>
+            </a:pPr>
+            <a:endParaRPr kumimoji="0" lang="en-US" sz="1800" b="0" i="0" u="none" strike="noStrike" kern="1200" cap="none" spc="0" normalizeH="0" baseline="0" noProof="0">
+              <a:ln>
+                <a:noFill/>
+              </a:ln>
+              <a:solidFill>
+                <a:prstClr val="white"/>
+              </a:solidFill>
+              <a:effectLst/>
+              <a:uLnTx/>
+              <a:uFillTx/>
+              <a:latin typeface="Calibri" panose="020F0502020204030204"/>
+              <a:ea typeface="+mn-ea"/>
+              <a:cs typeface="+mn-cs"/>
+            </a:endParaRPr>
+          </a:p>
+        </p:txBody>
+      </p:sp>
+      <p:sp>
+        <p:nvSpPr>
+          <p:cNvPr id="6" name="Rectangle 9">
+            <a:extLst>
+              <a:ext uri="{FF2B5EF4-FFF2-40B4-BE49-F238E27FC236}">
+                <a16:creationId xmlns:a16="http://schemas.microsoft.com/office/drawing/2014/main" id="{762B7B97-C3EE-4AEE-A61F-AFA873FE2FCA}"/>
+              </a:ext>
+              <a:ext uri="{C183D7F6-B498-43B3-948B-1728B52AA6E4}">
+                <adec:decorative xmlns:adec="http://schemas.microsoft.com/office/drawing/2017/decorative" val="1"/>
+              </a:ext>
+            </a:extLst>
+          </p:cNvPr>
+          <p:cNvSpPr>
+            <a:spLocks noGrp="1" noRot="1" noChangeAspect="1" noMove="1" noResize="1" noEditPoints="1" noAdjustHandles="1" noChangeArrowheads="1" noChangeShapeType="1" noTextEdit="1"/>
+          </p:cNvSpPr>
+          <p:nvPr>
+            <p:extLst>
+              <p:ext uri="{386F3935-93C4-4BCD-93E2-E3B085C9AB24}">
+                <p16:designElem xmlns:p16="http://schemas.microsoft.com/office/powerpoint/2015/main" val="1"/>
+              </p:ext>
+            </p:extLst>
+          </p:nvPr>
+        </p:nvSpPr>
+        <p:spPr>
+          <a:xfrm flipH="1">
+            <a:off x="2013557" y="0"/>
+            <a:ext cx="10178443" cy="6858000"/>
+          </a:xfrm>
+          <a:prstGeom prst="rect">
+            <a:avLst/>
+          </a:prstGeom>
+          <a:solidFill>
+            <a:schemeClr val="tx1">
+              <a:lumMod val="75000"/>
+              <a:lumOff val="25000"/>
+            </a:schemeClr>
+          </a:solidFill>
+          <a:ln>
+            <a:noFill/>
+          </a:ln>
+        </p:spPr>
+        <p:style>
+          <a:lnRef idx="2">
+            <a:schemeClr val="accent1">
+              <a:shade val="50000"/>
+            </a:schemeClr>
+          </a:lnRef>
+          <a:fillRef idx="1">
+            <a:schemeClr val="accent1"/>
+          </a:fillRef>
+          <a:effectRef idx="0">
+            <a:schemeClr val="accent1"/>
+          </a:effectRef>
+          <a:fontRef idx="minor">
+            <a:schemeClr val="lt1"/>
+          </a:fontRef>
+        </p:style>
+        <p:txBody>
+          <a:bodyPr rtlCol="0" anchor="ctr"/>
+          <a:lstStyle/>
+          <a:p>
+            <a:pPr marL="0" marR="0" lvl="0" indent="0" algn="ctr" defTabSz="914400" rtl="0" eaLnBrk="1" fontAlgn="auto" latinLnBrk="0" hangingPunct="1">
+              <a:lnSpc>
+                <a:spcPct val="100000"/>
+              </a:lnSpc>
+              <a:spcBef>
+                <a:spcPts val="0"/>
+              </a:spcBef>
+              <a:spcAft>
+                <a:spcPts val="0"/>
+              </a:spcAft>
+              <a:buClrTx/>
+              <a:buSzTx/>
+              <a:buFontTx/>
+              <a:buNone/>
+              <a:tabLst/>
+              <a:defRPr/>
+            </a:pPr>
+            <a:endParaRPr kumimoji="0" lang="en-US" sz="1800" b="0" i="0" u="none" strike="noStrike" kern="1200" cap="none" spc="0" normalizeH="0" baseline="0" noProof="0">
+              <a:ln>
+                <a:noFill/>
+              </a:ln>
+              <a:solidFill>
+                <a:prstClr val="white"/>
+              </a:solidFill>
+              <a:effectLst/>
+              <a:uLnTx/>
+              <a:uFillTx/>
+              <a:latin typeface="Calibri" panose="020F0502020204030204"/>
+              <a:ea typeface="+mn-ea"/>
+              <a:cs typeface="+mn-cs"/>
+            </a:endParaRPr>
+          </a:p>
+        </p:txBody>
+      </p:sp>
+      <p:sp>
+        <p:nvSpPr>
+          <p:cNvPr id="2" name="Title 1">
+            <a:extLst>
+              <a:ext uri="{FF2B5EF4-FFF2-40B4-BE49-F238E27FC236}">
+                <a16:creationId xmlns:a16="http://schemas.microsoft.com/office/drawing/2014/main" id="{4065E643-644B-4264-9737-B9286B85B6F4}"/>
+              </a:ext>
+            </a:extLst>
+          </p:cNvPr>
+          <p:cNvSpPr>
+            <a:spLocks noGrp="1"/>
+          </p:cNvSpPr>
+          <p:nvPr>
+            <p:ph type="title"/>
+          </p:nvPr>
+        </p:nvSpPr>
+        <p:spPr>
+          <a:xfrm>
+            <a:off x="623787" y="1635358"/>
+            <a:ext cx="2752344" cy="2706624"/>
+          </a:xfrm>
+          <a:prstGeom prst="ellipse">
+            <a:avLst/>
+          </a:prstGeom>
+          <a:solidFill>
+            <a:schemeClr val="bg1"/>
+          </a:solidFill>
+          <a:ln w="174625" cmpd="thinThick">
+            <a:solidFill>
+              <a:schemeClr val="bg1"/>
+            </a:solidFill>
+          </a:ln>
+        </p:spPr>
+        <p:txBody>
+          <a:bodyPr>
+            <a:normAutofit/>
+          </a:bodyPr>
+          <a:lstStyle/>
+          <a:p>
+            <a:pPr algn="ctr"/>
+            <a:r>
+              <a:rPr lang="en-US" sz="2600" dirty="0"/>
+              <a:t>AKS</a:t>
+            </a:r>
+            <a:endParaRPr lang="en-BE" sz="2600" dirty="0"/>
+          </a:p>
+        </p:txBody>
+      </p:sp>
+      <p:sp>
+        <p:nvSpPr>
+          <p:cNvPr id="3" name="Content Placeholder 2">
+            <a:extLst>
+              <a:ext uri="{FF2B5EF4-FFF2-40B4-BE49-F238E27FC236}">
+                <a16:creationId xmlns:a16="http://schemas.microsoft.com/office/drawing/2014/main" id="{BCB1466C-A01B-4335-B8D0-E83C6EDF00A3}"/>
+              </a:ext>
+            </a:extLst>
+          </p:cNvPr>
+          <p:cNvSpPr>
+            <a:spLocks noGrp="1"/>
+          </p:cNvSpPr>
+          <p:nvPr>
+            <p:ph idx="1"/>
+          </p:nvPr>
+        </p:nvSpPr>
+        <p:spPr>
+          <a:xfrm>
+            <a:off x="3608173" y="1088137"/>
+            <a:ext cx="8064843" cy="4941960"/>
+          </a:xfrm>
+        </p:spPr>
+        <p:txBody>
+          <a:bodyPr anchor="ctr">
+            <a:normAutofit/>
+          </a:bodyPr>
+          <a:lstStyle/>
+          <a:p>
+            <a:r>
+              <a:rPr lang="en-US" sz="2000" dirty="0">
+                <a:solidFill>
+                  <a:schemeClr val="bg1"/>
+                </a:solidFill>
+              </a:rPr>
+              <a:t>See </a:t>
+            </a:r>
+            <a:r>
+              <a:rPr lang="en-US" sz="1600" dirty="0">
+                <a:hlinkClick r:id="rId2"/>
+              </a:rPr>
+              <a:t>https://github.com/sujithq/mini-workshop-tf</a:t>
+            </a:r>
+            <a:endParaRPr lang="en-US" sz="1600" dirty="0"/>
+          </a:p>
+          <a:p>
+            <a:r>
+              <a:rPr lang="en-US" sz="2000" dirty="0">
+                <a:solidFill>
+                  <a:schemeClr val="bg1"/>
+                </a:solidFill>
+              </a:rPr>
+              <a:t>Copy terraform-aks-k8s</a:t>
+            </a:r>
+          </a:p>
+          <a:p>
+            <a:r>
+              <a:rPr lang="en-US" sz="2000" dirty="0">
+                <a:solidFill>
+                  <a:schemeClr val="bg1"/>
+                </a:solidFill>
+              </a:rPr>
+              <a:t>Cd terraform-aks-k8s</a:t>
+            </a:r>
+          </a:p>
+          <a:p>
+            <a:r>
+              <a:rPr lang="en-US" sz="2000" dirty="0">
+                <a:solidFill>
+                  <a:schemeClr val="bg1"/>
+                </a:solidFill>
+              </a:rPr>
+              <a:t>Set variables</a:t>
+            </a:r>
+          </a:p>
+          <a:p>
             <a:pPr lvl="1"/>
             <a:r>
               <a:rPr lang="en-US" sz="1600" dirty="0">
@@ -4354,7 +6082,7 @@
                   <a:schemeClr val="bg1"/>
                 </a:solidFill>
               </a:rPr>
-              <a:t>TF is preinstalled</a:t>
+              <a:t>RG_STATE_FILES=rg-k8s-state</a:t>
             </a:r>
           </a:p>
           <a:p>
@@ -4365,7 +6093,31 @@
                   <a:schemeClr val="bg1"/>
                 </a:solidFill>
               </a:rPr>
-              <a:t>Azure CLI is preinstalled</a:t>
+              <a:t>DEF_LOCATION=</a:t>
+            </a:r>
+            <a:r>
+              <a:rPr lang="en-US" sz="1600" dirty="0" err="1">
+                <a:solidFill>
+                  <a:schemeClr val="bg1"/>
+                </a:solidFill>
+              </a:rPr>
+              <a:t>westeurope</a:t>
+            </a:r>
+            <a:endParaRPr lang="en-US" sz="1600" dirty="0">
+              <a:solidFill>
+                <a:schemeClr val="bg1"/>
+              </a:solidFill>
+            </a:endParaRPr>
+          </a:p>
+          <a:p>
+            <a:pPr lvl="1"/>
+            <a:r>
+              <a:rPr lang="en-US" sz="1600" dirty="0">
+                <a:solidFill>
+                  <a:schemeClr val="bg1"/>
+                </a:solidFill>
+              </a:rPr>
+              <a:t>ST_ACCOUNT=k8sstorage123</a:t>
             </a:r>
           </a:p>
           <a:p>
@@ -4375,32 +6127,1958 @@
                   <a:schemeClr val="bg1"/>
                 </a:solidFill>
               </a:rPr>
-              <a:t>Use terminal</a:t>
+              <a:t>Create Resource Group</a:t>
             </a:r>
           </a:p>
           <a:p>
             <a:pPr lvl="1"/>
             <a:r>
+              <a:rPr lang="en-US" sz="1600" dirty="0" err="1">
+                <a:solidFill>
+                  <a:schemeClr val="bg1"/>
+                </a:solidFill>
+              </a:rPr>
+              <a:t>az</a:t>
+            </a:r>
+            <a:r>
               <a:rPr lang="en-US" sz="1600" dirty="0">
                 <a:solidFill>
                   <a:schemeClr val="bg1"/>
                 </a:solidFill>
               </a:rPr>
-              <a:t>(Install TF)</a:t>
+              <a:t> group create -n $RG_STATE_FILES -l $DEF_LOCATION</a:t>
+            </a:r>
+          </a:p>
+          <a:p>
+            <a:endParaRPr lang="en-US" sz="2000" dirty="0">
+              <a:solidFill>
+                <a:schemeClr val="bg1"/>
+              </a:solidFill>
+            </a:endParaRPr>
+          </a:p>
+        </p:txBody>
+      </p:sp>
+    </p:spTree>
+    <p:extLst>
+      <p:ext uri="{BB962C8B-B14F-4D97-AF65-F5344CB8AC3E}">
+        <p14:creationId xmlns:p14="http://schemas.microsoft.com/office/powerpoint/2010/main" val="3251982746"/>
+      </p:ext>
+    </p:extLst>
+  </p:cSld>
+  <p:clrMapOvr>
+    <a:masterClrMapping/>
+  </p:clrMapOvr>
+</p:sld>
+</file>
+
+<file path=ppt/slides/slide14.xml><?xml version="1.0" encoding="utf-8"?>
+<p:sld xmlns:a="http://schemas.openxmlformats.org/drawingml/2006/main" xmlns:r="http://schemas.openxmlformats.org/officeDocument/2006/relationships" xmlns:p="http://schemas.openxmlformats.org/presentationml/2006/main">
+  <p:cSld>
+    <p:bg>
+      <p:bgPr>
+        <a:solidFill>
+          <a:schemeClr val="bg1"/>
+        </a:solidFill>
+        <a:effectLst/>
+      </p:bgPr>
+    </p:bg>
+    <p:spTree>
+      <p:nvGrpSpPr>
+        <p:cNvPr id="1" name=""/>
+        <p:cNvGrpSpPr/>
+        <p:nvPr/>
+      </p:nvGrpSpPr>
+      <p:grpSpPr>
+        <a:xfrm>
+          <a:off x="0" y="0"/>
+          <a:ext cx="0" cy="0"/>
+          <a:chOff x="0" y="0"/>
+          <a:chExt cx="0" cy="0"/>
+        </a:xfrm>
+      </p:grpSpPr>
+      <p:sp>
+        <p:nvSpPr>
+          <p:cNvPr id="5" name="Rectangle 7">
+            <a:extLst>
+              <a:ext uri="{FF2B5EF4-FFF2-40B4-BE49-F238E27FC236}">
+                <a16:creationId xmlns:a16="http://schemas.microsoft.com/office/drawing/2014/main" id="{02D886F1-CB4A-4FC1-AAA7-9402B0D0DDDD}"/>
+              </a:ext>
+              <a:ext uri="{C183D7F6-B498-43B3-948B-1728B52AA6E4}">
+                <adec:decorative xmlns:adec="http://schemas.microsoft.com/office/drawing/2017/decorative" val="1"/>
+              </a:ext>
+            </a:extLst>
+          </p:cNvPr>
+          <p:cNvSpPr>
+            <a:spLocks noGrp="1" noRot="1" noChangeAspect="1" noMove="1" noResize="1" noEditPoints="1" noAdjustHandles="1" noChangeArrowheads="1" noChangeShapeType="1" noTextEdit="1"/>
+          </p:cNvSpPr>
+          <p:nvPr>
+            <p:extLst>
+              <p:ext uri="{386F3935-93C4-4BCD-93E2-E3B085C9AB24}">
+                <p16:designElem xmlns:p16="http://schemas.microsoft.com/office/powerpoint/2015/main" val="1"/>
+              </p:ext>
+            </p:extLst>
+          </p:nvPr>
+        </p:nvSpPr>
+        <p:spPr>
+          <a:xfrm>
+            <a:off x="0" y="0"/>
+            <a:ext cx="2013557" cy="6858000"/>
+          </a:xfrm>
+          <a:prstGeom prst="rect">
+            <a:avLst/>
+          </a:prstGeom>
+          <a:solidFill>
+            <a:srgbClr val="7F7F7F"/>
+          </a:solidFill>
+          <a:ln>
+            <a:noFill/>
+          </a:ln>
+        </p:spPr>
+        <p:style>
+          <a:lnRef idx="2">
+            <a:schemeClr val="accent1">
+              <a:shade val="50000"/>
+            </a:schemeClr>
+          </a:lnRef>
+          <a:fillRef idx="1">
+            <a:schemeClr val="accent1"/>
+          </a:fillRef>
+          <a:effectRef idx="0">
+            <a:schemeClr val="accent1"/>
+          </a:effectRef>
+          <a:fontRef idx="minor">
+            <a:schemeClr val="lt1"/>
+          </a:fontRef>
+        </p:style>
+        <p:txBody>
+          <a:bodyPr rtlCol="0" anchor="ctr"/>
+          <a:lstStyle/>
+          <a:p>
+            <a:pPr marL="0" marR="0" lvl="0" indent="0" algn="ctr" defTabSz="914400" rtl="0" eaLnBrk="1" fontAlgn="auto" latinLnBrk="0" hangingPunct="1">
+              <a:lnSpc>
+                <a:spcPct val="100000"/>
+              </a:lnSpc>
+              <a:spcBef>
+                <a:spcPts val="0"/>
+              </a:spcBef>
+              <a:spcAft>
+                <a:spcPts val="0"/>
+              </a:spcAft>
+              <a:buClrTx/>
+              <a:buSzTx/>
+              <a:buFontTx/>
+              <a:buNone/>
+              <a:tabLst/>
+              <a:defRPr/>
+            </a:pPr>
+            <a:endParaRPr kumimoji="0" lang="en-US" sz="1800" b="0" i="0" u="none" strike="noStrike" kern="1200" cap="none" spc="0" normalizeH="0" baseline="0" noProof="0">
+              <a:ln>
+                <a:noFill/>
+              </a:ln>
+              <a:solidFill>
+                <a:prstClr val="white"/>
+              </a:solidFill>
+              <a:effectLst/>
+              <a:uLnTx/>
+              <a:uFillTx/>
+              <a:latin typeface="Calibri" panose="020F0502020204030204"/>
+              <a:ea typeface="+mn-ea"/>
+              <a:cs typeface="+mn-cs"/>
+            </a:endParaRPr>
+          </a:p>
+        </p:txBody>
+      </p:sp>
+      <p:sp>
+        <p:nvSpPr>
+          <p:cNvPr id="6" name="Rectangle 9">
+            <a:extLst>
+              <a:ext uri="{FF2B5EF4-FFF2-40B4-BE49-F238E27FC236}">
+                <a16:creationId xmlns:a16="http://schemas.microsoft.com/office/drawing/2014/main" id="{762B7B97-C3EE-4AEE-A61F-AFA873FE2FCA}"/>
+              </a:ext>
+              <a:ext uri="{C183D7F6-B498-43B3-948B-1728B52AA6E4}">
+                <adec:decorative xmlns:adec="http://schemas.microsoft.com/office/drawing/2017/decorative" val="1"/>
+              </a:ext>
+            </a:extLst>
+          </p:cNvPr>
+          <p:cNvSpPr>
+            <a:spLocks noGrp="1" noRot="1" noChangeAspect="1" noMove="1" noResize="1" noEditPoints="1" noAdjustHandles="1" noChangeArrowheads="1" noChangeShapeType="1" noTextEdit="1"/>
+          </p:cNvSpPr>
+          <p:nvPr>
+            <p:extLst>
+              <p:ext uri="{386F3935-93C4-4BCD-93E2-E3B085C9AB24}">
+                <p16:designElem xmlns:p16="http://schemas.microsoft.com/office/powerpoint/2015/main" val="1"/>
+              </p:ext>
+            </p:extLst>
+          </p:nvPr>
+        </p:nvSpPr>
+        <p:spPr>
+          <a:xfrm flipH="1">
+            <a:off x="2013557" y="0"/>
+            <a:ext cx="10178443" cy="6858000"/>
+          </a:xfrm>
+          <a:prstGeom prst="rect">
+            <a:avLst/>
+          </a:prstGeom>
+          <a:solidFill>
+            <a:schemeClr val="tx1">
+              <a:lumMod val="75000"/>
+              <a:lumOff val="25000"/>
+            </a:schemeClr>
+          </a:solidFill>
+          <a:ln>
+            <a:noFill/>
+          </a:ln>
+        </p:spPr>
+        <p:style>
+          <a:lnRef idx="2">
+            <a:schemeClr val="accent1">
+              <a:shade val="50000"/>
+            </a:schemeClr>
+          </a:lnRef>
+          <a:fillRef idx="1">
+            <a:schemeClr val="accent1"/>
+          </a:fillRef>
+          <a:effectRef idx="0">
+            <a:schemeClr val="accent1"/>
+          </a:effectRef>
+          <a:fontRef idx="minor">
+            <a:schemeClr val="lt1"/>
+          </a:fontRef>
+        </p:style>
+        <p:txBody>
+          <a:bodyPr rtlCol="0" anchor="ctr"/>
+          <a:lstStyle/>
+          <a:p>
+            <a:pPr marL="0" marR="0" lvl="0" indent="0" algn="ctr" defTabSz="914400" rtl="0" eaLnBrk="1" fontAlgn="auto" latinLnBrk="0" hangingPunct="1">
+              <a:lnSpc>
+                <a:spcPct val="100000"/>
+              </a:lnSpc>
+              <a:spcBef>
+                <a:spcPts val="0"/>
+              </a:spcBef>
+              <a:spcAft>
+                <a:spcPts val="0"/>
+              </a:spcAft>
+              <a:buClrTx/>
+              <a:buSzTx/>
+              <a:buFontTx/>
+              <a:buNone/>
+              <a:tabLst/>
+              <a:defRPr/>
+            </a:pPr>
+            <a:endParaRPr kumimoji="0" lang="en-US" sz="1800" b="0" i="0" u="none" strike="noStrike" kern="1200" cap="none" spc="0" normalizeH="0" baseline="0" noProof="0">
+              <a:ln>
+                <a:noFill/>
+              </a:ln>
+              <a:solidFill>
+                <a:prstClr val="white"/>
+              </a:solidFill>
+              <a:effectLst/>
+              <a:uLnTx/>
+              <a:uFillTx/>
+              <a:latin typeface="Calibri" panose="020F0502020204030204"/>
+              <a:ea typeface="+mn-ea"/>
+              <a:cs typeface="+mn-cs"/>
+            </a:endParaRPr>
+          </a:p>
+        </p:txBody>
+      </p:sp>
+      <p:sp>
+        <p:nvSpPr>
+          <p:cNvPr id="2" name="Title 1">
+            <a:extLst>
+              <a:ext uri="{FF2B5EF4-FFF2-40B4-BE49-F238E27FC236}">
+                <a16:creationId xmlns:a16="http://schemas.microsoft.com/office/drawing/2014/main" id="{4065E643-644B-4264-9737-B9286B85B6F4}"/>
+              </a:ext>
+            </a:extLst>
+          </p:cNvPr>
+          <p:cNvSpPr>
+            <a:spLocks noGrp="1"/>
+          </p:cNvSpPr>
+          <p:nvPr>
+            <p:ph type="title"/>
+          </p:nvPr>
+        </p:nvSpPr>
+        <p:spPr>
+          <a:xfrm>
+            <a:off x="623787" y="1635358"/>
+            <a:ext cx="2752344" cy="2706624"/>
+          </a:xfrm>
+          <a:prstGeom prst="ellipse">
+            <a:avLst/>
+          </a:prstGeom>
+          <a:solidFill>
+            <a:schemeClr val="bg1"/>
+          </a:solidFill>
+          <a:ln w="174625" cmpd="thinThick">
+            <a:solidFill>
+              <a:schemeClr val="bg1"/>
+            </a:solidFill>
+          </a:ln>
+        </p:spPr>
+        <p:txBody>
+          <a:bodyPr>
+            <a:normAutofit/>
+          </a:bodyPr>
+          <a:lstStyle/>
+          <a:p>
+            <a:pPr algn="ctr"/>
+            <a:r>
+              <a:rPr lang="en-US" sz="2600" dirty="0"/>
+              <a:t>AKS</a:t>
+            </a:r>
+            <a:endParaRPr lang="en-BE" sz="2600" dirty="0"/>
+          </a:p>
+        </p:txBody>
+      </p:sp>
+      <p:sp>
+        <p:nvSpPr>
+          <p:cNvPr id="3" name="Content Placeholder 2">
+            <a:extLst>
+              <a:ext uri="{FF2B5EF4-FFF2-40B4-BE49-F238E27FC236}">
+                <a16:creationId xmlns:a16="http://schemas.microsoft.com/office/drawing/2014/main" id="{BCB1466C-A01B-4335-B8D0-E83C6EDF00A3}"/>
+              </a:ext>
+            </a:extLst>
+          </p:cNvPr>
+          <p:cNvSpPr>
+            <a:spLocks noGrp="1"/>
+          </p:cNvSpPr>
+          <p:nvPr>
+            <p:ph idx="1"/>
+          </p:nvPr>
+        </p:nvSpPr>
+        <p:spPr>
+          <a:xfrm>
+            <a:off x="3608173" y="1088137"/>
+            <a:ext cx="8064843" cy="4941960"/>
+          </a:xfrm>
+        </p:spPr>
+        <p:txBody>
+          <a:bodyPr anchor="ctr">
+            <a:normAutofit/>
+          </a:bodyPr>
+          <a:lstStyle/>
+          <a:p>
+            <a:r>
+              <a:rPr lang="en-US" sz="2000" dirty="0">
+                <a:solidFill>
+                  <a:schemeClr val="bg1"/>
+                </a:solidFill>
+              </a:rPr>
+              <a:t>Create Storage Account</a:t>
             </a:r>
           </a:p>
           <a:p>
             <a:pPr lvl="1"/>
             <a:r>
+              <a:rPr lang="en-US" sz="1600" dirty="0" err="1">
+                <a:solidFill>
+                  <a:schemeClr val="bg1"/>
+                </a:solidFill>
+              </a:rPr>
+              <a:t>az</a:t>
+            </a:r>
+            <a:r>
               <a:rPr lang="en-US" sz="1600" dirty="0">
                 <a:solidFill>
                   <a:schemeClr val="bg1"/>
                 </a:solidFill>
               </a:rPr>
-              <a:t>(Install Azure CLI)</a:t>
-            </a:r>
-          </a:p>
-          <a:p>
+              <a:t> storage account create -n $ST_ACCOUNT -g $RG_STATE_FILES -l $DEF_LOCATION --</a:t>
+            </a:r>
+            <a:r>
+              <a:rPr lang="en-US" sz="1600" dirty="0" err="1">
+                <a:solidFill>
+                  <a:schemeClr val="bg1"/>
+                </a:solidFill>
+              </a:rPr>
+              <a:t>sku</a:t>
+            </a:r>
+            <a:r>
+              <a:rPr lang="en-US" sz="1600" dirty="0">
+                <a:solidFill>
+                  <a:schemeClr val="bg1"/>
+                </a:solidFill>
+              </a:rPr>
+              <a:t> </a:t>
+            </a:r>
+            <a:r>
+              <a:rPr lang="en-US" sz="1600" dirty="0" err="1">
+                <a:solidFill>
+                  <a:schemeClr val="bg1"/>
+                </a:solidFill>
+              </a:rPr>
+              <a:t>Standard_LRS</a:t>
+            </a:r>
+            <a:endParaRPr lang="en-US" sz="1600" dirty="0">
+              <a:solidFill>
+                <a:schemeClr val="bg1"/>
+              </a:solidFill>
+            </a:endParaRPr>
+          </a:p>
+          <a:p>
+            <a:r>
+              <a:rPr lang="en-US" sz="2000" dirty="0">
+                <a:solidFill>
+                  <a:schemeClr val="bg1"/>
+                </a:solidFill>
+              </a:rPr>
+              <a:t>Get access key</a:t>
+            </a:r>
+          </a:p>
+          <a:p>
+            <a:pPr lvl="1"/>
+            <a:r>
+              <a:rPr lang="en-US" sz="1600" dirty="0">
+                <a:solidFill>
+                  <a:schemeClr val="bg1"/>
+                </a:solidFill>
+              </a:rPr>
+              <a:t>KEY=$(echo $(</a:t>
+            </a:r>
+            <a:r>
+              <a:rPr lang="en-US" sz="1600" dirty="0" err="1">
+                <a:solidFill>
+                  <a:schemeClr val="bg1"/>
+                </a:solidFill>
+              </a:rPr>
+              <a:t>az</a:t>
+            </a:r>
+            <a:r>
+              <a:rPr lang="en-US" sz="1600" dirty="0">
+                <a:solidFill>
+                  <a:schemeClr val="bg1"/>
+                </a:solidFill>
+              </a:rPr>
+              <a:t> storage account keys list -g $RG_STATE_FILES -n $ST_ACCOUNT --query "[0].value") | tr -d '“’)</a:t>
+            </a:r>
+          </a:p>
+          <a:p>
+            <a:r>
+              <a:rPr lang="en-US" sz="2000" dirty="0">
+                <a:solidFill>
+                  <a:schemeClr val="bg1"/>
+                </a:solidFill>
+              </a:rPr>
+              <a:t>Create container</a:t>
+            </a:r>
+          </a:p>
+          <a:p>
+            <a:pPr lvl="1"/>
+            <a:r>
+              <a:rPr lang="en-US" sz="1600" dirty="0" err="1">
+                <a:solidFill>
+                  <a:schemeClr val="bg1"/>
+                </a:solidFill>
+              </a:rPr>
+              <a:t>az</a:t>
+            </a:r>
+            <a:r>
+              <a:rPr lang="en-US" sz="1600" dirty="0">
+                <a:solidFill>
+                  <a:schemeClr val="bg1"/>
+                </a:solidFill>
+              </a:rPr>
+              <a:t> storage container create -n </a:t>
+            </a:r>
+            <a:r>
+              <a:rPr lang="en-US" sz="1600" dirty="0" err="1">
+                <a:solidFill>
+                  <a:schemeClr val="bg1"/>
+                </a:solidFill>
+              </a:rPr>
+              <a:t>tfstate</a:t>
+            </a:r>
+            <a:r>
+              <a:rPr lang="en-US" sz="1600" dirty="0">
+                <a:solidFill>
+                  <a:schemeClr val="bg1"/>
+                </a:solidFill>
+              </a:rPr>
+              <a:t> --account-name $ST_ACCOUNT --account-key $KEY</a:t>
+            </a:r>
+          </a:p>
+          <a:p>
+            <a:r>
+              <a:rPr lang="en-US" sz="2000" dirty="0">
+                <a:solidFill>
+                  <a:schemeClr val="bg1"/>
+                </a:solidFill>
+              </a:rPr>
+              <a:t>Initialize TF</a:t>
+            </a:r>
+          </a:p>
+          <a:p>
+            <a:pPr lvl="1"/>
+            <a:r>
+              <a:rPr lang="en-US" sz="1600" dirty="0">
+                <a:solidFill>
+                  <a:schemeClr val="bg1"/>
+                </a:solidFill>
+              </a:rPr>
+              <a:t>terraform </a:t>
+            </a:r>
+            <a:r>
+              <a:rPr lang="en-US" sz="1600" dirty="0" err="1">
+                <a:solidFill>
+                  <a:schemeClr val="bg1"/>
+                </a:solidFill>
+              </a:rPr>
+              <a:t>init</a:t>
+            </a:r>
+            <a:r>
+              <a:rPr lang="en-US" sz="1600" dirty="0">
+                <a:solidFill>
+                  <a:schemeClr val="bg1"/>
+                </a:solidFill>
+              </a:rPr>
+              <a:t> -backend-config="</a:t>
+            </a:r>
+            <a:r>
+              <a:rPr lang="en-US" sz="1600" dirty="0" err="1">
+                <a:solidFill>
+                  <a:schemeClr val="bg1"/>
+                </a:solidFill>
+              </a:rPr>
+              <a:t>storage_account_name</a:t>
+            </a:r>
+            <a:r>
+              <a:rPr lang="en-US" sz="1600" dirty="0">
+                <a:solidFill>
+                  <a:schemeClr val="bg1"/>
+                </a:solidFill>
+              </a:rPr>
+              <a:t>=$ST_ACCOUNT" -backend-config="</a:t>
+            </a:r>
+            <a:r>
+              <a:rPr lang="en-US" sz="1600" dirty="0" err="1">
+                <a:solidFill>
+                  <a:schemeClr val="bg1"/>
+                </a:solidFill>
+              </a:rPr>
+              <a:t>container_name</a:t>
+            </a:r>
+            <a:r>
+              <a:rPr lang="en-US" sz="1600" dirty="0">
+                <a:solidFill>
+                  <a:schemeClr val="bg1"/>
+                </a:solidFill>
+              </a:rPr>
+              <a:t>=</a:t>
+            </a:r>
+            <a:r>
+              <a:rPr lang="en-US" sz="1600" dirty="0" err="1">
+                <a:solidFill>
+                  <a:schemeClr val="bg1"/>
+                </a:solidFill>
+              </a:rPr>
+              <a:t>tfstate</a:t>
+            </a:r>
+            <a:r>
+              <a:rPr lang="en-US" sz="1600" dirty="0">
+                <a:solidFill>
+                  <a:schemeClr val="bg1"/>
+                </a:solidFill>
+              </a:rPr>
+              <a:t>" -backend-config="</a:t>
+            </a:r>
+            <a:r>
+              <a:rPr lang="en-US" sz="1600" dirty="0" err="1">
+                <a:solidFill>
+                  <a:schemeClr val="bg1"/>
+                </a:solidFill>
+              </a:rPr>
+              <a:t>access_key</a:t>
+            </a:r>
+            <a:r>
+              <a:rPr lang="en-US" sz="1600" dirty="0">
+                <a:solidFill>
+                  <a:schemeClr val="bg1"/>
+                </a:solidFill>
+              </a:rPr>
+              <a:t>=$KEY" -backend-config="key=k8s.tfstate"</a:t>
+            </a:r>
+          </a:p>
+        </p:txBody>
+      </p:sp>
+    </p:spTree>
+    <p:extLst>
+      <p:ext uri="{BB962C8B-B14F-4D97-AF65-F5344CB8AC3E}">
+        <p14:creationId xmlns:p14="http://schemas.microsoft.com/office/powerpoint/2010/main" val="3943015498"/>
+      </p:ext>
+    </p:extLst>
+  </p:cSld>
+  <p:clrMapOvr>
+    <a:masterClrMapping/>
+  </p:clrMapOvr>
+</p:sld>
+</file>
+
+<file path=ppt/slides/slide15.xml><?xml version="1.0" encoding="utf-8"?>
+<p:sld xmlns:a="http://schemas.openxmlformats.org/drawingml/2006/main" xmlns:r="http://schemas.openxmlformats.org/officeDocument/2006/relationships" xmlns:p="http://schemas.openxmlformats.org/presentationml/2006/main">
+  <p:cSld>
+    <p:bg>
+      <p:bgPr>
+        <a:solidFill>
+          <a:schemeClr val="bg1"/>
+        </a:solidFill>
+        <a:effectLst/>
+      </p:bgPr>
+    </p:bg>
+    <p:spTree>
+      <p:nvGrpSpPr>
+        <p:cNvPr id="1" name=""/>
+        <p:cNvGrpSpPr/>
+        <p:nvPr/>
+      </p:nvGrpSpPr>
+      <p:grpSpPr>
+        <a:xfrm>
+          <a:off x="0" y="0"/>
+          <a:ext cx="0" cy="0"/>
+          <a:chOff x="0" y="0"/>
+          <a:chExt cx="0" cy="0"/>
+        </a:xfrm>
+      </p:grpSpPr>
+      <p:sp>
+        <p:nvSpPr>
+          <p:cNvPr id="5" name="Rectangle 7">
+            <a:extLst>
+              <a:ext uri="{FF2B5EF4-FFF2-40B4-BE49-F238E27FC236}">
+                <a16:creationId xmlns:a16="http://schemas.microsoft.com/office/drawing/2014/main" id="{02D886F1-CB4A-4FC1-AAA7-9402B0D0DDDD}"/>
+              </a:ext>
+              <a:ext uri="{C183D7F6-B498-43B3-948B-1728B52AA6E4}">
+                <adec:decorative xmlns:adec="http://schemas.microsoft.com/office/drawing/2017/decorative" val="1"/>
+              </a:ext>
+            </a:extLst>
+          </p:cNvPr>
+          <p:cNvSpPr>
+            <a:spLocks noGrp="1" noRot="1" noChangeAspect="1" noMove="1" noResize="1" noEditPoints="1" noAdjustHandles="1" noChangeArrowheads="1" noChangeShapeType="1" noTextEdit="1"/>
+          </p:cNvSpPr>
+          <p:nvPr>
+            <p:extLst>
+              <p:ext uri="{386F3935-93C4-4BCD-93E2-E3B085C9AB24}">
+                <p16:designElem xmlns:p16="http://schemas.microsoft.com/office/powerpoint/2015/main" val="1"/>
+              </p:ext>
+            </p:extLst>
+          </p:nvPr>
+        </p:nvSpPr>
+        <p:spPr>
+          <a:xfrm>
+            <a:off x="0" y="0"/>
+            <a:ext cx="2013557" cy="6858000"/>
+          </a:xfrm>
+          <a:prstGeom prst="rect">
+            <a:avLst/>
+          </a:prstGeom>
+          <a:solidFill>
+            <a:srgbClr val="7F7F7F"/>
+          </a:solidFill>
+          <a:ln>
+            <a:noFill/>
+          </a:ln>
+        </p:spPr>
+        <p:style>
+          <a:lnRef idx="2">
+            <a:schemeClr val="accent1">
+              <a:shade val="50000"/>
+            </a:schemeClr>
+          </a:lnRef>
+          <a:fillRef idx="1">
+            <a:schemeClr val="accent1"/>
+          </a:fillRef>
+          <a:effectRef idx="0">
+            <a:schemeClr val="accent1"/>
+          </a:effectRef>
+          <a:fontRef idx="minor">
+            <a:schemeClr val="lt1"/>
+          </a:fontRef>
+        </p:style>
+        <p:txBody>
+          <a:bodyPr rtlCol="0" anchor="ctr"/>
+          <a:lstStyle/>
+          <a:p>
+            <a:pPr marL="0" marR="0" lvl="0" indent="0" algn="ctr" defTabSz="914400" rtl="0" eaLnBrk="1" fontAlgn="auto" latinLnBrk="0" hangingPunct="1">
+              <a:lnSpc>
+                <a:spcPct val="100000"/>
+              </a:lnSpc>
+              <a:spcBef>
+                <a:spcPts val="0"/>
+              </a:spcBef>
+              <a:spcAft>
+                <a:spcPts val="0"/>
+              </a:spcAft>
+              <a:buClrTx/>
+              <a:buSzTx/>
+              <a:buFontTx/>
+              <a:buNone/>
+              <a:tabLst/>
+              <a:defRPr/>
+            </a:pPr>
+            <a:endParaRPr kumimoji="0" lang="en-US" sz="1800" b="0" i="0" u="none" strike="noStrike" kern="1200" cap="none" spc="0" normalizeH="0" baseline="0" noProof="0">
+              <a:ln>
+                <a:noFill/>
+              </a:ln>
+              <a:solidFill>
+                <a:prstClr val="white"/>
+              </a:solidFill>
+              <a:effectLst/>
+              <a:uLnTx/>
+              <a:uFillTx/>
+              <a:latin typeface="Calibri" panose="020F0502020204030204"/>
+              <a:ea typeface="+mn-ea"/>
+              <a:cs typeface="+mn-cs"/>
+            </a:endParaRPr>
+          </a:p>
+        </p:txBody>
+      </p:sp>
+      <p:sp>
+        <p:nvSpPr>
+          <p:cNvPr id="6" name="Rectangle 9">
+            <a:extLst>
+              <a:ext uri="{FF2B5EF4-FFF2-40B4-BE49-F238E27FC236}">
+                <a16:creationId xmlns:a16="http://schemas.microsoft.com/office/drawing/2014/main" id="{762B7B97-C3EE-4AEE-A61F-AFA873FE2FCA}"/>
+              </a:ext>
+              <a:ext uri="{C183D7F6-B498-43B3-948B-1728B52AA6E4}">
+                <adec:decorative xmlns:adec="http://schemas.microsoft.com/office/drawing/2017/decorative" val="1"/>
+              </a:ext>
+            </a:extLst>
+          </p:cNvPr>
+          <p:cNvSpPr>
+            <a:spLocks noGrp="1" noRot="1" noChangeAspect="1" noMove="1" noResize="1" noEditPoints="1" noAdjustHandles="1" noChangeArrowheads="1" noChangeShapeType="1" noTextEdit="1"/>
+          </p:cNvSpPr>
+          <p:nvPr>
+            <p:extLst>
+              <p:ext uri="{386F3935-93C4-4BCD-93E2-E3B085C9AB24}">
+                <p16:designElem xmlns:p16="http://schemas.microsoft.com/office/powerpoint/2015/main" val="1"/>
+              </p:ext>
+            </p:extLst>
+          </p:nvPr>
+        </p:nvSpPr>
+        <p:spPr>
+          <a:xfrm flipH="1">
+            <a:off x="2013557" y="0"/>
+            <a:ext cx="10178443" cy="6858000"/>
+          </a:xfrm>
+          <a:prstGeom prst="rect">
+            <a:avLst/>
+          </a:prstGeom>
+          <a:solidFill>
+            <a:schemeClr val="tx1">
+              <a:lumMod val="75000"/>
+              <a:lumOff val="25000"/>
+            </a:schemeClr>
+          </a:solidFill>
+          <a:ln>
+            <a:noFill/>
+          </a:ln>
+        </p:spPr>
+        <p:style>
+          <a:lnRef idx="2">
+            <a:schemeClr val="accent1">
+              <a:shade val="50000"/>
+            </a:schemeClr>
+          </a:lnRef>
+          <a:fillRef idx="1">
+            <a:schemeClr val="accent1"/>
+          </a:fillRef>
+          <a:effectRef idx="0">
+            <a:schemeClr val="accent1"/>
+          </a:effectRef>
+          <a:fontRef idx="minor">
+            <a:schemeClr val="lt1"/>
+          </a:fontRef>
+        </p:style>
+        <p:txBody>
+          <a:bodyPr rtlCol="0" anchor="ctr"/>
+          <a:lstStyle/>
+          <a:p>
+            <a:pPr marL="0" marR="0" lvl="0" indent="0" algn="ctr" defTabSz="914400" rtl="0" eaLnBrk="1" fontAlgn="auto" latinLnBrk="0" hangingPunct="1">
+              <a:lnSpc>
+                <a:spcPct val="100000"/>
+              </a:lnSpc>
+              <a:spcBef>
+                <a:spcPts val="0"/>
+              </a:spcBef>
+              <a:spcAft>
+                <a:spcPts val="0"/>
+              </a:spcAft>
+              <a:buClrTx/>
+              <a:buSzTx/>
+              <a:buFontTx/>
+              <a:buNone/>
+              <a:tabLst/>
+              <a:defRPr/>
+            </a:pPr>
+            <a:endParaRPr kumimoji="0" lang="en-US" sz="1800" b="0" i="0" u="none" strike="noStrike" kern="1200" cap="none" spc="0" normalizeH="0" baseline="0" noProof="0">
+              <a:ln>
+                <a:noFill/>
+              </a:ln>
+              <a:solidFill>
+                <a:prstClr val="white"/>
+              </a:solidFill>
+              <a:effectLst/>
+              <a:uLnTx/>
+              <a:uFillTx/>
+              <a:latin typeface="Calibri" panose="020F0502020204030204"/>
+              <a:ea typeface="+mn-ea"/>
+              <a:cs typeface="+mn-cs"/>
+            </a:endParaRPr>
+          </a:p>
+        </p:txBody>
+      </p:sp>
+      <p:sp>
+        <p:nvSpPr>
+          <p:cNvPr id="2" name="Title 1">
+            <a:extLst>
+              <a:ext uri="{FF2B5EF4-FFF2-40B4-BE49-F238E27FC236}">
+                <a16:creationId xmlns:a16="http://schemas.microsoft.com/office/drawing/2014/main" id="{4065E643-644B-4264-9737-B9286B85B6F4}"/>
+              </a:ext>
+            </a:extLst>
+          </p:cNvPr>
+          <p:cNvSpPr>
+            <a:spLocks noGrp="1"/>
+          </p:cNvSpPr>
+          <p:nvPr>
+            <p:ph type="title"/>
+          </p:nvPr>
+        </p:nvSpPr>
+        <p:spPr>
+          <a:xfrm>
+            <a:off x="623787" y="1635358"/>
+            <a:ext cx="2752344" cy="2706624"/>
+          </a:xfrm>
+          <a:prstGeom prst="ellipse">
+            <a:avLst/>
+          </a:prstGeom>
+          <a:solidFill>
+            <a:schemeClr val="bg1"/>
+          </a:solidFill>
+          <a:ln w="174625" cmpd="thinThick">
+            <a:solidFill>
+              <a:schemeClr val="bg1"/>
+            </a:solidFill>
+          </a:ln>
+        </p:spPr>
+        <p:txBody>
+          <a:bodyPr>
+            <a:normAutofit/>
+          </a:bodyPr>
+          <a:lstStyle/>
+          <a:p>
+            <a:pPr algn="ctr"/>
+            <a:r>
+              <a:rPr lang="en-US" sz="2600" dirty="0"/>
+              <a:t>AKS</a:t>
+            </a:r>
+            <a:endParaRPr lang="en-BE" sz="2600" dirty="0"/>
+          </a:p>
+        </p:txBody>
+      </p:sp>
+      <p:sp>
+        <p:nvSpPr>
+          <p:cNvPr id="3" name="Content Placeholder 2">
+            <a:extLst>
+              <a:ext uri="{FF2B5EF4-FFF2-40B4-BE49-F238E27FC236}">
+                <a16:creationId xmlns:a16="http://schemas.microsoft.com/office/drawing/2014/main" id="{BCB1466C-A01B-4335-B8D0-E83C6EDF00A3}"/>
+              </a:ext>
+            </a:extLst>
+          </p:cNvPr>
+          <p:cNvSpPr>
+            <a:spLocks noGrp="1"/>
+          </p:cNvSpPr>
+          <p:nvPr>
+            <p:ph idx="1"/>
+          </p:nvPr>
+        </p:nvSpPr>
+        <p:spPr>
+          <a:xfrm>
+            <a:off x="3608173" y="1088137"/>
+            <a:ext cx="8064843" cy="4941960"/>
+          </a:xfrm>
+        </p:spPr>
+        <p:txBody>
+          <a:bodyPr anchor="ctr">
+            <a:normAutofit/>
+          </a:bodyPr>
+          <a:lstStyle/>
+          <a:p>
+            <a:r>
+              <a:rPr lang="en-US" sz="2000" dirty="0">
+                <a:solidFill>
+                  <a:schemeClr val="bg1"/>
+                </a:solidFill>
+              </a:rPr>
+              <a:t>Generate </a:t>
+            </a:r>
+            <a:r>
+              <a:rPr lang="en-US" sz="2000" dirty="0" err="1">
+                <a:solidFill>
+                  <a:schemeClr val="bg1"/>
+                </a:solidFill>
+              </a:rPr>
+              <a:t>ssh</a:t>
+            </a:r>
+            <a:r>
+              <a:rPr lang="en-US" sz="2000" dirty="0">
+                <a:solidFill>
+                  <a:schemeClr val="bg1"/>
+                </a:solidFill>
+              </a:rPr>
+              <a:t> key</a:t>
+            </a:r>
+          </a:p>
+          <a:p>
+            <a:pPr lvl="1"/>
+            <a:r>
+              <a:rPr lang="de-DE" sz="1600" dirty="0" err="1">
+                <a:solidFill>
+                  <a:schemeClr val="bg1"/>
+                </a:solidFill>
+              </a:rPr>
+              <a:t>ssh-keygen</a:t>
+            </a:r>
+            <a:r>
+              <a:rPr lang="de-DE" sz="1600" dirty="0">
+                <a:solidFill>
+                  <a:schemeClr val="bg1"/>
+                </a:solidFill>
+              </a:rPr>
+              <a:t> -m PEM -t </a:t>
+            </a:r>
+            <a:r>
+              <a:rPr lang="de-DE" sz="1600" dirty="0" err="1">
+                <a:solidFill>
+                  <a:schemeClr val="bg1"/>
+                </a:solidFill>
+              </a:rPr>
+              <a:t>rsa</a:t>
+            </a:r>
+            <a:r>
+              <a:rPr lang="de-DE" sz="1600" dirty="0">
+                <a:solidFill>
+                  <a:schemeClr val="bg1"/>
+                </a:solidFill>
+              </a:rPr>
+              <a:t> -b 4096</a:t>
+            </a:r>
+          </a:p>
+          <a:p>
+            <a:r>
+              <a:rPr lang="en-US" sz="2000" dirty="0">
+                <a:solidFill>
+                  <a:schemeClr val="bg1"/>
+                </a:solidFill>
+              </a:rPr>
+              <a:t>Plan TF</a:t>
+            </a:r>
+          </a:p>
+          <a:p>
+            <a:pPr lvl="1"/>
+            <a:r>
+              <a:rPr lang="en-US" sz="1600" dirty="0">
+                <a:solidFill>
+                  <a:schemeClr val="bg1"/>
+                </a:solidFill>
+              </a:rPr>
+              <a:t>terraform plan -out </a:t>
+            </a:r>
+            <a:r>
+              <a:rPr lang="en-US" sz="1600" dirty="0" err="1">
+                <a:solidFill>
+                  <a:schemeClr val="bg1"/>
+                </a:solidFill>
+              </a:rPr>
+              <a:t>out.plan</a:t>
+            </a:r>
+            <a:endParaRPr lang="en-US" sz="1600" dirty="0">
+              <a:solidFill>
+                <a:schemeClr val="bg1"/>
+              </a:solidFill>
+            </a:endParaRPr>
+          </a:p>
+          <a:p>
+            <a:r>
+              <a:rPr lang="en-US" sz="2000" dirty="0">
+                <a:solidFill>
+                  <a:schemeClr val="bg1"/>
+                </a:solidFill>
+              </a:rPr>
+              <a:t>Apply TF</a:t>
+            </a:r>
+          </a:p>
+          <a:p>
+            <a:pPr lvl="1"/>
+            <a:r>
+              <a:rPr lang="en-US" sz="1600" dirty="0">
+                <a:solidFill>
+                  <a:schemeClr val="bg1"/>
+                </a:solidFill>
+              </a:rPr>
+              <a:t>terraform apply </a:t>
+            </a:r>
+            <a:r>
+              <a:rPr lang="en-US" sz="1600" dirty="0" err="1">
+                <a:solidFill>
+                  <a:schemeClr val="bg1"/>
+                </a:solidFill>
+              </a:rPr>
+              <a:t>out.plan</a:t>
+            </a:r>
+            <a:endParaRPr lang="en-US" sz="1600" dirty="0">
+              <a:solidFill>
+                <a:schemeClr val="bg1"/>
+              </a:solidFill>
+            </a:endParaRPr>
+          </a:p>
+        </p:txBody>
+      </p:sp>
+    </p:spTree>
+    <p:extLst>
+      <p:ext uri="{BB962C8B-B14F-4D97-AF65-F5344CB8AC3E}">
+        <p14:creationId xmlns:p14="http://schemas.microsoft.com/office/powerpoint/2010/main" val="2715075549"/>
+      </p:ext>
+    </p:extLst>
+  </p:cSld>
+  <p:clrMapOvr>
+    <a:masterClrMapping/>
+  </p:clrMapOvr>
+</p:sld>
+</file>
+
+<file path=ppt/slides/slide16.xml><?xml version="1.0" encoding="utf-8"?>
+<p:sld xmlns:a="http://schemas.openxmlformats.org/drawingml/2006/main" xmlns:r="http://schemas.openxmlformats.org/officeDocument/2006/relationships" xmlns:p="http://schemas.openxmlformats.org/presentationml/2006/main">
+  <p:cSld>
+    <p:bg>
+      <p:bgPr>
+        <a:solidFill>
+          <a:schemeClr val="bg1"/>
+        </a:solidFill>
+        <a:effectLst/>
+      </p:bgPr>
+    </p:bg>
+    <p:spTree>
+      <p:nvGrpSpPr>
+        <p:cNvPr id="1" name=""/>
+        <p:cNvGrpSpPr/>
+        <p:nvPr/>
+      </p:nvGrpSpPr>
+      <p:grpSpPr>
+        <a:xfrm>
+          <a:off x="0" y="0"/>
+          <a:ext cx="0" cy="0"/>
+          <a:chOff x="0" y="0"/>
+          <a:chExt cx="0" cy="0"/>
+        </a:xfrm>
+      </p:grpSpPr>
+      <p:sp>
+        <p:nvSpPr>
+          <p:cNvPr id="5" name="Rectangle 7">
+            <a:extLst>
+              <a:ext uri="{FF2B5EF4-FFF2-40B4-BE49-F238E27FC236}">
+                <a16:creationId xmlns:a16="http://schemas.microsoft.com/office/drawing/2014/main" id="{02D886F1-CB4A-4FC1-AAA7-9402B0D0DDDD}"/>
+              </a:ext>
+              <a:ext uri="{C183D7F6-B498-43B3-948B-1728B52AA6E4}">
+                <adec:decorative xmlns:adec="http://schemas.microsoft.com/office/drawing/2017/decorative" val="1"/>
+              </a:ext>
+            </a:extLst>
+          </p:cNvPr>
+          <p:cNvSpPr>
+            <a:spLocks noGrp="1" noRot="1" noChangeAspect="1" noMove="1" noResize="1" noEditPoints="1" noAdjustHandles="1" noChangeArrowheads="1" noChangeShapeType="1" noTextEdit="1"/>
+          </p:cNvSpPr>
+          <p:nvPr>
+            <p:extLst>
+              <p:ext uri="{386F3935-93C4-4BCD-93E2-E3B085C9AB24}">
+                <p16:designElem xmlns:p16="http://schemas.microsoft.com/office/powerpoint/2015/main" val="1"/>
+              </p:ext>
+            </p:extLst>
+          </p:nvPr>
+        </p:nvSpPr>
+        <p:spPr>
+          <a:xfrm>
+            <a:off x="0" y="0"/>
+            <a:ext cx="2013557" cy="6858000"/>
+          </a:xfrm>
+          <a:prstGeom prst="rect">
+            <a:avLst/>
+          </a:prstGeom>
+          <a:solidFill>
+            <a:srgbClr val="7F7F7F"/>
+          </a:solidFill>
+          <a:ln>
+            <a:noFill/>
+          </a:ln>
+        </p:spPr>
+        <p:style>
+          <a:lnRef idx="2">
+            <a:schemeClr val="accent1">
+              <a:shade val="50000"/>
+            </a:schemeClr>
+          </a:lnRef>
+          <a:fillRef idx="1">
+            <a:schemeClr val="accent1"/>
+          </a:fillRef>
+          <a:effectRef idx="0">
+            <a:schemeClr val="accent1"/>
+          </a:effectRef>
+          <a:fontRef idx="minor">
+            <a:schemeClr val="lt1"/>
+          </a:fontRef>
+        </p:style>
+        <p:txBody>
+          <a:bodyPr rtlCol="0" anchor="ctr"/>
+          <a:lstStyle/>
+          <a:p>
+            <a:pPr marL="0" marR="0" lvl="0" indent="0" algn="ctr" defTabSz="914400" rtl="0" eaLnBrk="1" fontAlgn="auto" latinLnBrk="0" hangingPunct="1">
+              <a:lnSpc>
+                <a:spcPct val="100000"/>
+              </a:lnSpc>
+              <a:spcBef>
+                <a:spcPts val="0"/>
+              </a:spcBef>
+              <a:spcAft>
+                <a:spcPts val="0"/>
+              </a:spcAft>
+              <a:buClrTx/>
+              <a:buSzTx/>
+              <a:buFontTx/>
+              <a:buNone/>
+              <a:tabLst/>
+              <a:defRPr/>
+            </a:pPr>
+            <a:endParaRPr kumimoji="0" lang="en-US" sz="1800" b="0" i="0" u="none" strike="noStrike" kern="1200" cap="none" spc="0" normalizeH="0" baseline="0" noProof="0">
+              <a:ln>
+                <a:noFill/>
+              </a:ln>
+              <a:solidFill>
+                <a:prstClr val="white"/>
+              </a:solidFill>
+              <a:effectLst/>
+              <a:uLnTx/>
+              <a:uFillTx/>
+              <a:latin typeface="Calibri" panose="020F0502020204030204"/>
+              <a:ea typeface="+mn-ea"/>
+              <a:cs typeface="+mn-cs"/>
+            </a:endParaRPr>
+          </a:p>
+        </p:txBody>
+      </p:sp>
+      <p:sp>
+        <p:nvSpPr>
+          <p:cNvPr id="6" name="Rectangle 9">
+            <a:extLst>
+              <a:ext uri="{FF2B5EF4-FFF2-40B4-BE49-F238E27FC236}">
+                <a16:creationId xmlns:a16="http://schemas.microsoft.com/office/drawing/2014/main" id="{762B7B97-C3EE-4AEE-A61F-AFA873FE2FCA}"/>
+              </a:ext>
+              <a:ext uri="{C183D7F6-B498-43B3-948B-1728B52AA6E4}">
+                <adec:decorative xmlns:adec="http://schemas.microsoft.com/office/drawing/2017/decorative" val="1"/>
+              </a:ext>
+            </a:extLst>
+          </p:cNvPr>
+          <p:cNvSpPr>
+            <a:spLocks noGrp="1" noRot="1" noChangeAspect="1" noMove="1" noResize="1" noEditPoints="1" noAdjustHandles="1" noChangeArrowheads="1" noChangeShapeType="1" noTextEdit="1"/>
+          </p:cNvSpPr>
+          <p:nvPr>
+            <p:extLst>
+              <p:ext uri="{386F3935-93C4-4BCD-93E2-E3B085C9AB24}">
+                <p16:designElem xmlns:p16="http://schemas.microsoft.com/office/powerpoint/2015/main" val="1"/>
+              </p:ext>
+            </p:extLst>
+          </p:nvPr>
+        </p:nvSpPr>
+        <p:spPr>
+          <a:xfrm flipH="1">
+            <a:off x="2013557" y="0"/>
+            <a:ext cx="10178443" cy="6858000"/>
+          </a:xfrm>
+          <a:prstGeom prst="rect">
+            <a:avLst/>
+          </a:prstGeom>
+          <a:solidFill>
+            <a:schemeClr val="tx1">
+              <a:lumMod val="75000"/>
+              <a:lumOff val="25000"/>
+            </a:schemeClr>
+          </a:solidFill>
+          <a:ln>
+            <a:noFill/>
+          </a:ln>
+        </p:spPr>
+        <p:style>
+          <a:lnRef idx="2">
+            <a:schemeClr val="accent1">
+              <a:shade val="50000"/>
+            </a:schemeClr>
+          </a:lnRef>
+          <a:fillRef idx="1">
+            <a:schemeClr val="accent1"/>
+          </a:fillRef>
+          <a:effectRef idx="0">
+            <a:schemeClr val="accent1"/>
+          </a:effectRef>
+          <a:fontRef idx="minor">
+            <a:schemeClr val="lt1"/>
+          </a:fontRef>
+        </p:style>
+        <p:txBody>
+          <a:bodyPr rtlCol="0" anchor="ctr"/>
+          <a:lstStyle/>
+          <a:p>
+            <a:pPr marL="0" marR="0" lvl="0" indent="0" algn="ctr" defTabSz="914400" rtl="0" eaLnBrk="1" fontAlgn="auto" latinLnBrk="0" hangingPunct="1">
+              <a:lnSpc>
+                <a:spcPct val="100000"/>
+              </a:lnSpc>
+              <a:spcBef>
+                <a:spcPts val="0"/>
+              </a:spcBef>
+              <a:spcAft>
+                <a:spcPts val="0"/>
+              </a:spcAft>
+              <a:buClrTx/>
+              <a:buSzTx/>
+              <a:buFontTx/>
+              <a:buNone/>
+              <a:tabLst/>
+              <a:defRPr/>
+            </a:pPr>
+            <a:endParaRPr kumimoji="0" lang="en-US" sz="1800" b="0" i="0" u="none" strike="noStrike" kern="1200" cap="none" spc="0" normalizeH="0" baseline="0" noProof="0">
+              <a:ln>
+                <a:noFill/>
+              </a:ln>
+              <a:solidFill>
+                <a:prstClr val="white"/>
+              </a:solidFill>
+              <a:effectLst/>
+              <a:uLnTx/>
+              <a:uFillTx/>
+              <a:latin typeface="Calibri" panose="020F0502020204030204"/>
+              <a:ea typeface="+mn-ea"/>
+              <a:cs typeface="+mn-cs"/>
+            </a:endParaRPr>
+          </a:p>
+        </p:txBody>
+      </p:sp>
+      <p:sp>
+        <p:nvSpPr>
+          <p:cNvPr id="2" name="Title 1">
+            <a:extLst>
+              <a:ext uri="{FF2B5EF4-FFF2-40B4-BE49-F238E27FC236}">
+                <a16:creationId xmlns:a16="http://schemas.microsoft.com/office/drawing/2014/main" id="{4065E643-644B-4264-9737-B9286B85B6F4}"/>
+              </a:ext>
+            </a:extLst>
+          </p:cNvPr>
+          <p:cNvSpPr>
+            <a:spLocks noGrp="1"/>
+          </p:cNvSpPr>
+          <p:nvPr>
+            <p:ph type="title"/>
+          </p:nvPr>
+        </p:nvSpPr>
+        <p:spPr>
+          <a:xfrm>
+            <a:off x="623787" y="1635358"/>
+            <a:ext cx="2752344" cy="2706624"/>
+          </a:xfrm>
+          <a:prstGeom prst="ellipse">
+            <a:avLst/>
+          </a:prstGeom>
+          <a:solidFill>
+            <a:schemeClr val="bg1"/>
+          </a:solidFill>
+          <a:ln w="174625" cmpd="thinThick">
+            <a:solidFill>
+              <a:schemeClr val="bg1"/>
+            </a:solidFill>
+          </a:ln>
+        </p:spPr>
+        <p:txBody>
+          <a:bodyPr>
+            <a:normAutofit/>
+          </a:bodyPr>
+          <a:lstStyle/>
+          <a:p>
+            <a:pPr algn="ctr"/>
+            <a:r>
+              <a:rPr lang="en-US" sz="2600" dirty="0"/>
+              <a:t>AKS</a:t>
+            </a:r>
+            <a:endParaRPr lang="en-BE" sz="2600" dirty="0"/>
+          </a:p>
+        </p:txBody>
+      </p:sp>
+      <p:sp>
+        <p:nvSpPr>
+          <p:cNvPr id="3" name="Content Placeholder 2">
+            <a:extLst>
+              <a:ext uri="{FF2B5EF4-FFF2-40B4-BE49-F238E27FC236}">
+                <a16:creationId xmlns:a16="http://schemas.microsoft.com/office/drawing/2014/main" id="{BCB1466C-A01B-4335-B8D0-E83C6EDF00A3}"/>
+              </a:ext>
+            </a:extLst>
+          </p:cNvPr>
+          <p:cNvSpPr>
+            <a:spLocks noGrp="1"/>
+          </p:cNvSpPr>
+          <p:nvPr>
+            <p:ph idx="1"/>
+          </p:nvPr>
+        </p:nvSpPr>
+        <p:spPr>
+          <a:xfrm>
+            <a:off x="3608173" y="1088137"/>
+            <a:ext cx="8064843" cy="4941960"/>
+          </a:xfrm>
+        </p:spPr>
+        <p:txBody>
+          <a:bodyPr anchor="ctr">
+            <a:normAutofit/>
+          </a:bodyPr>
+          <a:lstStyle/>
+          <a:p>
+            <a:r>
+              <a:rPr lang="en-US" sz="2000" dirty="0">
+                <a:solidFill>
+                  <a:schemeClr val="bg1"/>
+                </a:solidFill>
+              </a:rPr>
+              <a:t>Get config</a:t>
+            </a:r>
+          </a:p>
+          <a:p>
+            <a:pPr lvl="1"/>
+            <a:r>
+              <a:rPr lang="pt-BR" sz="1600" dirty="0">
+                <a:solidFill>
+                  <a:schemeClr val="bg1"/>
+                </a:solidFill>
+              </a:rPr>
+              <a:t>echo "$(terraform output kube_config)" &gt; ./azurek8s</a:t>
+            </a:r>
+          </a:p>
+          <a:p>
+            <a:pPr lvl="1"/>
+            <a:r>
+              <a:rPr lang="pt-BR" sz="1600" dirty="0">
+                <a:solidFill>
+                  <a:schemeClr val="bg1"/>
+                </a:solidFill>
+              </a:rPr>
+              <a:t>export KUBECONFIG=./azurek8s</a:t>
+            </a:r>
+          </a:p>
+          <a:p>
+            <a:r>
+              <a:rPr lang="pt-BR" sz="2000" dirty="0">
+                <a:solidFill>
+                  <a:schemeClr val="bg1"/>
+                </a:solidFill>
+              </a:rPr>
+              <a:t>Manage Cluster</a:t>
+            </a:r>
+          </a:p>
+          <a:p>
+            <a:pPr lvl="1"/>
+            <a:r>
+              <a:rPr lang="pt-BR" sz="1600" dirty="0">
+                <a:solidFill>
+                  <a:schemeClr val="bg1"/>
+                </a:solidFill>
+              </a:rPr>
+              <a:t>Kubectl get nodes</a:t>
+            </a:r>
+          </a:p>
+          <a:p>
+            <a:pPr lvl="1"/>
+            <a:r>
+              <a:rPr lang="en-US" sz="1600" dirty="0" err="1">
+                <a:solidFill>
+                  <a:schemeClr val="bg1"/>
+                </a:solidFill>
+              </a:rPr>
+              <a:t>az</a:t>
+            </a:r>
+            <a:r>
+              <a:rPr lang="en-US" sz="1600" dirty="0">
+                <a:solidFill>
+                  <a:schemeClr val="bg1"/>
+                </a:solidFill>
+              </a:rPr>
+              <a:t> </a:t>
+            </a:r>
+            <a:r>
+              <a:rPr lang="en-US" sz="1600" dirty="0" err="1">
+                <a:solidFill>
+                  <a:schemeClr val="bg1"/>
+                </a:solidFill>
+              </a:rPr>
+              <a:t>aks</a:t>
+            </a:r>
+            <a:r>
+              <a:rPr lang="en-US" sz="1600" dirty="0">
+                <a:solidFill>
+                  <a:schemeClr val="bg1"/>
+                </a:solidFill>
+              </a:rPr>
+              <a:t> get-credentials --resource-group azure-k8stest --name k8stest</a:t>
+            </a:r>
+          </a:p>
+          <a:p>
+            <a:pPr lvl="1"/>
+            <a:r>
+              <a:rPr lang="en-US" sz="1600" dirty="0" err="1">
+                <a:solidFill>
+                  <a:schemeClr val="bg1"/>
+                </a:solidFill>
+              </a:rPr>
+              <a:t>az</a:t>
+            </a:r>
+            <a:r>
+              <a:rPr lang="en-US" sz="1600" dirty="0">
+                <a:solidFill>
+                  <a:schemeClr val="bg1"/>
+                </a:solidFill>
+              </a:rPr>
+              <a:t> </a:t>
+            </a:r>
+            <a:r>
+              <a:rPr lang="en-US" sz="1600" dirty="0" err="1">
+                <a:solidFill>
+                  <a:schemeClr val="bg1"/>
+                </a:solidFill>
+              </a:rPr>
+              <a:t>aks</a:t>
+            </a:r>
+            <a:r>
+              <a:rPr lang="en-US" sz="1600" dirty="0">
+                <a:solidFill>
+                  <a:schemeClr val="bg1"/>
+                </a:solidFill>
+              </a:rPr>
+              <a:t> browse --resource-group azure-k8stest --name k8stest</a:t>
+            </a:r>
+          </a:p>
+          <a:p>
+            <a:pPr lvl="1"/>
+            <a:r>
+              <a:rPr lang="en-US" sz="1600" dirty="0">
+                <a:solidFill>
+                  <a:schemeClr val="bg1"/>
+                </a:solidFill>
+              </a:rPr>
+              <a:t>Octant</a:t>
+            </a:r>
+          </a:p>
+          <a:p>
+            <a:pPr lvl="1"/>
+            <a:r>
+              <a:rPr lang="en-US" sz="1600" dirty="0">
+                <a:solidFill>
+                  <a:schemeClr val="bg1"/>
+                </a:solidFill>
+              </a:rPr>
+              <a:t>K8s lens</a:t>
+            </a:r>
+          </a:p>
+          <a:p>
+            <a:pPr lvl="1"/>
+            <a:endParaRPr lang="en-US" sz="1600" dirty="0">
+              <a:solidFill>
+                <a:schemeClr val="bg1"/>
+              </a:solidFill>
+            </a:endParaRPr>
+          </a:p>
+        </p:txBody>
+      </p:sp>
+    </p:spTree>
+    <p:extLst>
+      <p:ext uri="{BB962C8B-B14F-4D97-AF65-F5344CB8AC3E}">
+        <p14:creationId xmlns:p14="http://schemas.microsoft.com/office/powerpoint/2010/main" val="2916577064"/>
+      </p:ext>
+    </p:extLst>
+  </p:cSld>
+  <p:clrMapOvr>
+    <a:masterClrMapping/>
+  </p:clrMapOvr>
+</p:sld>
+</file>
+
+<file path=ppt/slides/slide2.xml><?xml version="1.0" encoding="utf-8"?>
+<p:sld xmlns:a="http://schemas.openxmlformats.org/drawingml/2006/main" xmlns:r="http://schemas.openxmlformats.org/officeDocument/2006/relationships" xmlns:p="http://schemas.openxmlformats.org/presentationml/2006/main">
+  <p:cSld>
+    <p:bg>
+      <p:bgPr>
+        <a:solidFill>
+          <a:schemeClr val="bg1"/>
+        </a:solidFill>
+        <a:effectLst/>
+      </p:bgPr>
+    </p:bg>
+    <p:spTree>
+      <p:nvGrpSpPr>
+        <p:cNvPr id="1" name=""/>
+        <p:cNvGrpSpPr/>
+        <p:nvPr/>
+      </p:nvGrpSpPr>
+      <p:grpSpPr>
+        <a:xfrm>
+          <a:off x="0" y="0"/>
+          <a:ext cx="0" cy="0"/>
+          <a:chOff x="0" y="0"/>
+          <a:chExt cx="0" cy="0"/>
+        </a:xfrm>
+      </p:grpSpPr>
+      <p:sp>
+        <p:nvSpPr>
+          <p:cNvPr id="8" name="Rectangle 7">
+            <a:extLst>
+              <a:ext uri="{FF2B5EF4-FFF2-40B4-BE49-F238E27FC236}">
+                <a16:creationId xmlns:a16="http://schemas.microsoft.com/office/drawing/2014/main" id="{02D886F1-CB4A-4FC1-AAA7-9402B0D0DDDD}"/>
+              </a:ext>
+              <a:ext uri="{C183D7F6-B498-43B3-948B-1728B52AA6E4}">
+                <adec:decorative xmlns:adec="http://schemas.microsoft.com/office/drawing/2017/decorative" val="1"/>
+              </a:ext>
+            </a:extLst>
+          </p:cNvPr>
+          <p:cNvSpPr>
+            <a:spLocks noGrp="1" noRot="1" noChangeAspect="1" noMove="1" noResize="1" noEditPoints="1" noAdjustHandles="1" noChangeArrowheads="1" noChangeShapeType="1" noTextEdit="1"/>
+          </p:cNvSpPr>
+          <p:nvPr>
+            <p:extLst>
+              <p:ext uri="{386F3935-93C4-4BCD-93E2-E3B085C9AB24}">
+                <p16:designElem xmlns:p16="http://schemas.microsoft.com/office/powerpoint/2015/main" val="1"/>
+              </p:ext>
+            </p:extLst>
+          </p:nvPr>
+        </p:nvSpPr>
+        <p:spPr>
+          <a:xfrm>
+            <a:off x="0" y="0"/>
+            <a:ext cx="2013557" cy="6858000"/>
+          </a:xfrm>
+          <a:prstGeom prst="rect">
+            <a:avLst/>
+          </a:prstGeom>
+          <a:solidFill>
+            <a:srgbClr val="7F7F7F"/>
+          </a:solidFill>
+          <a:ln>
+            <a:noFill/>
+          </a:ln>
+        </p:spPr>
+        <p:style>
+          <a:lnRef idx="2">
+            <a:schemeClr val="accent1">
+              <a:shade val="50000"/>
+            </a:schemeClr>
+          </a:lnRef>
+          <a:fillRef idx="1">
+            <a:schemeClr val="accent1"/>
+          </a:fillRef>
+          <a:effectRef idx="0">
+            <a:schemeClr val="accent1"/>
+          </a:effectRef>
+          <a:fontRef idx="minor">
+            <a:schemeClr val="lt1"/>
+          </a:fontRef>
+        </p:style>
+        <p:txBody>
+          <a:bodyPr rtlCol="0" anchor="ctr"/>
+          <a:lstStyle/>
+          <a:p>
+            <a:pPr marL="0" marR="0" lvl="0" indent="0" algn="ctr" defTabSz="914400" rtl="0" eaLnBrk="1" fontAlgn="auto" latinLnBrk="0" hangingPunct="1">
+              <a:lnSpc>
+                <a:spcPct val="100000"/>
+              </a:lnSpc>
+              <a:spcBef>
+                <a:spcPts val="0"/>
+              </a:spcBef>
+              <a:spcAft>
+                <a:spcPts val="0"/>
+              </a:spcAft>
+              <a:buClrTx/>
+              <a:buSzTx/>
+              <a:buFontTx/>
+              <a:buNone/>
+              <a:tabLst/>
+              <a:defRPr/>
+            </a:pPr>
+            <a:endParaRPr kumimoji="0" lang="en-US" sz="1800" b="0" i="0" u="none" strike="noStrike" kern="1200" cap="none" spc="0" normalizeH="0" baseline="0" noProof="0">
+              <a:ln>
+                <a:noFill/>
+              </a:ln>
+              <a:solidFill>
+                <a:prstClr val="white"/>
+              </a:solidFill>
+              <a:effectLst/>
+              <a:uLnTx/>
+              <a:uFillTx/>
+              <a:latin typeface="Calibri" panose="020F0502020204030204"/>
+              <a:ea typeface="+mn-ea"/>
+              <a:cs typeface="+mn-cs"/>
+            </a:endParaRPr>
+          </a:p>
+        </p:txBody>
+      </p:sp>
+      <p:sp>
+        <p:nvSpPr>
+          <p:cNvPr id="10" name="Rectangle 9">
+            <a:extLst>
+              <a:ext uri="{FF2B5EF4-FFF2-40B4-BE49-F238E27FC236}">
+                <a16:creationId xmlns:a16="http://schemas.microsoft.com/office/drawing/2014/main" id="{762B7B97-C3EE-4AEE-A61F-AFA873FE2FCA}"/>
+              </a:ext>
+              <a:ext uri="{C183D7F6-B498-43B3-948B-1728B52AA6E4}">
+                <adec:decorative xmlns:adec="http://schemas.microsoft.com/office/drawing/2017/decorative" val="1"/>
+              </a:ext>
+            </a:extLst>
+          </p:cNvPr>
+          <p:cNvSpPr>
+            <a:spLocks noGrp="1" noRot="1" noChangeAspect="1" noMove="1" noResize="1" noEditPoints="1" noAdjustHandles="1" noChangeArrowheads="1" noChangeShapeType="1" noTextEdit="1"/>
+          </p:cNvSpPr>
+          <p:nvPr>
+            <p:extLst>
+              <p:ext uri="{386F3935-93C4-4BCD-93E2-E3B085C9AB24}">
+                <p16:designElem xmlns:p16="http://schemas.microsoft.com/office/powerpoint/2015/main" val="1"/>
+              </p:ext>
+            </p:extLst>
+          </p:nvPr>
+        </p:nvSpPr>
+        <p:spPr>
+          <a:xfrm flipH="1">
+            <a:off x="2013557" y="0"/>
+            <a:ext cx="10178443" cy="6858000"/>
+          </a:xfrm>
+          <a:prstGeom prst="rect">
+            <a:avLst/>
+          </a:prstGeom>
+          <a:solidFill>
+            <a:schemeClr val="tx1">
+              <a:lumMod val="75000"/>
+              <a:lumOff val="25000"/>
+            </a:schemeClr>
+          </a:solidFill>
+          <a:ln>
+            <a:noFill/>
+          </a:ln>
+        </p:spPr>
+        <p:style>
+          <a:lnRef idx="2">
+            <a:schemeClr val="accent1">
+              <a:shade val="50000"/>
+            </a:schemeClr>
+          </a:lnRef>
+          <a:fillRef idx="1">
+            <a:schemeClr val="accent1"/>
+          </a:fillRef>
+          <a:effectRef idx="0">
+            <a:schemeClr val="accent1"/>
+          </a:effectRef>
+          <a:fontRef idx="minor">
+            <a:schemeClr val="lt1"/>
+          </a:fontRef>
+        </p:style>
+        <p:txBody>
+          <a:bodyPr rtlCol="0" anchor="ctr"/>
+          <a:lstStyle/>
+          <a:p>
+            <a:pPr marL="0" marR="0" lvl="0" indent="0" algn="ctr" defTabSz="914400" rtl="0" eaLnBrk="1" fontAlgn="auto" latinLnBrk="0" hangingPunct="1">
+              <a:lnSpc>
+                <a:spcPct val="100000"/>
+              </a:lnSpc>
+              <a:spcBef>
+                <a:spcPts val="0"/>
+              </a:spcBef>
+              <a:spcAft>
+                <a:spcPts val="0"/>
+              </a:spcAft>
+              <a:buClrTx/>
+              <a:buSzTx/>
+              <a:buFontTx/>
+              <a:buNone/>
+              <a:tabLst/>
+              <a:defRPr/>
+            </a:pPr>
+            <a:endParaRPr kumimoji="0" lang="en-US" sz="1800" b="0" i="0" u="none" strike="noStrike" kern="1200" cap="none" spc="0" normalizeH="0" baseline="0" noProof="0">
+              <a:ln>
+                <a:noFill/>
+              </a:ln>
+              <a:solidFill>
+                <a:prstClr val="white"/>
+              </a:solidFill>
+              <a:effectLst/>
+              <a:uLnTx/>
+              <a:uFillTx/>
+              <a:latin typeface="Calibri" panose="020F0502020204030204"/>
+              <a:ea typeface="+mn-ea"/>
+              <a:cs typeface="+mn-cs"/>
+            </a:endParaRPr>
+          </a:p>
+        </p:txBody>
+      </p:sp>
+      <p:sp>
+        <p:nvSpPr>
+          <p:cNvPr id="2" name="Title 1">
+            <a:extLst>
+              <a:ext uri="{FF2B5EF4-FFF2-40B4-BE49-F238E27FC236}">
+                <a16:creationId xmlns:a16="http://schemas.microsoft.com/office/drawing/2014/main" id="{4065E643-644B-4264-9737-B9286B85B6F4}"/>
+              </a:ext>
+            </a:extLst>
+          </p:cNvPr>
+          <p:cNvSpPr>
+            <a:spLocks noGrp="1"/>
+          </p:cNvSpPr>
+          <p:nvPr>
+            <p:ph type="title"/>
+          </p:nvPr>
+        </p:nvSpPr>
+        <p:spPr>
+          <a:xfrm>
+            <a:off x="623787" y="1635358"/>
+            <a:ext cx="2752344" cy="2706624"/>
+          </a:xfrm>
+          <a:prstGeom prst="ellipse">
+            <a:avLst/>
+          </a:prstGeom>
+          <a:solidFill>
+            <a:schemeClr val="bg1"/>
+          </a:solidFill>
+          <a:ln w="174625" cmpd="thinThick">
+            <a:solidFill>
+              <a:schemeClr val="bg1"/>
+            </a:solidFill>
+          </a:ln>
+        </p:spPr>
+        <p:txBody>
+          <a:bodyPr>
+            <a:normAutofit/>
+          </a:bodyPr>
+          <a:lstStyle/>
+          <a:p>
+            <a:pPr algn="ctr"/>
+            <a:r>
+              <a:rPr lang="en-US" sz="2600" dirty="0"/>
+              <a:t>Structure</a:t>
+            </a:r>
+            <a:endParaRPr lang="en-BE" sz="2600" dirty="0"/>
+          </a:p>
+        </p:txBody>
+      </p:sp>
+      <p:sp>
+        <p:nvSpPr>
+          <p:cNvPr id="3" name="Content Placeholder 2">
+            <a:extLst>
+              <a:ext uri="{FF2B5EF4-FFF2-40B4-BE49-F238E27FC236}">
+                <a16:creationId xmlns:a16="http://schemas.microsoft.com/office/drawing/2014/main" id="{BCB1466C-A01B-4335-B8D0-E83C6EDF00A3}"/>
+              </a:ext>
+            </a:extLst>
+          </p:cNvPr>
+          <p:cNvSpPr>
+            <a:spLocks noGrp="1"/>
+          </p:cNvSpPr>
+          <p:nvPr>
+            <p:ph idx="1"/>
+          </p:nvPr>
+        </p:nvSpPr>
+        <p:spPr>
+          <a:xfrm>
+            <a:off x="3823855" y="533401"/>
+            <a:ext cx="7744357" cy="5659582"/>
+          </a:xfrm>
+        </p:spPr>
+        <p:txBody>
+          <a:bodyPr anchor="ctr">
+            <a:normAutofit/>
+          </a:bodyPr>
+          <a:lstStyle/>
+          <a:p>
+            <a:r>
+              <a:rPr lang="en-US" sz="2000" dirty="0">
+                <a:solidFill>
+                  <a:schemeClr val="bg1"/>
+                </a:solidFill>
+              </a:rPr>
+              <a:t>Configuration</a:t>
+            </a:r>
+          </a:p>
+          <a:p>
+            <a:pPr lvl="1"/>
+            <a:r>
+              <a:rPr lang="en-US" sz="1600" dirty="0">
+                <a:solidFill>
+                  <a:schemeClr val="bg1"/>
+                </a:solidFill>
+              </a:rPr>
+              <a:t>Providers</a:t>
+            </a:r>
+          </a:p>
+          <a:p>
+            <a:pPr lvl="2"/>
+            <a:r>
+              <a:rPr lang="en-US" sz="1200" dirty="0">
+                <a:solidFill>
+                  <a:schemeClr val="bg1"/>
+                </a:solidFill>
+              </a:rPr>
+              <a:t>Azure</a:t>
+            </a:r>
+          </a:p>
+          <a:p>
+            <a:pPr lvl="2"/>
+            <a:r>
+              <a:rPr lang="en-US" sz="1200" dirty="0">
+                <a:solidFill>
+                  <a:schemeClr val="bg1"/>
+                </a:solidFill>
+              </a:rPr>
+              <a:t>Aws</a:t>
+            </a:r>
+          </a:p>
+          <a:p>
+            <a:pPr lvl="2"/>
+            <a:r>
+              <a:rPr lang="en-US" sz="1200" dirty="0">
+                <a:solidFill>
+                  <a:schemeClr val="bg1"/>
+                </a:solidFill>
+              </a:rPr>
+              <a:t>…</a:t>
+            </a:r>
+          </a:p>
+          <a:p>
+            <a:pPr lvl="1"/>
+            <a:r>
+              <a:rPr lang="en-US" sz="1600" dirty="0">
+                <a:solidFill>
+                  <a:schemeClr val="bg1"/>
+                </a:solidFill>
+              </a:rPr>
+              <a:t>Resources</a:t>
+            </a:r>
+          </a:p>
+          <a:p>
+            <a:pPr lvl="2"/>
+            <a:r>
+              <a:rPr lang="en-US" sz="1200" dirty="0">
+                <a:solidFill>
+                  <a:schemeClr val="bg1"/>
+                </a:solidFill>
+              </a:rPr>
+              <a:t>Resource Groups</a:t>
+            </a:r>
+          </a:p>
+          <a:p>
+            <a:pPr lvl="2"/>
+            <a:r>
+              <a:rPr lang="en-US" sz="1200" dirty="0">
+                <a:solidFill>
+                  <a:schemeClr val="bg1"/>
+                </a:solidFill>
+              </a:rPr>
+              <a:t>Storage Accounts</a:t>
+            </a:r>
+          </a:p>
+          <a:p>
+            <a:pPr lvl="2"/>
+            <a:r>
+              <a:rPr lang="en-US" sz="1200" dirty="0">
+                <a:solidFill>
+                  <a:schemeClr val="bg1"/>
+                </a:solidFill>
+              </a:rPr>
+              <a:t>AKS</a:t>
+            </a:r>
+          </a:p>
+          <a:p>
+            <a:pPr lvl="2"/>
+            <a:r>
+              <a:rPr lang="en-US" sz="1200" dirty="0">
+                <a:solidFill>
+                  <a:schemeClr val="bg1"/>
+                </a:solidFill>
+              </a:rPr>
+              <a:t>…</a:t>
+            </a:r>
+          </a:p>
+          <a:p>
+            <a:r>
+              <a:rPr lang="en-US" sz="2000" dirty="0">
+                <a:solidFill>
+                  <a:schemeClr val="bg1"/>
+                </a:solidFill>
+              </a:rPr>
+              <a:t>Initialization</a:t>
+            </a:r>
+          </a:p>
+          <a:p>
+            <a:pPr lvl="1"/>
+            <a:r>
+              <a:rPr lang="en-US" sz="1600" dirty="0">
+                <a:solidFill>
+                  <a:schemeClr val="bg1"/>
+                </a:solidFill>
+              </a:rPr>
+              <a:t>Install providers</a:t>
+            </a:r>
+          </a:p>
+          <a:p>
+            <a:r>
+              <a:rPr lang="en-US" sz="2000" dirty="0">
+                <a:solidFill>
+                  <a:schemeClr val="bg1"/>
+                </a:solidFill>
+              </a:rPr>
+              <a:t>Plan</a:t>
+            </a:r>
+          </a:p>
+          <a:p>
+            <a:pPr lvl="1"/>
+            <a:r>
+              <a:rPr lang="en-US" sz="1600" dirty="0">
+                <a:solidFill>
+                  <a:schemeClr val="bg1"/>
+                </a:solidFill>
+              </a:rPr>
+              <a:t>State Refresh</a:t>
+            </a:r>
+          </a:p>
+          <a:p>
+            <a:pPr lvl="1"/>
+            <a:r>
+              <a:rPr lang="en-US" sz="1600" dirty="0">
+                <a:solidFill>
+                  <a:schemeClr val="bg1"/>
+                </a:solidFill>
+              </a:rPr>
+              <a:t>Compare</a:t>
+            </a:r>
+          </a:p>
+          <a:p>
+            <a:r>
+              <a:rPr lang="en-US" sz="2000" dirty="0">
+                <a:solidFill>
+                  <a:schemeClr val="bg1"/>
+                </a:solidFill>
+              </a:rPr>
+              <a:t>Apply</a:t>
+            </a:r>
+          </a:p>
+          <a:p>
+            <a:pPr lvl="1"/>
+            <a:r>
+              <a:rPr lang="en-US" sz="1600" dirty="0">
+                <a:solidFill>
+                  <a:schemeClr val="bg1"/>
+                </a:solidFill>
+              </a:rPr>
+              <a:t>Provision resources</a:t>
+            </a:r>
+          </a:p>
+          <a:p>
+            <a:r>
+              <a:rPr lang="en-US" sz="2000" dirty="0">
+                <a:solidFill>
+                  <a:schemeClr val="bg1"/>
+                </a:solidFill>
+              </a:rPr>
+              <a:t>Destroy</a:t>
+            </a:r>
             <a:endParaRPr lang="en-BE" sz="2000" dirty="0">
               <a:solidFill>
                 <a:schemeClr val="bg1"/>
@@ -4449,7 +8127,7 @@
       </p:grpSpPr>
       <p:sp>
         <p:nvSpPr>
-          <p:cNvPr id="5" name="Rectangle 7">
+          <p:cNvPr id="8" name="Rectangle 7">
             <a:extLst>
               <a:ext uri="{FF2B5EF4-FFF2-40B4-BE49-F238E27FC236}">
                 <a16:creationId xmlns:a16="http://schemas.microsoft.com/office/drawing/2014/main" id="{02D886F1-CB4A-4FC1-AAA7-9402B0D0DDDD}"/>
@@ -4541,7 +8219,7 @@
       </p:sp>
       <p:sp>
         <p:nvSpPr>
-          <p:cNvPr id="6" name="Rectangle 9">
+          <p:cNvPr id="10" name="Rectangle 9">
             <a:extLst>
               <a:ext uri="{FF2B5EF4-FFF2-40B4-BE49-F238E27FC236}">
                 <a16:creationId xmlns:a16="http://schemas.microsoft.com/office/drawing/2014/main" id="{762B7B97-C3EE-4AEE-A61F-AFA873FE2FCA}"/>
@@ -4652,8 +8330,8 @@
         </p:nvSpPr>
         <p:spPr>
           <a:xfrm>
-            <a:off x="623787" y="1635358"/>
-            <a:ext cx="2752344" cy="2706624"/>
+            <a:off x="623786" y="1635358"/>
+            <a:ext cx="2936831" cy="2978206"/>
           </a:xfrm>
           <a:prstGeom prst="ellipse">
             <a:avLst/>
@@ -4676,7 +8354,7 @@
             <a:pPr algn="ctr"/>
             <a:r>
               <a:rPr lang="en-US" sz="2600" dirty="0"/>
-              <a:t>Terminal</a:t>
+              <a:t>Dependencies</a:t>
             </a:r>
             <a:endParaRPr lang="en-BE" sz="2600" dirty="0"/>
           </a:p>
@@ -4700,8 +8378,8 @@
         </p:nvSpPr>
         <p:spPr>
           <a:xfrm>
-            <a:off x="3608173" y="1088137"/>
-            <a:ext cx="8064843" cy="4941960"/>
+            <a:off x="3823855" y="533401"/>
+            <a:ext cx="7744357" cy="5659582"/>
           </a:xfrm>
         </p:spPr>
         <p:txBody>
@@ -4711,198 +8389,131 @@
           <a:lstStyle/>
           <a:p>
             <a:r>
-              <a:rPr lang="en-US" sz="2000" dirty="0" err="1">
-                <a:solidFill>
-                  <a:schemeClr val="bg1"/>
-                </a:solidFill>
-              </a:rPr>
-              <a:t>az</a:t>
-            </a:r>
-            <a:r>
               <a:rPr lang="en-US" sz="2000" dirty="0">
                 <a:solidFill>
                   <a:schemeClr val="bg1"/>
                 </a:solidFill>
               </a:rPr>
-              <a:t> login</a:t>
-            </a:r>
-          </a:p>
-          <a:p>
-            <a:r>
-              <a:rPr lang="en-US" sz="2000" dirty="0" err="1">
-                <a:solidFill>
-                  <a:schemeClr val="bg1"/>
-                </a:solidFill>
-              </a:rPr>
-              <a:t>az</a:t>
-            </a:r>
+              <a:t>Refer to previously created resources</a:t>
+            </a:r>
+          </a:p>
+          <a:p>
+            <a:pPr lvl="1"/>
+            <a:r>
+              <a:rPr lang="en-US" sz="1600" dirty="0">
+                <a:solidFill>
+                  <a:schemeClr val="bg1"/>
+                </a:solidFill>
+              </a:rPr>
+              <a:t>Use location from resource group</a:t>
+            </a:r>
+          </a:p>
+          <a:p>
+            <a:pPr lvl="1"/>
+            <a:r>
+              <a:rPr lang="en-US" sz="1600" dirty="0">
+                <a:solidFill>
+                  <a:schemeClr val="bg1"/>
+                </a:solidFill>
+              </a:rPr>
+              <a:t>Id</a:t>
+            </a:r>
+          </a:p>
+          <a:p>
+            <a:pPr lvl="1"/>
+            <a:r>
+              <a:rPr lang="en-US" sz="1600" dirty="0">
+                <a:solidFill>
+                  <a:schemeClr val="bg1"/>
+                </a:solidFill>
+              </a:rPr>
+              <a:t>…</a:t>
+            </a:r>
+          </a:p>
+          <a:p>
             <a:r>
               <a:rPr lang="en-US" sz="2000" dirty="0">
                 <a:solidFill>
                   <a:schemeClr val="bg1"/>
                 </a:solidFill>
               </a:rPr>
-              <a:t> account list --query "[].{</a:t>
-            </a:r>
-            <a:r>
-              <a:rPr lang="en-US" sz="2000" dirty="0" err="1">
-                <a:solidFill>
-                  <a:schemeClr val="bg1"/>
-                </a:solidFill>
-              </a:rPr>
-              <a:t>name:name</a:t>
-            </a:r>
+              <a:t>Known after apply</a:t>
+            </a:r>
+          </a:p>
+          <a:p>
             <a:r>
               <a:rPr lang="en-US" sz="2000" dirty="0">
                 <a:solidFill>
                   <a:schemeClr val="bg1"/>
                 </a:solidFill>
               </a:rPr>
-              <a:t>, </a:t>
-            </a:r>
-            <a:r>
-              <a:rPr lang="en-US" sz="2000" dirty="0" err="1">
-                <a:solidFill>
-                  <a:schemeClr val="bg1"/>
-                </a:solidFill>
-              </a:rPr>
-              <a:t>subscriptionId:id</a:t>
-            </a:r>
+              <a:t>Implicit</a:t>
+            </a:r>
+          </a:p>
+          <a:p>
+            <a:pPr lvl="1"/>
+            <a:r>
+              <a:rPr lang="en-US" sz="1600" dirty="0">
+                <a:solidFill>
+                  <a:schemeClr val="bg1"/>
+                </a:solidFill>
+              </a:rPr>
+              <a:t>Id</a:t>
+            </a:r>
+          </a:p>
+          <a:p>
             <a:r>
               <a:rPr lang="en-US" sz="2000" dirty="0">
                 <a:solidFill>
                   <a:schemeClr val="bg1"/>
                 </a:solidFill>
               </a:rPr>
-              <a:t>, </a:t>
-            </a:r>
-            <a:r>
-              <a:rPr lang="en-US" sz="2000" dirty="0" err="1">
-                <a:solidFill>
-                  <a:schemeClr val="bg1"/>
-                </a:solidFill>
-              </a:rPr>
-              <a:t>tenantId:tenantId</a:t>
-            </a:r>
+              <a:t>Explicit</a:t>
+            </a:r>
+          </a:p>
+          <a:p>
+            <a:pPr lvl="1"/>
+            <a:r>
+              <a:rPr lang="en-US" sz="1600" dirty="0" err="1">
+                <a:solidFill>
+                  <a:schemeClr val="bg1"/>
+                </a:solidFill>
+              </a:rPr>
+              <a:t>Depends_on</a:t>
+            </a:r>
+            <a:r>
+              <a:rPr lang="en-US" sz="1600" dirty="0">
+                <a:solidFill>
+                  <a:schemeClr val="bg1"/>
+                </a:solidFill>
+              </a:rPr>
+              <a:t> = […]</a:t>
+            </a:r>
+          </a:p>
+          <a:p>
             <a:r>
               <a:rPr lang="en-US" sz="2000" dirty="0">
                 <a:solidFill>
                   <a:schemeClr val="bg1"/>
                 </a:solidFill>
               </a:rPr>
-              <a:t>}“</a:t>
-            </a:r>
-          </a:p>
-          <a:p>
-            <a:r>
-              <a:rPr lang="en-US" sz="2000" dirty="0" err="1">
-                <a:solidFill>
-                  <a:schemeClr val="bg1"/>
-                </a:solidFill>
-              </a:rPr>
-              <a:t>az</a:t>
-            </a:r>
-            <a:r>
-              <a:rPr lang="en-US" sz="2000" dirty="0">
-                <a:solidFill>
-                  <a:schemeClr val="bg1"/>
-                </a:solidFill>
-              </a:rPr>
-              <a:t> account set --subscription="${SUBSCRIPTION_ID}" </a:t>
-            </a:r>
-          </a:p>
-          <a:p>
-            <a:r>
-              <a:rPr lang="en-US" sz="2000" dirty="0" err="1">
-                <a:solidFill>
-                  <a:schemeClr val="bg1"/>
-                </a:solidFill>
-              </a:rPr>
-              <a:t>az</a:t>
-            </a:r>
-            <a:r>
-              <a:rPr lang="en-US" sz="2000" dirty="0">
-                <a:solidFill>
-                  <a:schemeClr val="bg1"/>
-                </a:solidFill>
-              </a:rPr>
-              <a:t> ad </a:t>
-            </a:r>
-            <a:r>
-              <a:rPr lang="en-US" sz="2000" dirty="0" err="1">
-                <a:solidFill>
-                  <a:schemeClr val="bg1"/>
-                </a:solidFill>
-              </a:rPr>
-              <a:t>sp</a:t>
-            </a:r>
-            <a:r>
-              <a:rPr lang="en-US" sz="2000" dirty="0">
-                <a:solidFill>
-                  <a:schemeClr val="bg1"/>
-                </a:solidFill>
-              </a:rPr>
-              <a:t> create-for-</a:t>
-            </a:r>
-            <a:r>
-              <a:rPr lang="en-US" sz="2000" dirty="0" err="1">
-                <a:solidFill>
-                  <a:schemeClr val="bg1"/>
-                </a:solidFill>
-              </a:rPr>
-              <a:t>rbac</a:t>
-            </a:r>
-            <a:r>
-              <a:rPr lang="en-US" sz="2000" dirty="0">
-                <a:solidFill>
-                  <a:schemeClr val="bg1"/>
-                </a:solidFill>
-              </a:rPr>
-              <a:t> --role="Contributor" --scopes="/subscriptions/${SUBSCRIPTION_ID}“</a:t>
-            </a:r>
-          </a:p>
-          <a:p>
-            <a:r>
-              <a:rPr lang="en-US" sz="2000" dirty="0">
-                <a:solidFill>
-                  <a:schemeClr val="bg1"/>
-                </a:solidFill>
-              </a:rPr>
-              <a:t>SET ARM_SUBSCRIPTION_ID="ARM_SUBSCRIPTION_ID"</a:t>
-            </a:r>
-          </a:p>
-          <a:p>
-            <a:r>
-              <a:rPr lang="en-US" sz="2000" dirty="0">
-                <a:solidFill>
-                  <a:schemeClr val="bg1"/>
-                </a:solidFill>
-              </a:rPr>
-              <a:t>SET ARM_CLIENT_ID="ARM_CLIENT_ID"</a:t>
-            </a:r>
-          </a:p>
-          <a:p>
-            <a:r>
-              <a:rPr lang="en-US" sz="2000" dirty="0">
-                <a:solidFill>
-                  <a:schemeClr val="bg1"/>
-                </a:solidFill>
-              </a:rPr>
-              <a:t>SET ARM_CLIENT_SECRET="ARM_CLIENT_SECRET"</a:t>
-            </a:r>
-          </a:p>
-          <a:p>
-            <a:r>
-              <a:rPr lang="en-US" sz="2000" dirty="0">
-                <a:solidFill>
-                  <a:schemeClr val="bg1"/>
-                </a:solidFill>
-              </a:rPr>
-              <a:t>SET ARM_TENANT_ID="ARM_TENANT_ID"</a:t>
-            </a:r>
-          </a:p>
-          <a:p>
-            <a:endParaRPr lang="en-BE" sz="2000" dirty="0">
+              <a:t>Non-Dependent</a:t>
+            </a:r>
+          </a:p>
+          <a:p>
+            <a:pPr lvl="1"/>
+            <a:r>
+              <a:rPr lang="en-US" sz="1600" dirty="0">
+                <a:solidFill>
+                  <a:schemeClr val="bg1"/>
+                </a:solidFill>
+              </a:rPr>
+              <a:t>Parallel</a:t>
+            </a:r>
+          </a:p>
+          <a:p>
+            <a:pPr lvl="1"/>
+            <a:endParaRPr lang="en-US" sz="1600" dirty="0">
               <a:solidFill>
                 <a:schemeClr val="bg1"/>
               </a:solidFill>
@@ -4913,7 +8524,7 @@
     </p:spTree>
     <p:extLst>
       <p:ext uri="{BB962C8B-B14F-4D97-AF65-F5344CB8AC3E}">
-        <p14:creationId xmlns:p14="http://schemas.microsoft.com/office/powerpoint/2010/main" val="615864044"/>
+        <p14:creationId xmlns:p14="http://schemas.microsoft.com/office/powerpoint/2010/main" val="3821427801"/>
       </p:ext>
     </p:extLst>
   </p:cSld>
@@ -4950,7 +8561,7 @@
       </p:grpSpPr>
       <p:sp>
         <p:nvSpPr>
-          <p:cNvPr id="5" name="Rectangle 7">
+          <p:cNvPr id="8" name="Rectangle 7">
             <a:extLst>
               <a:ext uri="{FF2B5EF4-FFF2-40B4-BE49-F238E27FC236}">
                 <a16:creationId xmlns:a16="http://schemas.microsoft.com/office/drawing/2014/main" id="{02D886F1-CB4A-4FC1-AAA7-9402B0D0DDDD}"/>
@@ -5042,7 +8653,7 @@
       </p:sp>
       <p:sp>
         <p:nvSpPr>
-          <p:cNvPr id="6" name="Rectangle 9">
+          <p:cNvPr id="10" name="Rectangle 9">
             <a:extLst>
               <a:ext uri="{FF2B5EF4-FFF2-40B4-BE49-F238E27FC236}">
                 <a16:creationId xmlns:a16="http://schemas.microsoft.com/office/drawing/2014/main" id="{762B7B97-C3EE-4AEE-A61F-AFA873FE2FCA}"/>
@@ -5153,8 +8764,8 @@
         </p:nvSpPr>
         <p:spPr>
           <a:xfrm>
-            <a:off x="623787" y="1635358"/>
-            <a:ext cx="2752344" cy="2706624"/>
+            <a:off x="623786" y="1635358"/>
+            <a:ext cx="2936831" cy="2978206"/>
           </a:xfrm>
           <a:prstGeom prst="ellipse">
             <a:avLst/>
@@ -5177,7 +8788,7 @@
             <a:pPr algn="ctr"/>
             <a:r>
               <a:rPr lang="en-US" sz="2600" dirty="0"/>
-              <a:t>Shell</a:t>
+              <a:t>Input variables</a:t>
             </a:r>
             <a:endParaRPr lang="en-BE" sz="2600" dirty="0"/>
           </a:p>
@@ -5201,8 +8812,8 @@
         </p:nvSpPr>
         <p:spPr>
           <a:xfrm>
-            <a:off x="3608173" y="1088137"/>
-            <a:ext cx="8064843" cy="4941960"/>
+            <a:off x="3823855" y="533401"/>
+            <a:ext cx="7744357" cy="5659582"/>
           </a:xfrm>
         </p:spPr>
         <p:txBody>
@@ -5211,13 +8822,14 @@
           </a:bodyPr>
           <a:lstStyle/>
           <a:p>
+            <a:pPr lvl="1"/>
             <a:r>
               <a:rPr lang="en-US" sz="2000" dirty="0" err="1">
                 <a:solidFill>
                   <a:schemeClr val="bg1"/>
                 </a:solidFill>
               </a:rPr>
-              <a:t>az</a:t>
+              <a:t>Reuseable</a:t>
             </a:r>
             <a:r>
               <a:rPr lang="en-US" sz="2000" dirty="0">
@@ -5225,205 +8837,301 @@
                   <a:schemeClr val="bg1"/>
                 </a:solidFill>
               </a:rPr>
-              <a:t> account list --query "[].{</a:t>
-            </a:r>
-            <a:r>
-              <a:rPr lang="en-US" sz="2000" dirty="0" err="1">
-                <a:solidFill>
-                  <a:schemeClr val="bg1"/>
-                </a:solidFill>
-              </a:rPr>
-              <a:t>name:name</a:t>
-            </a:r>
+              <a:t> scripts</a:t>
+            </a:r>
+          </a:p>
+          <a:p>
+            <a:pPr lvl="1"/>
             <a:r>
               <a:rPr lang="en-US" sz="2000" dirty="0">
                 <a:solidFill>
                   <a:schemeClr val="bg1"/>
                 </a:solidFill>
               </a:rPr>
-              <a:t>, </a:t>
-            </a:r>
-            <a:r>
-              <a:rPr lang="en-US" sz="2000" dirty="0" err="1">
-                <a:solidFill>
-                  <a:schemeClr val="bg1"/>
-                </a:solidFill>
-              </a:rPr>
-              <a:t>subscriptionId:id</a:t>
-            </a:r>
+              <a:t>Define</a:t>
+            </a:r>
+          </a:p>
+          <a:p>
+            <a:pPr marL="914400" lvl="2" indent="0">
+              <a:buNone/>
+            </a:pPr>
+            <a:r>
+              <a:rPr lang="en-US" sz="1600" dirty="0">
+                <a:solidFill>
+                  <a:schemeClr val="bg1"/>
+                </a:solidFill>
+              </a:rPr>
+              <a:t>variable "region" {</a:t>
+            </a:r>
+          </a:p>
+          <a:p>
+            <a:pPr marL="914400" lvl="2" indent="0">
+              <a:buNone/>
+            </a:pPr>
+            <a:r>
+              <a:rPr lang="en-US" sz="1600" dirty="0">
+                <a:solidFill>
+                  <a:schemeClr val="bg1"/>
+                </a:solidFill>
+              </a:rPr>
+              <a:t>  default = “</a:t>
+            </a:r>
+            <a:r>
+              <a:rPr lang="en-US" sz="1600" dirty="0" err="1">
+                <a:solidFill>
+                  <a:schemeClr val="bg1"/>
+                </a:solidFill>
+              </a:rPr>
+              <a:t>westeurope</a:t>
+            </a:r>
+            <a:r>
+              <a:rPr lang="en-US" sz="1600" dirty="0">
+                <a:solidFill>
+                  <a:schemeClr val="bg1"/>
+                </a:solidFill>
+              </a:rPr>
+              <a:t>"</a:t>
+            </a:r>
+          </a:p>
+          <a:p>
+            <a:pPr marL="914400" lvl="2" indent="0">
+              <a:buNone/>
+            </a:pPr>
+            <a:r>
+              <a:rPr lang="en-US" sz="1600" dirty="0">
+                <a:solidFill>
+                  <a:schemeClr val="bg1"/>
+                </a:solidFill>
+              </a:rPr>
+              <a:t>}</a:t>
+            </a:r>
+          </a:p>
+          <a:p>
+            <a:pPr lvl="1"/>
             <a:r>
               <a:rPr lang="en-US" sz="2000" dirty="0">
                 <a:solidFill>
                   <a:schemeClr val="bg1"/>
                 </a:solidFill>
               </a:rPr>
-              <a:t>, </a:t>
-            </a:r>
-            <a:r>
-              <a:rPr lang="en-US" sz="2000" dirty="0" err="1">
-                <a:solidFill>
-                  <a:schemeClr val="bg1"/>
-                </a:solidFill>
-              </a:rPr>
-              <a:t>tenantId:tenantId</a:t>
-            </a:r>
-            <a:r>
-              <a:rPr lang="en-US" sz="2000" dirty="0">
-                <a:solidFill>
-                  <a:schemeClr val="bg1"/>
-                </a:solidFill>
-              </a:rPr>
-              <a:t>}“</a:t>
-            </a:r>
-          </a:p>
-          <a:p>
-            <a:r>
-              <a:rPr lang="en-US" sz="2000" dirty="0" err="1">
-                <a:solidFill>
-                  <a:schemeClr val="bg1"/>
-                </a:solidFill>
-              </a:rPr>
-              <a:t>az</a:t>
-            </a:r>
-            <a:r>
-              <a:rPr lang="en-US" sz="2000" dirty="0">
-                <a:solidFill>
-                  <a:schemeClr val="bg1"/>
-                </a:solidFill>
-              </a:rPr>
-              <a:t> ad </a:t>
-            </a:r>
-            <a:r>
-              <a:rPr lang="en-US" sz="2000" dirty="0" err="1">
-                <a:solidFill>
-                  <a:schemeClr val="bg1"/>
-                </a:solidFill>
-              </a:rPr>
-              <a:t>sp</a:t>
-            </a:r>
-            <a:r>
-              <a:rPr lang="en-US" sz="2000" dirty="0">
-                <a:solidFill>
-                  <a:schemeClr val="bg1"/>
-                </a:solidFill>
-              </a:rPr>
-              <a:t> create-for-</a:t>
-            </a:r>
-            <a:r>
-              <a:rPr lang="en-US" sz="2000" dirty="0" err="1">
-                <a:solidFill>
-                  <a:schemeClr val="bg1"/>
-                </a:solidFill>
-              </a:rPr>
-              <a:t>rbac</a:t>
-            </a:r>
-            <a:r>
-              <a:rPr lang="en-US" sz="2000" dirty="0">
-                <a:solidFill>
-                  <a:schemeClr val="bg1"/>
-                </a:solidFill>
-              </a:rPr>
-              <a:t> --role="Contributor" --scopes="/subscriptions/${SUBSCRIPTION_ID}“</a:t>
-            </a:r>
-          </a:p>
-          <a:p>
-            <a:r>
-              <a:rPr lang="en-US" sz="2000" dirty="0">
-                <a:solidFill>
-                  <a:schemeClr val="bg1"/>
-                </a:solidFill>
-              </a:rPr>
-              <a:t>export ARM_SUBSCRIPTION_ID=</a:t>
-            </a:r>
-            <a:r>
-              <a:rPr lang="en-US" sz="2000" dirty="0" err="1">
-                <a:solidFill>
-                  <a:schemeClr val="bg1"/>
-                </a:solidFill>
-              </a:rPr>
-              <a:t>your_subscription_id</a:t>
-            </a:r>
-            <a:endParaRPr lang="en-US" sz="2000" dirty="0">
+              <a:t>Use</a:t>
+            </a:r>
+          </a:p>
+          <a:p>
+            <a:pPr marL="914400" lvl="2" indent="0">
+              <a:buNone/>
+            </a:pPr>
+            <a:r>
+              <a:rPr lang="en-US" sz="1600" dirty="0">
+                <a:solidFill>
+                  <a:schemeClr val="bg1"/>
+                </a:solidFill>
+              </a:rPr>
+              <a:t>provider “</a:t>
+            </a:r>
+            <a:r>
+              <a:rPr lang="en-US" sz="1600" dirty="0" err="1">
+                <a:solidFill>
+                  <a:schemeClr val="bg1"/>
+                </a:solidFill>
+              </a:rPr>
+              <a:t>azurerm</a:t>
+            </a:r>
+            <a:r>
+              <a:rPr lang="en-US" sz="1600" dirty="0">
+                <a:solidFill>
+                  <a:schemeClr val="bg1"/>
+                </a:solidFill>
+              </a:rPr>
+              <a:t>" {</a:t>
+            </a:r>
+          </a:p>
+          <a:p>
+            <a:pPr marL="914400" lvl="2" indent="0">
+              <a:buNone/>
+            </a:pPr>
+            <a:r>
+              <a:rPr lang="en-US" sz="1600" dirty="0">
+                <a:solidFill>
+                  <a:schemeClr val="bg1"/>
+                </a:solidFill>
+              </a:rPr>
+              <a:t>  region = </a:t>
+            </a:r>
+            <a:r>
+              <a:rPr lang="en-US" sz="1600" dirty="0" err="1">
+                <a:solidFill>
+                  <a:schemeClr val="bg1"/>
+                </a:solidFill>
+              </a:rPr>
+              <a:t>var.region</a:t>
+            </a:r>
+            <a:endParaRPr lang="en-US" sz="1600" dirty="0">
               <a:solidFill>
                 <a:schemeClr val="bg1"/>
               </a:solidFill>
             </a:endParaRPr>
           </a:p>
           <a:p>
+            <a:pPr marL="914400" lvl="2" indent="0">
+              <a:buNone/>
+            </a:pPr>
+            <a:r>
+              <a:rPr lang="en-US" sz="1600" dirty="0">
+                <a:solidFill>
+                  <a:schemeClr val="bg1"/>
+                </a:solidFill>
+              </a:rPr>
+              <a:t>}</a:t>
+            </a:r>
+          </a:p>
+          <a:p>
+            <a:pPr lvl="1"/>
             <a:r>
               <a:rPr lang="en-US" sz="2000" dirty="0">
                 <a:solidFill>
                   <a:schemeClr val="bg1"/>
                 </a:solidFill>
               </a:rPr>
-              <a:t>export ARM_CLIENT_ID=</a:t>
-            </a:r>
-            <a:r>
-              <a:rPr lang="en-US" sz="2000" dirty="0" err="1">
-                <a:solidFill>
-                  <a:schemeClr val="bg1"/>
-                </a:solidFill>
-              </a:rPr>
-              <a:t>your_appId</a:t>
-            </a:r>
-            <a:endParaRPr lang="en-US" sz="2000" dirty="0">
+              <a:t>Assign</a:t>
+            </a:r>
+          </a:p>
+          <a:p>
+            <a:pPr lvl="2"/>
+            <a:r>
+              <a:rPr lang="en-US" sz="1600" dirty="0">
+                <a:solidFill>
+                  <a:schemeClr val="bg1"/>
+                </a:solidFill>
+              </a:rPr>
+              <a:t>Command line</a:t>
+            </a:r>
+          </a:p>
+          <a:p>
+            <a:pPr lvl="3"/>
+            <a:r>
+              <a:rPr lang="en-US" sz="1400" dirty="0">
+                <a:solidFill>
+                  <a:schemeClr val="bg1"/>
+                </a:solidFill>
+              </a:rPr>
+              <a:t>terraform apply -var 'region=</a:t>
+            </a:r>
+            <a:r>
+              <a:rPr lang="en-US" sz="1400" dirty="0" err="1">
+                <a:solidFill>
+                  <a:schemeClr val="bg1"/>
+                </a:solidFill>
+              </a:rPr>
+              <a:t>westeurope</a:t>
+            </a:r>
+            <a:r>
+              <a:rPr lang="en-US" sz="1400" dirty="0">
+                <a:solidFill>
+                  <a:schemeClr val="bg1"/>
+                </a:solidFill>
+              </a:rPr>
+              <a:t>'</a:t>
+            </a:r>
+          </a:p>
+          <a:p>
+            <a:pPr lvl="2"/>
+            <a:r>
+              <a:rPr lang="en-US" sz="1600" dirty="0">
+                <a:solidFill>
+                  <a:schemeClr val="bg1"/>
+                </a:solidFill>
+              </a:rPr>
+              <a:t>File</a:t>
+            </a:r>
+          </a:p>
+          <a:p>
+            <a:pPr lvl="3"/>
+            <a:r>
+              <a:rPr lang="en-US" sz="1400" dirty="0">
+                <a:solidFill>
+                  <a:schemeClr val="bg1"/>
+                </a:solidFill>
+              </a:rPr>
+              <a:t>region = "</a:t>
+            </a:r>
+            <a:r>
+              <a:rPr lang="en-US" sz="1400" dirty="0" err="1">
+                <a:solidFill>
+                  <a:schemeClr val="bg1"/>
+                </a:solidFill>
+              </a:rPr>
+              <a:t>westeurope</a:t>
+            </a:r>
+            <a:r>
+              <a:rPr lang="en-US" sz="1400" dirty="0">
+                <a:solidFill>
+                  <a:schemeClr val="bg1"/>
+                </a:solidFill>
+              </a:rPr>
+              <a:t> “</a:t>
+            </a:r>
+          </a:p>
+          <a:p>
+            <a:pPr lvl="3"/>
+            <a:r>
+              <a:rPr lang="en-US" sz="1400" dirty="0">
+                <a:solidFill>
+                  <a:schemeClr val="bg1"/>
+                </a:solidFill>
+              </a:rPr>
+              <a:t>terraform apply -var-file="</a:t>
+            </a:r>
+            <a:r>
+              <a:rPr lang="en-US" sz="1400" dirty="0" err="1">
+                <a:solidFill>
+                  <a:schemeClr val="bg1"/>
+                </a:solidFill>
+              </a:rPr>
+              <a:t>secret.tfvars</a:t>
+            </a:r>
+            <a:r>
+              <a:rPr lang="en-US" sz="1400" dirty="0">
+                <a:solidFill>
+                  <a:schemeClr val="bg1"/>
+                </a:solidFill>
+              </a:rPr>
+              <a:t>“</a:t>
+            </a:r>
+          </a:p>
+          <a:p>
+            <a:pPr lvl="2"/>
+            <a:r>
+              <a:rPr lang="en-US" sz="1600" dirty="0">
+                <a:solidFill>
+                  <a:schemeClr val="bg1"/>
+                </a:solidFill>
+              </a:rPr>
+              <a:t>Environment</a:t>
+            </a:r>
+          </a:p>
+          <a:p>
+            <a:pPr lvl="3"/>
+            <a:r>
+              <a:rPr lang="en-US" sz="1400" dirty="0" err="1">
+                <a:solidFill>
+                  <a:schemeClr val="bg1"/>
+                </a:solidFill>
+              </a:rPr>
+              <a:t>TF_VAR_name</a:t>
+            </a:r>
+            <a:endParaRPr lang="en-US" sz="1400" dirty="0">
               <a:solidFill>
                 <a:schemeClr val="bg1"/>
               </a:solidFill>
             </a:endParaRPr>
           </a:p>
-          <a:p>
-            <a:r>
-              <a:rPr lang="en-US" sz="2000" dirty="0">
-                <a:solidFill>
-                  <a:schemeClr val="bg1"/>
-                </a:solidFill>
-              </a:rPr>
-              <a:t>export ARM_CLIENT_SECRET=</a:t>
-            </a:r>
-            <a:r>
-              <a:rPr lang="en-US" sz="2000" dirty="0" err="1">
-                <a:solidFill>
-                  <a:schemeClr val="bg1"/>
-                </a:solidFill>
-              </a:rPr>
-              <a:t>your_password</a:t>
-            </a:r>
-            <a:endParaRPr lang="en-US" sz="2000" dirty="0">
-              <a:solidFill>
-                <a:schemeClr val="bg1"/>
-              </a:solidFill>
-            </a:endParaRPr>
-          </a:p>
-          <a:p>
-            <a:r>
-              <a:rPr lang="en-US" sz="2000" dirty="0">
-                <a:solidFill>
-                  <a:schemeClr val="bg1"/>
-                </a:solidFill>
-              </a:rPr>
-              <a:t>export ARM_TENANT_ID=</a:t>
-            </a:r>
-            <a:r>
-              <a:rPr lang="en-US" sz="2000" dirty="0" err="1">
-                <a:solidFill>
-                  <a:schemeClr val="bg1"/>
-                </a:solidFill>
-              </a:rPr>
-              <a:t>your_tenant_id</a:t>
-            </a:r>
-            <a:endParaRPr lang="en-BE" sz="2000" dirty="0">
-              <a:solidFill>
-                <a:schemeClr val="bg1"/>
-              </a:solidFill>
-            </a:endParaRPr>
-          </a:p>
         </p:txBody>
       </p:sp>
     </p:spTree>
     <p:extLst>
       <p:ext uri="{BB962C8B-B14F-4D97-AF65-F5344CB8AC3E}">
-        <p14:creationId xmlns:p14="http://schemas.microsoft.com/office/powerpoint/2010/main" val="2737872920"/>
+        <p14:creationId xmlns:p14="http://schemas.microsoft.com/office/powerpoint/2010/main" val="996558123"/>
       </p:ext>
     </p:extLst>
   </p:cSld>
@@ -5460,7 +9168,7 @@
       </p:grpSpPr>
       <p:sp>
         <p:nvSpPr>
-          <p:cNvPr id="5" name="Rectangle 7">
+          <p:cNvPr id="8" name="Rectangle 7">
             <a:extLst>
               <a:ext uri="{FF2B5EF4-FFF2-40B4-BE49-F238E27FC236}">
                 <a16:creationId xmlns:a16="http://schemas.microsoft.com/office/drawing/2014/main" id="{02D886F1-CB4A-4FC1-AAA7-9402B0D0DDDD}"/>
@@ -5552,7 +9260,7 @@
       </p:sp>
       <p:sp>
         <p:nvSpPr>
-          <p:cNvPr id="6" name="Rectangle 9">
+          <p:cNvPr id="10" name="Rectangle 9">
             <a:extLst>
               <a:ext uri="{FF2B5EF4-FFF2-40B4-BE49-F238E27FC236}">
                 <a16:creationId xmlns:a16="http://schemas.microsoft.com/office/drawing/2014/main" id="{762B7B97-C3EE-4AEE-A61F-AFA873FE2FCA}"/>
@@ -5663,8 +9371,8 @@
         </p:nvSpPr>
         <p:spPr>
           <a:xfrm>
-            <a:off x="623787" y="1635358"/>
-            <a:ext cx="2752344" cy="2706624"/>
+            <a:off x="623786" y="1635358"/>
+            <a:ext cx="2936831" cy="2978206"/>
           </a:xfrm>
           <a:prstGeom prst="ellipse">
             <a:avLst/>
@@ -5687,7 +9395,7 @@
             <a:pPr algn="ctr"/>
             <a:r>
               <a:rPr lang="en-US" sz="2600" dirty="0"/>
-              <a:t>Test</a:t>
+              <a:t>Output variables</a:t>
             </a:r>
             <a:endParaRPr lang="en-BE" sz="2600" dirty="0"/>
           </a:p>
@@ -5711,8 +9419,8 @@
         </p:nvSpPr>
         <p:spPr>
           <a:xfrm>
-            <a:off x="3608173" y="1088137"/>
-            <a:ext cx="8064843" cy="4941960"/>
+            <a:off x="3823855" y="533401"/>
+            <a:ext cx="7744357" cy="5659582"/>
           </a:xfrm>
         </p:spPr>
         <p:txBody>
@@ -5721,74 +9429,125 @@
           </a:bodyPr>
           <a:lstStyle/>
           <a:p>
+            <a:pPr lvl="1"/>
             <a:r>
               <a:rPr lang="en-US" sz="2000" dirty="0">
                 <a:solidFill>
                   <a:schemeClr val="bg1"/>
                 </a:solidFill>
               </a:rPr>
-              <a:t>See </a:t>
-            </a:r>
+              <a:t>Define</a:t>
+            </a:r>
+          </a:p>
+          <a:p>
+            <a:pPr marL="914400" lvl="2" indent="0">
+              <a:buNone/>
+            </a:pPr>
             <a:r>
               <a:rPr lang="en-US" sz="1600" dirty="0">
-                <a:hlinkClick r:id="rId2"/>
-              </a:rPr>
-              <a:t>https://github.com/sujithq/mini-workshop-tf</a:t>
-            </a:r>
-            <a:endParaRPr lang="en-US" sz="1600" dirty="0"/>
-          </a:p>
-          <a:p>
-            <a:r>
-              <a:rPr lang="en-US" sz="2000" dirty="0">
-                <a:solidFill>
-                  <a:schemeClr val="bg1"/>
-                </a:solidFill>
-              </a:rPr>
-              <a:t>Copy test directory</a:t>
-            </a:r>
-          </a:p>
-          <a:p>
-            <a:r>
-              <a:rPr lang="en-US" sz="2000" dirty="0">
-                <a:solidFill>
-                  <a:schemeClr val="bg1"/>
-                </a:solidFill>
-              </a:rPr>
-              <a:t>Cd test</a:t>
-            </a:r>
-          </a:p>
-          <a:p>
-            <a:r>
-              <a:rPr lang="en-US" sz="2000" dirty="0">
-                <a:solidFill>
-                  <a:schemeClr val="bg1"/>
-                </a:solidFill>
-              </a:rPr>
-              <a:t>Terraform </a:t>
-            </a:r>
-            <a:r>
-              <a:rPr lang="en-US" sz="2000" dirty="0" err="1">
-                <a:solidFill>
-                  <a:schemeClr val="bg1"/>
-                </a:solidFill>
-              </a:rPr>
-              <a:t>init</a:t>
-            </a:r>
-            <a:endParaRPr lang="en-US" sz="2000" dirty="0"/>
-          </a:p>
-          <a:p>
+                <a:solidFill>
+                  <a:schemeClr val="bg1"/>
+                </a:solidFill>
+              </a:rPr>
+              <a:t>output "</a:t>
+            </a:r>
+            <a:r>
+              <a:rPr lang="en-US" sz="1600" dirty="0" err="1">
+                <a:solidFill>
+                  <a:schemeClr val="bg1"/>
+                </a:solidFill>
+              </a:rPr>
+              <a:t>ip</a:t>
+            </a:r>
+            <a:r>
+              <a:rPr lang="en-US" sz="1600" dirty="0">
+                <a:solidFill>
+                  <a:schemeClr val="bg1"/>
+                </a:solidFill>
+              </a:rPr>
+              <a:t>" {</a:t>
+            </a:r>
+          </a:p>
+          <a:p>
+            <a:pPr marL="914400" lvl="2" indent="0">
+              <a:buNone/>
+            </a:pPr>
+            <a:r>
+              <a:rPr lang="en-US" sz="1600" dirty="0">
+                <a:solidFill>
+                  <a:schemeClr val="bg1"/>
+                </a:solidFill>
+              </a:rPr>
+              <a:t>  value = </a:t>
+            </a:r>
+            <a:r>
+              <a:rPr lang="en-US" sz="1600" dirty="0" err="1">
+                <a:solidFill>
+                  <a:schemeClr val="bg1"/>
+                </a:solidFill>
+              </a:rPr>
+              <a:t>aws_eip.ip.public_ip</a:t>
+            </a:r>
             <a:endParaRPr lang="en-US" sz="1600" dirty="0">
               <a:solidFill>
                 <a:schemeClr val="bg1"/>
               </a:solidFill>
             </a:endParaRPr>
           </a:p>
+          <a:p>
+            <a:pPr marL="914400" lvl="2" indent="0">
+              <a:buNone/>
+            </a:pPr>
+            <a:r>
+              <a:rPr lang="en-US" sz="1600" dirty="0">
+                <a:solidFill>
+                  <a:schemeClr val="bg1"/>
+                </a:solidFill>
+              </a:rPr>
+              <a:t>}</a:t>
+            </a:r>
+          </a:p>
+          <a:p>
+            <a:pPr lvl="1"/>
+            <a:r>
+              <a:rPr lang="en-US" sz="2000" dirty="0">
+                <a:solidFill>
+                  <a:schemeClr val="bg1"/>
+                </a:solidFill>
+              </a:rPr>
+              <a:t>View</a:t>
+            </a:r>
+          </a:p>
+          <a:p>
+            <a:pPr lvl="2"/>
+            <a:r>
+              <a:rPr lang="en-US" sz="1600" dirty="0">
+                <a:solidFill>
+                  <a:schemeClr val="bg1"/>
+                </a:solidFill>
+              </a:rPr>
+              <a:t>terraform output </a:t>
+            </a:r>
+            <a:r>
+              <a:rPr lang="en-US" sz="1600" dirty="0" err="1">
+                <a:solidFill>
+                  <a:schemeClr val="bg1"/>
+                </a:solidFill>
+              </a:rPr>
+              <a:t>ip</a:t>
+            </a:r>
+            <a:endParaRPr lang="en-US" sz="1600" dirty="0">
+              <a:solidFill>
+                <a:schemeClr val="bg1"/>
+              </a:solidFill>
+            </a:endParaRPr>
+          </a:p>
         </p:txBody>
       </p:sp>
     </p:spTree>
     <p:extLst>
       <p:ext uri="{BB962C8B-B14F-4D97-AF65-F5344CB8AC3E}">
-        <p14:creationId xmlns:p14="http://schemas.microsoft.com/office/powerpoint/2010/main" val="315382402"/>
+        <p14:creationId xmlns:p14="http://schemas.microsoft.com/office/powerpoint/2010/main" val="3482406116"/>
       </p:ext>
     </p:extLst>
   </p:cSld>
@@ -5825,7 +9584,7 @@
       </p:grpSpPr>
       <p:sp>
         <p:nvSpPr>
-          <p:cNvPr id="5" name="Rectangle 7">
+          <p:cNvPr id="8" name="Rectangle 7">
             <a:extLst>
               <a:ext uri="{FF2B5EF4-FFF2-40B4-BE49-F238E27FC236}">
                 <a16:creationId xmlns:a16="http://schemas.microsoft.com/office/drawing/2014/main" id="{02D886F1-CB4A-4FC1-AAA7-9402B0D0DDDD}"/>
@@ -5917,7 +9676,7 @@
       </p:sp>
       <p:sp>
         <p:nvSpPr>
-          <p:cNvPr id="6" name="Rectangle 9">
+          <p:cNvPr id="10" name="Rectangle 9">
             <a:extLst>
               <a:ext uri="{FF2B5EF4-FFF2-40B4-BE49-F238E27FC236}">
                 <a16:creationId xmlns:a16="http://schemas.microsoft.com/office/drawing/2014/main" id="{762B7B97-C3EE-4AEE-A61F-AFA873FE2FCA}"/>
@@ -6028,6 +9787,1323 @@
         </p:nvSpPr>
         <p:spPr>
           <a:xfrm>
+            <a:off x="623786" y="1635358"/>
+            <a:ext cx="2936831" cy="2978206"/>
+          </a:xfrm>
+          <a:prstGeom prst="ellipse">
+            <a:avLst/>
+          </a:prstGeom>
+          <a:solidFill>
+            <a:schemeClr val="bg1"/>
+          </a:solidFill>
+          <a:ln w="174625" cmpd="thinThick">
+            <a:solidFill>
+              <a:schemeClr val="bg1"/>
+            </a:solidFill>
+          </a:ln>
+        </p:spPr>
+        <p:txBody>
+          <a:bodyPr>
+            <a:normAutofit/>
+          </a:bodyPr>
+          <a:lstStyle/>
+          <a:p>
+            <a:pPr algn="ctr"/>
+            <a:r>
+              <a:rPr lang="en-US" sz="2600" dirty="0"/>
+              <a:t>Remote Storage</a:t>
+            </a:r>
+            <a:endParaRPr lang="en-BE" sz="2600" dirty="0"/>
+          </a:p>
+        </p:txBody>
+      </p:sp>
+      <p:sp>
+        <p:nvSpPr>
+          <p:cNvPr id="3" name="Content Placeholder 2">
+            <a:extLst>
+              <a:ext uri="{FF2B5EF4-FFF2-40B4-BE49-F238E27FC236}">
+                <a16:creationId xmlns:a16="http://schemas.microsoft.com/office/drawing/2014/main" id="{BCB1466C-A01B-4335-B8D0-E83C6EDF00A3}"/>
+              </a:ext>
+            </a:extLst>
+          </p:cNvPr>
+          <p:cNvSpPr>
+            <a:spLocks noGrp="1"/>
+          </p:cNvSpPr>
+          <p:nvPr>
+            <p:ph idx="1"/>
+          </p:nvPr>
+        </p:nvSpPr>
+        <p:spPr>
+          <a:xfrm>
+            <a:off x="3823855" y="533401"/>
+            <a:ext cx="7744357" cy="5659582"/>
+          </a:xfrm>
+        </p:spPr>
+        <p:txBody>
+          <a:bodyPr anchor="ctr">
+            <a:normAutofit/>
+          </a:bodyPr>
+          <a:lstStyle/>
+          <a:p>
+            <a:pPr lvl="1"/>
+            <a:r>
+              <a:rPr lang="en-US" sz="2000" dirty="0">
+                <a:solidFill>
+                  <a:schemeClr val="bg1"/>
+                </a:solidFill>
+              </a:rPr>
+              <a:t>Terraform Cloud</a:t>
+            </a:r>
+          </a:p>
+          <a:p>
+            <a:pPr lvl="1"/>
+            <a:r>
+              <a:rPr lang="en-US" sz="2000" dirty="0">
+                <a:solidFill>
+                  <a:schemeClr val="bg1"/>
+                </a:solidFill>
+              </a:rPr>
+              <a:t>Azure Storage Account</a:t>
+            </a:r>
+          </a:p>
+        </p:txBody>
+      </p:sp>
+    </p:spTree>
+    <p:extLst>
+      <p:ext uri="{BB962C8B-B14F-4D97-AF65-F5344CB8AC3E}">
+        <p14:creationId xmlns:p14="http://schemas.microsoft.com/office/powerpoint/2010/main" val="323062447"/>
+      </p:ext>
+    </p:extLst>
+  </p:cSld>
+  <p:clrMapOvr>
+    <a:masterClrMapping/>
+  </p:clrMapOvr>
+</p:sld>
+</file>
+
+<file path=ppt/slides/slide7.xml><?xml version="1.0" encoding="utf-8"?>
+<p:sld xmlns:a="http://schemas.openxmlformats.org/drawingml/2006/main" xmlns:r="http://schemas.openxmlformats.org/officeDocument/2006/relationships" xmlns:p="http://schemas.openxmlformats.org/presentationml/2006/main">
+  <p:cSld>
+    <p:bg>
+      <p:bgPr>
+        <a:solidFill>
+          <a:schemeClr val="bg1"/>
+        </a:solidFill>
+        <a:effectLst/>
+      </p:bgPr>
+    </p:bg>
+    <p:spTree>
+      <p:nvGrpSpPr>
+        <p:cNvPr id="1" name=""/>
+        <p:cNvGrpSpPr/>
+        <p:nvPr/>
+      </p:nvGrpSpPr>
+      <p:grpSpPr>
+        <a:xfrm>
+          <a:off x="0" y="0"/>
+          <a:ext cx="0" cy="0"/>
+          <a:chOff x="0" y="0"/>
+          <a:chExt cx="0" cy="0"/>
+        </a:xfrm>
+      </p:grpSpPr>
+      <p:sp>
+        <p:nvSpPr>
+          <p:cNvPr id="8" name="Rectangle 7">
+            <a:extLst>
+              <a:ext uri="{FF2B5EF4-FFF2-40B4-BE49-F238E27FC236}">
+                <a16:creationId xmlns:a16="http://schemas.microsoft.com/office/drawing/2014/main" id="{02D886F1-CB4A-4FC1-AAA7-9402B0D0DDDD}"/>
+              </a:ext>
+              <a:ext uri="{C183D7F6-B498-43B3-948B-1728B52AA6E4}">
+                <adec:decorative xmlns:adec="http://schemas.microsoft.com/office/drawing/2017/decorative" val="1"/>
+              </a:ext>
+            </a:extLst>
+          </p:cNvPr>
+          <p:cNvSpPr>
+            <a:spLocks noGrp="1" noRot="1" noChangeAspect="1" noMove="1" noResize="1" noEditPoints="1" noAdjustHandles="1" noChangeArrowheads="1" noChangeShapeType="1" noTextEdit="1"/>
+          </p:cNvSpPr>
+          <p:nvPr>
+            <p:extLst>
+              <p:ext uri="{386F3935-93C4-4BCD-93E2-E3B085C9AB24}">
+                <p16:designElem xmlns:p16="http://schemas.microsoft.com/office/powerpoint/2015/main" val="1"/>
+              </p:ext>
+            </p:extLst>
+          </p:nvPr>
+        </p:nvSpPr>
+        <p:spPr>
+          <a:xfrm>
+            <a:off x="0" y="0"/>
+            <a:ext cx="2013557" cy="6858000"/>
+          </a:xfrm>
+          <a:prstGeom prst="rect">
+            <a:avLst/>
+          </a:prstGeom>
+          <a:solidFill>
+            <a:srgbClr val="7F7F7F"/>
+          </a:solidFill>
+          <a:ln>
+            <a:noFill/>
+          </a:ln>
+        </p:spPr>
+        <p:style>
+          <a:lnRef idx="2">
+            <a:schemeClr val="accent1">
+              <a:shade val="50000"/>
+            </a:schemeClr>
+          </a:lnRef>
+          <a:fillRef idx="1">
+            <a:schemeClr val="accent1"/>
+          </a:fillRef>
+          <a:effectRef idx="0">
+            <a:schemeClr val="accent1"/>
+          </a:effectRef>
+          <a:fontRef idx="minor">
+            <a:schemeClr val="lt1"/>
+          </a:fontRef>
+        </p:style>
+        <p:txBody>
+          <a:bodyPr rtlCol="0" anchor="ctr"/>
+          <a:lstStyle/>
+          <a:p>
+            <a:pPr marL="0" marR="0" lvl="0" indent="0" algn="ctr" defTabSz="914400" rtl="0" eaLnBrk="1" fontAlgn="auto" latinLnBrk="0" hangingPunct="1">
+              <a:lnSpc>
+                <a:spcPct val="100000"/>
+              </a:lnSpc>
+              <a:spcBef>
+                <a:spcPts val="0"/>
+              </a:spcBef>
+              <a:spcAft>
+                <a:spcPts val="0"/>
+              </a:spcAft>
+              <a:buClrTx/>
+              <a:buSzTx/>
+              <a:buFontTx/>
+              <a:buNone/>
+              <a:tabLst/>
+              <a:defRPr/>
+            </a:pPr>
+            <a:endParaRPr kumimoji="0" lang="en-US" sz="1800" b="0" i="0" u="none" strike="noStrike" kern="1200" cap="none" spc="0" normalizeH="0" baseline="0" noProof="0">
+              <a:ln>
+                <a:noFill/>
+              </a:ln>
+              <a:solidFill>
+                <a:prstClr val="white"/>
+              </a:solidFill>
+              <a:effectLst/>
+              <a:uLnTx/>
+              <a:uFillTx/>
+              <a:latin typeface="Calibri" panose="020F0502020204030204"/>
+              <a:ea typeface="+mn-ea"/>
+              <a:cs typeface="+mn-cs"/>
+            </a:endParaRPr>
+          </a:p>
+        </p:txBody>
+      </p:sp>
+      <p:sp>
+        <p:nvSpPr>
+          <p:cNvPr id="10" name="Rectangle 9">
+            <a:extLst>
+              <a:ext uri="{FF2B5EF4-FFF2-40B4-BE49-F238E27FC236}">
+                <a16:creationId xmlns:a16="http://schemas.microsoft.com/office/drawing/2014/main" id="{762B7B97-C3EE-4AEE-A61F-AFA873FE2FCA}"/>
+              </a:ext>
+              <a:ext uri="{C183D7F6-B498-43B3-948B-1728B52AA6E4}">
+                <adec:decorative xmlns:adec="http://schemas.microsoft.com/office/drawing/2017/decorative" val="1"/>
+              </a:ext>
+            </a:extLst>
+          </p:cNvPr>
+          <p:cNvSpPr>
+            <a:spLocks noGrp="1" noRot="1" noChangeAspect="1" noMove="1" noResize="1" noEditPoints="1" noAdjustHandles="1" noChangeArrowheads="1" noChangeShapeType="1" noTextEdit="1"/>
+          </p:cNvSpPr>
+          <p:nvPr>
+            <p:extLst>
+              <p:ext uri="{386F3935-93C4-4BCD-93E2-E3B085C9AB24}">
+                <p16:designElem xmlns:p16="http://schemas.microsoft.com/office/powerpoint/2015/main" val="1"/>
+              </p:ext>
+            </p:extLst>
+          </p:nvPr>
+        </p:nvSpPr>
+        <p:spPr>
+          <a:xfrm flipH="1">
+            <a:off x="2013557" y="0"/>
+            <a:ext cx="10178443" cy="6858000"/>
+          </a:xfrm>
+          <a:prstGeom prst="rect">
+            <a:avLst/>
+          </a:prstGeom>
+          <a:solidFill>
+            <a:schemeClr val="tx1">
+              <a:lumMod val="75000"/>
+              <a:lumOff val="25000"/>
+            </a:schemeClr>
+          </a:solidFill>
+          <a:ln>
+            <a:noFill/>
+          </a:ln>
+        </p:spPr>
+        <p:style>
+          <a:lnRef idx="2">
+            <a:schemeClr val="accent1">
+              <a:shade val="50000"/>
+            </a:schemeClr>
+          </a:lnRef>
+          <a:fillRef idx="1">
+            <a:schemeClr val="accent1"/>
+          </a:fillRef>
+          <a:effectRef idx="0">
+            <a:schemeClr val="accent1"/>
+          </a:effectRef>
+          <a:fontRef idx="minor">
+            <a:schemeClr val="lt1"/>
+          </a:fontRef>
+        </p:style>
+        <p:txBody>
+          <a:bodyPr rtlCol="0" anchor="ctr"/>
+          <a:lstStyle/>
+          <a:p>
+            <a:pPr marL="0" marR="0" lvl="0" indent="0" algn="ctr" defTabSz="914400" rtl="0" eaLnBrk="1" fontAlgn="auto" latinLnBrk="0" hangingPunct="1">
+              <a:lnSpc>
+                <a:spcPct val="100000"/>
+              </a:lnSpc>
+              <a:spcBef>
+                <a:spcPts val="0"/>
+              </a:spcBef>
+              <a:spcAft>
+                <a:spcPts val="0"/>
+              </a:spcAft>
+              <a:buClrTx/>
+              <a:buSzTx/>
+              <a:buFontTx/>
+              <a:buNone/>
+              <a:tabLst/>
+              <a:defRPr/>
+            </a:pPr>
+            <a:endParaRPr kumimoji="0" lang="en-US" sz="1800" b="0" i="0" u="none" strike="noStrike" kern="1200" cap="none" spc="0" normalizeH="0" baseline="0" noProof="0">
+              <a:ln>
+                <a:noFill/>
+              </a:ln>
+              <a:solidFill>
+                <a:prstClr val="white"/>
+              </a:solidFill>
+              <a:effectLst/>
+              <a:uLnTx/>
+              <a:uFillTx/>
+              <a:latin typeface="Calibri" panose="020F0502020204030204"/>
+              <a:ea typeface="+mn-ea"/>
+              <a:cs typeface="+mn-cs"/>
+            </a:endParaRPr>
+          </a:p>
+        </p:txBody>
+      </p:sp>
+      <p:sp>
+        <p:nvSpPr>
+          <p:cNvPr id="2" name="Title 1">
+            <a:extLst>
+              <a:ext uri="{FF2B5EF4-FFF2-40B4-BE49-F238E27FC236}">
+                <a16:creationId xmlns:a16="http://schemas.microsoft.com/office/drawing/2014/main" id="{4065E643-644B-4264-9737-B9286B85B6F4}"/>
+              </a:ext>
+            </a:extLst>
+          </p:cNvPr>
+          <p:cNvSpPr>
+            <a:spLocks noGrp="1"/>
+          </p:cNvSpPr>
+          <p:nvPr>
+            <p:ph type="title"/>
+          </p:nvPr>
+        </p:nvSpPr>
+        <p:spPr>
+          <a:xfrm>
+            <a:off x="623786" y="1635358"/>
+            <a:ext cx="2936831" cy="2978206"/>
+          </a:xfrm>
+          <a:prstGeom prst="ellipse">
+            <a:avLst/>
+          </a:prstGeom>
+          <a:solidFill>
+            <a:schemeClr val="bg1"/>
+          </a:solidFill>
+          <a:ln w="174625" cmpd="thinThick">
+            <a:solidFill>
+              <a:schemeClr val="bg1"/>
+            </a:solidFill>
+          </a:ln>
+        </p:spPr>
+        <p:txBody>
+          <a:bodyPr>
+            <a:normAutofit/>
+          </a:bodyPr>
+          <a:lstStyle/>
+          <a:p>
+            <a:pPr algn="ctr"/>
+            <a:r>
+              <a:rPr lang="en-US" sz="2600" dirty="0"/>
+              <a:t>Modules</a:t>
+            </a:r>
+            <a:endParaRPr lang="en-BE" sz="2600" dirty="0"/>
+          </a:p>
+        </p:txBody>
+      </p:sp>
+      <p:sp>
+        <p:nvSpPr>
+          <p:cNvPr id="3" name="Content Placeholder 2">
+            <a:extLst>
+              <a:ext uri="{FF2B5EF4-FFF2-40B4-BE49-F238E27FC236}">
+                <a16:creationId xmlns:a16="http://schemas.microsoft.com/office/drawing/2014/main" id="{BCB1466C-A01B-4335-B8D0-E83C6EDF00A3}"/>
+              </a:ext>
+            </a:extLst>
+          </p:cNvPr>
+          <p:cNvSpPr>
+            <a:spLocks noGrp="1"/>
+          </p:cNvSpPr>
+          <p:nvPr>
+            <p:ph idx="1"/>
+          </p:nvPr>
+        </p:nvSpPr>
+        <p:spPr>
+          <a:xfrm>
+            <a:off x="3823855" y="533401"/>
+            <a:ext cx="7744357" cy="5659582"/>
+          </a:xfrm>
+        </p:spPr>
+        <p:txBody>
+          <a:bodyPr anchor="ctr">
+            <a:normAutofit/>
+          </a:bodyPr>
+          <a:lstStyle/>
+          <a:p>
+            <a:pPr lvl="1"/>
+            <a:r>
+              <a:rPr lang="en-US" sz="2000" dirty="0">
+                <a:solidFill>
+                  <a:schemeClr val="bg1"/>
+                </a:solidFill>
+              </a:rPr>
+              <a:t>Problems</a:t>
+            </a:r>
+          </a:p>
+          <a:p>
+            <a:pPr lvl="2"/>
+            <a:r>
+              <a:rPr lang="en-US" sz="1600" dirty="0">
+                <a:solidFill>
+                  <a:schemeClr val="bg1"/>
+                </a:solidFill>
+              </a:rPr>
+              <a:t>Understanding and navigation</a:t>
+            </a:r>
+          </a:p>
+          <a:p>
+            <a:pPr lvl="2"/>
+            <a:r>
+              <a:rPr lang="en-US" sz="1600" dirty="0">
+                <a:solidFill>
+                  <a:schemeClr val="bg1"/>
+                </a:solidFill>
+              </a:rPr>
+              <a:t>Updating configuration</a:t>
+            </a:r>
+          </a:p>
+          <a:p>
+            <a:pPr lvl="2"/>
+            <a:r>
+              <a:rPr lang="en-US" sz="1600" dirty="0">
+                <a:solidFill>
+                  <a:schemeClr val="bg1"/>
+                </a:solidFill>
+              </a:rPr>
+              <a:t>Duplication</a:t>
+            </a:r>
+          </a:p>
+          <a:p>
+            <a:pPr lvl="2"/>
+            <a:r>
+              <a:rPr lang="en-US" sz="1600" dirty="0">
+                <a:solidFill>
+                  <a:schemeClr val="bg1"/>
+                </a:solidFill>
+              </a:rPr>
+              <a:t>Share</a:t>
+            </a:r>
+          </a:p>
+          <a:p>
+            <a:pPr lvl="1"/>
+            <a:r>
+              <a:rPr lang="en-US" sz="2000" dirty="0">
+                <a:solidFill>
+                  <a:schemeClr val="bg1"/>
+                </a:solidFill>
+              </a:rPr>
+              <a:t>Usage</a:t>
+            </a:r>
+          </a:p>
+          <a:p>
+            <a:pPr lvl="2"/>
+            <a:r>
+              <a:rPr lang="en-US" sz="1600" dirty="0">
+                <a:solidFill>
+                  <a:schemeClr val="bg1"/>
+                </a:solidFill>
+              </a:rPr>
+              <a:t>Organize configuration</a:t>
+            </a:r>
+          </a:p>
+          <a:p>
+            <a:pPr lvl="2"/>
+            <a:r>
+              <a:rPr lang="en-US" sz="1600" dirty="0">
+                <a:solidFill>
+                  <a:schemeClr val="bg1"/>
+                </a:solidFill>
+              </a:rPr>
+              <a:t>Encapsulate configuration</a:t>
+            </a:r>
+          </a:p>
+          <a:p>
+            <a:pPr lvl="2"/>
+            <a:r>
+              <a:rPr lang="en-US" sz="1600" dirty="0">
+                <a:solidFill>
+                  <a:schemeClr val="bg1"/>
+                </a:solidFill>
+              </a:rPr>
+              <a:t>Re-use configuration</a:t>
+            </a:r>
+          </a:p>
+          <a:p>
+            <a:pPr lvl="2"/>
+            <a:r>
+              <a:rPr lang="en-US" sz="1600" dirty="0">
+                <a:solidFill>
+                  <a:schemeClr val="bg1"/>
+                </a:solidFill>
+              </a:rPr>
+              <a:t>Provide consistency and best practices</a:t>
+            </a:r>
+          </a:p>
+          <a:p>
+            <a:pPr lvl="1"/>
+            <a:r>
+              <a:rPr lang="en-US" sz="2000" dirty="0">
+                <a:solidFill>
+                  <a:schemeClr val="bg1"/>
+                </a:solidFill>
+              </a:rPr>
+              <a:t>Structure</a:t>
+            </a:r>
+          </a:p>
+          <a:p>
+            <a:pPr lvl="2"/>
+            <a:r>
+              <a:rPr lang="en-US" sz="1600" dirty="0">
+                <a:solidFill>
+                  <a:schemeClr val="bg1"/>
+                </a:solidFill>
+              </a:rPr>
+              <a:t>Root</a:t>
+            </a:r>
+          </a:p>
+          <a:p>
+            <a:pPr lvl="2"/>
+            <a:r>
+              <a:rPr lang="en-US" sz="1600" dirty="0">
+                <a:solidFill>
+                  <a:schemeClr val="bg1"/>
+                </a:solidFill>
+              </a:rPr>
+              <a:t>Sub directories</a:t>
+            </a:r>
+          </a:p>
+        </p:txBody>
+      </p:sp>
+    </p:spTree>
+    <p:extLst>
+      <p:ext uri="{BB962C8B-B14F-4D97-AF65-F5344CB8AC3E}">
+        <p14:creationId xmlns:p14="http://schemas.microsoft.com/office/powerpoint/2010/main" val="1364744703"/>
+      </p:ext>
+    </p:extLst>
+  </p:cSld>
+  <p:clrMapOvr>
+    <a:masterClrMapping/>
+  </p:clrMapOvr>
+</p:sld>
+</file>
+
+<file path=ppt/slides/slide8.xml><?xml version="1.0" encoding="utf-8"?>
+<p:sld xmlns:a="http://schemas.openxmlformats.org/drawingml/2006/main" xmlns:r="http://schemas.openxmlformats.org/officeDocument/2006/relationships" xmlns:p="http://schemas.openxmlformats.org/presentationml/2006/main">
+  <p:cSld>
+    <p:bg>
+      <p:bgPr>
+        <a:solidFill>
+          <a:schemeClr val="bg1"/>
+        </a:solidFill>
+        <a:effectLst/>
+      </p:bgPr>
+    </p:bg>
+    <p:spTree>
+      <p:nvGrpSpPr>
+        <p:cNvPr id="1" name=""/>
+        <p:cNvGrpSpPr/>
+        <p:nvPr/>
+      </p:nvGrpSpPr>
+      <p:grpSpPr>
+        <a:xfrm>
+          <a:off x="0" y="0"/>
+          <a:ext cx="0" cy="0"/>
+          <a:chOff x="0" y="0"/>
+          <a:chExt cx="0" cy="0"/>
+        </a:xfrm>
+      </p:grpSpPr>
+      <p:sp>
+        <p:nvSpPr>
+          <p:cNvPr id="8" name="Rectangle 7">
+            <a:extLst>
+              <a:ext uri="{FF2B5EF4-FFF2-40B4-BE49-F238E27FC236}">
+                <a16:creationId xmlns:a16="http://schemas.microsoft.com/office/drawing/2014/main" id="{02D886F1-CB4A-4FC1-AAA7-9402B0D0DDDD}"/>
+              </a:ext>
+              <a:ext uri="{C183D7F6-B498-43B3-948B-1728B52AA6E4}">
+                <adec:decorative xmlns:adec="http://schemas.microsoft.com/office/drawing/2017/decorative" val="1"/>
+              </a:ext>
+            </a:extLst>
+          </p:cNvPr>
+          <p:cNvSpPr>
+            <a:spLocks noGrp="1" noRot="1" noChangeAspect="1" noMove="1" noResize="1" noEditPoints="1" noAdjustHandles="1" noChangeArrowheads="1" noChangeShapeType="1" noTextEdit="1"/>
+          </p:cNvSpPr>
+          <p:nvPr>
+            <p:extLst>
+              <p:ext uri="{386F3935-93C4-4BCD-93E2-E3B085C9AB24}">
+                <p16:designElem xmlns:p16="http://schemas.microsoft.com/office/powerpoint/2015/main" val="1"/>
+              </p:ext>
+            </p:extLst>
+          </p:nvPr>
+        </p:nvSpPr>
+        <p:spPr>
+          <a:xfrm>
+            <a:off x="0" y="0"/>
+            <a:ext cx="2013557" cy="6858000"/>
+          </a:xfrm>
+          <a:prstGeom prst="rect">
+            <a:avLst/>
+          </a:prstGeom>
+          <a:solidFill>
+            <a:srgbClr val="7F7F7F"/>
+          </a:solidFill>
+          <a:ln>
+            <a:noFill/>
+          </a:ln>
+        </p:spPr>
+        <p:style>
+          <a:lnRef idx="2">
+            <a:schemeClr val="accent1">
+              <a:shade val="50000"/>
+            </a:schemeClr>
+          </a:lnRef>
+          <a:fillRef idx="1">
+            <a:schemeClr val="accent1"/>
+          </a:fillRef>
+          <a:effectRef idx="0">
+            <a:schemeClr val="accent1"/>
+          </a:effectRef>
+          <a:fontRef idx="minor">
+            <a:schemeClr val="lt1"/>
+          </a:fontRef>
+        </p:style>
+        <p:txBody>
+          <a:bodyPr rtlCol="0" anchor="ctr"/>
+          <a:lstStyle/>
+          <a:p>
+            <a:pPr marL="0" marR="0" lvl="0" indent="0" algn="ctr" defTabSz="914400" rtl="0" eaLnBrk="1" fontAlgn="auto" latinLnBrk="0" hangingPunct="1">
+              <a:lnSpc>
+                <a:spcPct val="100000"/>
+              </a:lnSpc>
+              <a:spcBef>
+                <a:spcPts val="0"/>
+              </a:spcBef>
+              <a:spcAft>
+                <a:spcPts val="0"/>
+              </a:spcAft>
+              <a:buClrTx/>
+              <a:buSzTx/>
+              <a:buFontTx/>
+              <a:buNone/>
+              <a:tabLst/>
+              <a:defRPr/>
+            </a:pPr>
+            <a:endParaRPr kumimoji="0" lang="en-US" sz="1800" b="0" i="0" u="none" strike="noStrike" kern="1200" cap="none" spc="0" normalizeH="0" baseline="0" noProof="0">
+              <a:ln>
+                <a:noFill/>
+              </a:ln>
+              <a:solidFill>
+                <a:prstClr val="white"/>
+              </a:solidFill>
+              <a:effectLst/>
+              <a:uLnTx/>
+              <a:uFillTx/>
+              <a:latin typeface="Calibri" panose="020F0502020204030204"/>
+              <a:ea typeface="+mn-ea"/>
+              <a:cs typeface="+mn-cs"/>
+            </a:endParaRPr>
+          </a:p>
+        </p:txBody>
+      </p:sp>
+      <p:sp>
+        <p:nvSpPr>
+          <p:cNvPr id="10" name="Rectangle 9">
+            <a:extLst>
+              <a:ext uri="{FF2B5EF4-FFF2-40B4-BE49-F238E27FC236}">
+                <a16:creationId xmlns:a16="http://schemas.microsoft.com/office/drawing/2014/main" id="{762B7B97-C3EE-4AEE-A61F-AFA873FE2FCA}"/>
+              </a:ext>
+              <a:ext uri="{C183D7F6-B498-43B3-948B-1728B52AA6E4}">
+                <adec:decorative xmlns:adec="http://schemas.microsoft.com/office/drawing/2017/decorative" val="1"/>
+              </a:ext>
+            </a:extLst>
+          </p:cNvPr>
+          <p:cNvSpPr>
+            <a:spLocks noGrp="1" noRot="1" noChangeAspect="1" noMove="1" noResize="1" noEditPoints="1" noAdjustHandles="1" noChangeArrowheads="1" noChangeShapeType="1" noTextEdit="1"/>
+          </p:cNvSpPr>
+          <p:nvPr>
+            <p:extLst>
+              <p:ext uri="{386F3935-93C4-4BCD-93E2-E3B085C9AB24}">
+                <p16:designElem xmlns:p16="http://schemas.microsoft.com/office/powerpoint/2015/main" val="1"/>
+              </p:ext>
+            </p:extLst>
+          </p:nvPr>
+        </p:nvSpPr>
+        <p:spPr>
+          <a:xfrm flipH="1">
+            <a:off x="2013557" y="0"/>
+            <a:ext cx="10178443" cy="6858000"/>
+          </a:xfrm>
+          <a:prstGeom prst="rect">
+            <a:avLst/>
+          </a:prstGeom>
+          <a:solidFill>
+            <a:schemeClr val="tx1">
+              <a:lumMod val="75000"/>
+              <a:lumOff val="25000"/>
+            </a:schemeClr>
+          </a:solidFill>
+          <a:ln>
+            <a:noFill/>
+          </a:ln>
+        </p:spPr>
+        <p:style>
+          <a:lnRef idx="2">
+            <a:schemeClr val="accent1">
+              <a:shade val="50000"/>
+            </a:schemeClr>
+          </a:lnRef>
+          <a:fillRef idx="1">
+            <a:schemeClr val="accent1"/>
+          </a:fillRef>
+          <a:effectRef idx="0">
+            <a:schemeClr val="accent1"/>
+          </a:effectRef>
+          <a:fontRef idx="minor">
+            <a:schemeClr val="lt1"/>
+          </a:fontRef>
+        </p:style>
+        <p:txBody>
+          <a:bodyPr rtlCol="0" anchor="ctr"/>
+          <a:lstStyle/>
+          <a:p>
+            <a:pPr marL="0" marR="0" lvl="0" indent="0" algn="ctr" defTabSz="914400" rtl="0" eaLnBrk="1" fontAlgn="auto" latinLnBrk="0" hangingPunct="1">
+              <a:lnSpc>
+                <a:spcPct val="100000"/>
+              </a:lnSpc>
+              <a:spcBef>
+                <a:spcPts val="0"/>
+              </a:spcBef>
+              <a:spcAft>
+                <a:spcPts val="0"/>
+              </a:spcAft>
+              <a:buClrTx/>
+              <a:buSzTx/>
+              <a:buFontTx/>
+              <a:buNone/>
+              <a:tabLst/>
+              <a:defRPr/>
+            </a:pPr>
+            <a:endParaRPr kumimoji="0" lang="en-US" sz="1800" b="0" i="0" u="none" strike="noStrike" kern="1200" cap="none" spc="0" normalizeH="0" baseline="0" noProof="0">
+              <a:ln>
+                <a:noFill/>
+              </a:ln>
+              <a:solidFill>
+                <a:prstClr val="white"/>
+              </a:solidFill>
+              <a:effectLst/>
+              <a:uLnTx/>
+              <a:uFillTx/>
+              <a:latin typeface="Calibri" panose="020F0502020204030204"/>
+              <a:ea typeface="+mn-ea"/>
+              <a:cs typeface="+mn-cs"/>
+            </a:endParaRPr>
+          </a:p>
+        </p:txBody>
+      </p:sp>
+      <p:sp>
+        <p:nvSpPr>
+          <p:cNvPr id="2" name="Title 1">
+            <a:extLst>
+              <a:ext uri="{FF2B5EF4-FFF2-40B4-BE49-F238E27FC236}">
+                <a16:creationId xmlns:a16="http://schemas.microsoft.com/office/drawing/2014/main" id="{4065E643-644B-4264-9737-B9286B85B6F4}"/>
+              </a:ext>
+            </a:extLst>
+          </p:cNvPr>
+          <p:cNvSpPr>
+            <a:spLocks noGrp="1"/>
+          </p:cNvSpPr>
+          <p:nvPr>
+            <p:ph type="title"/>
+          </p:nvPr>
+        </p:nvSpPr>
+        <p:spPr>
+          <a:xfrm>
+            <a:off x="623786" y="1635358"/>
+            <a:ext cx="2936831" cy="2978206"/>
+          </a:xfrm>
+          <a:prstGeom prst="ellipse">
+            <a:avLst/>
+          </a:prstGeom>
+          <a:solidFill>
+            <a:schemeClr val="bg1"/>
+          </a:solidFill>
+          <a:ln w="174625" cmpd="thinThick">
+            <a:solidFill>
+              <a:schemeClr val="bg1"/>
+            </a:solidFill>
+          </a:ln>
+        </p:spPr>
+        <p:txBody>
+          <a:bodyPr>
+            <a:normAutofit/>
+          </a:bodyPr>
+          <a:lstStyle/>
+          <a:p>
+            <a:pPr algn="ctr"/>
+            <a:r>
+              <a:rPr lang="en-US" sz="2600" dirty="0"/>
+              <a:t>Modules</a:t>
+            </a:r>
+            <a:endParaRPr lang="en-BE" sz="2600" dirty="0"/>
+          </a:p>
+        </p:txBody>
+      </p:sp>
+      <p:sp>
+        <p:nvSpPr>
+          <p:cNvPr id="3" name="Content Placeholder 2">
+            <a:extLst>
+              <a:ext uri="{FF2B5EF4-FFF2-40B4-BE49-F238E27FC236}">
+                <a16:creationId xmlns:a16="http://schemas.microsoft.com/office/drawing/2014/main" id="{BCB1466C-A01B-4335-B8D0-E83C6EDF00A3}"/>
+              </a:ext>
+            </a:extLst>
+          </p:cNvPr>
+          <p:cNvSpPr>
+            <a:spLocks noGrp="1"/>
+          </p:cNvSpPr>
+          <p:nvPr>
+            <p:ph idx="1"/>
+          </p:nvPr>
+        </p:nvSpPr>
+        <p:spPr>
+          <a:xfrm>
+            <a:off x="3823855" y="533401"/>
+            <a:ext cx="7744357" cy="5659582"/>
+          </a:xfrm>
+        </p:spPr>
+        <p:txBody>
+          <a:bodyPr anchor="ctr">
+            <a:normAutofit/>
+          </a:bodyPr>
+          <a:lstStyle/>
+          <a:p>
+            <a:pPr lvl="1"/>
+            <a:r>
+              <a:rPr lang="en-US" sz="2000" dirty="0">
+                <a:solidFill>
+                  <a:schemeClr val="bg1"/>
+                </a:solidFill>
+              </a:rPr>
+              <a:t>Use</a:t>
+            </a:r>
+          </a:p>
+          <a:p>
+            <a:pPr lvl="2"/>
+            <a:r>
+              <a:rPr lang="en-US" sz="1600" dirty="0">
+                <a:solidFill>
+                  <a:schemeClr val="bg1"/>
+                </a:solidFill>
+              </a:rPr>
+              <a:t>https://registry.terraform.io/modules/Azure</a:t>
+            </a:r>
+          </a:p>
+          <a:p>
+            <a:pPr lvl="1"/>
+            <a:r>
+              <a:rPr lang="en-US" sz="2000" dirty="0">
+                <a:solidFill>
+                  <a:schemeClr val="bg1"/>
+                </a:solidFill>
+              </a:rPr>
+              <a:t>Create</a:t>
+            </a:r>
+          </a:p>
+          <a:p>
+            <a:pPr lvl="2"/>
+            <a:r>
+              <a:rPr lang="en-US" sz="1600" dirty="0">
+                <a:solidFill>
+                  <a:schemeClr val="bg1"/>
+                </a:solidFill>
+              </a:rPr>
+              <a:t>Create Modules directory</a:t>
+            </a:r>
+          </a:p>
+          <a:p>
+            <a:pPr lvl="2"/>
+            <a:r>
+              <a:rPr lang="en-US" sz="1600" dirty="0">
+                <a:solidFill>
+                  <a:schemeClr val="bg1"/>
+                </a:solidFill>
+              </a:rPr>
+              <a:t>Create sub directory for each module</a:t>
+            </a:r>
+          </a:p>
+          <a:p>
+            <a:pPr lvl="2"/>
+            <a:r>
+              <a:rPr lang="en-US" sz="1600" dirty="0">
+                <a:solidFill>
+                  <a:schemeClr val="bg1"/>
+                </a:solidFill>
+              </a:rPr>
+              <a:t>Add Module</a:t>
+            </a:r>
+          </a:p>
+          <a:p>
+            <a:pPr lvl="3"/>
+            <a:r>
+              <a:rPr lang="en-US" sz="1400" dirty="0">
+                <a:solidFill>
+                  <a:schemeClr val="bg1"/>
+                </a:solidFill>
+              </a:rPr>
+              <a:t>Main.tf</a:t>
+            </a:r>
+          </a:p>
+          <a:p>
+            <a:pPr lvl="3"/>
+            <a:r>
+              <a:rPr lang="en-US" sz="1400" dirty="0">
+                <a:solidFill>
+                  <a:schemeClr val="bg1"/>
+                </a:solidFill>
+              </a:rPr>
+              <a:t>Outputs.tf</a:t>
+            </a:r>
+          </a:p>
+          <a:p>
+            <a:pPr lvl="3"/>
+            <a:r>
+              <a:rPr lang="en-US" sz="1400" dirty="0">
+                <a:solidFill>
+                  <a:schemeClr val="bg1"/>
+                </a:solidFill>
+              </a:rPr>
+              <a:t>Variables.tf</a:t>
+            </a:r>
+          </a:p>
+          <a:p>
+            <a:pPr lvl="2"/>
+            <a:r>
+              <a:rPr lang="en-US" sz="1600" dirty="0">
+                <a:solidFill>
+                  <a:schemeClr val="bg1"/>
+                </a:solidFill>
+              </a:rPr>
+              <a:t>Use</a:t>
+            </a:r>
+          </a:p>
+          <a:p>
+            <a:pPr marL="1371600" lvl="3" indent="0">
+              <a:buNone/>
+            </a:pPr>
+            <a:r>
+              <a:rPr lang="en-US" sz="1400" dirty="0">
+                <a:solidFill>
+                  <a:schemeClr val="bg1"/>
+                </a:solidFill>
+              </a:rPr>
+              <a:t>module “</a:t>
+            </a:r>
+            <a:r>
+              <a:rPr lang="en-US" sz="1400" dirty="0" err="1">
+                <a:solidFill>
+                  <a:schemeClr val="bg1"/>
+                </a:solidFill>
+              </a:rPr>
+              <a:t>samplemodule</a:t>
+            </a:r>
+            <a:r>
+              <a:rPr lang="en-US" sz="1400" dirty="0">
+                <a:solidFill>
+                  <a:schemeClr val="bg1"/>
+                </a:solidFill>
+              </a:rPr>
+              <a:t>" {</a:t>
+            </a:r>
+          </a:p>
+          <a:p>
+            <a:pPr marL="1371600" lvl="3" indent="0">
+              <a:buNone/>
+            </a:pPr>
+            <a:r>
+              <a:rPr lang="en-US" sz="1400" dirty="0">
+                <a:solidFill>
+                  <a:schemeClr val="bg1"/>
+                </a:solidFill>
+              </a:rPr>
+              <a:t>  source = "./modules/aws-s3-static-website-bucket"</a:t>
+            </a:r>
+          </a:p>
+          <a:p>
+            <a:pPr marL="1371600" lvl="3" indent="0">
+              <a:buNone/>
+            </a:pPr>
+            <a:r>
+              <a:rPr lang="en-US" sz="1400" dirty="0">
+                <a:solidFill>
+                  <a:schemeClr val="bg1"/>
+                </a:solidFill>
+              </a:rPr>
+              <a:t>  </a:t>
+            </a:r>
+            <a:r>
+              <a:rPr lang="en-US" sz="1400" dirty="0" err="1">
+                <a:solidFill>
+                  <a:schemeClr val="bg1"/>
+                </a:solidFill>
+              </a:rPr>
+              <a:t>bucket_name</a:t>
+            </a:r>
+            <a:r>
+              <a:rPr lang="en-US" sz="1400" dirty="0">
+                <a:solidFill>
+                  <a:schemeClr val="bg1"/>
+                </a:solidFill>
+              </a:rPr>
+              <a:t> = "&lt;UNIQUE BUCKET NAME&gt;"</a:t>
+            </a:r>
+          </a:p>
+          <a:p>
+            <a:pPr marL="1371600" lvl="3" indent="0">
+              <a:buNone/>
+            </a:pPr>
+            <a:r>
+              <a:rPr lang="en-US" sz="1400" dirty="0">
+                <a:solidFill>
+                  <a:schemeClr val="bg1"/>
+                </a:solidFill>
+              </a:rPr>
+              <a:t>  tags = {</a:t>
+            </a:r>
+          </a:p>
+          <a:p>
+            <a:pPr marL="1371600" lvl="3" indent="0">
+              <a:buNone/>
+            </a:pPr>
+            <a:r>
+              <a:rPr lang="en-US" sz="1400" dirty="0">
+                <a:solidFill>
+                  <a:schemeClr val="bg1"/>
+                </a:solidFill>
+              </a:rPr>
+              <a:t>    Terraform   = "true"</a:t>
+            </a:r>
+          </a:p>
+          <a:p>
+            <a:pPr marL="1371600" lvl="3" indent="0">
+              <a:buNone/>
+            </a:pPr>
+            <a:r>
+              <a:rPr lang="en-US" sz="1400" dirty="0">
+                <a:solidFill>
+                  <a:schemeClr val="bg1"/>
+                </a:solidFill>
+              </a:rPr>
+              <a:t>    Environment = "dev"</a:t>
+            </a:r>
+          </a:p>
+          <a:p>
+            <a:pPr marL="1371600" lvl="3" indent="0">
+              <a:buNone/>
+            </a:pPr>
+            <a:r>
+              <a:rPr lang="en-US" sz="1400" dirty="0">
+                <a:solidFill>
+                  <a:schemeClr val="bg1"/>
+                </a:solidFill>
+              </a:rPr>
+              <a:t>  }</a:t>
+            </a:r>
+          </a:p>
+          <a:p>
+            <a:pPr marL="1371600" lvl="3" indent="0">
+              <a:buNone/>
+            </a:pPr>
+            <a:r>
+              <a:rPr lang="en-US" sz="1400" dirty="0">
+                <a:solidFill>
+                  <a:schemeClr val="bg1"/>
+                </a:solidFill>
+              </a:rPr>
+              <a:t>}</a:t>
+            </a:r>
+          </a:p>
+        </p:txBody>
+      </p:sp>
+    </p:spTree>
+    <p:extLst>
+      <p:ext uri="{BB962C8B-B14F-4D97-AF65-F5344CB8AC3E}">
+        <p14:creationId xmlns:p14="http://schemas.microsoft.com/office/powerpoint/2010/main" val="3619974597"/>
+      </p:ext>
+    </p:extLst>
+  </p:cSld>
+  <p:clrMapOvr>
+    <a:masterClrMapping/>
+  </p:clrMapOvr>
+</p:sld>
+</file>
+
+<file path=ppt/slides/slide9.xml><?xml version="1.0" encoding="utf-8"?>
+<p:sld xmlns:a="http://schemas.openxmlformats.org/drawingml/2006/main" xmlns:r="http://schemas.openxmlformats.org/officeDocument/2006/relationships" xmlns:p="http://schemas.openxmlformats.org/presentationml/2006/main">
+  <p:cSld>
+    <p:bg>
+      <p:bgPr>
+        <a:solidFill>
+          <a:schemeClr val="bg1"/>
+        </a:solidFill>
+        <a:effectLst/>
+      </p:bgPr>
+    </p:bg>
+    <p:spTree>
+      <p:nvGrpSpPr>
+        <p:cNvPr id="1" name=""/>
+        <p:cNvGrpSpPr/>
+        <p:nvPr/>
+      </p:nvGrpSpPr>
+      <p:grpSpPr>
+        <a:xfrm>
+          <a:off x="0" y="0"/>
+          <a:ext cx="0" cy="0"/>
+          <a:chOff x="0" y="0"/>
+          <a:chExt cx="0" cy="0"/>
+        </a:xfrm>
+      </p:grpSpPr>
+      <p:sp>
+        <p:nvSpPr>
+          <p:cNvPr id="8" name="Rectangle 7">
+            <a:extLst>
+              <a:ext uri="{FF2B5EF4-FFF2-40B4-BE49-F238E27FC236}">
+                <a16:creationId xmlns:a16="http://schemas.microsoft.com/office/drawing/2014/main" id="{02D886F1-CB4A-4FC1-AAA7-9402B0D0DDDD}"/>
+              </a:ext>
+              <a:ext uri="{C183D7F6-B498-43B3-948B-1728B52AA6E4}">
+                <adec:decorative xmlns:adec="http://schemas.microsoft.com/office/drawing/2017/decorative" val="1"/>
+              </a:ext>
+            </a:extLst>
+          </p:cNvPr>
+          <p:cNvSpPr>
+            <a:spLocks noGrp="1" noRot="1" noChangeAspect="1" noMove="1" noResize="1" noEditPoints="1" noAdjustHandles="1" noChangeArrowheads="1" noChangeShapeType="1" noTextEdit="1"/>
+          </p:cNvSpPr>
+          <p:nvPr>
+            <p:extLst>
+              <p:ext uri="{386F3935-93C4-4BCD-93E2-E3B085C9AB24}">
+                <p16:designElem xmlns:p16="http://schemas.microsoft.com/office/powerpoint/2015/main" val="1"/>
+              </p:ext>
+            </p:extLst>
+          </p:nvPr>
+        </p:nvSpPr>
+        <p:spPr>
+          <a:xfrm>
+            <a:off x="0" y="0"/>
+            <a:ext cx="2013557" cy="6858000"/>
+          </a:xfrm>
+          <a:prstGeom prst="rect">
+            <a:avLst/>
+          </a:prstGeom>
+          <a:solidFill>
+            <a:srgbClr val="7F7F7F"/>
+          </a:solidFill>
+          <a:ln>
+            <a:noFill/>
+          </a:ln>
+        </p:spPr>
+        <p:style>
+          <a:lnRef idx="2">
+            <a:schemeClr val="accent1">
+              <a:shade val="50000"/>
+            </a:schemeClr>
+          </a:lnRef>
+          <a:fillRef idx="1">
+            <a:schemeClr val="accent1"/>
+          </a:fillRef>
+          <a:effectRef idx="0">
+            <a:schemeClr val="accent1"/>
+          </a:effectRef>
+          <a:fontRef idx="minor">
+            <a:schemeClr val="lt1"/>
+          </a:fontRef>
+        </p:style>
+        <p:txBody>
+          <a:bodyPr rtlCol="0" anchor="ctr"/>
+          <a:lstStyle/>
+          <a:p>
+            <a:pPr marL="0" marR="0" lvl="0" indent="0" algn="ctr" defTabSz="914400" rtl="0" eaLnBrk="1" fontAlgn="auto" latinLnBrk="0" hangingPunct="1">
+              <a:lnSpc>
+                <a:spcPct val="100000"/>
+              </a:lnSpc>
+              <a:spcBef>
+                <a:spcPts val="0"/>
+              </a:spcBef>
+              <a:spcAft>
+                <a:spcPts val="0"/>
+              </a:spcAft>
+              <a:buClrTx/>
+              <a:buSzTx/>
+              <a:buFontTx/>
+              <a:buNone/>
+              <a:tabLst/>
+              <a:defRPr/>
+            </a:pPr>
+            <a:endParaRPr kumimoji="0" lang="en-US" sz="1800" b="0" i="0" u="none" strike="noStrike" kern="1200" cap="none" spc="0" normalizeH="0" baseline="0" noProof="0">
+              <a:ln>
+                <a:noFill/>
+              </a:ln>
+              <a:solidFill>
+                <a:prstClr val="white"/>
+              </a:solidFill>
+              <a:effectLst/>
+              <a:uLnTx/>
+              <a:uFillTx/>
+              <a:latin typeface="Calibri" panose="020F0502020204030204"/>
+              <a:ea typeface="+mn-ea"/>
+              <a:cs typeface="+mn-cs"/>
+            </a:endParaRPr>
+          </a:p>
+        </p:txBody>
+      </p:sp>
+      <p:sp>
+        <p:nvSpPr>
+          <p:cNvPr id="10" name="Rectangle 9">
+            <a:extLst>
+              <a:ext uri="{FF2B5EF4-FFF2-40B4-BE49-F238E27FC236}">
+                <a16:creationId xmlns:a16="http://schemas.microsoft.com/office/drawing/2014/main" id="{762B7B97-C3EE-4AEE-A61F-AFA873FE2FCA}"/>
+              </a:ext>
+              <a:ext uri="{C183D7F6-B498-43B3-948B-1728B52AA6E4}">
+                <adec:decorative xmlns:adec="http://schemas.microsoft.com/office/drawing/2017/decorative" val="1"/>
+              </a:ext>
+            </a:extLst>
+          </p:cNvPr>
+          <p:cNvSpPr>
+            <a:spLocks noGrp="1" noRot="1" noChangeAspect="1" noMove="1" noResize="1" noEditPoints="1" noAdjustHandles="1" noChangeArrowheads="1" noChangeShapeType="1" noTextEdit="1"/>
+          </p:cNvSpPr>
+          <p:nvPr>
+            <p:extLst>
+              <p:ext uri="{386F3935-93C4-4BCD-93E2-E3B085C9AB24}">
+                <p16:designElem xmlns:p16="http://schemas.microsoft.com/office/powerpoint/2015/main" val="1"/>
+              </p:ext>
+            </p:extLst>
+          </p:nvPr>
+        </p:nvSpPr>
+        <p:spPr>
+          <a:xfrm flipH="1">
+            <a:off x="2013557" y="0"/>
+            <a:ext cx="10178443" cy="6858000"/>
+          </a:xfrm>
+          <a:prstGeom prst="rect">
+            <a:avLst/>
+          </a:prstGeom>
+          <a:solidFill>
+            <a:schemeClr val="tx1">
+              <a:lumMod val="75000"/>
+              <a:lumOff val="25000"/>
+            </a:schemeClr>
+          </a:solidFill>
+          <a:ln>
+            <a:noFill/>
+          </a:ln>
+        </p:spPr>
+        <p:style>
+          <a:lnRef idx="2">
+            <a:schemeClr val="accent1">
+              <a:shade val="50000"/>
+            </a:schemeClr>
+          </a:lnRef>
+          <a:fillRef idx="1">
+            <a:schemeClr val="accent1"/>
+          </a:fillRef>
+          <a:effectRef idx="0">
+            <a:schemeClr val="accent1"/>
+          </a:effectRef>
+          <a:fontRef idx="minor">
+            <a:schemeClr val="lt1"/>
+          </a:fontRef>
+        </p:style>
+        <p:txBody>
+          <a:bodyPr rtlCol="0" anchor="ctr"/>
+          <a:lstStyle/>
+          <a:p>
+            <a:pPr marL="0" marR="0" lvl="0" indent="0" algn="ctr" defTabSz="914400" rtl="0" eaLnBrk="1" fontAlgn="auto" latinLnBrk="0" hangingPunct="1">
+              <a:lnSpc>
+                <a:spcPct val="100000"/>
+              </a:lnSpc>
+              <a:spcBef>
+                <a:spcPts val="0"/>
+              </a:spcBef>
+              <a:spcAft>
+                <a:spcPts val="0"/>
+              </a:spcAft>
+              <a:buClrTx/>
+              <a:buSzTx/>
+              <a:buFontTx/>
+              <a:buNone/>
+              <a:tabLst/>
+              <a:defRPr/>
+            </a:pPr>
+            <a:endParaRPr kumimoji="0" lang="en-US" sz="1800" b="0" i="0" u="none" strike="noStrike" kern="1200" cap="none" spc="0" normalizeH="0" baseline="0" noProof="0">
+              <a:ln>
+                <a:noFill/>
+              </a:ln>
+              <a:solidFill>
+                <a:prstClr val="white"/>
+              </a:solidFill>
+              <a:effectLst/>
+              <a:uLnTx/>
+              <a:uFillTx/>
+              <a:latin typeface="Calibri" panose="020F0502020204030204"/>
+              <a:ea typeface="+mn-ea"/>
+              <a:cs typeface="+mn-cs"/>
+            </a:endParaRPr>
+          </a:p>
+        </p:txBody>
+      </p:sp>
+      <p:sp>
+        <p:nvSpPr>
+          <p:cNvPr id="2" name="Title 1">
+            <a:extLst>
+              <a:ext uri="{FF2B5EF4-FFF2-40B4-BE49-F238E27FC236}">
+                <a16:creationId xmlns:a16="http://schemas.microsoft.com/office/drawing/2014/main" id="{4065E643-644B-4264-9737-B9286B85B6F4}"/>
+              </a:ext>
+            </a:extLst>
+          </p:cNvPr>
+          <p:cNvSpPr>
+            <a:spLocks noGrp="1"/>
+          </p:cNvSpPr>
+          <p:nvPr>
+            <p:ph type="title"/>
+          </p:nvPr>
+        </p:nvSpPr>
+        <p:spPr>
+          <a:xfrm>
             <a:off x="623787" y="1635358"/>
             <a:ext cx="2752344" cy="2706624"/>
           </a:xfrm>
@@ -6052,7 +11128,7 @@
             <a:pPr algn="ctr"/>
             <a:r>
               <a:rPr lang="en-US" sz="2600" dirty="0"/>
-              <a:t>Shell</a:t>
+              <a:t>Prerequisites</a:t>
             </a:r>
             <a:endParaRPr lang="en-BE" sz="2600" dirty="0"/>
           </a:p>
@@ -6076,8 +11152,8 @@
         </p:nvSpPr>
         <p:spPr>
           <a:xfrm>
-            <a:off x="3608173" y="1088137"/>
-            <a:ext cx="8064843" cy="4941960"/>
+            <a:off x="4256690" y="1088137"/>
+            <a:ext cx="6180082" cy="3801067"/>
           </a:xfrm>
         </p:spPr>
         <p:txBody>
@@ -6086,18 +11162,106 @@
           </a:bodyPr>
           <a:lstStyle/>
           <a:p>
+            <a:r>
+              <a:rPr lang="en-US" sz="2000" dirty="0">
+                <a:solidFill>
+                  <a:schemeClr val="bg1"/>
+                </a:solidFill>
+              </a:rPr>
+              <a:t>Azure Subscription</a:t>
+            </a:r>
+          </a:p>
+          <a:p>
+            <a:r>
+              <a:rPr lang="en-US" sz="2000" dirty="0">
+                <a:solidFill>
+                  <a:schemeClr val="bg1"/>
+                </a:solidFill>
+              </a:rPr>
+              <a:t>Use </a:t>
+            </a:r>
+            <a:r>
+              <a:rPr lang="en-US" sz="2000" dirty="0">
+                <a:solidFill>
+                  <a:schemeClr val="bg1"/>
+                </a:solidFill>
+                <a:hlinkClick r:id="rId2"/>
+              </a:rPr>
+              <a:t>https://shell.azure.com</a:t>
+            </a:r>
             <a:endParaRPr lang="en-US" sz="2000" dirty="0">
               <a:solidFill>
                 <a:schemeClr val="bg1"/>
               </a:solidFill>
             </a:endParaRPr>
           </a:p>
+          <a:p>
+            <a:pPr lvl="1"/>
+            <a:r>
+              <a:rPr lang="en-US" sz="1600" dirty="0">
+                <a:solidFill>
+                  <a:schemeClr val="bg1"/>
+                </a:solidFill>
+              </a:rPr>
+              <a:t>TF is preinstalled</a:t>
+            </a:r>
+          </a:p>
+          <a:p>
+            <a:pPr lvl="1"/>
+            <a:r>
+              <a:rPr lang="en-US" sz="1600" dirty="0">
+                <a:solidFill>
+                  <a:schemeClr val="bg1"/>
+                </a:solidFill>
+              </a:rPr>
+              <a:t>Azure CLI is preinstalled</a:t>
+            </a:r>
+          </a:p>
+          <a:p>
+            <a:r>
+              <a:rPr lang="en-US" sz="2000" dirty="0">
+                <a:solidFill>
+                  <a:schemeClr val="bg1"/>
+                </a:solidFill>
+              </a:rPr>
+              <a:t>Use terminal</a:t>
+            </a:r>
+          </a:p>
+          <a:p>
+            <a:pPr lvl="1"/>
+            <a:r>
+              <a:rPr lang="en-US" sz="1600" dirty="0">
+                <a:solidFill>
+                  <a:schemeClr val="bg1"/>
+                </a:solidFill>
+              </a:rPr>
+              <a:t>(Install TF)</a:t>
+            </a:r>
+          </a:p>
+          <a:p>
+            <a:pPr lvl="1"/>
+            <a:r>
+              <a:rPr lang="en-US" sz="1600" dirty="0">
+                <a:solidFill>
+                  <a:schemeClr val="bg1"/>
+                </a:solidFill>
+              </a:rPr>
+              <a:t>(Install Azure CLI)</a:t>
+            </a:r>
+          </a:p>
+          <a:p>
+            <a:endParaRPr lang="en-BE" sz="2000" dirty="0">
+              <a:solidFill>
+                <a:schemeClr val="bg1"/>
+              </a:solidFill>
+            </a:endParaRPr>
+          </a:p>
         </p:txBody>
       </p:sp>
     </p:spTree>
     <p:extLst>
       <p:ext uri="{BB962C8B-B14F-4D97-AF65-F5344CB8AC3E}">
-        <p14:creationId xmlns:p14="http://schemas.microsoft.com/office/powerpoint/2010/main" val="3251982746"/>
+        <p14:creationId xmlns:p14="http://schemas.microsoft.com/office/powerpoint/2010/main" val="2814124719"/>
       </p:ext>
     </p:extLst>
   </p:cSld>

--- a/Presentation.pptx
+++ b/Presentation.pptx
@@ -7,20 +7,21 @@
   <p:sldIdLst>
     <p:sldId id="256" r:id="rId2"/>
     <p:sldId id="261" r:id="rId3"/>
-    <p:sldId id="273" r:id="rId4"/>
-    <p:sldId id="274" r:id="rId5"/>
-    <p:sldId id="275" r:id="rId6"/>
-    <p:sldId id="276" r:id="rId7"/>
-    <p:sldId id="277" r:id="rId8"/>
-    <p:sldId id="278" r:id="rId9"/>
-    <p:sldId id="272" r:id="rId10"/>
-    <p:sldId id="262" r:id="rId11"/>
-    <p:sldId id="263" r:id="rId12"/>
-    <p:sldId id="265" r:id="rId13"/>
-    <p:sldId id="267" r:id="rId14"/>
-    <p:sldId id="268" r:id="rId15"/>
-    <p:sldId id="269" r:id="rId16"/>
-    <p:sldId id="270" r:id="rId17"/>
+    <p:sldId id="279" r:id="rId4"/>
+    <p:sldId id="273" r:id="rId5"/>
+    <p:sldId id="274" r:id="rId6"/>
+    <p:sldId id="275" r:id="rId7"/>
+    <p:sldId id="276" r:id="rId8"/>
+    <p:sldId id="277" r:id="rId9"/>
+    <p:sldId id="278" r:id="rId10"/>
+    <p:sldId id="272" r:id="rId11"/>
+    <p:sldId id="262" r:id="rId12"/>
+    <p:sldId id="263" r:id="rId13"/>
+    <p:sldId id="265" r:id="rId14"/>
+    <p:sldId id="267" r:id="rId15"/>
+    <p:sldId id="268" r:id="rId16"/>
+    <p:sldId id="269" r:id="rId17"/>
+    <p:sldId id="270" r:id="rId18"/>
   </p:sldIdLst>
   <p:sldSz cx="12192000" cy="6858000"/>
   <p:notesSz cx="6858000" cy="9144000"/>
@@ -130,7 +131,7 @@
 <file path=ppt/revisionInfo.xml><?xml version="1.0" encoding="utf-8"?>
 <p1510:revInfo xmlns:a="http://schemas.openxmlformats.org/drawingml/2006/main" xmlns:r="http://schemas.openxmlformats.org/officeDocument/2006/relationships" xmlns:p1510="http://schemas.microsoft.com/office/powerpoint/2015/10/main">
   <p1510:revLst>
-    <p1510:client id="{61169EC1-6E97-4775-8896-1E204A4BA217}" v="105" dt="2020-04-27T15:35:04.110"/>
+    <p1510:client id="{61169EC1-6E97-4775-8896-1E204A4BA217}" v="106" dt="2020-04-28T07:05:05.666"/>
     <p1510:client id="{C4EBCAC2-7303-4F34-A045-F63A38D29846}" v="55" dt="2020-04-27T10:12:37.367"/>
   </p1510:revLst>
 </p1510:revInfo>
@@ -401,18 +402,18 @@
   <pc:docChgLst>
     <pc:chgData name="Sujith" userId="59b95574-bd7a-487d-a4ce-375f9df81140" providerId="ADAL" clId="{61169EC1-6E97-4775-8896-1E204A4BA217}"/>
     <pc:docChg chg="undo custSel addSld delSld modSld">
-      <pc:chgData name="Sujith" userId="59b95574-bd7a-487d-a4ce-375f9df81140" providerId="ADAL" clId="{61169EC1-6E97-4775-8896-1E204A4BA217}" dt="2020-04-27T15:44:55.245" v="1625" actId="47"/>
+      <pc:chgData name="Sujith" userId="59b95574-bd7a-487d-a4ce-375f9df81140" providerId="ADAL" clId="{61169EC1-6E97-4775-8896-1E204A4BA217}" dt="2020-04-28T07:08:35.791" v="1683" actId="20577"/>
       <pc:docMkLst>
         <pc:docMk/>
       </pc:docMkLst>
       <pc:sldChg chg="modSp mod">
-        <pc:chgData name="Sujith" userId="59b95574-bd7a-487d-a4ce-375f9df81140" providerId="ADAL" clId="{61169EC1-6E97-4775-8896-1E204A4BA217}" dt="2020-04-27T14:57:41.274" v="594" actId="20577"/>
+        <pc:chgData name="Sujith" userId="59b95574-bd7a-487d-a4ce-375f9df81140" providerId="ADAL" clId="{61169EC1-6E97-4775-8896-1E204A4BA217}" dt="2020-04-28T07:05:31.913" v="1644" actId="20577"/>
         <pc:sldMkLst>
           <pc:docMk/>
           <pc:sldMk cId="659774344" sldId="261"/>
         </pc:sldMkLst>
         <pc:spChg chg="mod">
-          <ac:chgData name="Sujith" userId="59b95574-bd7a-487d-a4ce-375f9df81140" providerId="ADAL" clId="{61169EC1-6E97-4775-8896-1E204A4BA217}" dt="2020-04-27T14:49:29.639" v="370" actId="20577"/>
+          <ac:chgData name="Sujith" userId="59b95574-bd7a-487d-a4ce-375f9df81140" providerId="ADAL" clId="{61169EC1-6E97-4775-8896-1E204A4BA217}" dt="2020-04-28T07:05:11.488" v="1634" actId="20577"/>
           <ac:spMkLst>
             <pc:docMk/>
             <pc:sldMk cId="659774344" sldId="261"/>
@@ -420,7 +421,7 @@
           </ac:spMkLst>
         </pc:spChg>
         <pc:spChg chg="mod">
-          <ac:chgData name="Sujith" userId="59b95574-bd7a-487d-a4ce-375f9df81140" providerId="ADAL" clId="{61169EC1-6E97-4775-8896-1E204A4BA217}" dt="2020-04-27T14:57:41.274" v="594" actId="20577"/>
+          <ac:chgData name="Sujith" userId="59b95574-bd7a-487d-a4ce-375f9df81140" providerId="ADAL" clId="{61169EC1-6E97-4775-8896-1E204A4BA217}" dt="2020-04-28T07:05:31.913" v="1644" actId="20577"/>
           <ac:spMkLst>
             <pc:docMk/>
             <pc:sldMk cId="659774344" sldId="261"/>
@@ -607,12 +608,20 @@
           <pc:sldMk cId="1129301622" sldId="272"/>
         </pc:sldMkLst>
       </pc:sldChg>
-      <pc:sldChg chg="add">
-        <pc:chgData name="Sujith" userId="59b95574-bd7a-487d-a4ce-375f9df81140" providerId="ADAL" clId="{61169EC1-6E97-4775-8896-1E204A4BA217}" dt="2020-04-27T14:49:23.333" v="361"/>
+      <pc:sldChg chg="modSp add mod">
+        <pc:chgData name="Sujith" userId="59b95574-bd7a-487d-a4ce-375f9df81140" providerId="ADAL" clId="{61169EC1-6E97-4775-8896-1E204A4BA217}" dt="2020-04-28T07:06:01.190" v="1649" actId="20577"/>
         <pc:sldMkLst>
           <pc:docMk/>
           <pc:sldMk cId="2814124719" sldId="272"/>
         </pc:sldMkLst>
+        <pc:spChg chg="mod">
+          <ac:chgData name="Sujith" userId="59b95574-bd7a-487d-a4ce-375f9df81140" providerId="ADAL" clId="{61169EC1-6E97-4775-8896-1E204A4BA217}" dt="2020-04-28T07:06:01.190" v="1649" actId="20577"/>
+          <ac:spMkLst>
+            <pc:docMk/>
+            <pc:sldMk cId="2814124719" sldId="272"/>
+            <ac:spMk id="2" creationId="{4065E643-644B-4264-9737-B9286B85B6F4}"/>
+          </ac:spMkLst>
+        </pc:spChg>
       </pc:sldChg>
       <pc:sldChg chg="del">
         <pc:chgData name="Sujith" userId="59b95574-bd7a-487d-a4ce-375f9df81140" providerId="ADAL" clId="{61169EC1-6E97-4775-8896-1E204A4BA217}" dt="2020-04-27T11:44:39.854" v="95" actId="47"/>
@@ -714,7 +723,7 @@
         </pc:spChg>
       </pc:sldChg>
       <pc:sldChg chg="modSp add mod">
-        <pc:chgData name="Sujith" userId="59b95574-bd7a-487d-a4ce-375f9df81140" providerId="ADAL" clId="{61169EC1-6E97-4775-8896-1E204A4BA217}" dt="2020-04-27T15:25:05.794" v="1460" actId="20577"/>
+        <pc:chgData name="Sujith" userId="59b95574-bd7a-487d-a4ce-375f9df81140" providerId="ADAL" clId="{61169EC1-6E97-4775-8896-1E204A4BA217}" dt="2020-04-28T07:08:35.791" v="1683" actId="20577"/>
         <pc:sldMkLst>
           <pc:docMk/>
           <pc:sldMk cId="1364744703" sldId="277"/>
@@ -728,7 +737,7 @@
           </ac:spMkLst>
         </pc:spChg>
         <pc:spChg chg="mod">
-          <ac:chgData name="Sujith" userId="59b95574-bd7a-487d-a4ce-375f9df81140" providerId="ADAL" clId="{61169EC1-6E97-4775-8896-1E204A4BA217}" dt="2020-04-27T15:25:05.794" v="1460" actId="20577"/>
+          <ac:chgData name="Sujith" userId="59b95574-bd7a-487d-a4ce-375f9df81140" providerId="ADAL" clId="{61169EC1-6E97-4775-8896-1E204A4BA217}" dt="2020-04-28T07:08:35.791" v="1683" actId="20577"/>
           <ac:spMkLst>
             <pc:docMk/>
             <pc:sldMk cId="1364744703" sldId="277"/>
@@ -750,6 +759,20 @@
             <ac:spMk id="3" creationId="{BCB1466C-A01B-4335-B8D0-E83C6EDF00A3}"/>
           </ac:spMkLst>
         </pc:spChg>
+      </pc:sldChg>
+      <pc:sldChg chg="add">
+        <pc:chgData name="Sujith" userId="59b95574-bd7a-487d-a4ce-375f9df81140" providerId="ADAL" clId="{61169EC1-6E97-4775-8896-1E204A4BA217}" dt="2020-04-28T07:05:05.663" v="1628"/>
+        <pc:sldMkLst>
+          <pc:docMk/>
+          <pc:sldMk cId="2616039327" sldId="279"/>
+        </pc:sldMkLst>
+      </pc:sldChg>
+      <pc:sldChg chg="new del">
+        <pc:chgData name="Sujith" userId="59b95574-bd7a-487d-a4ce-375f9df81140" providerId="ADAL" clId="{61169EC1-6E97-4775-8896-1E204A4BA217}" dt="2020-04-28T07:05:01.259" v="1627" actId="47"/>
+        <pc:sldMkLst>
+          <pc:docMk/>
+          <pc:sldMk cId="2784657408" sldId="279"/>
+        </pc:sldMkLst>
       </pc:sldChg>
     </pc:docChg>
   </pc:docChgLst>
@@ -905,7 +928,7 @@
           <a:p>
             <a:fld id="{D908BC2A-8B35-41A5-9A1F-AEE80F6D179B}" type="datetimeFigureOut">
               <a:rPr lang="en-BE" smtClean="0"/>
-              <a:t>27/04/2020</a:t>
+              <a:t>28/04/2020</a:t>
             </a:fld>
             <a:endParaRPr lang="en-BE"/>
           </a:p>
@@ -1105,7 +1128,7 @@
           <a:p>
             <a:fld id="{D908BC2A-8B35-41A5-9A1F-AEE80F6D179B}" type="datetimeFigureOut">
               <a:rPr lang="en-BE" smtClean="0"/>
-              <a:t>27/04/2020</a:t>
+              <a:t>28/04/2020</a:t>
             </a:fld>
             <a:endParaRPr lang="en-BE"/>
           </a:p>
@@ -1315,7 +1338,7 @@
           <a:p>
             <a:fld id="{D908BC2A-8B35-41A5-9A1F-AEE80F6D179B}" type="datetimeFigureOut">
               <a:rPr lang="en-BE" smtClean="0"/>
-              <a:t>27/04/2020</a:t>
+              <a:t>28/04/2020</a:t>
             </a:fld>
             <a:endParaRPr lang="en-BE"/>
           </a:p>
@@ -1515,7 +1538,7 @@
           <a:p>
             <a:fld id="{D908BC2A-8B35-41A5-9A1F-AEE80F6D179B}" type="datetimeFigureOut">
               <a:rPr lang="en-BE" smtClean="0"/>
-              <a:t>27/04/2020</a:t>
+              <a:t>28/04/2020</a:t>
             </a:fld>
             <a:endParaRPr lang="en-BE"/>
           </a:p>
@@ -1791,7 +1814,7 @@
           <a:p>
             <a:fld id="{D908BC2A-8B35-41A5-9A1F-AEE80F6D179B}" type="datetimeFigureOut">
               <a:rPr lang="en-BE" smtClean="0"/>
-              <a:t>27/04/2020</a:t>
+              <a:t>28/04/2020</a:t>
             </a:fld>
             <a:endParaRPr lang="en-BE"/>
           </a:p>
@@ -2059,7 +2082,7 @@
           <a:p>
             <a:fld id="{D908BC2A-8B35-41A5-9A1F-AEE80F6D179B}" type="datetimeFigureOut">
               <a:rPr lang="en-BE" smtClean="0"/>
-              <a:t>27/04/2020</a:t>
+              <a:t>28/04/2020</a:t>
             </a:fld>
             <a:endParaRPr lang="en-BE"/>
           </a:p>
@@ -2474,7 +2497,7 @@
           <a:p>
             <a:fld id="{D908BC2A-8B35-41A5-9A1F-AEE80F6D179B}" type="datetimeFigureOut">
               <a:rPr lang="en-BE" smtClean="0"/>
-              <a:t>27/04/2020</a:t>
+              <a:t>28/04/2020</a:t>
             </a:fld>
             <a:endParaRPr lang="en-BE"/>
           </a:p>
@@ -2616,7 +2639,7 @@
           <a:p>
             <a:fld id="{D908BC2A-8B35-41A5-9A1F-AEE80F6D179B}" type="datetimeFigureOut">
               <a:rPr lang="en-BE" smtClean="0"/>
-              <a:t>27/04/2020</a:t>
+              <a:t>28/04/2020</a:t>
             </a:fld>
             <a:endParaRPr lang="en-BE"/>
           </a:p>
@@ -2729,7 +2752,7 @@
           <a:p>
             <a:fld id="{D908BC2A-8B35-41A5-9A1F-AEE80F6D179B}" type="datetimeFigureOut">
               <a:rPr lang="en-BE" smtClean="0"/>
-              <a:t>27/04/2020</a:t>
+              <a:t>28/04/2020</a:t>
             </a:fld>
             <a:endParaRPr lang="en-BE"/>
           </a:p>
@@ -3042,7 +3065,7 @@
           <a:p>
             <a:fld id="{D908BC2A-8B35-41A5-9A1F-AEE80F6D179B}" type="datetimeFigureOut">
               <a:rPr lang="en-BE" smtClean="0"/>
-              <a:t>27/04/2020</a:t>
+              <a:t>28/04/2020</a:t>
             </a:fld>
             <a:endParaRPr lang="en-BE"/>
           </a:p>
@@ -3331,7 +3354,7 @@
           <a:p>
             <a:fld id="{D908BC2A-8B35-41A5-9A1F-AEE80F6D179B}" type="datetimeFigureOut">
               <a:rPr lang="en-BE" smtClean="0"/>
-              <a:t>27/04/2020</a:t>
+              <a:t>28/04/2020</a:t>
             </a:fld>
             <a:endParaRPr lang="en-BE"/>
           </a:p>
@@ -3574,7 +3597,7 @@
           <a:p>
             <a:fld id="{D908BC2A-8B35-41A5-9A1F-AEE80F6D179B}" type="datetimeFigureOut">
               <a:rPr lang="en-BE" smtClean="0"/>
-              <a:t>27/04/2020</a:t>
+              <a:t>28/04/2020</a:t>
             </a:fld>
             <a:endParaRPr lang="en-BE"/>
           </a:p>
@@ -4313,7 +4336,7 @@
       </p:grpSpPr>
       <p:sp>
         <p:nvSpPr>
-          <p:cNvPr id="5" name="Rectangle 7">
+          <p:cNvPr id="8" name="Rectangle 7">
             <a:extLst>
               <a:ext uri="{FF2B5EF4-FFF2-40B4-BE49-F238E27FC236}">
                 <a16:creationId xmlns:a16="http://schemas.microsoft.com/office/drawing/2014/main" id="{02D886F1-CB4A-4FC1-AAA7-9402B0D0DDDD}"/>
@@ -4405,7 +4428,7 @@
       </p:sp>
       <p:sp>
         <p:nvSpPr>
-          <p:cNvPr id="6" name="Rectangle 9">
+          <p:cNvPr id="10" name="Rectangle 9">
             <a:extLst>
               <a:ext uri="{FF2B5EF4-FFF2-40B4-BE49-F238E27FC236}">
                 <a16:creationId xmlns:a16="http://schemas.microsoft.com/office/drawing/2014/main" id="{762B7B97-C3EE-4AEE-A61F-AFA873FE2FCA}"/>
@@ -4540,7 +4563,7 @@
             <a:pPr algn="ctr"/>
             <a:r>
               <a:rPr lang="en-US" sz="2600" dirty="0"/>
-              <a:t>Terminal</a:t>
+              <a:t>Demo Prerequisites</a:t>
             </a:r>
             <a:endParaRPr lang="en-BE" sz="2600" dirty="0"/>
           </a:p>
@@ -4564,8 +4587,8 @@
         </p:nvSpPr>
         <p:spPr>
           <a:xfrm>
-            <a:off x="3608173" y="1088137"/>
-            <a:ext cx="8064843" cy="4941960"/>
+            <a:off x="4256690" y="1088137"/>
+            <a:ext cx="6180082" cy="3801067"/>
           </a:xfrm>
         </p:spPr>
         <p:txBody>
@@ -4575,194 +4598,90 @@
           <a:lstStyle/>
           <a:p>
             <a:r>
-              <a:rPr lang="en-US" sz="2000" dirty="0" err="1">
-                <a:solidFill>
-                  <a:schemeClr val="bg1"/>
-                </a:solidFill>
-              </a:rPr>
-              <a:t>az</a:t>
-            </a:r>
-            <a:r>
               <a:rPr lang="en-US" sz="2000" dirty="0">
                 <a:solidFill>
                   <a:schemeClr val="bg1"/>
                 </a:solidFill>
               </a:rPr>
-              <a:t> login</a:t>
-            </a:r>
-          </a:p>
-          <a:p>
-            <a:r>
-              <a:rPr lang="en-US" sz="2000" dirty="0" err="1">
-                <a:solidFill>
-                  <a:schemeClr val="bg1"/>
-                </a:solidFill>
-              </a:rPr>
-              <a:t>az</a:t>
-            </a:r>
+              <a:t>Azure Subscription</a:t>
+            </a:r>
+          </a:p>
+          <a:p>
             <a:r>
               <a:rPr lang="en-US" sz="2000" dirty="0">
                 <a:solidFill>
                   <a:schemeClr val="bg1"/>
                 </a:solidFill>
               </a:rPr>
-              <a:t> account list --query "[].{</a:t>
-            </a:r>
-            <a:r>
-              <a:rPr lang="en-US" sz="2000" dirty="0" err="1">
-                <a:solidFill>
-                  <a:schemeClr val="bg1"/>
-                </a:solidFill>
-              </a:rPr>
-              <a:t>name:name</a:t>
+              <a:t>Use </a:t>
             </a:r>
             <a:r>
               <a:rPr lang="en-US" sz="2000" dirty="0">
                 <a:solidFill>
                   <a:schemeClr val="bg1"/>
                 </a:solidFill>
-              </a:rPr>
-              <a:t>, </a:t>
-            </a:r>
-            <a:r>
-              <a:rPr lang="en-US" sz="2000" dirty="0" err="1">
-                <a:solidFill>
-                  <a:schemeClr val="bg1"/>
-                </a:solidFill>
-              </a:rPr>
-              <a:t>subscriptionId:id</a:t>
-            </a:r>
+                <a:hlinkClick r:id="rId2"/>
+              </a:rPr>
+              <a:t>https://shell.azure.com</a:t>
+            </a:r>
+            <a:endParaRPr lang="en-US" sz="2000" dirty="0">
+              <a:solidFill>
+                <a:schemeClr val="bg1"/>
+              </a:solidFill>
+            </a:endParaRPr>
+          </a:p>
+          <a:p>
+            <a:pPr lvl="1"/>
+            <a:r>
+              <a:rPr lang="en-US" sz="1600" dirty="0">
+                <a:solidFill>
+                  <a:schemeClr val="bg1"/>
+                </a:solidFill>
+              </a:rPr>
+              <a:t>TF is preinstalled</a:t>
+            </a:r>
+          </a:p>
+          <a:p>
+            <a:pPr lvl="1"/>
+            <a:r>
+              <a:rPr lang="en-US" sz="1600" dirty="0">
+                <a:solidFill>
+                  <a:schemeClr val="bg1"/>
+                </a:solidFill>
+              </a:rPr>
+              <a:t>Azure CLI is preinstalled</a:t>
+            </a:r>
+          </a:p>
+          <a:p>
             <a:r>
               <a:rPr lang="en-US" sz="2000" dirty="0">
                 <a:solidFill>
                   <a:schemeClr val="bg1"/>
                 </a:solidFill>
               </a:rPr>
-              <a:t>, </a:t>
-            </a:r>
-            <a:r>
-              <a:rPr lang="en-US" sz="2000" dirty="0" err="1">
-                <a:solidFill>
-                  <a:schemeClr val="bg1"/>
-                </a:solidFill>
-              </a:rPr>
-              <a:t>tenantId:tenantId</a:t>
-            </a:r>
-            <a:r>
-              <a:rPr lang="en-US" sz="2000" dirty="0">
-                <a:solidFill>
-                  <a:schemeClr val="bg1"/>
-                </a:solidFill>
-              </a:rPr>
-              <a:t>}“</a:t>
-            </a:r>
-          </a:p>
-          <a:p>
-            <a:r>
-              <a:rPr lang="en-US" sz="2000" dirty="0" err="1">
-                <a:solidFill>
-                  <a:schemeClr val="bg1"/>
-                </a:solidFill>
-              </a:rPr>
-              <a:t>az</a:t>
-            </a:r>
-            <a:r>
-              <a:rPr lang="en-US" sz="2000" dirty="0">
-                <a:solidFill>
-                  <a:schemeClr val="bg1"/>
-                </a:solidFill>
-              </a:rPr>
-              <a:t> account set --subscription="${SUBSCRIPTION_ID}" </a:t>
-            </a:r>
-          </a:p>
-          <a:p>
-            <a:r>
-              <a:rPr lang="en-US" sz="2000" dirty="0" err="1">
-                <a:solidFill>
-                  <a:schemeClr val="bg1"/>
-                </a:solidFill>
-              </a:rPr>
-              <a:t>az</a:t>
-            </a:r>
-            <a:r>
-              <a:rPr lang="en-US" sz="2000" dirty="0">
-                <a:solidFill>
-                  <a:schemeClr val="bg1"/>
-                </a:solidFill>
-              </a:rPr>
-              <a:t> ad </a:t>
-            </a:r>
-            <a:r>
-              <a:rPr lang="en-US" sz="2000" dirty="0" err="1">
-                <a:solidFill>
-                  <a:schemeClr val="bg1"/>
-                </a:solidFill>
-              </a:rPr>
-              <a:t>sp</a:t>
-            </a:r>
-            <a:r>
-              <a:rPr lang="en-US" sz="2000" dirty="0">
-                <a:solidFill>
-                  <a:schemeClr val="bg1"/>
-                </a:solidFill>
-              </a:rPr>
-              <a:t> create-for-</a:t>
-            </a:r>
-            <a:r>
-              <a:rPr lang="en-US" sz="2000" dirty="0" err="1">
-                <a:solidFill>
-                  <a:schemeClr val="bg1"/>
-                </a:solidFill>
-              </a:rPr>
-              <a:t>rbac</a:t>
-            </a:r>
-            <a:r>
-              <a:rPr lang="en-US" sz="2000" dirty="0">
-                <a:solidFill>
-                  <a:schemeClr val="bg1"/>
-                </a:solidFill>
-              </a:rPr>
-              <a:t> --role="Contributor" --scopes="/subscriptions/${SUBSCRIPTION_ID}“</a:t>
-            </a:r>
-          </a:p>
-          <a:p>
-            <a:r>
-              <a:rPr lang="en-US" sz="2000" dirty="0">
-                <a:solidFill>
-                  <a:schemeClr val="bg1"/>
-                </a:solidFill>
-              </a:rPr>
-              <a:t>SET ARM_SUBSCRIPTION_ID="ARM_SUBSCRIPTION_ID"</a:t>
-            </a:r>
-          </a:p>
-          <a:p>
-            <a:r>
-              <a:rPr lang="en-US" sz="2000" dirty="0">
-                <a:solidFill>
-                  <a:schemeClr val="bg1"/>
-                </a:solidFill>
-              </a:rPr>
-              <a:t>SET ARM_CLIENT_ID="ARM_CLIENT_ID"</a:t>
-            </a:r>
-          </a:p>
-          <a:p>
-            <a:r>
-              <a:rPr lang="en-US" sz="2000" dirty="0">
-                <a:solidFill>
-                  <a:schemeClr val="bg1"/>
-                </a:solidFill>
-              </a:rPr>
-              <a:t>SET ARM_CLIENT_SECRET="ARM_CLIENT_SECRET"</a:t>
-            </a:r>
-          </a:p>
-          <a:p>
-            <a:r>
-              <a:rPr lang="en-US" sz="2000" dirty="0">
-                <a:solidFill>
-                  <a:schemeClr val="bg1"/>
-                </a:solidFill>
-              </a:rPr>
-              <a:t>SET ARM_TENANT_ID="ARM_TENANT_ID"</a:t>
+              <a:t>Use terminal</a:t>
+            </a:r>
+          </a:p>
+          <a:p>
+            <a:pPr lvl="1"/>
+            <a:r>
+              <a:rPr lang="en-US" sz="1600" dirty="0">
+                <a:solidFill>
+                  <a:schemeClr val="bg1"/>
+                </a:solidFill>
+              </a:rPr>
+              <a:t>(Install TF)</a:t>
+            </a:r>
+          </a:p>
+          <a:p>
+            <a:pPr lvl="1"/>
+            <a:r>
+              <a:rPr lang="en-US" sz="1600" dirty="0">
+                <a:solidFill>
+                  <a:schemeClr val="bg1"/>
+                </a:solidFill>
+              </a:rPr>
+              <a:t>(Install Azure CLI)</a:t>
             </a:r>
           </a:p>
           <a:p>
@@ -4777,7 +4696,7 @@
     </p:spTree>
     <p:extLst>
       <p:ext uri="{BB962C8B-B14F-4D97-AF65-F5344CB8AC3E}">
-        <p14:creationId xmlns:p14="http://schemas.microsoft.com/office/powerpoint/2010/main" val="615864044"/>
+        <p14:creationId xmlns:p14="http://schemas.microsoft.com/office/powerpoint/2010/main" val="2814124719"/>
       </p:ext>
     </p:extLst>
   </p:cSld>
@@ -5041,7 +4960,7 @@
             <a:pPr algn="ctr"/>
             <a:r>
               <a:rPr lang="en-US" sz="2600" dirty="0"/>
-              <a:t>Shell</a:t>
+              <a:t>Terminal</a:t>
             </a:r>
             <a:endParaRPr lang="en-BE" sz="2600" dirty="0"/>
           </a:p>
@@ -5089,6 +5008,24 @@
                   <a:schemeClr val="bg1"/>
                 </a:solidFill>
               </a:rPr>
+              <a:t> login</a:t>
+            </a:r>
+          </a:p>
+          <a:p>
+            <a:r>
+              <a:rPr lang="en-US" sz="2000" dirty="0" err="1">
+                <a:solidFill>
+                  <a:schemeClr val="bg1"/>
+                </a:solidFill>
+              </a:rPr>
+              <a:t>az</a:t>
+            </a:r>
+            <a:r>
+              <a:rPr lang="en-US" sz="2000" dirty="0">
+                <a:solidFill>
+                  <a:schemeClr val="bg1"/>
+                </a:solidFill>
+              </a:rPr>
               <a:t> account list --query "[].{</a:t>
             </a:r>
             <a:r>
@@ -5155,6 +5092,24 @@
                   <a:schemeClr val="bg1"/>
                 </a:solidFill>
               </a:rPr>
+              <a:t> account set --subscription="${SUBSCRIPTION_ID}" </a:t>
+            </a:r>
+          </a:p>
+          <a:p>
+            <a:r>
+              <a:rPr lang="en-US" sz="2000" dirty="0" err="1">
+                <a:solidFill>
+                  <a:schemeClr val="bg1"/>
+                </a:solidFill>
+              </a:rPr>
+              <a:t>az</a:t>
+            </a:r>
+            <a:r>
+              <a:rPr lang="en-US" sz="2000" dirty="0">
+                <a:solidFill>
+                  <a:schemeClr val="bg1"/>
+                </a:solidFill>
+              </a:rPr>
               <a:t> ad </a:t>
             </a:r>
             <a:r>
@@ -5187,7 +5142,7 @@
                   <a:schemeClr val="bg1"/>
                 </a:solidFill>
               </a:rPr>
-              <a:t> --role="Contributor" --scopes="/subscriptions/${SUBSCRIPTION_ID} " </a:t>
+              <a:t> --role="Contributor" --scopes="/subscriptions/${SUBSCRIPTION_ID}“</a:t>
             </a:r>
           </a:p>
           <a:p>
@@ -5197,21 +5152,8 @@
                   <a:schemeClr val="bg1"/>
                 </a:solidFill>
               </a:rPr>
-              <a:t>export ARM_SUBSCRIPTION_ID=</a:t>
-            </a:r>
-            <a:r>
-              <a:rPr lang="en-US" sz="2000" dirty="0" err="1">
-                <a:solidFill>
-                  <a:schemeClr val="bg1"/>
-                </a:solidFill>
-              </a:rPr>
-              <a:t>your_subscription_id</a:t>
-            </a:r>
-            <a:endParaRPr lang="en-US" sz="2000" dirty="0">
-              <a:solidFill>
-                <a:schemeClr val="bg1"/>
-              </a:solidFill>
-            </a:endParaRPr>
+              <a:t>SET ARM_SUBSCRIPTION_ID="ARM_SUBSCRIPTION_ID"</a:t>
+            </a:r>
           </a:p>
           <a:p>
             <a:r>
@@ -5220,21 +5162,8 @@
                   <a:schemeClr val="bg1"/>
                 </a:solidFill>
               </a:rPr>
-              <a:t>export ARM_CLIENT_ID=</a:t>
-            </a:r>
-            <a:r>
-              <a:rPr lang="en-US" sz="2000" dirty="0" err="1">
-                <a:solidFill>
-                  <a:schemeClr val="bg1"/>
-                </a:solidFill>
-              </a:rPr>
-              <a:t>your_appId</a:t>
-            </a:r>
-            <a:endParaRPr lang="en-US" sz="2000" dirty="0">
-              <a:solidFill>
-                <a:schemeClr val="bg1"/>
-              </a:solidFill>
-            </a:endParaRPr>
+              <a:t>SET ARM_CLIENT_ID="ARM_CLIENT_ID"</a:t>
+            </a:r>
           </a:p>
           <a:p>
             <a:r>
@@ -5243,21 +5172,8 @@
                   <a:schemeClr val="bg1"/>
                 </a:solidFill>
               </a:rPr>
-              <a:t>export ARM_CLIENT_SECRET=</a:t>
-            </a:r>
-            <a:r>
-              <a:rPr lang="en-US" sz="2000" dirty="0" err="1">
-                <a:solidFill>
-                  <a:schemeClr val="bg1"/>
-                </a:solidFill>
-              </a:rPr>
-              <a:t>your_password</a:t>
-            </a:r>
-            <a:endParaRPr lang="en-US" sz="2000" dirty="0">
-              <a:solidFill>
-                <a:schemeClr val="bg1"/>
-              </a:solidFill>
-            </a:endParaRPr>
+              <a:t>SET ARM_CLIENT_SECRET="ARM_CLIENT_SECRET"</a:t>
+            </a:r>
           </a:p>
           <a:p>
             <a:r>
@@ -5266,94 +5182,10 @@
                   <a:schemeClr val="bg1"/>
                 </a:solidFill>
               </a:rPr>
-              <a:t>export ARM_TENANT_ID=</a:t>
-            </a:r>
-            <a:r>
-              <a:rPr lang="en-US" sz="2000" dirty="0" err="1">
-                <a:solidFill>
-                  <a:schemeClr val="bg1"/>
-                </a:solidFill>
-              </a:rPr>
-              <a:t>your_tenant_id</a:t>
-            </a:r>
-            <a:endParaRPr lang="en-US" sz="2000" dirty="0">
-              <a:solidFill>
-                <a:schemeClr val="bg1"/>
-              </a:solidFill>
-            </a:endParaRPr>
-          </a:p>
-          <a:p>
-            <a:r>
-              <a:rPr lang="en-US" sz="2000" dirty="0">
-                <a:solidFill>
-                  <a:schemeClr val="bg1"/>
-                </a:solidFill>
-              </a:rPr>
-              <a:t>export </a:t>
-            </a:r>
-            <a:r>
-              <a:rPr lang="en-US" sz="2000" dirty="0" err="1">
-                <a:solidFill>
-                  <a:schemeClr val="bg1"/>
-                </a:solidFill>
-              </a:rPr>
-              <a:t>TF_VAR_client_id</a:t>
-            </a:r>
-            <a:r>
-              <a:rPr lang="en-US" sz="2000" dirty="0">
-                <a:solidFill>
-                  <a:schemeClr val="bg1"/>
-                </a:solidFill>
-              </a:rPr>
-              <a:t>=</a:t>
-            </a:r>
-            <a:r>
-              <a:rPr lang="en-US" sz="2000" dirty="0" err="1">
-                <a:solidFill>
-                  <a:schemeClr val="bg1"/>
-                </a:solidFill>
-              </a:rPr>
-              <a:t>your_appId</a:t>
-            </a:r>
-            <a:endParaRPr lang="en-US" sz="2000" dirty="0">
-              <a:solidFill>
-                <a:schemeClr val="bg1"/>
-              </a:solidFill>
-            </a:endParaRPr>
-          </a:p>
-          <a:p>
-            <a:r>
-              <a:rPr lang="en-US" sz="2000" dirty="0">
-                <a:solidFill>
-                  <a:schemeClr val="bg1"/>
-                </a:solidFill>
-              </a:rPr>
-              <a:t>export </a:t>
-            </a:r>
-            <a:r>
-              <a:rPr lang="en-US" sz="2000" dirty="0" err="1">
-                <a:solidFill>
-                  <a:schemeClr val="bg1"/>
-                </a:solidFill>
-              </a:rPr>
-              <a:t>TF_VAR_client_secret</a:t>
-            </a:r>
-            <a:r>
-              <a:rPr lang="en-US" sz="2000" dirty="0">
-                <a:solidFill>
-                  <a:schemeClr val="bg1"/>
-                </a:solidFill>
-              </a:rPr>
-              <a:t>=</a:t>
-            </a:r>
-            <a:r>
-              <a:rPr lang="en-US" sz="2000" dirty="0" err="1">
-                <a:solidFill>
-                  <a:schemeClr val="bg1"/>
-                </a:solidFill>
-              </a:rPr>
-              <a:t>your_password</a:t>
-            </a:r>
+              <a:t>SET ARM_TENANT_ID="ARM_TENANT_ID"</a:t>
+            </a:r>
+          </a:p>
+          <a:p>
             <a:endParaRPr lang="en-BE" sz="2000" dirty="0">
               <a:solidFill>
                 <a:schemeClr val="bg1"/>
@@ -5365,7 +5197,7 @@
     </p:spTree>
     <p:extLst>
       <p:ext uri="{BB962C8B-B14F-4D97-AF65-F5344CB8AC3E}">
-        <p14:creationId xmlns:p14="http://schemas.microsoft.com/office/powerpoint/2010/main" val="2737872920"/>
+        <p14:creationId xmlns:p14="http://schemas.microsoft.com/office/powerpoint/2010/main" val="615864044"/>
       </p:ext>
     </p:extLst>
   </p:cSld>
@@ -5629,7 +5461,7 @@
             <a:pPr algn="ctr"/>
             <a:r>
               <a:rPr lang="en-US" sz="2600" dirty="0"/>
-              <a:t>Test</a:t>
+              <a:t>Shell</a:t>
             </a:r>
             <a:endParaRPr lang="en-BE" sz="2600" dirty="0"/>
           </a:p>
@@ -5664,73 +5496,296 @@
           <a:lstStyle/>
           <a:p>
             <a:r>
+              <a:rPr lang="en-US" sz="2000" dirty="0" err="1">
+                <a:solidFill>
+                  <a:schemeClr val="bg1"/>
+                </a:solidFill>
+              </a:rPr>
+              <a:t>az</a:t>
+            </a:r>
+            <a:r>
               <a:rPr lang="en-US" sz="2000" dirty="0">
                 <a:solidFill>
                   <a:schemeClr val="bg1"/>
                 </a:solidFill>
               </a:rPr>
-              <a:t>See </a:t>
-            </a:r>
-            <a:r>
-              <a:rPr lang="en-US" sz="1600" dirty="0">
-                <a:hlinkClick r:id="rId2"/>
-              </a:rPr>
-              <a:t>https://github.com/sujithq/mini-workshop-tf</a:t>
-            </a:r>
-            <a:endParaRPr lang="en-US" sz="1600" dirty="0"/>
-          </a:p>
-          <a:p>
+              <a:t> account list --query "[].{</a:t>
+            </a:r>
+            <a:r>
+              <a:rPr lang="en-US" sz="2000" dirty="0" err="1">
+                <a:solidFill>
+                  <a:schemeClr val="bg1"/>
+                </a:solidFill>
+              </a:rPr>
+              <a:t>name:name</a:t>
+            </a:r>
             <a:r>
               <a:rPr lang="en-US" sz="2000" dirty="0">
                 <a:solidFill>
                   <a:schemeClr val="bg1"/>
                 </a:solidFill>
               </a:rPr>
-              <a:t>Copy test directory</a:t>
-            </a:r>
-          </a:p>
-          <a:p>
+              <a:t>, </a:t>
+            </a:r>
+            <a:r>
+              <a:rPr lang="en-US" sz="2000" dirty="0" err="1">
+                <a:solidFill>
+                  <a:schemeClr val="bg1"/>
+                </a:solidFill>
+              </a:rPr>
+              <a:t>subscriptionId:id</a:t>
+            </a:r>
             <a:r>
               <a:rPr lang="en-US" sz="2000" dirty="0">
                 <a:solidFill>
                   <a:schemeClr val="bg1"/>
                 </a:solidFill>
               </a:rPr>
-              <a:t>Cd test</a:t>
-            </a:r>
-          </a:p>
-          <a:p>
+              <a:t>, </a:t>
+            </a:r>
+            <a:r>
+              <a:rPr lang="en-US" sz="2000" dirty="0" err="1">
+                <a:solidFill>
+                  <a:schemeClr val="bg1"/>
+                </a:solidFill>
+              </a:rPr>
+              <a:t>tenantId:tenantId</a:t>
+            </a:r>
             <a:r>
               <a:rPr lang="en-US" sz="2000" dirty="0">
                 <a:solidFill>
                   <a:schemeClr val="bg1"/>
                 </a:solidFill>
               </a:rPr>
-              <a:t>Terraform </a:t>
-            </a:r>
+              <a:t>}“</a:t>
+            </a:r>
+          </a:p>
+          <a:p>
             <a:r>
               <a:rPr lang="en-US" sz="2000" dirty="0" err="1">
                 <a:solidFill>
                   <a:schemeClr val="bg1"/>
                 </a:solidFill>
               </a:rPr>
-              <a:t>init</a:t>
-            </a:r>
-            <a:endParaRPr lang="en-US" sz="2000" dirty="0"/>
-          </a:p>
-          <a:p>
-            <a:endParaRPr lang="en-US" sz="1600" dirty="0">
+              <a:t>az</a:t>
+            </a:r>
+            <a:r>
+              <a:rPr lang="en-US" sz="2000" dirty="0">
+                <a:solidFill>
+                  <a:schemeClr val="bg1"/>
+                </a:solidFill>
+              </a:rPr>
+              <a:t> ad </a:t>
+            </a:r>
+            <a:r>
+              <a:rPr lang="en-US" sz="2000" dirty="0" err="1">
+                <a:solidFill>
+                  <a:schemeClr val="bg1"/>
+                </a:solidFill>
+              </a:rPr>
+              <a:t>sp</a:t>
+            </a:r>
+            <a:r>
+              <a:rPr lang="en-US" sz="2000" dirty="0">
+                <a:solidFill>
+                  <a:schemeClr val="bg1"/>
+                </a:solidFill>
+              </a:rPr>
+              <a:t> create-for-</a:t>
+            </a:r>
+            <a:r>
+              <a:rPr lang="en-US" sz="2000" dirty="0" err="1">
+                <a:solidFill>
+                  <a:schemeClr val="bg1"/>
+                </a:solidFill>
+              </a:rPr>
+              <a:t>rbac</a:t>
+            </a:r>
+            <a:r>
+              <a:rPr lang="en-US" sz="2000" dirty="0">
+                <a:solidFill>
+                  <a:schemeClr val="bg1"/>
+                </a:solidFill>
+              </a:rPr>
+              <a:t> --role="Contributor" --scopes="/subscriptions/${SUBSCRIPTION_ID} " </a:t>
+            </a:r>
+          </a:p>
+          <a:p>
+            <a:r>
+              <a:rPr lang="en-US" sz="2000" dirty="0">
+                <a:solidFill>
+                  <a:schemeClr val="bg1"/>
+                </a:solidFill>
+              </a:rPr>
+              <a:t>export ARM_SUBSCRIPTION_ID=</a:t>
+            </a:r>
+            <a:r>
+              <a:rPr lang="en-US" sz="2000" dirty="0" err="1">
+                <a:solidFill>
+                  <a:schemeClr val="bg1"/>
+                </a:solidFill>
+              </a:rPr>
+              <a:t>your_subscription_id</a:t>
+            </a:r>
+            <a:endParaRPr lang="en-US" sz="2000" dirty="0">
               <a:solidFill>
                 <a:schemeClr val="bg1"/>
               </a:solidFill>
             </a:endParaRPr>
           </a:p>
+          <a:p>
+            <a:r>
+              <a:rPr lang="en-US" sz="2000" dirty="0">
+                <a:solidFill>
+                  <a:schemeClr val="bg1"/>
+                </a:solidFill>
+              </a:rPr>
+              <a:t>export ARM_CLIENT_ID=</a:t>
+            </a:r>
+            <a:r>
+              <a:rPr lang="en-US" sz="2000" dirty="0" err="1">
+                <a:solidFill>
+                  <a:schemeClr val="bg1"/>
+                </a:solidFill>
+              </a:rPr>
+              <a:t>your_appId</a:t>
+            </a:r>
+            <a:endParaRPr lang="en-US" sz="2000" dirty="0">
+              <a:solidFill>
+                <a:schemeClr val="bg1"/>
+              </a:solidFill>
+            </a:endParaRPr>
+          </a:p>
+          <a:p>
+            <a:r>
+              <a:rPr lang="en-US" sz="2000" dirty="0">
+                <a:solidFill>
+                  <a:schemeClr val="bg1"/>
+                </a:solidFill>
+              </a:rPr>
+              <a:t>export ARM_CLIENT_SECRET=</a:t>
+            </a:r>
+            <a:r>
+              <a:rPr lang="en-US" sz="2000" dirty="0" err="1">
+                <a:solidFill>
+                  <a:schemeClr val="bg1"/>
+                </a:solidFill>
+              </a:rPr>
+              <a:t>your_password</a:t>
+            </a:r>
+            <a:endParaRPr lang="en-US" sz="2000" dirty="0">
+              <a:solidFill>
+                <a:schemeClr val="bg1"/>
+              </a:solidFill>
+            </a:endParaRPr>
+          </a:p>
+          <a:p>
+            <a:r>
+              <a:rPr lang="en-US" sz="2000" dirty="0">
+                <a:solidFill>
+                  <a:schemeClr val="bg1"/>
+                </a:solidFill>
+              </a:rPr>
+              <a:t>export ARM_TENANT_ID=</a:t>
+            </a:r>
+            <a:r>
+              <a:rPr lang="en-US" sz="2000" dirty="0" err="1">
+                <a:solidFill>
+                  <a:schemeClr val="bg1"/>
+                </a:solidFill>
+              </a:rPr>
+              <a:t>your_tenant_id</a:t>
+            </a:r>
+            <a:endParaRPr lang="en-US" sz="2000" dirty="0">
+              <a:solidFill>
+                <a:schemeClr val="bg1"/>
+              </a:solidFill>
+            </a:endParaRPr>
+          </a:p>
+          <a:p>
+            <a:r>
+              <a:rPr lang="en-US" sz="2000" dirty="0">
+                <a:solidFill>
+                  <a:schemeClr val="bg1"/>
+                </a:solidFill>
+              </a:rPr>
+              <a:t>export </a:t>
+            </a:r>
+            <a:r>
+              <a:rPr lang="en-US" sz="2000" dirty="0" err="1">
+                <a:solidFill>
+                  <a:schemeClr val="bg1"/>
+                </a:solidFill>
+              </a:rPr>
+              <a:t>TF_VAR_client_id</a:t>
+            </a:r>
+            <a:r>
+              <a:rPr lang="en-US" sz="2000" dirty="0">
+                <a:solidFill>
+                  <a:schemeClr val="bg1"/>
+                </a:solidFill>
+              </a:rPr>
+              <a:t>=</a:t>
+            </a:r>
+            <a:r>
+              <a:rPr lang="en-US" sz="2000" dirty="0" err="1">
+                <a:solidFill>
+                  <a:schemeClr val="bg1"/>
+                </a:solidFill>
+              </a:rPr>
+              <a:t>your_appId</a:t>
+            </a:r>
+            <a:endParaRPr lang="en-US" sz="2000" dirty="0">
+              <a:solidFill>
+                <a:schemeClr val="bg1"/>
+              </a:solidFill>
+            </a:endParaRPr>
+          </a:p>
+          <a:p>
+            <a:r>
+              <a:rPr lang="en-US" sz="2000" dirty="0">
+                <a:solidFill>
+                  <a:schemeClr val="bg1"/>
+                </a:solidFill>
+              </a:rPr>
+              <a:t>export </a:t>
+            </a:r>
+            <a:r>
+              <a:rPr lang="en-US" sz="2000" dirty="0" err="1">
+                <a:solidFill>
+                  <a:schemeClr val="bg1"/>
+                </a:solidFill>
+              </a:rPr>
+              <a:t>TF_VAR_client_secret</a:t>
+            </a:r>
+            <a:r>
+              <a:rPr lang="en-US" sz="2000" dirty="0">
+                <a:solidFill>
+                  <a:schemeClr val="bg1"/>
+                </a:solidFill>
+              </a:rPr>
+              <a:t>=</a:t>
+            </a:r>
+            <a:r>
+              <a:rPr lang="en-US" sz="2000" dirty="0" err="1">
+                <a:solidFill>
+                  <a:schemeClr val="bg1"/>
+                </a:solidFill>
+              </a:rPr>
+              <a:t>your_password</a:t>
+            </a:r>
+            <a:endParaRPr lang="en-BE" sz="2000" dirty="0">
+              <a:solidFill>
+                <a:schemeClr val="bg1"/>
+              </a:solidFill>
+            </a:endParaRPr>
+          </a:p>
         </p:txBody>
       </p:sp>
     </p:spTree>
     <p:extLst>
       <p:ext uri="{BB962C8B-B14F-4D97-AF65-F5344CB8AC3E}">
-        <p14:creationId xmlns:p14="http://schemas.microsoft.com/office/powerpoint/2010/main" val="315382402"/>
+        <p14:creationId xmlns:p14="http://schemas.microsoft.com/office/powerpoint/2010/main" val="2737872920"/>
       </p:ext>
     </p:extLst>
   </p:cSld>
@@ -5994,7 +6049,7 @@
             <a:pPr algn="ctr"/>
             <a:r>
               <a:rPr lang="en-US" sz="2600" dirty="0"/>
-              <a:t>AKS</a:t>
+              <a:t>Test</a:t>
             </a:r>
             <a:endParaRPr lang="en-BE" sz="2600" dirty="0"/>
           </a:p>
@@ -6051,7 +6106,7 @@
                   <a:schemeClr val="bg1"/>
                 </a:solidFill>
               </a:rPr>
-              <a:t>Copy terraform-aks-k8s</a:t>
+              <a:t>Copy test directory</a:t>
             </a:r>
           </a:p>
           <a:p>
@@ -6061,7 +6116,7 @@
                   <a:schemeClr val="bg1"/>
                 </a:solidFill>
               </a:rPr>
-              <a:t>Cd terraform-aks-k8s</a:t>
+              <a:t>Cd test</a:t>
             </a:r>
           </a:p>
           <a:p>
@@ -6071,97 +6126,31 @@
                   <a:schemeClr val="bg1"/>
                 </a:solidFill>
               </a:rPr>
-              <a:t>Set variables</a:t>
-            </a:r>
-          </a:p>
-          <a:p>
-            <a:pPr lvl="1"/>
-            <a:r>
-              <a:rPr lang="en-US" sz="1600" dirty="0">
-                <a:solidFill>
-                  <a:schemeClr val="bg1"/>
-                </a:solidFill>
-              </a:rPr>
-              <a:t>RG_STATE_FILES=rg-k8s-state</a:t>
-            </a:r>
-          </a:p>
-          <a:p>
-            <a:pPr lvl="1"/>
-            <a:r>
-              <a:rPr lang="en-US" sz="1600" dirty="0">
-                <a:solidFill>
-                  <a:schemeClr val="bg1"/>
-                </a:solidFill>
-              </a:rPr>
-              <a:t>DEF_LOCATION=</a:t>
-            </a:r>
-            <a:r>
-              <a:rPr lang="en-US" sz="1600" dirty="0" err="1">
-                <a:solidFill>
-                  <a:schemeClr val="bg1"/>
-                </a:solidFill>
-              </a:rPr>
-              <a:t>westeurope</a:t>
-            </a:r>
+              <a:t>Terraform </a:t>
+            </a:r>
+            <a:r>
+              <a:rPr lang="en-US" sz="2000" dirty="0" err="1">
+                <a:solidFill>
+                  <a:schemeClr val="bg1"/>
+                </a:solidFill>
+              </a:rPr>
+              <a:t>init</a:t>
+            </a:r>
+            <a:endParaRPr lang="en-US" sz="2000" dirty="0"/>
+          </a:p>
+          <a:p>
             <a:endParaRPr lang="en-US" sz="1600" dirty="0">
               <a:solidFill>
                 <a:schemeClr val="bg1"/>
               </a:solidFill>
             </a:endParaRPr>
           </a:p>
-          <a:p>
-            <a:pPr lvl="1"/>
-            <a:r>
-              <a:rPr lang="en-US" sz="1600" dirty="0">
-                <a:solidFill>
-                  <a:schemeClr val="bg1"/>
-                </a:solidFill>
-              </a:rPr>
-              <a:t>ST_ACCOUNT=k8sstorage123</a:t>
-            </a:r>
-          </a:p>
-          <a:p>
-            <a:r>
-              <a:rPr lang="en-US" sz="2000" dirty="0">
-                <a:solidFill>
-                  <a:schemeClr val="bg1"/>
-                </a:solidFill>
-              </a:rPr>
-              <a:t>Create Resource Group</a:t>
-            </a:r>
-          </a:p>
-          <a:p>
-            <a:pPr lvl="1"/>
-            <a:r>
-              <a:rPr lang="en-US" sz="1600" dirty="0" err="1">
-                <a:solidFill>
-                  <a:schemeClr val="bg1"/>
-                </a:solidFill>
-              </a:rPr>
-              <a:t>az</a:t>
-            </a:r>
-            <a:r>
-              <a:rPr lang="en-US" sz="1600" dirty="0">
-                <a:solidFill>
-                  <a:schemeClr val="bg1"/>
-                </a:solidFill>
-              </a:rPr>
-              <a:t> group create -n $RG_STATE_FILES -l $DEF_LOCATION</a:t>
-            </a:r>
-          </a:p>
-          <a:p>
-            <a:endParaRPr lang="en-US" sz="2000" dirty="0">
-              <a:solidFill>
-                <a:schemeClr val="bg1"/>
-              </a:solidFill>
-            </a:endParaRPr>
-          </a:p>
         </p:txBody>
       </p:sp>
     </p:spTree>
     <p:extLst>
       <p:ext uri="{BB962C8B-B14F-4D97-AF65-F5344CB8AC3E}">
-        <p14:creationId xmlns:p14="http://schemas.microsoft.com/office/powerpoint/2010/main" val="3251982746"/>
+        <p14:creationId xmlns:p14="http://schemas.microsoft.com/office/powerpoint/2010/main" val="315382402"/>
       </p:ext>
     </p:extLst>
   </p:cSld>
@@ -6465,50 +6454,74 @@
                   <a:schemeClr val="bg1"/>
                 </a:solidFill>
               </a:rPr>
-              <a:t>Create Storage Account</a:t>
+              <a:t>See </a:t>
+            </a:r>
+            <a:r>
+              <a:rPr lang="en-US" sz="1600" dirty="0">
+                <a:hlinkClick r:id="rId2"/>
+              </a:rPr>
+              <a:t>https://github.com/sujithq/mini-workshop-tf</a:t>
+            </a:r>
+            <a:endParaRPr lang="en-US" sz="1600" dirty="0"/>
+          </a:p>
+          <a:p>
+            <a:r>
+              <a:rPr lang="en-US" sz="2000" dirty="0">
+                <a:solidFill>
+                  <a:schemeClr val="bg1"/>
+                </a:solidFill>
+              </a:rPr>
+              <a:t>Copy terraform-aks-k8s</a:t>
+            </a:r>
+          </a:p>
+          <a:p>
+            <a:r>
+              <a:rPr lang="en-US" sz="2000" dirty="0">
+                <a:solidFill>
+                  <a:schemeClr val="bg1"/>
+                </a:solidFill>
+              </a:rPr>
+              <a:t>Cd terraform-aks-k8s</a:t>
+            </a:r>
+          </a:p>
+          <a:p>
+            <a:r>
+              <a:rPr lang="en-US" sz="2000" dirty="0">
+                <a:solidFill>
+                  <a:schemeClr val="bg1"/>
+                </a:solidFill>
+              </a:rPr>
+              <a:t>Set variables</a:t>
             </a:r>
           </a:p>
           <a:p>
             <a:pPr lvl="1"/>
             <a:r>
+              <a:rPr lang="en-US" sz="1600" dirty="0">
+                <a:solidFill>
+                  <a:schemeClr val="bg1"/>
+                </a:solidFill>
+              </a:rPr>
+              <a:t>RG_STATE_FILES=rg-k8s-state</a:t>
+            </a:r>
+          </a:p>
+          <a:p>
+            <a:pPr lvl="1"/>
+            <a:r>
+              <a:rPr lang="en-US" sz="1600" dirty="0">
+                <a:solidFill>
+                  <a:schemeClr val="bg1"/>
+                </a:solidFill>
+              </a:rPr>
+              <a:t>DEF_LOCATION=</a:t>
+            </a:r>
+            <a:r>
               <a:rPr lang="en-US" sz="1600" dirty="0" err="1">
                 <a:solidFill>
                   <a:schemeClr val="bg1"/>
                 </a:solidFill>
               </a:rPr>
-              <a:t>az</a:t>
-            </a:r>
-            <a:r>
-              <a:rPr lang="en-US" sz="1600" dirty="0">
-                <a:solidFill>
-                  <a:schemeClr val="bg1"/>
-                </a:solidFill>
-              </a:rPr>
-              <a:t> storage account create -n $ST_ACCOUNT -g $RG_STATE_FILES -l $DEF_LOCATION --</a:t>
-            </a:r>
-            <a:r>
-              <a:rPr lang="en-US" sz="1600" dirty="0" err="1">
-                <a:solidFill>
-                  <a:schemeClr val="bg1"/>
-                </a:solidFill>
-              </a:rPr>
-              <a:t>sku</a:t>
-            </a:r>
-            <a:r>
-              <a:rPr lang="en-US" sz="1600" dirty="0">
-                <a:solidFill>
-                  <a:schemeClr val="bg1"/>
-                </a:solidFill>
-              </a:rPr>
-              <a:t> </a:t>
-            </a:r>
-            <a:r>
-              <a:rPr lang="en-US" sz="1600" dirty="0" err="1">
-                <a:solidFill>
-                  <a:schemeClr val="bg1"/>
-                </a:solidFill>
-              </a:rPr>
-              <a:t>Standard_LRS</a:t>
+              <a:t>westeurope</a:t>
             </a:r>
             <a:endParaRPr lang="en-US" sz="1600" dirty="0">
               <a:solidFill>
@@ -6517,194 +6530,58 @@
             </a:endParaRPr>
           </a:p>
           <a:p>
+            <a:pPr lvl="1"/>
+            <a:r>
+              <a:rPr lang="en-US" sz="1600" dirty="0">
+                <a:solidFill>
+                  <a:schemeClr val="bg1"/>
+                </a:solidFill>
+              </a:rPr>
+              <a:t>ST_ACCOUNT=k8sstorage123</a:t>
+            </a:r>
+          </a:p>
+          <a:p>
             <a:r>
               <a:rPr lang="en-US" sz="2000" dirty="0">
                 <a:solidFill>
                   <a:schemeClr val="bg1"/>
                 </a:solidFill>
               </a:rPr>
-              <a:t>Get access key</a:t>
+              <a:t>Create Resource Group</a:t>
             </a:r>
           </a:p>
           <a:p>
             <a:pPr lvl="1"/>
             <a:r>
+              <a:rPr lang="en-US" sz="1600" dirty="0" err="1">
+                <a:solidFill>
+                  <a:schemeClr val="bg1"/>
+                </a:solidFill>
+              </a:rPr>
+              <a:t>az</a:t>
+            </a:r>
+            <a:r>
               <a:rPr lang="en-US" sz="1600" dirty="0">
                 <a:solidFill>
                   <a:schemeClr val="bg1"/>
                 </a:solidFill>
               </a:rPr>
-              <a:t>KEY=$(echo $(</a:t>
-            </a:r>
-            <a:r>
-              <a:rPr lang="en-US" sz="1600" dirty="0" err="1">
-                <a:solidFill>
-                  <a:schemeClr val="bg1"/>
-                </a:solidFill>
-              </a:rPr>
-              <a:t>az</a:t>
-            </a:r>
-            <a:r>
-              <a:rPr lang="en-US" sz="1600" dirty="0">
-                <a:solidFill>
-                  <a:schemeClr val="bg1"/>
-                </a:solidFill>
-              </a:rPr>
-              <a:t> storage account keys list -g $RG_STATE_FILES -n $ST_ACCOUNT --query "[0].value") | tr -d '“’)</a:t>
-            </a:r>
-          </a:p>
-          <a:p>
-            <a:r>
-              <a:rPr lang="en-US" sz="2000" dirty="0">
-                <a:solidFill>
-                  <a:schemeClr val="bg1"/>
-                </a:solidFill>
-              </a:rPr>
-              <a:t>Create container</a:t>
-            </a:r>
-          </a:p>
-          <a:p>
-            <a:pPr lvl="1"/>
-            <a:r>
-              <a:rPr lang="en-US" sz="1600" dirty="0" err="1">
-                <a:solidFill>
-                  <a:schemeClr val="bg1"/>
-                </a:solidFill>
-              </a:rPr>
-              <a:t>az</a:t>
-            </a:r>
-            <a:r>
-              <a:rPr lang="en-US" sz="1600" dirty="0">
-                <a:solidFill>
-                  <a:schemeClr val="bg1"/>
-                </a:solidFill>
-              </a:rPr>
-              <a:t> storage container create -n </a:t>
-            </a:r>
-            <a:r>
-              <a:rPr lang="en-US" sz="1600" dirty="0" err="1">
-                <a:solidFill>
-                  <a:schemeClr val="bg1"/>
-                </a:solidFill>
-              </a:rPr>
-              <a:t>tfstate</a:t>
-            </a:r>
-            <a:r>
-              <a:rPr lang="en-US" sz="1600" dirty="0">
-                <a:solidFill>
-                  <a:schemeClr val="bg1"/>
-                </a:solidFill>
-              </a:rPr>
-              <a:t> --account-name $ST_ACCOUNT --account-key $KEY</a:t>
-            </a:r>
-          </a:p>
-          <a:p>
-            <a:r>
-              <a:rPr lang="en-US" sz="2000" dirty="0">
-                <a:solidFill>
-                  <a:schemeClr val="bg1"/>
-                </a:solidFill>
-              </a:rPr>
-              <a:t>Initialize TF</a:t>
-            </a:r>
-          </a:p>
-          <a:p>
-            <a:pPr lvl="1"/>
-            <a:r>
-              <a:rPr lang="en-US" sz="1600" dirty="0">
-                <a:solidFill>
-                  <a:schemeClr val="bg1"/>
-                </a:solidFill>
-              </a:rPr>
-              <a:t>terraform </a:t>
-            </a:r>
-            <a:r>
-              <a:rPr lang="en-US" sz="1600" dirty="0" err="1">
-                <a:solidFill>
-                  <a:schemeClr val="bg1"/>
-                </a:solidFill>
-              </a:rPr>
-              <a:t>init</a:t>
-            </a:r>
-            <a:r>
-              <a:rPr lang="en-US" sz="1600" dirty="0">
-                <a:solidFill>
-                  <a:schemeClr val="bg1"/>
-                </a:solidFill>
-              </a:rPr>
-              <a:t> -backend-config="</a:t>
-            </a:r>
-            <a:r>
-              <a:rPr lang="en-US" sz="1600" dirty="0" err="1">
-                <a:solidFill>
-                  <a:schemeClr val="bg1"/>
-                </a:solidFill>
-              </a:rPr>
-              <a:t>storage_account_name</a:t>
-            </a:r>
-            <a:r>
-              <a:rPr lang="en-US" sz="1600" dirty="0">
-                <a:solidFill>
-                  <a:schemeClr val="bg1"/>
-                </a:solidFill>
-              </a:rPr>
-              <a:t>=$ST_ACCOUNT" -backend-config="</a:t>
-            </a:r>
-            <a:r>
-              <a:rPr lang="en-US" sz="1600" dirty="0" err="1">
-                <a:solidFill>
-                  <a:schemeClr val="bg1"/>
-                </a:solidFill>
-              </a:rPr>
-              <a:t>container_name</a:t>
-            </a:r>
-            <a:r>
-              <a:rPr lang="en-US" sz="1600" dirty="0">
-                <a:solidFill>
-                  <a:schemeClr val="bg1"/>
-                </a:solidFill>
-              </a:rPr>
-              <a:t>=</a:t>
-            </a:r>
-            <a:r>
-              <a:rPr lang="en-US" sz="1600" dirty="0" err="1">
-                <a:solidFill>
-                  <a:schemeClr val="bg1"/>
-                </a:solidFill>
-              </a:rPr>
-              <a:t>tfstate</a:t>
-            </a:r>
-            <a:r>
-              <a:rPr lang="en-US" sz="1600" dirty="0">
-                <a:solidFill>
-                  <a:schemeClr val="bg1"/>
-                </a:solidFill>
-              </a:rPr>
-              <a:t>" -backend-config="</a:t>
-            </a:r>
-            <a:r>
-              <a:rPr lang="en-US" sz="1600" dirty="0" err="1">
-                <a:solidFill>
-                  <a:schemeClr val="bg1"/>
-                </a:solidFill>
-              </a:rPr>
-              <a:t>access_key</a:t>
-            </a:r>
-            <a:r>
-              <a:rPr lang="en-US" sz="1600" dirty="0">
-                <a:solidFill>
-                  <a:schemeClr val="bg1"/>
-                </a:solidFill>
-              </a:rPr>
-              <a:t>=$KEY" -backend-config="key=k8s.tfstate"</a:t>
-            </a:r>
+              <a:t> group create -n $RG_STATE_FILES -l $DEF_LOCATION</a:t>
+            </a:r>
+          </a:p>
+          <a:p>
+            <a:endParaRPr lang="en-US" sz="2000" dirty="0">
+              <a:solidFill>
+                <a:schemeClr val="bg1"/>
+              </a:solidFill>
+            </a:endParaRPr>
           </a:p>
         </p:txBody>
       </p:sp>
     </p:spTree>
     <p:extLst>
       <p:ext uri="{BB962C8B-B14F-4D97-AF65-F5344CB8AC3E}">
-        <p14:creationId xmlns:p14="http://schemas.microsoft.com/office/powerpoint/2010/main" val="3943015498"/>
+        <p14:creationId xmlns:p14="http://schemas.microsoft.com/office/powerpoint/2010/main" val="3251982746"/>
       </p:ext>
     </p:extLst>
   </p:cSld>
@@ -7008,6 +6885,549 @@
                   <a:schemeClr val="bg1"/>
                 </a:solidFill>
               </a:rPr>
+              <a:t>Create Storage Account</a:t>
+            </a:r>
+          </a:p>
+          <a:p>
+            <a:pPr lvl="1"/>
+            <a:r>
+              <a:rPr lang="en-US" sz="1600" dirty="0" err="1">
+                <a:solidFill>
+                  <a:schemeClr val="bg1"/>
+                </a:solidFill>
+              </a:rPr>
+              <a:t>az</a:t>
+            </a:r>
+            <a:r>
+              <a:rPr lang="en-US" sz="1600" dirty="0">
+                <a:solidFill>
+                  <a:schemeClr val="bg1"/>
+                </a:solidFill>
+              </a:rPr>
+              <a:t> storage account create -n $ST_ACCOUNT -g $RG_STATE_FILES -l $DEF_LOCATION --</a:t>
+            </a:r>
+            <a:r>
+              <a:rPr lang="en-US" sz="1600" dirty="0" err="1">
+                <a:solidFill>
+                  <a:schemeClr val="bg1"/>
+                </a:solidFill>
+              </a:rPr>
+              <a:t>sku</a:t>
+            </a:r>
+            <a:r>
+              <a:rPr lang="en-US" sz="1600" dirty="0">
+                <a:solidFill>
+                  <a:schemeClr val="bg1"/>
+                </a:solidFill>
+              </a:rPr>
+              <a:t> </a:t>
+            </a:r>
+            <a:r>
+              <a:rPr lang="en-US" sz="1600" dirty="0" err="1">
+                <a:solidFill>
+                  <a:schemeClr val="bg1"/>
+                </a:solidFill>
+              </a:rPr>
+              <a:t>Standard_LRS</a:t>
+            </a:r>
+            <a:endParaRPr lang="en-US" sz="1600" dirty="0">
+              <a:solidFill>
+                <a:schemeClr val="bg1"/>
+              </a:solidFill>
+            </a:endParaRPr>
+          </a:p>
+          <a:p>
+            <a:r>
+              <a:rPr lang="en-US" sz="2000" dirty="0">
+                <a:solidFill>
+                  <a:schemeClr val="bg1"/>
+                </a:solidFill>
+              </a:rPr>
+              <a:t>Get access key</a:t>
+            </a:r>
+          </a:p>
+          <a:p>
+            <a:pPr lvl="1"/>
+            <a:r>
+              <a:rPr lang="en-US" sz="1600" dirty="0">
+                <a:solidFill>
+                  <a:schemeClr val="bg1"/>
+                </a:solidFill>
+              </a:rPr>
+              <a:t>KEY=$(echo $(</a:t>
+            </a:r>
+            <a:r>
+              <a:rPr lang="en-US" sz="1600" dirty="0" err="1">
+                <a:solidFill>
+                  <a:schemeClr val="bg1"/>
+                </a:solidFill>
+              </a:rPr>
+              <a:t>az</a:t>
+            </a:r>
+            <a:r>
+              <a:rPr lang="en-US" sz="1600" dirty="0">
+                <a:solidFill>
+                  <a:schemeClr val="bg1"/>
+                </a:solidFill>
+              </a:rPr>
+              <a:t> storage account keys list -g $RG_STATE_FILES -n $ST_ACCOUNT --query "[0].value") | tr -d '“’)</a:t>
+            </a:r>
+          </a:p>
+          <a:p>
+            <a:r>
+              <a:rPr lang="en-US" sz="2000" dirty="0">
+                <a:solidFill>
+                  <a:schemeClr val="bg1"/>
+                </a:solidFill>
+              </a:rPr>
+              <a:t>Create container</a:t>
+            </a:r>
+          </a:p>
+          <a:p>
+            <a:pPr lvl="1"/>
+            <a:r>
+              <a:rPr lang="en-US" sz="1600" dirty="0" err="1">
+                <a:solidFill>
+                  <a:schemeClr val="bg1"/>
+                </a:solidFill>
+              </a:rPr>
+              <a:t>az</a:t>
+            </a:r>
+            <a:r>
+              <a:rPr lang="en-US" sz="1600" dirty="0">
+                <a:solidFill>
+                  <a:schemeClr val="bg1"/>
+                </a:solidFill>
+              </a:rPr>
+              <a:t> storage container create -n </a:t>
+            </a:r>
+            <a:r>
+              <a:rPr lang="en-US" sz="1600" dirty="0" err="1">
+                <a:solidFill>
+                  <a:schemeClr val="bg1"/>
+                </a:solidFill>
+              </a:rPr>
+              <a:t>tfstate</a:t>
+            </a:r>
+            <a:r>
+              <a:rPr lang="en-US" sz="1600" dirty="0">
+                <a:solidFill>
+                  <a:schemeClr val="bg1"/>
+                </a:solidFill>
+              </a:rPr>
+              <a:t> --account-name $ST_ACCOUNT --account-key $KEY</a:t>
+            </a:r>
+          </a:p>
+          <a:p>
+            <a:r>
+              <a:rPr lang="en-US" sz="2000" dirty="0">
+                <a:solidFill>
+                  <a:schemeClr val="bg1"/>
+                </a:solidFill>
+              </a:rPr>
+              <a:t>Initialize TF</a:t>
+            </a:r>
+          </a:p>
+          <a:p>
+            <a:pPr lvl="1"/>
+            <a:r>
+              <a:rPr lang="en-US" sz="1600" dirty="0">
+                <a:solidFill>
+                  <a:schemeClr val="bg1"/>
+                </a:solidFill>
+              </a:rPr>
+              <a:t>terraform </a:t>
+            </a:r>
+            <a:r>
+              <a:rPr lang="en-US" sz="1600" dirty="0" err="1">
+                <a:solidFill>
+                  <a:schemeClr val="bg1"/>
+                </a:solidFill>
+              </a:rPr>
+              <a:t>init</a:t>
+            </a:r>
+            <a:r>
+              <a:rPr lang="en-US" sz="1600" dirty="0">
+                <a:solidFill>
+                  <a:schemeClr val="bg1"/>
+                </a:solidFill>
+              </a:rPr>
+              <a:t> -backend-config="</a:t>
+            </a:r>
+            <a:r>
+              <a:rPr lang="en-US" sz="1600" dirty="0" err="1">
+                <a:solidFill>
+                  <a:schemeClr val="bg1"/>
+                </a:solidFill>
+              </a:rPr>
+              <a:t>storage_account_name</a:t>
+            </a:r>
+            <a:r>
+              <a:rPr lang="en-US" sz="1600" dirty="0">
+                <a:solidFill>
+                  <a:schemeClr val="bg1"/>
+                </a:solidFill>
+              </a:rPr>
+              <a:t>=$ST_ACCOUNT" -backend-config="</a:t>
+            </a:r>
+            <a:r>
+              <a:rPr lang="en-US" sz="1600" dirty="0" err="1">
+                <a:solidFill>
+                  <a:schemeClr val="bg1"/>
+                </a:solidFill>
+              </a:rPr>
+              <a:t>container_name</a:t>
+            </a:r>
+            <a:r>
+              <a:rPr lang="en-US" sz="1600" dirty="0">
+                <a:solidFill>
+                  <a:schemeClr val="bg1"/>
+                </a:solidFill>
+              </a:rPr>
+              <a:t>=</a:t>
+            </a:r>
+            <a:r>
+              <a:rPr lang="en-US" sz="1600" dirty="0" err="1">
+                <a:solidFill>
+                  <a:schemeClr val="bg1"/>
+                </a:solidFill>
+              </a:rPr>
+              <a:t>tfstate</a:t>
+            </a:r>
+            <a:r>
+              <a:rPr lang="en-US" sz="1600" dirty="0">
+                <a:solidFill>
+                  <a:schemeClr val="bg1"/>
+                </a:solidFill>
+              </a:rPr>
+              <a:t>" -backend-config="</a:t>
+            </a:r>
+            <a:r>
+              <a:rPr lang="en-US" sz="1600" dirty="0" err="1">
+                <a:solidFill>
+                  <a:schemeClr val="bg1"/>
+                </a:solidFill>
+              </a:rPr>
+              <a:t>access_key</a:t>
+            </a:r>
+            <a:r>
+              <a:rPr lang="en-US" sz="1600" dirty="0">
+                <a:solidFill>
+                  <a:schemeClr val="bg1"/>
+                </a:solidFill>
+              </a:rPr>
+              <a:t>=$KEY" -backend-config="key=k8s.tfstate"</a:t>
+            </a:r>
+          </a:p>
+        </p:txBody>
+      </p:sp>
+    </p:spTree>
+    <p:extLst>
+      <p:ext uri="{BB962C8B-B14F-4D97-AF65-F5344CB8AC3E}">
+        <p14:creationId xmlns:p14="http://schemas.microsoft.com/office/powerpoint/2010/main" val="3943015498"/>
+      </p:ext>
+    </p:extLst>
+  </p:cSld>
+  <p:clrMapOvr>
+    <a:masterClrMapping/>
+  </p:clrMapOvr>
+</p:sld>
+</file>
+
+<file path=ppt/slides/slide16.xml><?xml version="1.0" encoding="utf-8"?>
+<p:sld xmlns:a="http://schemas.openxmlformats.org/drawingml/2006/main" xmlns:r="http://schemas.openxmlformats.org/officeDocument/2006/relationships" xmlns:p="http://schemas.openxmlformats.org/presentationml/2006/main">
+  <p:cSld>
+    <p:bg>
+      <p:bgPr>
+        <a:solidFill>
+          <a:schemeClr val="bg1"/>
+        </a:solidFill>
+        <a:effectLst/>
+      </p:bgPr>
+    </p:bg>
+    <p:spTree>
+      <p:nvGrpSpPr>
+        <p:cNvPr id="1" name=""/>
+        <p:cNvGrpSpPr/>
+        <p:nvPr/>
+      </p:nvGrpSpPr>
+      <p:grpSpPr>
+        <a:xfrm>
+          <a:off x="0" y="0"/>
+          <a:ext cx="0" cy="0"/>
+          <a:chOff x="0" y="0"/>
+          <a:chExt cx="0" cy="0"/>
+        </a:xfrm>
+      </p:grpSpPr>
+      <p:sp>
+        <p:nvSpPr>
+          <p:cNvPr id="5" name="Rectangle 7">
+            <a:extLst>
+              <a:ext uri="{FF2B5EF4-FFF2-40B4-BE49-F238E27FC236}">
+                <a16:creationId xmlns:a16="http://schemas.microsoft.com/office/drawing/2014/main" id="{02D886F1-CB4A-4FC1-AAA7-9402B0D0DDDD}"/>
+              </a:ext>
+              <a:ext uri="{C183D7F6-B498-43B3-948B-1728B52AA6E4}">
+                <adec:decorative xmlns:adec="http://schemas.microsoft.com/office/drawing/2017/decorative" val="1"/>
+              </a:ext>
+            </a:extLst>
+          </p:cNvPr>
+          <p:cNvSpPr>
+            <a:spLocks noGrp="1" noRot="1" noChangeAspect="1" noMove="1" noResize="1" noEditPoints="1" noAdjustHandles="1" noChangeArrowheads="1" noChangeShapeType="1" noTextEdit="1"/>
+          </p:cNvSpPr>
+          <p:nvPr>
+            <p:extLst>
+              <p:ext uri="{386F3935-93C4-4BCD-93E2-E3B085C9AB24}">
+                <p16:designElem xmlns:p16="http://schemas.microsoft.com/office/powerpoint/2015/main" val="1"/>
+              </p:ext>
+            </p:extLst>
+          </p:nvPr>
+        </p:nvSpPr>
+        <p:spPr>
+          <a:xfrm>
+            <a:off x="0" y="0"/>
+            <a:ext cx="2013557" cy="6858000"/>
+          </a:xfrm>
+          <a:prstGeom prst="rect">
+            <a:avLst/>
+          </a:prstGeom>
+          <a:solidFill>
+            <a:srgbClr val="7F7F7F"/>
+          </a:solidFill>
+          <a:ln>
+            <a:noFill/>
+          </a:ln>
+        </p:spPr>
+        <p:style>
+          <a:lnRef idx="2">
+            <a:schemeClr val="accent1">
+              <a:shade val="50000"/>
+            </a:schemeClr>
+          </a:lnRef>
+          <a:fillRef idx="1">
+            <a:schemeClr val="accent1"/>
+          </a:fillRef>
+          <a:effectRef idx="0">
+            <a:schemeClr val="accent1"/>
+          </a:effectRef>
+          <a:fontRef idx="minor">
+            <a:schemeClr val="lt1"/>
+          </a:fontRef>
+        </p:style>
+        <p:txBody>
+          <a:bodyPr rtlCol="0" anchor="ctr"/>
+          <a:lstStyle/>
+          <a:p>
+            <a:pPr marL="0" marR="0" lvl="0" indent="0" algn="ctr" defTabSz="914400" rtl="0" eaLnBrk="1" fontAlgn="auto" latinLnBrk="0" hangingPunct="1">
+              <a:lnSpc>
+                <a:spcPct val="100000"/>
+              </a:lnSpc>
+              <a:spcBef>
+                <a:spcPts val="0"/>
+              </a:spcBef>
+              <a:spcAft>
+                <a:spcPts val="0"/>
+              </a:spcAft>
+              <a:buClrTx/>
+              <a:buSzTx/>
+              <a:buFontTx/>
+              <a:buNone/>
+              <a:tabLst/>
+              <a:defRPr/>
+            </a:pPr>
+            <a:endParaRPr kumimoji="0" lang="en-US" sz="1800" b="0" i="0" u="none" strike="noStrike" kern="1200" cap="none" spc="0" normalizeH="0" baseline="0" noProof="0">
+              <a:ln>
+                <a:noFill/>
+              </a:ln>
+              <a:solidFill>
+                <a:prstClr val="white"/>
+              </a:solidFill>
+              <a:effectLst/>
+              <a:uLnTx/>
+              <a:uFillTx/>
+              <a:latin typeface="Calibri" panose="020F0502020204030204"/>
+              <a:ea typeface="+mn-ea"/>
+              <a:cs typeface="+mn-cs"/>
+            </a:endParaRPr>
+          </a:p>
+        </p:txBody>
+      </p:sp>
+      <p:sp>
+        <p:nvSpPr>
+          <p:cNvPr id="6" name="Rectangle 9">
+            <a:extLst>
+              <a:ext uri="{FF2B5EF4-FFF2-40B4-BE49-F238E27FC236}">
+                <a16:creationId xmlns:a16="http://schemas.microsoft.com/office/drawing/2014/main" id="{762B7B97-C3EE-4AEE-A61F-AFA873FE2FCA}"/>
+              </a:ext>
+              <a:ext uri="{C183D7F6-B498-43B3-948B-1728B52AA6E4}">
+                <adec:decorative xmlns:adec="http://schemas.microsoft.com/office/drawing/2017/decorative" val="1"/>
+              </a:ext>
+            </a:extLst>
+          </p:cNvPr>
+          <p:cNvSpPr>
+            <a:spLocks noGrp="1" noRot="1" noChangeAspect="1" noMove="1" noResize="1" noEditPoints="1" noAdjustHandles="1" noChangeArrowheads="1" noChangeShapeType="1" noTextEdit="1"/>
+          </p:cNvSpPr>
+          <p:nvPr>
+            <p:extLst>
+              <p:ext uri="{386F3935-93C4-4BCD-93E2-E3B085C9AB24}">
+                <p16:designElem xmlns:p16="http://schemas.microsoft.com/office/powerpoint/2015/main" val="1"/>
+              </p:ext>
+            </p:extLst>
+          </p:nvPr>
+        </p:nvSpPr>
+        <p:spPr>
+          <a:xfrm flipH="1">
+            <a:off x="2013557" y="0"/>
+            <a:ext cx="10178443" cy="6858000"/>
+          </a:xfrm>
+          <a:prstGeom prst="rect">
+            <a:avLst/>
+          </a:prstGeom>
+          <a:solidFill>
+            <a:schemeClr val="tx1">
+              <a:lumMod val="75000"/>
+              <a:lumOff val="25000"/>
+            </a:schemeClr>
+          </a:solidFill>
+          <a:ln>
+            <a:noFill/>
+          </a:ln>
+        </p:spPr>
+        <p:style>
+          <a:lnRef idx="2">
+            <a:schemeClr val="accent1">
+              <a:shade val="50000"/>
+            </a:schemeClr>
+          </a:lnRef>
+          <a:fillRef idx="1">
+            <a:schemeClr val="accent1"/>
+          </a:fillRef>
+          <a:effectRef idx="0">
+            <a:schemeClr val="accent1"/>
+          </a:effectRef>
+          <a:fontRef idx="minor">
+            <a:schemeClr val="lt1"/>
+          </a:fontRef>
+        </p:style>
+        <p:txBody>
+          <a:bodyPr rtlCol="0" anchor="ctr"/>
+          <a:lstStyle/>
+          <a:p>
+            <a:pPr marL="0" marR="0" lvl="0" indent="0" algn="ctr" defTabSz="914400" rtl="0" eaLnBrk="1" fontAlgn="auto" latinLnBrk="0" hangingPunct="1">
+              <a:lnSpc>
+                <a:spcPct val="100000"/>
+              </a:lnSpc>
+              <a:spcBef>
+                <a:spcPts val="0"/>
+              </a:spcBef>
+              <a:spcAft>
+                <a:spcPts val="0"/>
+              </a:spcAft>
+              <a:buClrTx/>
+              <a:buSzTx/>
+              <a:buFontTx/>
+              <a:buNone/>
+              <a:tabLst/>
+              <a:defRPr/>
+            </a:pPr>
+            <a:endParaRPr kumimoji="0" lang="en-US" sz="1800" b="0" i="0" u="none" strike="noStrike" kern="1200" cap="none" spc="0" normalizeH="0" baseline="0" noProof="0">
+              <a:ln>
+                <a:noFill/>
+              </a:ln>
+              <a:solidFill>
+                <a:prstClr val="white"/>
+              </a:solidFill>
+              <a:effectLst/>
+              <a:uLnTx/>
+              <a:uFillTx/>
+              <a:latin typeface="Calibri" panose="020F0502020204030204"/>
+              <a:ea typeface="+mn-ea"/>
+              <a:cs typeface="+mn-cs"/>
+            </a:endParaRPr>
+          </a:p>
+        </p:txBody>
+      </p:sp>
+      <p:sp>
+        <p:nvSpPr>
+          <p:cNvPr id="2" name="Title 1">
+            <a:extLst>
+              <a:ext uri="{FF2B5EF4-FFF2-40B4-BE49-F238E27FC236}">
+                <a16:creationId xmlns:a16="http://schemas.microsoft.com/office/drawing/2014/main" id="{4065E643-644B-4264-9737-B9286B85B6F4}"/>
+              </a:ext>
+            </a:extLst>
+          </p:cNvPr>
+          <p:cNvSpPr>
+            <a:spLocks noGrp="1"/>
+          </p:cNvSpPr>
+          <p:nvPr>
+            <p:ph type="title"/>
+          </p:nvPr>
+        </p:nvSpPr>
+        <p:spPr>
+          <a:xfrm>
+            <a:off x="623787" y="1635358"/>
+            <a:ext cx="2752344" cy="2706624"/>
+          </a:xfrm>
+          <a:prstGeom prst="ellipse">
+            <a:avLst/>
+          </a:prstGeom>
+          <a:solidFill>
+            <a:schemeClr val="bg1"/>
+          </a:solidFill>
+          <a:ln w="174625" cmpd="thinThick">
+            <a:solidFill>
+              <a:schemeClr val="bg1"/>
+            </a:solidFill>
+          </a:ln>
+        </p:spPr>
+        <p:txBody>
+          <a:bodyPr>
+            <a:normAutofit/>
+          </a:bodyPr>
+          <a:lstStyle/>
+          <a:p>
+            <a:pPr algn="ctr"/>
+            <a:r>
+              <a:rPr lang="en-US" sz="2600" dirty="0"/>
+              <a:t>AKS</a:t>
+            </a:r>
+            <a:endParaRPr lang="en-BE" sz="2600" dirty="0"/>
+          </a:p>
+        </p:txBody>
+      </p:sp>
+      <p:sp>
+        <p:nvSpPr>
+          <p:cNvPr id="3" name="Content Placeholder 2">
+            <a:extLst>
+              <a:ext uri="{FF2B5EF4-FFF2-40B4-BE49-F238E27FC236}">
+                <a16:creationId xmlns:a16="http://schemas.microsoft.com/office/drawing/2014/main" id="{BCB1466C-A01B-4335-B8D0-E83C6EDF00A3}"/>
+              </a:ext>
+            </a:extLst>
+          </p:cNvPr>
+          <p:cNvSpPr>
+            <a:spLocks noGrp="1"/>
+          </p:cNvSpPr>
+          <p:nvPr>
+            <p:ph idx="1"/>
+          </p:nvPr>
+        </p:nvSpPr>
+        <p:spPr>
+          <a:xfrm>
+            <a:off x="3608173" y="1088137"/>
+            <a:ext cx="8064843" cy="4941960"/>
+          </a:xfrm>
+        </p:spPr>
+        <p:txBody>
+          <a:bodyPr anchor="ctr">
+            <a:normAutofit/>
+          </a:bodyPr>
+          <a:lstStyle/>
+          <a:p>
+            <a:r>
+              <a:rPr lang="en-US" sz="2000" dirty="0">
+                <a:solidFill>
+                  <a:schemeClr val="bg1"/>
+                </a:solidFill>
+              </a:rPr>
               <a:t>Generate </a:t>
             </a:r>
             <a:r>
@@ -7145,7 +7565,7 @@
 </p:sld>
 </file>
 
-<file path=ppt/slides/slide16.xml><?xml version="1.0" encoding="utf-8"?>
+<file path=ppt/slides/slide17.xml><?xml version="1.0" encoding="utf-8"?>
 <p:sld xmlns:a="http://schemas.openxmlformats.org/drawingml/2006/main" xmlns:r="http://schemas.openxmlformats.org/officeDocument/2006/relationships" xmlns:p="http://schemas.openxmlformats.org/presentationml/2006/main">
   <p:cSld>
     <p:bg>
@@ -7854,7 +8274,7 @@
             <a:pPr algn="ctr"/>
             <a:r>
               <a:rPr lang="en-US" sz="2600" dirty="0"/>
-              <a:t>Structure</a:t>
+              <a:t>Agenda</a:t>
             </a:r>
             <a:endParaRPr lang="en-BE" sz="2600" dirty="0"/>
           </a:p>
@@ -7894,106 +8314,7 @@
                   <a:schemeClr val="bg1"/>
                 </a:solidFill>
               </a:rPr>
-              <a:t>Configuration</a:t>
-            </a:r>
-          </a:p>
-          <a:p>
-            <a:pPr lvl="1"/>
-            <a:r>
-              <a:rPr lang="en-US" sz="1600" dirty="0">
-                <a:solidFill>
-                  <a:schemeClr val="bg1"/>
-                </a:solidFill>
-              </a:rPr>
-              <a:t>Providers</a:t>
-            </a:r>
-          </a:p>
-          <a:p>
-            <a:pPr lvl="2"/>
-            <a:r>
-              <a:rPr lang="en-US" sz="1200" dirty="0">
-                <a:solidFill>
-                  <a:schemeClr val="bg1"/>
-                </a:solidFill>
-              </a:rPr>
-              <a:t>Azure</a:t>
-            </a:r>
-          </a:p>
-          <a:p>
-            <a:pPr lvl="2"/>
-            <a:r>
-              <a:rPr lang="en-US" sz="1200" dirty="0">
-                <a:solidFill>
-                  <a:schemeClr val="bg1"/>
-                </a:solidFill>
-              </a:rPr>
-              <a:t>Aws</a:t>
-            </a:r>
-          </a:p>
-          <a:p>
-            <a:pPr lvl="2"/>
-            <a:r>
-              <a:rPr lang="en-US" sz="1200" dirty="0">
-                <a:solidFill>
-                  <a:schemeClr val="bg1"/>
-                </a:solidFill>
-              </a:rPr>
-              <a:t>…</a:t>
-            </a:r>
-          </a:p>
-          <a:p>
-            <a:pPr lvl="1"/>
-            <a:r>
-              <a:rPr lang="en-US" sz="1600" dirty="0">
-                <a:solidFill>
-                  <a:schemeClr val="bg1"/>
-                </a:solidFill>
-              </a:rPr>
-              <a:t>Resources</a:t>
-            </a:r>
-          </a:p>
-          <a:p>
-            <a:pPr lvl="2"/>
-            <a:r>
-              <a:rPr lang="en-US" sz="1200" dirty="0">
-                <a:solidFill>
-                  <a:schemeClr val="bg1"/>
-                </a:solidFill>
-              </a:rPr>
-              <a:t>Resource Groups</a:t>
-            </a:r>
-          </a:p>
-          <a:p>
-            <a:pPr lvl="2"/>
-            <a:r>
-              <a:rPr lang="en-US" sz="1200" dirty="0">
-                <a:solidFill>
-                  <a:schemeClr val="bg1"/>
-                </a:solidFill>
-              </a:rPr>
-              <a:t>Storage Accounts</a:t>
-            </a:r>
-          </a:p>
-          <a:p>
-            <a:pPr lvl="2"/>
-            <a:r>
-              <a:rPr lang="en-US" sz="1200" dirty="0">
-                <a:solidFill>
-                  <a:schemeClr val="bg1"/>
-                </a:solidFill>
-              </a:rPr>
-              <a:t>AKS</a:t>
-            </a:r>
-          </a:p>
-          <a:p>
-            <a:pPr lvl="2"/>
-            <a:r>
-              <a:rPr lang="en-US" sz="1200" dirty="0">
-                <a:solidFill>
-                  <a:schemeClr val="bg1"/>
-                </a:solidFill>
-              </a:rPr>
-              <a:t>…</a:t>
+              <a:t>Intro</a:t>
             </a:r>
           </a:p>
           <a:p>
@@ -8003,81 +8324,7 @@
                   <a:schemeClr val="bg1"/>
                 </a:solidFill>
               </a:rPr>
-              <a:t>Initialization</a:t>
-            </a:r>
-          </a:p>
-          <a:p>
-            <a:pPr lvl="1"/>
-            <a:r>
-              <a:rPr lang="en-US" sz="1600" dirty="0">
-                <a:solidFill>
-                  <a:schemeClr val="bg1"/>
-                </a:solidFill>
-              </a:rPr>
-              <a:t>Install providers</a:t>
-            </a:r>
-          </a:p>
-          <a:p>
-            <a:r>
-              <a:rPr lang="en-US" sz="2000" dirty="0">
-                <a:solidFill>
-                  <a:schemeClr val="bg1"/>
-                </a:solidFill>
-              </a:rPr>
-              <a:t>Plan</a:t>
-            </a:r>
-          </a:p>
-          <a:p>
-            <a:pPr lvl="1"/>
-            <a:r>
-              <a:rPr lang="en-US" sz="1600" dirty="0">
-                <a:solidFill>
-                  <a:schemeClr val="bg1"/>
-                </a:solidFill>
-              </a:rPr>
-              <a:t>State Refresh</a:t>
-            </a:r>
-          </a:p>
-          <a:p>
-            <a:pPr lvl="1"/>
-            <a:r>
-              <a:rPr lang="en-US" sz="1600" dirty="0">
-                <a:solidFill>
-                  <a:schemeClr val="bg1"/>
-                </a:solidFill>
-              </a:rPr>
-              <a:t>Compare</a:t>
-            </a:r>
-          </a:p>
-          <a:p>
-            <a:r>
-              <a:rPr lang="en-US" sz="2000" dirty="0">
-                <a:solidFill>
-                  <a:schemeClr val="bg1"/>
-                </a:solidFill>
-              </a:rPr>
-              <a:t>Apply</a:t>
-            </a:r>
-          </a:p>
-          <a:p>
-            <a:pPr lvl="1"/>
-            <a:r>
-              <a:rPr lang="en-US" sz="1600" dirty="0">
-                <a:solidFill>
-                  <a:schemeClr val="bg1"/>
-                </a:solidFill>
-              </a:rPr>
-              <a:t>Provision resources</a:t>
-            </a:r>
-          </a:p>
-          <a:p>
-            <a:r>
-              <a:rPr lang="en-US" sz="2000" dirty="0">
-                <a:solidFill>
-                  <a:schemeClr val="bg1"/>
-                </a:solidFill>
-              </a:rPr>
-              <a:t>Destroy</a:t>
+              <a:t>Demo</a:t>
             </a:r>
             <a:endParaRPr lang="en-BE" sz="2000" dirty="0">
               <a:solidFill>
@@ -8330,8 +8577,8 @@
         </p:nvSpPr>
         <p:spPr>
           <a:xfrm>
-            <a:off x="623786" y="1635358"/>
-            <a:ext cx="2936831" cy="2978206"/>
+            <a:off x="623787" y="1635358"/>
+            <a:ext cx="2752344" cy="2706624"/>
           </a:xfrm>
           <a:prstGeom prst="ellipse">
             <a:avLst/>
@@ -8354,7 +8601,7 @@
             <a:pPr algn="ctr"/>
             <a:r>
               <a:rPr lang="en-US" sz="2600" dirty="0"/>
-              <a:t>Dependencies</a:t>
+              <a:t>Structure</a:t>
             </a:r>
             <a:endParaRPr lang="en-BE" sz="2600" dirty="0"/>
           </a:p>
@@ -8394,7 +8641,7 @@
                   <a:schemeClr val="bg1"/>
                 </a:solidFill>
               </a:rPr>
-              <a:t>Refer to previously created resources</a:t>
+              <a:t>Configuration</a:t>
             </a:r>
           </a:p>
           <a:p>
@@ -8405,7 +8652,40 @@
                   <a:schemeClr val="bg1"/>
                 </a:solidFill>
               </a:rPr>
-              <a:t>Use location from resource group</a:t>
+              <a:t>Providers</a:t>
+            </a:r>
+          </a:p>
+          <a:p>
+            <a:pPr lvl="2"/>
+            <a:r>
+              <a:rPr lang="en-US" sz="1200" dirty="0">
+                <a:solidFill>
+                  <a:schemeClr val="bg1"/>
+                </a:solidFill>
+              </a:rPr>
+              <a:t>Azure</a:t>
+            </a:r>
+          </a:p>
+          <a:p>
+            <a:pPr lvl="2"/>
+            <a:r>
+              <a:rPr lang="en-US" sz="1200" dirty="0">
+                <a:solidFill>
+                  <a:schemeClr val="bg1"/>
+                </a:solidFill>
+              </a:rPr>
+              <a:t>Aws</a:t>
+            </a:r>
+          </a:p>
+          <a:p>
+            <a:pPr lvl="2"/>
+            <a:r>
+              <a:rPr lang="en-US" sz="1200" dirty="0">
+                <a:solidFill>
+                  <a:schemeClr val="bg1"/>
+                </a:solidFill>
+              </a:rPr>
+              <a:t>…</a:t>
             </a:r>
           </a:p>
           <a:p>
@@ -8416,7 +8696,61 @@
                   <a:schemeClr val="bg1"/>
                 </a:solidFill>
               </a:rPr>
-              <a:t>Id</a:t>
+              <a:t>Resources</a:t>
+            </a:r>
+          </a:p>
+          <a:p>
+            <a:pPr lvl="2"/>
+            <a:r>
+              <a:rPr lang="en-US" sz="1200" dirty="0">
+                <a:solidFill>
+                  <a:schemeClr val="bg1"/>
+                </a:solidFill>
+              </a:rPr>
+              <a:t>Resource Groups</a:t>
+            </a:r>
+          </a:p>
+          <a:p>
+            <a:pPr lvl="2"/>
+            <a:r>
+              <a:rPr lang="en-US" sz="1200" dirty="0">
+                <a:solidFill>
+                  <a:schemeClr val="bg1"/>
+                </a:solidFill>
+              </a:rPr>
+              <a:t>Storage Accounts</a:t>
+            </a:r>
+          </a:p>
+          <a:p>
+            <a:pPr lvl="2"/>
+            <a:r>
+              <a:rPr lang="en-US" sz="1200" dirty="0">
+                <a:solidFill>
+                  <a:schemeClr val="bg1"/>
+                </a:solidFill>
+              </a:rPr>
+              <a:t>AKS</a:t>
+            </a:r>
+          </a:p>
+          <a:p>
+            <a:pPr lvl="2"/>
+            <a:r>
+              <a:rPr lang="en-US" sz="1200" dirty="0">
+                <a:solidFill>
+                  <a:schemeClr val="bg1"/>
+                </a:solidFill>
+              </a:rPr>
+              <a:t>…</a:t>
+            </a:r>
+          </a:p>
+          <a:p>
+            <a:r>
+              <a:rPr lang="en-US" sz="2000" dirty="0">
+                <a:solidFill>
+                  <a:schemeClr val="bg1"/>
+                </a:solidFill>
+              </a:rPr>
+              <a:t>Initialization</a:t>
             </a:r>
           </a:p>
           <a:p>
@@ -8427,7 +8761,7 @@
                   <a:schemeClr val="bg1"/>
                 </a:solidFill>
               </a:rPr>
-              <a:t>…</a:t>
+              <a:t>Install providers</a:t>
             </a:r>
           </a:p>
           <a:p>
@@ -8437,7 +8771,29 @@
                   <a:schemeClr val="bg1"/>
                 </a:solidFill>
               </a:rPr>
-              <a:t>Known after apply</a:t>
+              <a:t>Plan</a:t>
+            </a:r>
+          </a:p>
+          <a:p>
+            <a:pPr lvl="1"/>
+            <a:r>
+              <a:rPr lang="en-US" sz="1600" dirty="0">
+                <a:solidFill>
+                  <a:schemeClr val="bg1"/>
+                </a:solidFill>
+              </a:rPr>
+              <a:t>State Refresh</a:t>
+            </a:r>
+          </a:p>
+          <a:p>
+            <a:pPr lvl="1"/>
+            <a:r>
+              <a:rPr lang="en-US" sz="1600" dirty="0">
+                <a:solidFill>
+                  <a:schemeClr val="bg1"/>
+                </a:solidFill>
+              </a:rPr>
+              <a:t>Compare</a:t>
             </a:r>
           </a:p>
           <a:p>
@@ -8447,7 +8803,7 @@
                   <a:schemeClr val="bg1"/>
                 </a:solidFill>
               </a:rPr>
-              <a:t>Implicit</a:t>
+              <a:t>Apply</a:t>
             </a:r>
           </a:p>
           <a:p>
@@ -8458,7 +8814,7 @@
                   <a:schemeClr val="bg1"/>
                 </a:solidFill>
               </a:rPr>
-              <a:t>Id</a:t>
+              <a:t>Provision resources</a:t>
             </a:r>
           </a:p>
           <a:p>
@@ -8468,52 +8824,9 @@
                   <a:schemeClr val="bg1"/>
                 </a:solidFill>
               </a:rPr>
-              <a:t>Explicit</a:t>
-            </a:r>
-          </a:p>
-          <a:p>
-            <a:pPr lvl="1"/>
-            <a:r>
-              <a:rPr lang="en-US" sz="1600" dirty="0" err="1">
-                <a:solidFill>
-                  <a:schemeClr val="bg1"/>
-                </a:solidFill>
-              </a:rPr>
-              <a:t>Depends_on</a:t>
-            </a:r>
-            <a:r>
-              <a:rPr lang="en-US" sz="1600" dirty="0">
-                <a:solidFill>
-                  <a:schemeClr val="bg1"/>
-                </a:solidFill>
-              </a:rPr>
-              <a:t> = […]</a:t>
-            </a:r>
-          </a:p>
-          <a:p>
-            <a:r>
-              <a:rPr lang="en-US" sz="2000" dirty="0">
-                <a:solidFill>
-                  <a:schemeClr val="bg1"/>
-                </a:solidFill>
-              </a:rPr>
-              <a:t>Non-Dependent</a:t>
-            </a:r>
-          </a:p>
-          <a:p>
-            <a:pPr lvl="1"/>
-            <a:r>
-              <a:rPr lang="en-US" sz="1600" dirty="0">
-                <a:solidFill>
-                  <a:schemeClr val="bg1"/>
-                </a:solidFill>
-              </a:rPr>
-              <a:t>Parallel</a:t>
-            </a:r>
-          </a:p>
-          <a:p>
-            <a:pPr lvl="1"/>
-            <a:endParaRPr lang="en-US" sz="1600" dirty="0">
+              <a:t>Destroy</a:t>
+            </a:r>
+            <a:endParaRPr lang="en-BE" sz="2000" dirty="0">
               <a:solidFill>
                 <a:schemeClr val="bg1"/>
               </a:solidFill>
@@ -8524,7 +8837,7 @@
     </p:spTree>
     <p:extLst>
       <p:ext uri="{BB962C8B-B14F-4D97-AF65-F5344CB8AC3E}">
-        <p14:creationId xmlns:p14="http://schemas.microsoft.com/office/powerpoint/2010/main" val="3821427801"/>
+        <p14:creationId xmlns:p14="http://schemas.microsoft.com/office/powerpoint/2010/main" val="2616039327"/>
       </p:ext>
     </p:extLst>
   </p:cSld>
@@ -8788,7 +9101,7 @@
             <a:pPr algn="ctr"/>
             <a:r>
               <a:rPr lang="en-US" sz="2600" dirty="0"/>
-              <a:t>Input variables</a:t>
+              <a:t>Dependencies</a:t>
             </a:r>
             <a:endParaRPr lang="en-BE" sz="2600" dirty="0"/>
           </a:p>
@@ -8822,316 +9135,143 @@
           </a:bodyPr>
           <a:lstStyle/>
           <a:p>
+            <a:r>
+              <a:rPr lang="en-US" sz="2000" dirty="0">
+                <a:solidFill>
+                  <a:schemeClr val="bg1"/>
+                </a:solidFill>
+              </a:rPr>
+              <a:t>Refer to previously created resources</a:t>
+            </a:r>
+          </a:p>
+          <a:p>
             <a:pPr lvl="1"/>
             <a:r>
-              <a:rPr lang="en-US" sz="2000" dirty="0" err="1">
-                <a:solidFill>
-                  <a:schemeClr val="bg1"/>
-                </a:solidFill>
-              </a:rPr>
-              <a:t>Reuseable</a:t>
-            </a:r>
+              <a:rPr lang="en-US" sz="1600" dirty="0">
+                <a:solidFill>
+                  <a:schemeClr val="bg1"/>
+                </a:solidFill>
+              </a:rPr>
+              <a:t>Use location from resource group</a:t>
+            </a:r>
+          </a:p>
+          <a:p>
+            <a:pPr lvl="1"/>
+            <a:r>
+              <a:rPr lang="en-US" sz="1600" dirty="0">
+                <a:solidFill>
+                  <a:schemeClr val="bg1"/>
+                </a:solidFill>
+              </a:rPr>
+              <a:t>Id</a:t>
+            </a:r>
+          </a:p>
+          <a:p>
+            <a:pPr lvl="1"/>
+            <a:r>
+              <a:rPr lang="en-US" sz="1600" dirty="0">
+                <a:solidFill>
+                  <a:schemeClr val="bg1"/>
+                </a:solidFill>
+              </a:rPr>
+              <a:t>…</a:t>
+            </a:r>
+          </a:p>
+          <a:p>
             <a:r>
               <a:rPr lang="en-US" sz="2000" dirty="0">
                 <a:solidFill>
                   <a:schemeClr val="bg1"/>
                 </a:solidFill>
               </a:rPr>
-              <a:t> scripts</a:t>
+              <a:t>Known after apply</a:t>
+            </a:r>
+          </a:p>
+          <a:p>
+            <a:r>
+              <a:rPr lang="en-US" sz="2000" dirty="0">
+                <a:solidFill>
+                  <a:schemeClr val="bg1"/>
+                </a:solidFill>
+              </a:rPr>
+              <a:t>Implicit</a:t>
             </a:r>
           </a:p>
           <a:p>
             <a:pPr lvl="1"/>
             <a:r>
+              <a:rPr lang="en-US" sz="1600" dirty="0">
+                <a:solidFill>
+                  <a:schemeClr val="bg1"/>
+                </a:solidFill>
+              </a:rPr>
+              <a:t>Id</a:t>
+            </a:r>
+          </a:p>
+          <a:p>
+            <a:r>
               <a:rPr lang="en-US" sz="2000" dirty="0">
                 <a:solidFill>
                   <a:schemeClr val="bg1"/>
                 </a:solidFill>
               </a:rPr>
-              <a:t>Define</a:t>
-            </a:r>
-          </a:p>
-          <a:p>
-            <a:pPr marL="914400" lvl="2" indent="0">
-              <a:buNone/>
-            </a:pPr>
+              <a:t>Explicit</a:t>
+            </a:r>
+          </a:p>
+          <a:p>
+            <a:pPr lvl="1"/>
+            <a:r>
+              <a:rPr lang="en-US" sz="1600" dirty="0" err="1">
+                <a:solidFill>
+                  <a:schemeClr val="bg1"/>
+                </a:solidFill>
+              </a:rPr>
+              <a:t>Depends_on</a:t>
+            </a:r>
             <a:r>
               <a:rPr lang="en-US" sz="1600" dirty="0">
                 <a:solidFill>
                   <a:schemeClr val="bg1"/>
                 </a:solidFill>
               </a:rPr>
-              <a:t>variable "region" {</a:t>
-            </a:r>
-          </a:p>
-          <a:p>
-            <a:pPr marL="914400" lvl="2" indent="0">
-              <a:buNone/>
-            </a:pPr>
+              <a:t> = […]</a:t>
+            </a:r>
+          </a:p>
+          <a:p>
+            <a:r>
+              <a:rPr lang="en-US" sz="2000" dirty="0">
+                <a:solidFill>
+                  <a:schemeClr val="bg1"/>
+                </a:solidFill>
+              </a:rPr>
+              <a:t>Non-Dependent</a:t>
+            </a:r>
+          </a:p>
+          <a:p>
+            <a:pPr lvl="1"/>
             <a:r>
               <a:rPr lang="en-US" sz="1600" dirty="0">
                 <a:solidFill>
                   <a:schemeClr val="bg1"/>
                 </a:solidFill>
               </a:rPr>
-              <a:t>  default = “</a:t>
-            </a:r>
-            <a:r>
-              <a:rPr lang="en-US" sz="1600" dirty="0" err="1">
-                <a:solidFill>
-                  <a:schemeClr val="bg1"/>
-                </a:solidFill>
-              </a:rPr>
-              <a:t>westeurope</a:t>
-            </a:r>
-            <a:r>
-              <a:rPr lang="en-US" sz="1600" dirty="0">
-                <a:solidFill>
-                  <a:schemeClr val="bg1"/>
-                </a:solidFill>
-              </a:rPr>
-              <a:t>"</a:t>
-            </a:r>
-          </a:p>
-          <a:p>
-            <a:pPr marL="914400" lvl="2" indent="0">
-              <a:buNone/>
-            </a:pPr>
-            <a:r>
-              <a:rPr lang="en-US" sz="1600" dirty="0">
-                <a:solidFill>
-                  <a:schemeClr val="bg1"/>
-                </a:solidFill>
-              </a:rPr>
-              <a:t>}</a:t>
+              <a:t>Parallel</a:t>
             </a:r>
           </a:p>
           <a:p>
             <a:pPr lvl="1"/>
-            <a:r>
-              <a:rPr lang="en-US" sz="2000" dirty="0">
-                <a:solidFill>
-                  <a:schemeClr val="bg1"/>
-                </a:solidFill>
-              </a:rPr>
-              <a:t>Use</a:t>
-            </a:r>
-          </a:p>
-          <a:p>
-            <a:pPr marL="914400" lvl="2" indent="0">
-              <a:buNone/>
-            </a:pPr>
-            <a:r>
-              <a:rPr lang="en-US" sz="1600" dirty="0">
-                <a:solidFill>
-                  <a:schemeClr val="bg1"/>
-                </a:solidFill>
-              </a:rPr>
-              <a:t>provider “</a:t>
-            </a:r>
-            <a:r>
-              <a:rPr lang="en-US" sz="1600" dirty="0" err="1">
-                <a:solidFill>
-                  <a:schemeClr val="bg1"/>
-                </a:solidFill>
-              </a:rPr>
-              <a:t>azurerm</a:t>
-            </a:r>
-            <a:r>
-              <a:rPr lang="en-US" sz="1600" dirty="0">
-                <a:solidFill>
-                  <a:schemeClr val="bg1"/>
-                </a:solidFill>
-              </a:rPr>
-              <a:t>" {</a:t>
-            </a:r>
-          </a:p>
-          <a:p>
-            <a:pPr marL="914400" lvl="2" indent="0">
-              <a:buNone/>
-            </a:pPr>
-            <a:r>
-              <a:rPr lang="en-US" sz="1600" dirty="0">
-                <a:solidFill>
-                  <a:schemeClr val="bg1"/>
-                </a:solidFill>
-              </a:rPr>
-              <a:t>  region = </a:t>
-            </a:r>
-            <a:r>
-              <a:rPr lang="en-US" sz="1600" dirty="0" err="1">
-                <a:solidFill>
-                  <a:schemeClr val="bg1"/>
-                </a:solidFill>
-              </a:rPr>
-              <a:t>var.region</a:t>
-            </a:r>
             <a:endParaRPr lang="en-US" sz="1600" dirty="0">
               <a:solidFill>
                 <a:schemeClr val="bg1"/>
               </a:solidFill>
             </a:endParaRPr>
           </a:p>
-          <a:p>
-            <a:pPr marL="914400" lvl="2" indent="0">
-              <a:buNone/>
-            </a:pPr>
-            <a:r>
-              <a:rPr lang="en-US" sz="1600" dirty="0">
-                <a:solidFill>
-                  <a:schemeClr val="bg1"/>
-                </a:solidFill>
-              </a:rPr>
-              <a:t>}</a:t>
-            </a:r>
-          </a:p>
-          <a:p>
-            <a:pPr lvl="1"/>
-            <a:r>
-              <a:rPr lang="en-US" sz="2000" dirty="0">
-                <a:solidFill>
-                  <a:schemeClr val="bg1"/>
-                </a:solidFill>
-              </a:rPr>
-              <a:t>Assign</a:t>
-            </a:r>
-          </a:p>
-          <a:p>
-            <a:pPr lvl="2"/>
-            <a:r>
-              <a:rPr lang="en-US" sz="1600" dirty="0">
-                <a:solidFill>
-                  <a:schemeClr val="bg1"/>
-                </a:solidFill>
-              </a:rPr>
-              <a:t>Command line</a:t>
-            </a:r>
-          </a:p>
-          <a:p>
-            <a:pPr lvl="3"/>
-            <a:r>
-              <a:rPr lang="en-US" sz="1400" dirty="0">
-                <a:solidFill>
-                  <a:schemeClr val="bg1"/>
-                </a:solidFill>
-              </a:rPr>
-              <a:t>terraform apply -var 'region=</a:t>
-            </a:r>
-            <a:r>
-              <a:rPr lang="en-US" sz="1400" dirty="0" err="1">
-                <a:solidFill>
-                  <a:schemeClr val="bg1"/>
-                </a:solidFill>
-              </a:rPr>
-              <a:t>westeurope</a:t>
-            </a:r>
-            <a:r>
-              <a:rPr lang="en-US" sz="1400" dirty="0">
-                <a:solidFill>
-                  <a:schemeClr val="bg1"/>
-                </a:solidFill>
-              </a:rPr>
-              <a:t>'</a:t>
-            </a:r>
-          </a:p>
-          <a:p>
-            <a:pPr lvl="2"/>
-            <a:r>
-              <a:rPr lang="en-US" sz="1600" dirty="0">
-                <a:solidFill>
-                  <a:schemeClr val="bg1"/>
-                </a:solidFill>
-              </a:rPr>
-              <a:t>File</a:t>
-            </a:r>
-          </a:p>
-          <a:p>
-            <a:pPr lvl="3"/>
-            <a:r>
-              <a:rPr lang="en-US" sz="1400" dirty="0">
-                <a:solidFill>
-                  <a:schemeClr val="bg1"/>
-                </a:solidFill>
-              </a:rPr>
-              <a:t>region = "</a:t>
-            </a:r>
-            <a:r>
-              <a:rPr lang="en-US" sz="1400" dirty="0" err="1">
-                <a:solidFill>
-                  <a:schemeClr val="bg1"/>
-                </a:solidFill>
-              </a:rPr>
-              <a:t>westeurope</a:t>
-            </a:r>
-            <a:r>
-              <a:rPr lang="en-US" sz="1400" dirty="0">
-                <a:solidFill>
-                  <a:schemeClr val="bg1"/>
-                </a:solidFill>
-              </a:rPr>
-              <a:t> “</a:t>
-            </a:r>
-          </a:p>
-          <a:p>
-            <a:pPr lvl="3"/>
-            <a:r>
-              <a:rPr lang="en-US" sz="1400" dirty="0">
-                <a:solidFill>
-                  <a:schemeClr val="bg1"/>
-                </a:solidFill>
-              </a:rPr>
-              <a:t>terraform apply -var-file="</a:t>
-            </a:r>
-            <a:r>
-              <a:rPr lang="en-US" sz="1400" dirty="0" err="1">
-                <a:solidFill>
-                  <a:schemeClr val="bg1"/>
-                </a:solidFill>
-              </a:rPr>
-              <a:t>secret.tfvars</a:t>
-            </a:r>
-            <a:r>
-              <a:rPr lang="en-US" sz="1400" dirty="0">
-                <a:solidFill>
-                  <a:schemeClr val="bg1"/>
-                </a:solidFill>
-              </a:rPr>
-              <a:t>“</a:t>
-            </a:r>
-          </a:p>
-          <a:p>
-            <a:pPr lvl="2"/>
-            <a:r>
-              <a:rPr lang="en-US" sz="1600" dirty="0">
-                <a:solidFill>
-                  <a:schemeClr val="bg1"/>
-                </a:solidFill>
-              </a:rPr>
-              <a:t>Environment</a:t>
-            </a:r>
-          </a:p>
-          <a:p>
-            <a:pPr lvl="3"/>
-            <a:r>
-              <a:rPr lang="en-US" sz="1400" dirty="0" err="1">
-                <a:solidFill>
-                  <a:schemeClr val="bg1"/>
-                </a:solidFill>
-              </a:rPr>
-              <a:t>TF_VAR_name</a:t>
-            </a:r>
-            <a:endParaRPr lang="en-US" sz="1400" dirty="0">
-              <a:solidFill>
-                <a:schemeClr val="bg1"/>
-              </a:solidFill>
-            </a:endParaRPr>
-          </a:p>
         </p:txBody>
       </p:sp>
     </p:spTree>
     <p:extLst>
       <p:ext uri="{BB962C8B-B14F-4D97-AF65-F5344CB8AC3E}">
-        <p14:creationId xmlns:p14="http://schemas.microsoft.com/office/powerpoint/2010/main" val="996558123"/>
+        <p14:creationId xmlns:p14="http://schemas.microsoft.com/office/powerpoint/2010/main" val="3821427801"/>
       </p:ext>
     </p:extLst>
   </p:cSld>
@@ -9395,7 +9535,7 @@
             <a:pPr algn="ctr"/>
             <a:r>
               <a:rPr lang="en-US" sz="2600" dirty="0"/>
-              <a:t>Output variables</a:t>
+              <a:t>Input variables</a:t>
             </a:r>
             <a:endParaRPr lang="en-BE" sz="2600" dirty="0"/>
           </a:p>
@@ -9431,6 +9571,25 @@
           <a:p>
             <a:pPr lvl="1"/>
             <a:r>
+              <a:rPr lang="en-US" sz="2000" dirty="0" err="1">
+                <a:solidFill>
+                  <a:schemeClr val="bg1"/>
+                </a:solidFill>
+              </a:rPr>
+              <a:t>Reuseable</a:t>
+            </a:r>
+            <a:r>
+              <a:rPr lang="en-US" sz="2000" dirty="0">
+                <a:solidFill>
+                  <a:schemeClr val="bg1"/>
+                </a:solidFill>
+              </a:rPr>
+              <a:t> scripts</a:t>
+            </a:r>
+          </a:p>
+          <a:p>
+            <a:pPr lvl="1"/>
+            <a:r>
               <a:rPr lang="en-US" sz="2000" dirty="0">
                 <a:solidFill>
                   <a:schemeClr val="bg1"/>
@@ -9449,23 +9608,7 @@
                   <a:schemeClr val="bg1"/>
                 </a:solidFill>
               </a:rPr>
-              <a:t>output "</a:t>
-            </a:r>
-            <a:r>
-              <a:rPr lang="en-US" sz="1600" dirty="0" err="1">
-                <a:solidFill>
-                  <a:schemeClr val="bg1"/>
-                </a:solidFill>
-              </a:rPr>
-              <a:t>ip</a:t>
-            </a:r>
-            <a:r>
-              <a:rPr lang="en-US" sz="1600" dirty="0">
-                <a:solidFill>
-                  <a:schemeClr val="bg1"/>
-                </a:solidFill>
-              </a:rPr>
-              <a:t>" {</a:t>
+              <a:t>variable "region" {</a:t>
             </a:r>
           </a:p>
           <a:p>
@@ -9478,7 +9621,7 @@
                   <a:schemeClr val="bg1"/>
                 </a:solidFill>
               </a:rPr>
-              <a:t>  value = </a:t>
+              <a:t>  default = “</a:t>
             </a:r>
             <a:r>
               <a:rPr lang="en-US" sz="1600" dirty="0" err="1">
@@ -9486,7 +9629,89 @@
                   <a:schemeClr val="bg1"/>
                 </a:solidFill>
               </a:rPr>
-              <a:t>aws_eip.ip.public_ip</a:t>
+              <a:t>westeurope</a:t>
+            </a:r>
+            <a:r>
+              <a:rPr lang="en-US" sz="1600" dirty="0">
+                <a:solidFill>
+                  <a:schemeClr val="bg1"/>
+                </a:solidFill>
+              </a:rPr>
+              <a:t>"</a:t>
+            </a:r>
+          </a:p>
+          <a:p>
+            <a:pPr marL="914400" lvl="2" indent="0">
+              <a:buNone/>
+            </a:pPr>
+            <a:r>
+              <a:rPr lang="en-US" sz="1600" dirty="0">
+                <a:solidFill>
+                  <a:schemeClr val="bg1"/>
+                </a:solidFill>
+              </a:rPr>
+              <a:t>}</a:t>
+            </a:r>
+          </a:p>
+          <a:p>
+            <a:pPr lvl="1"/>
+            <a:r>
+              <a:rPr lang="en-US" sz="2000" dirty="0">
+                <a:solidFill>
+                  <a:schemeClr val="bg1"/>
+                </a:solidFill>
+              </a:rPr>
+              <a:t>Use</a:t>
+            </a:r>
+          </a:p>
+          <a:p>
+            <a:pPr marL="914400" lvl="2" indent="0">
+              <a:buNone/>
+            </a:pPr>
+            <a:r>
+              <a:rPr lang="en-US" sz="1600" dirty="0">
+                <a:solidFill>
+                  <a:schemeClr val="bg1"/>
+                </a:solidFill>
+              </a:rPr>
+              <a:t>provider “</a:t>
+            </a:r>
+            <a:r>
+              <a:rPr lang="en-US" sz="1600" dirty="0" err="1">
+                <a:solidFill>
+                  <a:schemeClr val="bg1"/>
+                </a:solidFill>
+              </a:rPr>
+              <a:t>azurerm</a:t>
+            </a:r>
+            <a:r>
+              <a:rPr lang="en-US" sz="1600" dirty="0">
+                <a:solidFill>
+                  <a:schemeClr val="bg1"/>
+                </a:solidFill>
+              </a:rPr>
+              <a:t>" {</a:t>
+            </a:r>
+          </a:p>
+          <a:p>
+            <a:pPr marL="914400" lvl="2" indent="0">
+              <a:buNone/>
+            </a:pPr>
+            <a:r>
+              <a:rPr lang="en-US" sz="1600" dirty="0">
+                <a:solidFill>
+                  <a:schemeClr val="bg1"/>
+                </a:solidFill>
+              </a:rPr>
+              <a:t>  region = </a:t>
+            </a:r>
+            <a:r>
+              <a:rPr lang="en-US" sz="1600" dirty="0" err="1">
+                <a:solidFill>
+                  <a:schemeClr val="bg1"/>
+                </a:solidFill>
+              </a:rPr>
+              <a:t>var.region</a:t>
             </a:r>
             <a:endParaRPr lang="en-US" sz="1600" dirty="0">
               <a:solidFill>
@@ -9515,7 +9740,7 @@
                   <a:schemeClr val="bg1"/>
                 </a:solidFill>
               </a:rPr>
-              <a:t>View</a:t>
+              <a:t>Assign</a:t>
             </a:r>
           </a:p>
           <a:p>
@@ -9526,17 +9751,123 @@
                   <a:schemeClr val="bg1"/>
                 </a:solidFill>
               </a:rPr>
-              <a:t>terraform output </a:t>
-            </a:r>
-            <a:r>
-              <a:rPr lang="en-US" sz="1600" dirty="0" err="1">
-                <a:solidFill>
-                  <a:schemeClr val="bg1"/>
-                </a:solidFill>
-              </a:rPr>
-              <a:t>ip</a:t>
-            </a:r>
-            <a:endParaRPr lang="en-US" sz="1600" dirty="0">
+              <a:t>Command line</a:t>
+            </a:r>
+          </a:p>
+          <a:p>
+            <a:pPr lvl="3"/>
+            <a:r>
+              <a:rPr lang="en-US" sz="1400" dirty="0">
+                <a:solidFill>
+                  <a:schemeClr val="bg1"/>
+                </a:solidFill>
+              </a:rPr>
+              <a:t>terraform apply -var 'region=</a:t>
+            </a:r>
+            <a:r>
+              <a:rPr lang="en-US" sz="1400" dirty="0" err="1">
+                <a:solidFill>
+                  <a:schemeClr val="bg1"/>
+                </a:solidFill>
+              </a:rPr>
+              <a:t>westeurope</a:t>
+            </a:r>
+            <a:r>
+              <a:rPr lang="en-US" sz="1400" dirty="0">
+                <a:solidFill>
+                  <a:schemeClr val="bg1"/>
+                </a:solidFill>
+              </a:rPr>
+              <a:t>'</a:t>
+            </a:r>
+          </a:p>
+          <a:p>
+            <a:pPr lvl="2"/>
+            <a:r>
+              <a:rPr lang="en-US" sz="1600" dirty="0">
+                <a:solidFill>
+                  <a:schemeClr val="bg1"/>
+                </a:solidFill>
+              </a:rPr>
+              <a:t>File</a:t>
+            </a:r>
+          </a:p>
+          <a:p>
+            <a:pPr lvl="3"/>
+            <a:r>
+              <a:rPr lang="en-US" sz="1400" dirty="0">
+                <a:solidFill>
+                  <a:schemeClr val="bg1"/>
+                </a:solidFill>
+              </a:rPr>
+              <a:t>region = "</a:t>
+            </a:r>
+            <a:r>
+              <a:rPr lang="en-US" sz="1400" dirty="0" err="1">
+                <a:solidFill>
+                  <a:schemeClr val="bg1"/>
+                </a:solidFill>
+              </a:rPr>
+              <a:t>westeurope</a:t>
+            </a:r>
+            <a:r>
+              <a:rPr lang="en-US" sz="1400" dirty="0">
+                <a:solidFill>
+                  <a:schemeClr val="bg1"/>
+                </a:solidFill>
+              </a:rPr>
+              <a:t> “</a:t>
+            </a:r>
+          </a:p>
+          <a:p>
+            <a:pPr lvl="3"/>
+            <a:r>
+              <a:rPr lang="en-US" sz="1400" dirty="0">
+                <a:solidFill>
+                  <a:schemeClr val="bg1"/>
+                </a:solidFill>
+              </a:rPr>
+              <a:t>terraform apply -var-file="</a:t>
+            </a:r>
+            <a:r>
+              <a:rPr lang="en-US" sz="1400" dirty="0" err="1">
+                <a:solidFill>
+                  <a:schemeClr val="bg1"/>
+                </a:solidFill>
+              </a:rPr>
+              <a:t>secret.tfvars</a:t>
+            </a:r>
+            <a:r>
+              <a:rPr lang="en-US" sz="1400" dirty="0">
+                <a:solidFill>
+                  <a:schemeClr val="bg1"/>
+                </a:solidFill>
+              </a:rPr>
+              <a:t>“</a:t>
+            </a:r>
+          </a:p>
+          <a:p>
+            <a:pPr lvl="2"/>
+            <a:r>
+              <a:rPr lang="en-US" sz="1600" dirty="0">
+                <a:solidFill>
+                  <a:schemeClr val="bg1"/>
+                </a:solidFill>
+              </a:rPr>
+              <a:t>Environment</a:t>
+            </a:r>
+          </a:p>
+          <a:p>
+            <a:pPr lvl="3"/>
+            <a:r>
+              <a:rPr lang="en-US" sz="1400" dirty="0" err="1">
+                <a:solidFill>
+                  <a:schemeClr val="bg1"/>
+                </a:solidFill>
+              </a:rPr>
+              <a:t>TF_VAR_name</a:t>
+            </a:r>
+            <a:endParaRPr lang="en-US" sz="1400" dirty="0">
               <a:solidFill>
                 <a:schemeClr val="bg1"/>
               </a:solidFill>
@@ -9547,7 +9878,7 @@
     </p:spTree>
     <p:extLst>
       <p:ext uri="{BB962C8B-B14F-4D97-AF65-F5344CB8AC3E}">
-        <p14:creationId xmlns:p14="http://schemas.microsoft.com/office/powerpoint/2010/main" val="3482406116"/>
+        <p14:creationId xmlns:p14="http://schemas.microsoft.com/office/powerpoint/2010/main" val="996558123"/>
       </p:ext>
     </p:extLst>
   </p:cSld>
@@ -9811,7 +10142,7 @@
             <a:pPr algn="ctr"/>
             <a:r>
               <a:rPr lang="en-US" sz="2600" dirty="0"/>
-              <a:t>Remote Storage</a:t>
+              <a:t>Output variables</a:t>
             </a:r>
             <a:endParaRPr lang="en-BE" sz="2600" dirty="0"/>
           </a:p>
@@ -9852,7 +10183,75 @@
                   <a:schemeClr val="bg1"/>
                 </a:solidFill>
               </a:rPr>
-              <a:t>Terraform Cloud</a:t>
+              <a:t>Define</a:t>
+            </a:r>
+          </a:p>
+          <a:p>
+            <a:pPr marL="914400" lvl="2" indent="0">
+              <a:buNone/>
+            </a:pPr>
+            <a:r>
+              <a:rPr lang="en-US" sz="1600" dirty="0">
+                <a:solidFill>
+                  <a:schemeClr val="bg1"/>
+                </a:solidFill>
+              </a:rPr>
+              <a:t>output "</a:t>
+            </a:r>
+            <a:r>
+              <a:rPr lang="en-US" sz="1600" dirty="0" err="1">
+                <a:solidFill>
+                  <a:schemeClr val="bg1"/>
+                </a:solidFill>
+              </a:rPr>
+              <a:t>ip</a:t>
+            </a:r>
+            <a:r>
+              <a:rPr lang="en-US" sz="1600" dirty="0">
+                <a:solidFill>
+                  <a:schemeClr val="bg1"/>
+                </a:solidFill>
+              </a:rPr>
+              <a:t>" {</a:t>
+            </a:r>
+          </a:p>
+          <a:p>
+            <a:pPr marL="914400" lvl="2" indent="0">
+              <a:buNone/>
+            </a:pPr>
+            <a:r>
+              <a:rPr lang="en-US" sz="1600" dirty="0">
+                <a:solidFill>
+                  <a:schemeClr val="bg1"/>
+                </a:solidFill>
+              </a:rPr>
+              <a:t>  value = </a:t>
+            </a:r>
+            <a:r>
+              <a:rPr lang="en-US" sz="1600" dirty="0" err="1">
+                <a:solidFill>
+                  <a:schemeClr val="bg1"/>
+                </a:solidFill>
+              </a:rPr>
+              <a:t>aws_eip.ip.public_ip</a:t>
+            </a:r>
+            <a:endParaRPr lang="en-US" sz="1600" dirty="0">
+              <a:solidFill>
+                <a:schemeClr val="bg1"/>
+              </a:solidFill>
+            </a:endParaRPr>
+          </a:p>
+          <a:p>
+            <a:pPr marL="914400" lvl="2" indent="0">
+              <a:buNone/>
+            </a:pPr>
+            <a:r>
+              <a:rPr lang="en-US" sz="1600" dirty="0">
+                <a:solidFill>
+                  <a:schemeClr val="bg1"/>
+                </a:solidFill>
+              </a:rPr>
+              <a:t>}</a:t>
             </a:r>
           </a:p>
           <a:p>
@@ -9863,15 +10262,39 @@
                   <a:schemeClr val="bg1"/>
                 </a:solidFill>
               </a:rPr>
-              <a:t>Azure Storage Account</a:t>
-            </a:r>
+              <a:t>View</a:t>
+            </a:r>
+          </a:p>
+          <a:p>
+            <a:pPr lvl="2"/>
+            <a:r>
+              <a:rPr lang="en-US" sz="1600" dirty="0">
+                <a:solidFill>
+                  <a:schemeClr val="bg1"/>
+                </a:solidFill>
+              </a:rPr>
+              <a:t>terraform output </a:t>
+            </a:r>
+            <a:r>
+              <a:rPr lang="en-US" sz="1600" dirty="0" err="1">
+                <a:solidFill>
+                  <a:schemeClr val="bg1"/>
+                </a:solidFill>
+              </a:rPr>
+              <a:t>ip</a:t>
+            </a:r>
+            <a:endParaRPr lang="en-US" sz="1600" dirty="0">
+              <a:solidFill>
+                <a:schemeClr val="bg1"/>
+              </a:solidFill>
+            </a:endParaRPr>
           </a:p>
         </p:txBody>
       </p:sp>
     </p:spTree>
     <p:extLst>
       <p:ext uri="{BB962C8B-B14F-4D97-AF65-F5344CB8AC3E}">
-        <p14:creationId xmlns:p14="http://schemas.microsoft.com/office/powerpoint/2010/main" val="323062447"/>
+        <p14:creationId xmlns:p14="http://schemas.microsoft.com/office/powerpoint/2010/main" val="3482406116"/>
       </p:ext>
     </p:extLst>
   </p:cSld>
@@ -10135,7 +10558,7 @@
             <a:pPr algn="ctr"/>
             <a:r>
               <a:rPr lang="en-US" sz="2600" dirty="0"/>
-              <a:t>Modules</a:t>
+              <a:t>Remote Storage</a:t>
             </a:r>
             <a:endParaRPr lang="en-BE" sz="2600" dirty="0"/>
           </a:p>
@@ -10176,51 +10599,7 @@
                   <a:schemeClr val="bg1"/>
                 </a:solidFill>
               </a:rPr>
-              <a:t>Problems</a:t>
-            </a:r>
-          </a:p>
-          <a:p>
-            <a:pPr lvl="2"/>
-            <a:r>
-              <a:rPr lang="en-US" sz="1600" dirty="0">
-                <a:solidFill>
-                  <a:schemeClr val="bg1"/>
-                </a:solidFill>
-              </a:rPr>
-              <a:t>Understanding and navigation</a:t>
-            </a:r>
-          </a:p>
-          <a:p>
-            <a:pPr lvl="2"/>
-            <a:r>
-              <a:rPr lang="en-US" sz="1600" dirty="0">
-                <a:solidFill>
-                  <a:schemeClr val="bg1"/>
-                </a:solidFill>
-              </a:rPr>
-              <a:t>Updating configuration</a:t>
-            </a:r>
-          </a:p>
-          <a:p>
-            <a:pPr lvl="2"/>
-            <a:r>
-              <a:rPr lang="en-US" sz="1600" dirty="0">
-                <a:solidFill>
-                  <a:schemeClr val="bg1"/>
-                </a:solidFill>
-              </a:rPr>
-              <a:t>Duplication</a:t>
-            </a:r>
-          </a:p>
-          <a:p>
-            <a:pPr lvl="2"/>
-            <a:r>
-              <a:rPr lang="en-US" sz="1600" dirty="0">
-                <a:solidFill>
-                  <a:schemeClr val="bg1"/>
-                </a:solidFill>
-              </a:rPr>
-              <a:t>Share</a:t>
+              <a:t>Terraform Cloud</a:t>
             </a:r>
           </a:p>
           <a:p>
@@ -10231,84 +10610,7 @@
                   <a:schemeClr val="bg1"/>
                 </a:solidFill>
               </a:rPr>
-              <a:t>Usage</a:t>
-            </a:r>
-          </a:p>
-          <a:p>
-            <a:pPr lvl="2"/>
-            <a:r>
-              <a:rPr lang="en-US" sz="1600" dirty="0">
-                <a:solidFill>
-                  <a:schemeClr val="bg1"/>
-                </a:solidFill>
-              </a:rPr>
-              <a:t>Organize configuration</a:t>
-            </a:r>
-          </a:p>
-          <a:p>
-            <a:pPr lvl="2"/>
-            <a:r>
-              <a:rPr lang="en-US" sz="1600" dirty="0">
-                <a:solidFill>
-                  <a:schemeClr val="bg1"/>
-                </a:solidFill>
-              </a:rPr>
-              <a:t>Encapsulate configuration</a:t>
-            </a:r>
-          </a:p>
-          <a:p>
-            <a:pPr lvl="2"/>
-            <a:r>
-              <a:rPr lang="en-US" sz="1600" dirty="0">
-                <a:solidFill>
-                  <a:schemeClr val="bg1"/>
-                </a:solidFill>
-              </a:rPr>
-              <a:t>Re-use configuration</a:t>
-            </a:r>
-          </a:p>
-          <a:p>
-            <a:pPr lvl="2"/>
-            <a:r>
-              <a:rPr lang="en-US" sz="1600" dirty="0">
-                <a:solidFill>
-                  <a:schemeClr val="bg1"/>
-                </a:solidFill>
-              </a:rPr>
-              <a:t>Provide consistency and best practices</a:t>
-            </a:r>
-          </a:p>
-          <a:p>
-            <a:pPr lvl="1"/>
-            <a:r>
-              <a:rPr lang="en-US" sz="2000" dirty="0">
-                <a:solidFill>
-                  <a:schemeClr val="bg1"/>
-                </a:solidFill>
-              </a:rPr>
-              <a:t>Structure</a:t>
-            </a:r>
-          </a:p>
-          <a:p>
-            <a:pPr lvl="2"/>
-            <a:r>
-              <a:rPr lang="en-US" sz="1600" dirty="0">
-                <a:solidFill>
-                  <a:schemeClr val="bg1"/>
-                </a:solidFill>
-              </a:rPr>
-              <a:t>Root</a:t>
-            </a:r>
-          </a:p>
-          <a:p>
-            <a:pPr lvl="2"/>
-            <a:r>
-              <a:rPr lang="en-US" sz="1600" dirty="0">
-                <a:solidFill>
-                  <a:schemeClr val="bg1"/>
-                </a:solidFill>
-              </a:rPr>
-              <a:t>Sub directories</a:t>
+              <a:t>Azure Storage Account</a:t>
             </a:r>
           </a:p>
         </p:txBody>
@@ -10316,7 +10618,7 @@
     </p:spTree>
     <p:extLst>
       <p:ext uri="{BB962C8B-B14F-4D97-AF65-F5344CB8AC3E}">
-        <p14:creationId xmlns:p14="http://schemas.microsoft.com/office/powerpoint/2010/main" val="1364744703"/>
+        <p14:creationId xmlns:p14="http://schemas.microsoft.com/office/powerpoint/2010/main" val="323062447"/>
       </p:ext>
     </p:extLst>
   </p:cSld>
@@ -10621,7 +10923,7 @@
                   <a:schemeClr val="bg1"/>
                 </a:solidFill>
               </a:rPr>
-              <a:t>Use</a:t>
+              <a:t>Could solve some of these problems</a:t>
             </a:r>
           </a:p>
           <a:p>
@@ -10632,7 +10934,40 @@
                   <a:schemeClr val="bg1"/>
                 </a:solidFill>
               </a:rPr>
-              <a:t>https://registry.terraform.io/modules/Azure</a:t>
+              <a:t>Understanding and navigation</a:t>
+            </a:r>
+          </a:p>
+          <a:p>
+            <a:pPr lvl="2"/>
+            <a:r>
+              <a:rPr lang="en-US" sz="1600" dirty="0">
+                <a:solidFill>
+                  <a:schemeClr val="bg1"/>
+                </a:solidFill>
+              </a:rPr>
+              <a:t>Updating configuration</a:t>
+            </a:r>
+          </a:p>
+          <a:p>
+            <a:pPr lvl="2"/>
+            <a:r>
+              <a:rPr lang="en-US" sz="1600" dirty="0">
+                <a:solidFill>
+                  <a:schemeClr val="bg1"/>
+                </a:solidFill>
+              </a:rPr>
+              <a:t>Duplication</a:t>
+            </a:r>
+          </a:p>
+          <a:p>
+            <a:pPr lvl="2"/>
+            <a:r>
+              <a:rPr lang="en-US" sz="1600" dirty="0">
+                <a:solidFill>
+                  <a:schemeClr val="bg1"/>
+                </a:solidFill>
+              </a:rPr>
+              <a:t>Share</a:t>
             </a:r>
           </a:p>
           <a:p>
@@ -10643,7 +10978,7 @@
                   <a:schemeClr val="bg1"/>
                 </a:solidFill>
               </a:rPr>
-              <a:t>Create</a:t>
+              <a:t>Usage</a:t>
             </a:r>
           </a:p>
           <a:p>
@@ -10654,7 +10989,7 @@
                   <a:schemeClr val="bg1"/>
                 </a:solidFill>
               </a:rPr>
-              <a:t>Create Modules directory</a:t>
+              <a:t>Organize configuration</a:t>
             </a:r>
           </a:p>
           <a:p>
@@ -10665,7 +11000,7 @@
                   <a:schemeClr val="bg1"/>
                 </a:solidFill>
               </a:rPr>
-              <a:t>Create sub directory for each module</a:t>
+              <a:t>Encapsulate configuration</a:t>
             </a:r>
           </a:p>
           <a:p>
@@ -10676,40 +11011,7 @@
                   <a:schemeClr val="bg1"/>
                 </a:solidFill>
               </a:rPr>
-              <a:t>Add Module</a:t>
-            </a:r>
-          </a:p>
-          <a:p>
-            <a:pPr lvl="3"/>
-            <a:r>
-              <a:rPr lang="en-US" sz="1400" dirty="0">
-                <a:solidFill>
-                  <a:schemeClr val="bg1"/>
-                </a:solidFill>
-              </a:rPr>
-              <a:t>Main.tf</a:t>
-            </a:r>
-          </a:p>
-          <a:p>
-            <a:pPr lvl="3"/>
-            <a:r>
-              <a:rPr lang="en-US" sz="1400" dirty="0">
-                <a:solidFill>
-                  <a:schemeClr val="bg1"/>
-                </a:solidFill>
-              </a:rPr>
-              <a:t>Outputs.tf</a:t>
-            </a:r>
-          </a:p>
-          <a:p>
-            <a:pPr lvl="3"/>
-            <a:r>
-              <a:rPr lang="en-US" sz="1400" dirty="0">
-                <a:solidFill>
-                  <a:schemeClr val="bg1"/>
-                </a:solidFill>
-              </a:rPr>
-              <a:t>Variables.tf</a:t>
+              <a:t>Re-use configuration</a:t>
             </a:r>
           </a:p>
           <a:p>
@@ -10720,143 +11022,40 @@
                   <a:schemeClr val="bg1"/>
                 </a:solidFill>
               </a:rPr>
-              <a:t>Use</a:t>
-            </a:r>
-          </a:p>
-          <a:p>
-            <a:pPr marL="1371600" lvl="3" indent="0">
-              <a:buNone/>
-            </a:pPr>
-            <a:r>
-              <a:rPr lang="en-US" sz="1400" dirty="0">
-                <a:solidFill>
-                  <a:schemeClr val="bg1"/>
-                </a:solidFill>
-              </a:rPr>
-              <a:t>module “</a:t>
-            </a:r>
-            <a:r>
-              <a:rPr lang="en-US" sz="1400" dirty="0" err="1">
-                <a:solidFill>
-                  <a:schemeClr val="bg1"/>
-                </a:solidFill>
-              </a:rPr>
-              <a:t>samplemodule</a:t>
-            </a:r>
-            <a:r>
-              <a:rPr lang="en-US" sz="1400" dirty="0">
-                <a:solidFill>
-                  <a:schemeClr val="bg1"/>
-                </a:solidFill>
-              </a:rPr>
-              <a:t>" {</a:t>
-            </a:r>
-          </a:p>
-          <a:p>
-            <a:pPr marL="1371600" lvl="3" indent="0">
-              <a:buNone/>
-            </a:pPr>
-            <a:r>
-              <a:rPr lang="en-US" sz="1400" dirty="0">
-                <a:solidFill>
-                  <a:schemeClr val="bg1"/>
-                </a:solidFill>
-              </a:rPr>
-              <a:t>  source = "./modules/aws-s3-static-website-bucket"</a:t>
-            </a:r>
-          </a:p>
-          <a:p>
-            <a:pPr marL="1371600" lvl="3" indent="0">
-              <a:buNone/>
-            </a:pPr>
-            <a:r>
-              <a:rPr lang="en-US" sz="1400" dirty="0">
-                <a:solidFill>
-                  <a:schemeClr val="bg1"/>
-                </a:solidFill>
-              </a:rPr>
-              <a:t>  </a:t>
-            </a:r>
-            <a:r>
-              <a:rPr lang="en-US" sz="1400" dirty="0" err="1">
-                <a:solidFill>
-                  <a:schemeClr val="bg1"/>
-                </a:solidFill>
-              </a:rPr>
-              <a:t>bucket_name</a:t>
-            </a:r>
-            <a:r>
-              <a:rPr lang="en-US" sz="1400" dirty="0">
-                <a:solidFill>
-                  <a:schemeClr val="bg1"/>
-                </a:solidFill>
-              </a:rPr>
-              <a:t> = "&lt;UNIQUE BUCKET NAME&gt;"</a:t>
-            </a:r>
-          </a:p>
-          <a:p>
-            <a:pPr marL="1371600" lvl="3" indent="0">
-              <a:buNone/>
-            </a:pPr>
-            <a:r>
-              <a:rPr lang="en-US" sz="1400" dirty="0">
-                <a:solidFill>
-                  <a:schemeClr val="bg1"/>
-                </a:solidFill>
-              </a:rPr>
-              <a:t>  tags = {</a:t>
-            </a:r>
-          </a:p>
-          <a:p>
-            <a:pPr marL="1371600" lvl="3" indent="0">
-              <a:buNone/>
-            </a:pPr>
-            <a:r>
-              <a:rPr lang="en-US" sz="1400" dirty="0">
-                <a:solidFill>
-                  <a:schemeClr val="bg1"/>
-                </a:solidFill>
-              </a:rPr>
-              <a:t>    Terraform   = "true"</a:t>
-            </a:r>
-          </a:p>
-          <a:p>
-            <a:pPr marL="1371600" lvl="3" indent="0">
-              <a:buNone/>
-            </a:pPr>
-            <a:r>
-              <a:rPr lang="en-US" sz="1400" dirty="0">
-                <a:solidFill>
-                  <a:schemeClr val="bg1"/>
-                </a:solidFill>
-              </a:rPr>
-              <a:t>    Environment = "dev"</a:t>
-            </a:r>
-          </a:p>
-          <a:p>
-            <a:pPr marL="1371600" lvl="3" indent="0">
-              <a:buNone/>
-            </a:pPr>
-            <a:r>
-              <a:rPr lang="en-US" sz="1400" dirty="0">
-                <a:solidFill>
-                  <a:schemeClr val="bg1"/>
-                </a:solidFill>
-              </a:rPr>
-              <a:t>  }</a:t>
-            </a:r>
-          </a:p>
-          <a:p>
-            <a:pPr marL="1371600" lvl="3" indent="0">
-              <a:buNone/>
-            </a:pPr>
-            <a:r>
-              <a:rPr lang="en-US" sz="1400" dirty="0">
-                <a:solidFill>
-                  <a:schemeClr val="bg1"/>
-                </a:solidFill>
-              </a:rPr>
-              <a:t>}</a:t>
+              <a:t>Provide consistency and best practices</a:t>
+            </a:r>
+          </a:p>
+          <a:p>
+            <a:pPr lvl="1"/>
+            <a:r>
+              <a:rPr lang="en-US" sz="2000" dirty="0">
+                <a:solidFill>
+                  <a:schemeClr val="bg1"/>
+                </a:solidFill>
+              </a:rPr>
+              <a:t>Structure</a:t>
+            </a:r>
+          </a:p>
+          <a:p>
+            <a:pPr lvl="2"/>
+            <a:r>
+              <a:rPr lang="en-US" sz="1600" dirty="0">
+                <a:solidFill>
+                  <a:schemeClr val="bg1"/>
+                </a:solidFill>
+              </a:rPr>
+              <a:t>Root</a:t>
+            </a:r>
+          </a:p>
+          <a:p>
+            <a:pPr lvl="2"/>
+            <a:r>
+              <a:rPr lang="en-US" sz="1600" dirty="0">
+                <a:solidFill>
+                  <a:schemeClr val="bg1"/>
+                </a:solidFill>
+              </a:rPr>
+              <a:t>Sub directories</a:t>
             </a:r>
           </a:p>
         </p:txBody>
@@ -10864,7 +11063,7 @@
     </p:spTree>
     <p:extLst>
       <p:ext uri="{BB962C8B-B14F-4D97-AF65-F5344CB8AC3E}">
-        <p14:creationId xmlns:p14="http://schemas.microsoft.com/office/powerpoint/2010/main" val="3619974597"/>
+        <p14:creationId xmlns:p14="http://schemas.microsoft.com/office/powerpoint/2010/main" val="1364744703"/>
       </p:ext>
     </p:extLst>
   </p:cSld>
@@ -11104,8 +11303,8 @@
         </p:nvSpPr>
         <p:spPr>
           <a:xfrm>
-            <a:off x="623787" y="1635358"/>
-            <a:ext cx="2752344" cy="2706624"/>
+            <a:off x="623786" y="1635358"/>
+            <a:ext cx="2936831" cy="2978206"/>
           </a:xfrm>
           <a:prstGeom prst="ellipse">
             <a:avLst/>
@@ -11128,7 +11327,7 @@
             <a:pPr algn="ctr"/>
             <a:r>
               <a:rPr lang="en-US" sz="2600" dirty="0"/>
-              <a:t>Prerequisites</a:t>
+              <a:t>Modules</a:t>
             </a:r>
             <a:endParaRPr lang="en-BE" sz="2600" dirty="0"/>
           </a:p>
@@ -11152,8 +11351,8 @@
         </p:nvSpPr>
         <p:spPr>
           <a:xfrm>
-            <a:off x="4256690" y="1088137"/>
-            <a:ext cx="6180082" cy="3801067"/>
+            <a:off x="3823855" y="533401"/>
+            <a:ext cx="7744357" cy="5659582"/>
           </a:xfrm>
         </p:spPr>
         <p:txBody>
@@ -11162,106 +11361,257 @@
           </a:bodyPr>
           <a:lstStyle/>
           <a:p>
+            <a:pPr lvl="1"/>
             <a:r>
               <a:rPr lang="en-US" sz="2000" dirty="0">
                 <a:solidFill>
                   <a:schemeClr val="bg1"/>
                 </a:solidFill>
               </a:rPr>
-              <a:t>Azure Subscription</a:t>
-            </a:r>
-          </a:p>
-          <a:p>
+              <a:t>Use</a:t>
+            </a:r>
+          </a:p>
+          <a:p>
+            <a:pPr lvl="2"/>
+            <a:r>
+              <a:rPr lang="en-US" sz="1600" dirty="0">
+                <a:solidFill>
+                  <a:schemeClr val="bg1"/>
+                </a:solidFill>
+              </a:rPr>
+              <a:t>https://registry.terraform.io/modules/Azure</a:t>
+            </a:r>
+          </a:p>
+          <a:p>
+            <a:pPr lvl="1"/>
             <a:r>
               <a:rPr lang="en-US" sz="2000" dirty="0">
                 <a:solidFill>
                   <a:schemeClr val="bg1"/>
                 </a:solidFill>
               </a:rPr>
-              <a:t>Use </a:t>
-            </a:r>
-            <a:r>
-              <a:rPr lang="en-US" sz="2000" dirty="0">
-                <a:solidFill>
-                  <a:schemeClr val="bg1"/>
-                </a:solidFill>
-                <a:hlinkClick r:id="rId2"/>
-              </a:rPr>
-              <a:t>https://shell.azure.com</a:t>
-            </a:r>
-            <a:endParaRPr lang="en-US" sz="2000" dirty="0">
-              <a:solidFill>
-                <a:schemeClr val="bg1"/>
-              </a:solidFill>
-            </a:endParaRPr>
-          </a:p>
-          <a:p>
-            <a:pPr lvl="1"/>
+              <a:t>Create</a:t>
+            </a:r>
+          </a:p>
+          <a:p>
+            <a:pPr lvl="2"/>
             <a:r>
               <a:rPr lang="en-US" sz="1600" dirty="0">
                 <a:solidFill>
                   <a:schemeClr val="bg1"/>
                 </a:solidFill>
               </a:rPr>
-              <a:t>TF is preinstalled</a:t>
-            </a:r>
-          </a:p>
-          <a:p>
-            <a:pPr lvl="1"/>
+              <a:t>Create Modules directory</a:t>
+            </a:r>
+          </a:p>
+          <a:p>
+            <a:pPr lvl="2"/>
             <a:r>
               <a:rPr lang="en-US" sz="1600" dirty="0">
                 <a:solidFill>
                   <a:schemeClr val="bg1"/>
                 </a:solidFill>
               </a:rPr>
-              <a:t>Azure CLI is preinstalled</a:t>
-            </a:r>
-          </a:p>
-          <a:p>
-            <a:r>
-              <a:rPr lang="en-US" sz="2000" dirty="0">
-                <a:solidFill>
-                  <a:schemeClr val="bg1"/>
-                </a:solidFill>
-              </a:rPr>
-              <a:t>Use terminal</a:t>
-            </a:r>
-          </a:p>
-          <a:p>
-            <a:pPr lvl="1"/>
+              <a:t>Create sub directory for each module</a:t>
+            </a:r>
+          </a:p>
+          <a:p>
+            <a:pPr lvl="2"/>
             <a:r>
               <a:rPr lang="en-US" sz="1600" dirty="0">
                 <a:solidFill>
                   <a:schemeClr val="bg1"/>
                 </a:solidFill>
               </a:rPr>
-              <a:t>(Install TF)</a:t>
-            </a:r>
-          </a:p>
-          <a:p>
-            <a:pPr lvl="1"/>
+              <a:t>Add Module</a:t>
+            </a:r>
+          </a:p>
+          <a:p>
+            <a:pPr lvl="3"/>
+            <a:r>
+              <a:rPr lang="en-US" sz="1400" dirty="0">
+                <a:solidFill>
+                  <a:schemeClr val="bg1"/>
+                </a:solidFill>
+              </a:rPr>
+              <a:t>Main.tf</a:t>
+            </a:r>
+          </a:p>
+          <a:p>
+            <a:pPr lvl="3"/>
+            <a:r>
+              <a:rPr lang="en-US" sz="1400" dirty="0">
+                <a:solidFill>
+                  <a:schemeClr val="bg1"/>
+                </a:solidFill>
+              </a:rPr>
+              <a:t>Outputs.tf</a:t>
+            </a:r>
+          </a:p>
+          <a:p>
+            <a:pPr lvl="3"/>
+            <a:r>
+              <a:rPr lang="en-US" sz="1400" dirty="0">
+                <a:solidFill>
+                  <a:schemeClr val="bg1"/>
+                </a:solidFill>
+              </a:rPr>
+              <a:t>Variables.tf</a:t>
+            </a:r>
+          </a:p>
+          <a:p>
+            <a:pPr lvl="2"/>
             <a:r>
               <a:rPr lang="en-US" sz="1600" dirty="0">
                 <a:solidFill>
                   <a:schemeClr val="bg1"/>
                 </a:solidFill>
               </a:rPr>
-              <a:t>(Install Azure CLI)</a:t>
-            </a:r>
-          </a:p>
-          <a:p>
-            <a:endParaRPr lang="en-BE" sz="2000" dirty="0">
-              <a:solidFill>
-                <a:schemeClr val="bg1"/>
-              </a:solidFill>
-            </a:endParaRPr>
+              <a:t>Use</a:t>
+            </a:r>
+          </a:p>
+          <a:p>
+            <a:pPr marL="1371600" lvl="3" indent="0">
+              <a:buNone/>
+            </a:pPr>
+            <a:r>
+              <a:rPr lang="en-US" sz="1400" dirty="0">
+                <a:solidFill>
+                  <a:schemeClr val="bg1"/>
+                </a:solidFill>
+              </a:rPr>
+              <a:t>module “</a:t>
+            </a:r>
+            <a:r>
+              <a:rPr lang="en-US" sz="1400" dirty="0" err="1">
+                <a:solidFill>
+                  <a:schemeClr val="bg1"/>
+                </a:solidFill>
+              </a:rPr>
+              <a:t>samplemodule</a:t>
+            </a:r>
+            <a:r>
+              <a:rPr lang="en-US" sz="1400" dirty="0">
+                <a:solidFill>
+                  <a:schemeClr val="bg1"/>
+                </a:solidFill>
+              </a:rPr>
+              <a:t>" {</a:t>
+            </a:r>
+          </a:p>
+          <a:p>
+            <a:pPr marL="1371600" lvl="3" indent="0">
+              <a:buNone/>
+            </a:pPr>
+            <a:r>
+              <a:rPr lang="en-US" sz="1400" dirty="0">
+                <a:solidFill>
+                  <a:schemeClr val="bg1"/>
+                </a:solidFill>
+              </a:rPr>
+              <a:t>  source = "./modules/aws-s3-static-website-bucket"</a:t>
+            </a:r>
+          </a:p>
+          <a:p>
+            <a:pPr marL="1371600" lvl="3" indent="0">
+              <a:buNone/>
+            </a:pPr>
+            <a:r>
+              <a:rPr lang="en-US" sz="1400" dirty="0">
+                <a:solidFill>
+                  <a:schemeClr val="bg1"/>
+                </a:solidFill>
+              </a:rPr>
+              <a:t>  </a:t>
+            </a:r>
+            <a:r>
+              <a:rPr lang="en-US" sz="1400" dirty="0" err="1">
+                <a:solidFill>
+                  <a:schemeClr val="bg1"/>
+                </a:solidFill>
+              </a:rPr>
+              <a:t>bucket_name</a:t>
+            </a:r>
+            <a:r>
+              <a:rPr lang="en-US" sz="1400" dirty="0">
+                <a:solidFill>
+                  <a:schemeClr val="bg1"/>
+                </a:solidFill>
+              </a:rPr>
+              <a:t> = "&lt;UNIQUE BUCKET NAME&gt;"</a:t>
+            </a:r>
+          </a:p>
+          <a:p>
+            <a:pPr marL="1371600" lvl="3" indent="0">
+              <a:buNone/>
+            </a:pPr>
+            <a:r>
+              <a:rPr lang="en-US" sz="1400" dirty="0">
+                <a:solidFill>
+                  <a:schemeClr val="bg1"/>
+                </a:solidFill>
+              </a:rPr>
+              <a:t>  tags = {</a:t>
+            </a:r>
+          </a:p>
+          <a:p>
+            <a:pPr marL="1371600" lvl="3" indent="0">
+              <a:buNone/>
+            </a:pPr>
+            <a:r>
+              <a:rPr lang="en-US" sz="1400" dirty="0">
+                <a:solidFill>
+                  <a:schemeClr val="bg1"/>
+                </a:solidFill>
+              </a:rPr>
+              <a:t>    Terraform   = "true"</a:t>
+            </a:r>
+          </a:p>
+          <a:p>
+            <a:pPr marL="1371600" lvl="3" indent="0">
+              <a:buNone/>
+            </a:pPr>
+            <a:r>
+              <a:rPr lang="en-US" sz="1400" dirty="0">
+                <a:solidFill>
+                  <a:schemeClr val="bg1"/>
+                </a:solidFill>
+              </a:rPr>
+              <a:t>    Environment = "dev"</a:t>
+            </a:r>
+          </a:p>
+          <a:p>
+            <a:pPr marL="1371600" lvl="3" indent="0">
+              <a:buNone/>
+            </a:pPr>
+            <a:r>
+              <a:rPr lang="en-US" sz="1400" dirty="0">
+                <a:solidFill>
+                  <a:schemeClr val="bg1"/>
+                </a:solidFill>
+              </a:rPr>
+              <a:t>  }</a:t>
+            </a:r>
+          </a:p>
+          <a:p>
+            <a:pPr marL="1371600" lvl="3" indent="0">
+              <a:buNone/>
+            </a:pPr>
+            <a:r>
+              <a:rPr lang="en-US" sz="1400" dirty="0">
+                <a:solidFill>
+                  <a:schemeClr val="bg1"/>
+                </a:solidFill>
+              </a:rPr>
+              <a:t>}</a:t>
+            </a:r>
           </a:p>
         </p:txBody>
       </p:sp>
     </p:spTree>
     <p:extLst>
       <p:ext uri="{BB962C8B-B14F-4D97-AF65-F5344CB8AC3E}">
-        <p14:creationId xmlns:p14="http://schemas.microsoft.com/office/powerpoint/2010/main" val="2814124719"/>
+        <p14:creationId xmlns:p14="http://schemas.microsoft.com/office/powerpoint/2010/main" val="3619974597"/>
       </p:ext>
     </p:extLst>
   </p:cSld>

--- a/Presentation.pptx
+++ b/Presentation.pptx
@@ -131,7 +131,7 @@
 <file path=ppt/revisionInfo.xml><?xml version="1.0" encoding="utf-8"?>
 <p1510:revInfo xmlns:a="http://schemas.openxmlformats.org/drawingml/2006/main" xmlns:r="http://schemas.openxmlformats.org/officeDocument/2006/relationships" xmlns:p1510="http://schemas.microsoft.com/office/powerpoint/2015/10/main">
   <p1510:revLst>
-    <p1510:client id="{61169EC1-6E97-4775-8896-1E204A4BA217}" v="106" dt="2020-04-28T07:05:05.666"/>
+    <p1510:client id="{61169EC1-6E97-4775-8896-1E204A4BA217}" v="124" dt="2020-04-28T09:00:18.390"/>
     <p1510:client id="{C4EBCAC2-7303-4F34-A045-F63A38D29846}" v="55" dt="2020-04-27T10:12:37.367"/>
   </p1510:revLst>
 </p1510:revInfo>
@@ -401,8 +401,8 @@
   </pc:docChgLst>
   <pc:docChgLst>
     <pc:chgData name="Sujith" userId="59b95574-bd7a-487d-a4ce-375f9df81140" providerId="ADAL" clId="{61169EC1-6E97-4775-8896-1E204A4BA217}"/>
-    <pc:docChg chg="undo custSel addSld delSld modSld">
-      <pc:chgData name="Sujith" userId="59b95574-bd7a-487d-a4ce-375f9df81140" providerId="ADAL" clId="{61169EC1-6E97-4775-8896-1E204A4BA217}" dt="2020-04-28T07:08:35.791" v="1683" actId="20577"/>
+    <pc:docChg chg="undo redo custSel addSld delSld modSld">
+      <pc:chgData name="Sujith" userId="59b95574-bd7a-487d-a4ce-375f9df81140" providerId="ADAL" clId="{61169EC1-6E97-4775-8896-1E204A4BA217}" dt="2020-04-28T09:00:18.390" v="1737"/>
       <pc:docMkLst>
         <pc:docMk/>
       </pc:docMkLst>
@@ -483,7 +483,7 @@
         </pc:spChg>
       </pc:sldChg>
       <pc:sldChg chg="modSp mod">
-        <pc:chgData name="Sujith" userId="59b95574-bd7a-487d-a4ce-375f9df81140" providerId="ADAL" clId="{61169EC1-6E97-4775-8896-1E204A4BA217}" dt="2020-04-27T14:21:49.797" v="204" actId="14"/>
+        <pc:chgData name="Sujith" userId="59b95574-bd7a-487d-a4ce-375f9df81140" providerId="ADAL" clId="{61169EC1-6E97-4775-8896-1E204A4BA217}" dt="2020-04-28T08:58:33.518" v="1705" actId="15"/>
         <pc:sldMkLst>
           <pc:docMk/>
           <pc:sldMk cId="3251982746" sldId="267"/>
@@ -497,7 +497,7 @@
           </ac:spMkLst>
         </pc:spChg>
         <pc:spChg chg="mod">
-          <ac:chgData name="Sujith" userId="59b95574-bd7a-487d-a4ce-375f9df81140" providerId="ADAL" clId="{61169EC1-6E97-4775-8896-1E204A4BA217}" dt="2020-04-27T14:21:49.797" v="204" actId="14"/>
+          <ac:chgData name="Sujith" userId="59b95574-bd7a-487d-a4ce-375f9df81140" providerId="ADAL" clId="{61169EC1-6E97-4775-8896-1E204A4BA217}" dt="2020-04-28T08:58:33.518" v="1705" actId="15"/>
           <ac:spMkLst>
             <pc:docMk/>
             <pc:sldMk cId="3251982746" sldId="267"/>
@@ -513,13 +513,13 @@
         </pc:sldMkLst>
       </pc:sldChg>
       <pc:sldChg chg="modSp add mod">
-        <pc:chgData name="Sujith" userId="59b95574-bd7a-487d-a4ce-375f9df81140" providerId="ADAL" clId="{61169EC1-6E97-4775-8896-1E204A4BA217}" dt="2020-04-27T14:36:23.526" v="241" actId="14"/>
+        <pc:chgData name="Sujith" userId="59b95574-bd7a-487d-a4ce-375f9df81140" providerId="ADAL" clId="{61169EC1-6E97-4775-8896-1E204A4BA217}" dt="2020-04-28T09:00:18.390" v="1737"/>
         <pc:sldMkLst>
           <pc:docMk/>
           <pc:sldMk cId="3943015498" sldId="268"/>
         </pc:sldMkLst>
         <pc:spChg chg="mod">
-          <ac:chgData name="Sujith" userId="59b95574-bd7a-487d-a4ce-375f9df81140" providerId="ADAL" clId="{61169EC1-6E97-4775-8896-1E204A4BA217}" dt="2020-04-27T14:36:23.526" v="241" actId="14"/>
+          <ac:chgData name="Sujith" userId="59b95574-bd7a-487d-a4ce-375f9df81140" providerId="ADAL" clId="{61169EC1-6E97-4775-8896-1E204A4BA217}" dt="2020-04-28T09:00:18.390" v="1737"/>
           <ac:spMkLst>
             <pc:docMk/>
             <pc:sldMk cId="3943015498" sldId="268"/>
@@ -535,13 +535,13 @@
         </pc:sldMkLst>
       </pc:sldChg>
       <pc:sldChg chg="modSp add mod">
-        <pc:chgData name="Sujith" userId="59b95574-bd7a-487d-a4ce-375f9df81140" providerId="ADAL" clId="{61169EC1-6E97-4775-8896-1E204A4BA217}" dt="2020-04-27T14:38:59.799" v="273" actId="20577"/>
+        <pc:chgData name="Sujith" userId="59b95574-bd7a-487d-a4ce-375f9df81140" providerId="ADAL" clId="{61169EC1-6E97-4775-8896-1E204A4BA217}" dt="2020-04-28T08:56:47.123" v="1684" actId="21"/>
         <pc:sldMkLst>
           <pc:docMk/>
           <pc:sldMk cId="2715075549" sldId="269"/>
         </pc:sldMkLst>
         <pc:spChg chg="mod">
-          <ac:chgData name="Sujith" userId="59b95574-bd7a-487d-a4ce-375f9df81140" providerId="ADAL" clId="{61169EC1-6E97-4775-8896-1E204A4BA217}" dt="2020-04-27T14:38:59.799" v="273" actId="20577"/>
+          <ac:chgData name="Sujith" userId="59b95574-bd7a-487d-a4ce-375f9df81140" providerId="ADAL" clId="{61169EC1-6E97-4775-8896-1E204A4BA217}" dt="2020-04-28T08:56:47.123" v="1684" actId="21"/>
           <ac:spMkLst>
             <pc:docMk/>
             <pc:sldMk cId="2715075549" sldId="269"/>
@@ -6537,12 +6537,47 @@
                   <a:schemeClr val="bg1"/>
                 </a:solidFill>
               </a:rPr>
-              <a:t>ST_ACCOUNT=k8sstorage123</a:t>
-            </a:r>
-          </a:p>
-          <a:p>
-            <a:r>
-              <a:rPr lang="en-US" sz="2000" dirty="0">
+              <a:t>STORAGE_ACCOUNT_NAME=k8sstorage123</a:t>
+            </a:r>
+          </a:p>
+          <a:p>
+            <a:pPr lvl="1"/>
+            <a:r>
+              <a:rPr lang="en-US" sz="1600" dirty="0">
+                <a:solidFill>
+                  <a:schemeClr val="bg1"/>
+                </a:solidFill>
+              </a:rPr>
+              <a:t>CONTAINER_NAME=</a:t>
+            </a:r>
+            <a:r>
+              <a:rPr lang="en-US" sz="1600" dirty="0" err="1">
+                <a:solidFill>
+                  <a:schemeClr val="bg1"/>
+                </a:solidFill>
+              </a:rPr>
+              <a:t>tfstate</a:t>
+            </a:r>
+            <a:endParaRPr lang="en-US" sz="1600" dirty="0">
+              <a:solidFill>
+                <a:schemeClr val="bg1"/>
+              </a:solidFill>
+            </a:endParaRPr>
+          </a:p>
+          <a:p>
+            <a:pPr lvl="1"/>
+            <a:r>
+              <a:rPr lang="en-US" sz="1600" dirty="0">
+                <a:solidFill>
+                  <a:schemeClr val="bg1"/>
+                </a:solidFill>
+              </a:rPr>
+              <a:t>KEY=k8s.tfstate</a:t>
+            </a:r>
+          </a:p>
+          <a:p>
+            <a:r>
+              <a:rPr lang="en-US" sz="2400" dirty="0">
                 <a:solidFill>
                   <a:schemeClr val="bg1"/>
                 </a:solidFill>
@@ -6904,7 +6939,7 @@
                   <a:schemeClr val="bg1"/>
                 </a:solidFill>
               </a:rPr>
-              <a:t> storage account create -n $ST_ACCOUNT -g $RG_STATE_FILES -l $DEF_LOCATION --</a:t>
+              <a:t> storage account create -n $STORAGE_ACCOUNT_NAME -g $RG_STATE_FILES -l $DEF_LOCATION --</a:t>
             </a:r>
             <a:r>
               <a:rPr lang="en-US" sz="1600" dirty="0" err="1">
@@ -6938,12 +6973,144 @@
           </a:p>
           <a:p>
             <a:r>
+              <a:rPr lang="en-US" sz="2400" dirty="0">
+                <a:solidFill>
+                  <a:schemeClr val="bg1"/>
+                </a:solidFill>
+              </a:rPr>
+              <a:t>Get access key</a:t>
+            </a:r>
+          </a:p>
+          <a:p>
+            <a:pPr lvl="1"/>
+            <a:r>
+              <a:rPr lang="en-US" sz="1600" dirty="0">
+                <a:solidFill>
+                  <a:schemeClr val="bg1"/>
+                </a:solidFill>
+              </a:rPr>
+              <a:t>ACCESS_KEY=$(echo $(</a:t>
+            </a:r>
+            <a:r>
+              <a:rPr lang="en-US" sz="1600" dirty="0" err="1">
+                <a:solidFill>
+                  <a:schemeClr val="bg1"/>
+                </a:solidFill>
+              </a:rPr>
+              <a:t>az</a:t>
+            </a:r>
+            <a:r>
+              <a:rPr lang="en-US" sz="1600" dirty="0">
+                <a:solidFill>
+                  <a:schemeClr val="bg1"/>
+                </a:solidFill>
+              </a:rPr>
+              <a:t> storage account keys list -g $RG_STATE_FILES -n $STORAGE_ACCOUNT_NAME --query "[0].value") | tr -d '“’)</a:t>
+            </a:r>
+          </a:p>
+          <a:p>
+            <a:r>
+              <a:rPr lang="en-US" sz="2400" dirty="0">
+                <a:solidFill>
+                  <a:schemeClr val="bg1"/>
+                </a:solidFill>
+              </a:rPr>
+              <a:t>Create container</a:t>
+            </a:r>
+          </a:p>
+          <a:p>
+            <a:pPr lvl="1"/>
+            <a:r>
+              <a:rPr lang="en-US" sz="1600" dirty="0" err="1">
+                <a:solidFill>
+                  <a:schemeClr val="bg1"/>
+                </a:solidFill>
+              </a:rPr>
+              <a:t>az</a:t>
+            </a:r>
+            <a:r>
+              <a:rPr lang="en-US" sz="1600" dirty="0">
+                <a:solidFill>
+                  <a:schemeClr val="bg1"/>
+                </a:solidFill>
+              </a:rPr>
+              <a:t> storage container create -n $CONTAINER_NAME --account-name $STORAGE_ACCOUNT_NAME --account-key $ACCESS_KEY</a:t>
+            </a:r>
+          </a:p>
+          <a:p>
+            <a:r>
+              <a:rPr lang="en-US" sz="2400" dirty="0">
+                <a:solidFill>
+                  <a:schemeClr val="bg1"/>
+                </a:solidFill>
+              </a:rPr>
+              <a:t>Generate </a:t>
+            </a:r>
+            <a:r>
+              <a:rPr lang="en-US" sz="2400" dirty="0" err="1">
+                <a:solidFill>
+                  <a:schemeClr val="bg1"/>
+                </a:solidFill>
+              </a:rPr>
+              <a:t>ssh</a:t>
+            </a:r>
+            <a:r>
+              <a:rPr lang="en-US" sz="2400" dirty="0">
+                <a:solidFill>
+                  <a:schemeClr val="bg1"/>
+                </a:solidFill>
+              </a:rPr>
+              <a:t> key</a:t>
+            </a:r>
+          </a:p>
+          <a:p>
+            <a:pPr lvl="1"/>
+            <a:r>
+              <a:rPr lang="de-DE" sz="1600" dirty="0" err="1">
+                <a:solidFill>
+                  <a:schemeClr val="bg1"/>
+                </a:solidFill>
+              </a:rPr>
+              <a:t>ssh-keygen</a:t>
+            </a:r>
+            <a:r>
+              <a:rPr lang="de-DE" sz="1600" dirty="0">
+                <a:solidFill>
+                  <a:schemeClr val="bg1"/>
+                </a:solidFill>
+              </a:rPr>
+              <a:t> -m PEM -t </a:t>
+            </a:r>
+            <a:r>
+              <a:rPr lang="de-DE" sz="1600" dirty="0" err="1">
+                <a:solidFill>
+                  <a:schemeClr val="bg1"/>
+                </a:solidFill>
+              </a:rPr>
+              <a:t>rsa</a:t>
+            </a:r>
+            <a:r>
+              <a:rPr lang="de-DE" sz="1600" dirty="0">
+                <a:solidFill>
+                  <a:schemeClr val="bg1"/>
+                </a:solidFill>
+              </a:rPr>
+              <a:t> -b 4096</a:t>
+            </a:r>
+            <a:endParaRPr lang="en-US" sz="2000" dirty="0">
+              <a:solidFill>
+                <a:schemeClr val="bg1"/>
+              </a:solidFill>
+            </a:endParaRPr>
+          </a:p>
+          <a:p>
+            <a:r>
               <a:rPr lang="en-US" sz="2000" dirty="0">
                 <a:solidFill>
                   <a:schemeClr val="bg1"/>
                 </a:solidFill>
               </a:rPr>
-              <a:t>Get access key</a:t>
+              <a:t>Initialize TF</a:t>
             </a:r>
           </a:p>
           <a:p>
@@ -6954,7 +7121,7 @@
                   <a:schemeClr val="bg1"/>
                 </a:solidFill>
               </a:rPr>
-              <a:t>KEY=$(echo $(</a:t>
+              <a:t>terraform </a:t>
             </a:r>
             <a:r>
               <a:rPr lang="en-US" sz="1600" dirty="0" err="1">
@@ -6962,7 +7129,7 @@
                   <a:schemeClr val="bg1"/>
                 </a:solidFill>
               </a:rPr>
-              <a:t>az</a:t>
+              <a:t>init</a:t>
             </a:r>
             <a:r>
               <a:rPr lang="en-US" sz="1600" dirty="0">
@@ -6970,28 +7137,15 @@
                   <a:schemeClr val="bg1"/>
                 </a:solidFill>
               </a:rPr>
-              <a:t> storage account keys list -g $RG_STATE_FILES -n $ST_ACCOUNT --query "[0].value") | tr -d '“’)</a:t>
-            </a:r>
-          </a:p>
-          <a:p>
-            <a:r>
-              <a:rPr lang="en-US" sz="2000" dirty="0">
-                <a:solidFill>
-                  <a:schemeClr val="bg1"/>
-                </a:solidFill>
-              </a:rPr>
-              <a:t>Create container</a:t>
-            </a:r>
-          </a:p>
-          <a:p>
-            <a:pPr lvl="1"/>
+              <a:t> -backend-config="</a:t>
+            </a:r>
             <a:r>
               <a:rPr lang="en-US" sz="1600" dirty="0" err="1">
                 <a:solidFill>
                   <a:schemeClr val="bg1"/>
                 </a:solidFill>
               </a:rPr>
-              <a:t>az</a:t>
+              <a:t>storage_account_name</a:t>
             </a:r>
             <a:r>
               <a:rPr lang="en-US" sz="1600" dirty="0">
@@ -6999,7 +7153,7 @@
                   <a:schemeClr val="bg1"/>
                 </a:solidFill>
               </a:rPr>
-              <a:t> storage container create -n </a:t>
+              <a:t>=$STORAGE_ACCOUNT_NAME" -backend-config="</a:t>
             </a:r>
             <a:r>
               <a:rPr lang="en-US" sz="1600" dirty="0" err="1">
@@ -7007,7 +7161,7 @@
                   <a:schemeClr val="bg1"/>
                 </a:solidFill>
               </a:rPr>
-              <a:t>tfstate</a:t>
+              <a:t>container_name</a:t>
             </a:r>
             <a:r>
               <a:rPr lang="en-US" sz="1600" dirty="0">
@@ -7015,108 +7169,23 @@
                   <a:schemeClr val="bg1"/>
                 </a:solidFill>
               </a:rPr>
-              <a:t> --account-name $ST_ACCOUNT --account-key $KEY</a:t>
-            </a:r>
-          </a:p>
-          <a:p>
-            <a:r>
-              <a:rPr lang="en-US" sz="2000" dirty="0">
-                <a:solidFill>
-                  <a:schemeClr val="bg1"/>
-                </a:solidFill>
-              </a:rPr>
-              <a:t>Initialize TF</a:t>
-            </a:r>
-          </a:p>
-          <a:p>
-            <a:pPr lvl="1"/>
+              <a:t>=$CONTAINER_NAME" -backend-config="</a:t>
+            </a:r>
+            <a:r>
+              <a:rPr lang="en-US" sz="1600" dirty="0" err="1">
+                <a:solidFill>
+                  <a:schemeClr val="bg1"/>
+                </a:solidFill>
+              </a:rPr>
+              <a:t>access_key</a:t>
+            </a:r>
             <a:r>
               <a:rPr lang="en-US" sz="1600" dirty="0">
                 <a:solidFill>
                   <a:schemeClr val="bg1"/>
                 </a:solidFill>
               </a:rPr>
-              <a:t>terraform </a:t>
-            </a:r>
-            <a:r>
-              <a:rPr lang="en-US" sz="1600" dirty="0" err="1">
-                <a:solidFill>
-                  <a:schemeClr val="bg1"/>
-                </a:solidFill>
-              </a:rPr>
-              <a:t>init</a:t>
-            </a:r>
-            <a:r>
-              <a:rPr lang="en-US" sz="1600" dirty="0">
-                <a:solidFill>
-                  <a:schemeClr val="bg1"/>
-                </a:solidFill>
-              </a:rPr>
-              <a:t> -backend-config="</a:t>
-            </a:r>
-            <a:r>
-              <a:rPr lang="en-US" sz="1600" dirty="0" err="1">
-                <a:solidFill>
-                  <a:schemeClr val="bg1"/>
-                </a:solidFill>
-              </a:rPr>
-              <a:t>storage_account_name</a:t>
-            </a:r>
-            <a:r>
-              <a:rPr lang="en-US" sz="1600" dirty="0">
-                <a:solidFill>
-                  <a:schemeClr val="bg1"/>
-                </a:solidFill>
-              </a:rPr>
-              <a:t>=$ST_ACCOUNT" -backend-config="</a:t>
-            </a:r>
-            <a:r>
-              <a:rPr lang="en-US" sz="1600" dirty="0" err="1">
-                <a:solidFill>
-                  <a:schemeClr val="bg1"/>
-                </a:solidFill>
-              </a:rPr>
-              <a:t>container_name</a:t>
-            </a:r>
-            <a:r>
-              <a:rPr lang="en-US" sz="1600" dirty="0">
-                <a:solidFill>
-                  <a:schemeClr val="bg1"/>
-                </a:solidFill>
-              </a:rPr>
-              <a:t>=</a:t>
-            </a:r>
-            <a:r>
-              <a:rPr lang="en-US" sz="1600" dirty="0" err="1">
-                <a:solidFill>
-                  <a:schemeClr val="bg1"/>
-                </a:solidFill>
-              </a:rPr>
-              <a:t>tfstate</a:t>
-            </a:r>
-            <a:r>
-              <a:rPr lang="en-US" sz="1600" dirty="0">
-                <a:solidFill>
-                  <a:schemeClr val="bg1"/>
-                </a:solidFill>
-              </a:rPr>
-              <a:t>" -backend-config="</a:t>
-            </a:r>
-            <a:r>
-              <a:rPr lang="en-US" sz="1600" dirty="0" err="1">
-                <a:solidFill>
-                  <a:schemeClr val="bg1"/>
-                </a:solidFill>
-              </a:rPr>
-              <a:t>access_key</a:t>
-            </a:r>
-            <a:r>
-              <a:rPr lang="en-US" sz="1600" dirty="0">
-                <a:solidFill>
-                  <a:schemeClr val="bg1"/>
-                </a:solidFill>
-              </a:rPr>
-              <a:t>=$KEY" -backend-config="key=k8s.tfstate"</a:t>
+              <a:t>=$ACCESS_KEY" -backend-config="key=$KEY"</a:t>
             </a:r>
           </a:p>
         </p:txBody>
@@ -7421,67 +7490,6 @@
             <a:normAutofit/>
           </a:bodyPr>
           <a:lstStyle/>
-          <a:p>
-            <a:r>
-              <a:rPr lang="en-US" sz="2000" dirty="0">
-                <a:solidFill>
-                  <a:schemeClr val="bg1"/>
-                </a:solidFill>
-              </a:rPr>
-              <a:t>Generate </a:t>
-            </a:r>
-            <a:r>
-              <a:rPr lang="en-US" sz="2000" dirty="0" err="1">
-                <a:solidFill>
-                  <a:schemeClr val="bg1"/>
-                </a:solidFill>
-              </a:rPr>
-              <a:t>ssh</a:t>
-            </a:r>
-            <a:r>
-              <a:rPr lang="en-US" sz="2000" dirty="0">
-                <a:solidFill>
-                  <a:schemeClr val="bg1"/>
-                </a:solidFill>
-              </a:rPr>
-              <a:t> key</a:t>
-            </a:r>
-          </a:p>
-          <a:p>
-            <a:pPr lvl="1"/>
-            <a:r>
-              <a:rPr lang="de-DE" sz="1600" dirty="0" err="1">
-                <a:solidFill>
-                  <a:schemeClr val="bg1"/>
-                </a:solidFill>
-              </a:rPr>
-              <a:t>ssh-keygen</a:t>
-            </a:r>
-            <a:r>
-              <a:rPr lang="de-DE" sz="1600" dirty="0">
-                <a:solidFill>
-                  <a:schemeClr val="bg1"/>
-                </a:solidFill>
-              </a:rPr>
-              <a:t> -m PEM -t </a:t>
-            </a:r>
-            <a:r>
-              <a:rPr lang="de-DE" sz="1600" dirty="0" err="1">
-                <a:solidFill>
-                  <a:schemeClr val="bg1"/>
-                </a:solidFill>
-              </a:rPr>
-              <a:t>rsa</a:t>
-            </a:r>
-            <a:r>
-              <a:rPr lang="de-DE" sz="1600" dirty="0">
-                <a:solidFill>
-                  <a:schemeClr val="bg1"/>
-                </a:solidFill>
-              </a:rPr>
-              <a:t> -b 4096</a:t>
-            </a:r>
-          </a:p>
           <a:p>
             <a:r>
               <a:rPr lang="en-US" sz="2000" dirty="0">

--- a/Presentation.pptx
+++ b/Presentation.pptx
@@ -132,7 +132,6 @@
 <p1510:revInfo xmlns:a="http://schemas.openxmlformats.org/drawingml/2006/main" xmlns:r="http://schemas.openxmlformats.org/officeDocument/2006/relationships" xmlns:p1510="http://schemas.microsoft.com/office/powerpoint/2015/10/main">
   <p1510:revLst>
     <p1510:client id="{61169EC1-6E97-4775-8896-1E204A4BA217}" v="124" dt="2020-04-28T09:00:18.390"/>
-    <p1510:client id="{C4EBCAC2-7303-4F34-A045-F63A38D29846}" v="55" dt="2020-04-27T10:12:37.367"/>
   </p1510:revLst>
 </p1510:revInfo>
 </file>
@@ -402,7 +401,7 @@
   <pc:docChgLst>
     <pc:chgData name="Sujith" userId="59b95574-bd7a-487d-a4ce-375f9df81140" providerId="ADAL" clId="{61169EC1-6E97-4775-8896-1E204A4BA217}"/>
     <pc:docChg chg="undo redo custSel addSld delSld modSld">
-      <pc:chgData name="Sujith" userId="59b95574-bd7a-487d-a4ce-375f9df81140" providerId="ADAL" clId="{61169EC1-6E97-4775-8896-1E204A4BA217}" dt="2020-04-28T09:00:18.390" v="1737"/>
+      <pc:chgData name="Sujith" userId="59b95574-bd7a-487d-a4ce-375f9df81140" providerId="ADAL" clId="{61169EC1-6E97-4775-8896-1E204A4BA217}" dt="2020-04-28T11:48:34.732" v="1738" actId="20577"/>
       <pc:docMkLst>
         <pc:docMk/>
       </pc:docMkLst>
@@ -677,7 +676,7 @@
         </pc:spChg>
       </pc:sldChg>
       <pc:sldChg chg="modSp add mod">
-        <pc:chgData name="Sujith" userId="59b95574-bd7a-487d-a4ce-375f9df81140" providerId="ADAL" clId="{61169EC1-6E97-4775-8896-1E204A4BA217}" dt="2020-04-27T15:17:14.448" v="1065"/>
+        <pc:chgData name="Sujith" userId="59b95574-bd7a-487d-a4ce-375f9df81140" providerId="ADAL" clId="{61169EC1-6E97-4775-8896-1E204A4BA217}" dt="2020-04-28T11:48:34.732" v="1738" actId="20577"/>
         <pc:sldMkLst>
           <pc:docMk/>
           <pc:sldMk cId="3482406116" sldId="275"/>
@@ -691,7 +690,7 @@
           </ac:spMkLst>
         </pc:spChg>
         <pc:spChg chg="mod">
-          <ac:chgData name="Sujith" userId="59b95574-bd7a-487d-a4ce-375f9df81140" providerId="ADAL" clId="{61169EC1-6E97-4775-8896-1E204A4BA217}" dt="2020-04-27T15:17:14.448" v="1065"/>
+          <ac:chgData name="Sujith" userId="59b95574-bd7a-487d-a4ce-375f9df81140" providerId="ADAL" clId="{61169EC1-6E97-4775-8896-1E204A4BA217}" dt="2020-04-28T11:48:34.732" v="1738" actId="20577"/>
           <ac:spMkLst>
             <pc:docMk/>
             <pc:sldMk cId="3482406116" sldId="275"/>
@@ -10241,7 +10240,7 @@
                   <a:schemeClr val="bg1"/>
                 </a:solidFill>
               </a:rPr>
-              <a:t>aws_eip.ip.public_ip</a:t>
+              <a:t>public_ip</a:t>
             </a:r>
             <a:endParaRPr lang="en-US" sz="1600" dirty="0">
               <a:solidFill>
